--- a/presentation/slides_daniel.pptx
+++ b/presentation/slides_daniel.pptx
@@ -4,6 +4,9 @@
   <p:sldMasterIdLst>
     <p:sldMasterId id="2147483648" r:id="rId1"/>
   </p:sldMasterIdLst>
+  <p:notesMasterIdLst>
+    <p:notesMasterId r:id="rId22"/>
+  </p:notesMasterIdLst>
   <p:sldIdLst>
     <p:sldId id="256" r:id="rId2"/>
     <p:sldId id="257" r:id="rId3"/>
@@ -18,6 +21,13 @@
     <p:sldId id="266" r:id="rId12"/>
     <p:sldId id="267" r:id="rId13"/>
     <p:sldId id="268" r:id="rId14"/>
+    <p:sldId id="269" r:id="rId15"/>
+    <p:sldId id="270" r:id="rId16"/>
+    <p:sldId id="271" r:id="rId17"/>
+    <p:sldId id="272" r:id="rId18"/>
+    <p:sldId id="273" r:id="rId19"/>
+    <p:sldId id="274" r:id="rId20"/>
+    <p:sldId id="275" r:id="rId21"/>
   </p:sldIdLst>
   <p:sldSz cx="9144000" cy="6858000" type="screen4x3"/>
   <p:notesSz cx="6858000" cy="9144000"/>
@@ -119,6 +129,440 @@
 </p:presentation>
 </file>
 
+<file path=ppt/notesMasters/notesMaster1.xml><?xml version="1.0" encoding="utf-8"?>
+<p:notesMaster xmlns:a="http://schemas.openxmlformats.org/drawingml/2006/main" xmlns:r="http://schemas.openxmlformats.org/officeDocument/2006/relationships" xmlns:p="http://schemas.openxmlformats.org/presentationml/2006/main">
+  <p:cSld>
+    <p:bg>
+      <p:bgRef idx="1001">
+        <a:schemeClr val="bg1"/>
+      </p:bgRef>
+    </p:bg>
+    <p:spTree>
+      <p:nvGrpSpPr>
+        <p:cNvPr id="1" name=""/>
+        <p:cNvGrpSpPr/>
+        <p:nvPr/>
+      </p:nvGrpSpPr>
+      <p:grpSpPr>
+        <a:xfrm>
+          <a:off x="0" y="0"/>
+          <a:ext cx="0" cy="0"/>
+          <a:chOff x="0" y="0"/>
+          <a:chExt cx="0" cy="0"/>
+        </a:xfrm>
+      </p:grpSpPr>
+      <p:sp>
+        <p:nvSpPr>
+          <p:cNvPr id="2" name="Header Placeholder 1"/>
+          <p:cNvSpPr>
+            <a:spLocks noGrp="1"/>
+          </p:cNvSpPr>
+          <p:nvPr>
+            <p:ph type="hdr" sz="quarter"/>
+          </p:nvPr>
+        </p:nvSpPr>
+        <p:spPr>
+          <a:xfrm>
+            <a:off x="0" y="0"/>
+            <a:ext cx="2971800" cy="457200"/>
+          </a:xfrm>
+          <a:prstGeom prst="rect">
+            <a:avLst/>
+          </a:prstGeom>
+        </p:spPr>
+        <p:txBody>
+          <a:bodyPr vert="horz" lIns="91440" tIns="45720" rIns="91440" bIns="45720" rtlCol="0"/>
+          <a:lstStyle>
+            <a:lvl1pPr algn="l">
+              <a:defRPr sz="1200"/>
+            </a:lvl1pPr>
+          </a:lstStyle>
+          <a:p>
+            <a:endParaRPr lang="hu-HU"/>
+          </a:p>
+        </p:txBody>
+      </p:sp>
+      <p:sp>
+        <p:nvSpPr>
+          <p:cNvPr id="3" name="Date Placeholder 2"/>
+          <p:cNvSpPr>
+            <a:spLocks noGrp="1"/>
+          </p:cNvSpPr>
+          <p:nvPr>
+            <p:ph type="dt" idx="1"/>
+          </p:nvPr>
+        </p:nvSpPr>
+        <p:spPr>
+          <a:xfrm>
+            <a:off x="3884613" y="0"/>
+            <a:ext cx="2971800" cy="457200"/>
+          </a:xfrm>
+          <a:prstGeom prst="rect">
+            <a:avLst/>
+          </a:prstGeom>
+        </p:spPr>
+        <p:txBody>
+          <a:bodyPr vert="horz" lIns="91440" tIns="45720" rIns="91440" bIns="45720" rtlCol="0"/>
+          <a:lstStyle>
+            <a:lvl1pPr algn="r">
+              <a:defRPr sz="1200"/>
+            </a:lvl1pPr>
+          </a:lstStyle>
+          <a:p>
+            <a:fld id="{7DE1F189-47AF-4643-B438-A16D154135D4}" type="datetimeFigureOut">
+              <a:rPr lang="hu-HU" smtClean="0"/>
+              <a:t>2014.03.26.</a:t>
+            </a:fld>
+            <a:endParaRPr lang="hu-HU"/>
+          </a:p>
+        </p:txBody>
+      </p:sp>
+      <p:sp>
+        <p:nvSpPr>
+          <p:cNvPr id="4" name="Slide Image Placeholder 3"/>
+          <p:cNvSpPr>
+            <a:spLocks noGrp="1" noRot="1" noChangeAspect="1"/>
+          </p:cNvSpPr>
+          <p:nvPr>
+            <p:ph type="sldImg" idx="2"/>
+          </p:nvPr>
+        </p:nvSpPr>
+        <p:spPr>
+          <a:xfrm>
+            <a:off x="1143000" y="685800"/>
+            <a:ext cx="4572000" cy="3429000"/>
+          </a:xfrm>
+          <a:prstGeom prst="rect">
+            <a:avLst/>
+          </a:prstGeom>
+          <a:noFill/>
+          <a:ln w="12700">
+            <a:solidFill>
+              <a:prstClr val="black"/>
+            </a:solidFill>
+          </a:ln>
+        </p:spPr>
+        <p:txBody>
+          <a:bodyPr vert="horz" lIns="91440" tIns="45720" rIns="91440" bIns="45720" rtlCol="0" anchor="ctr"/>
+          <a:lstStyle/>
+          <a:p>
+            <a:endParaRPr lang="hu-HU"/>
+          </a:p>
+        </p:txBody>
+      </p:sp>
+      <p:sp>
+        <p:nvSpPr>
+          <p:cNvPr id="5" name="Notes Placeholder 4"/>
+          <p:cNvSpPr>
+            <a:spLocks noGrp="1"/>
+          </p:cNvSpPr>
+          <p:nvPr>
+            <p:ph type="body" sz="quarter" idx="3"/>
+          </p:nvPr>
+        </p:nvSpPr>
+        <p:spPr>
+          <a:xfrm>
+            <a:off x="685800" y="4343400"/>
+            <a:ext cx="5486400" cy="4114800"/>
+          </a:xfrm>
+          <a:prstGeom prst="rect">
+            <a:avLst/>
+          </a:prstGeom>
+        </p:spPr>
+        <p:txBody>
+          <a:bodyPr vert="horz" lIns="91440" tIns="45720" rIns="91440" bIns="45720" rtlCol="0"/>
+          <a:lstStyle/>
+          <a:p>
+            <a:pPr lvl="0"/>
+            <a:r>
+              <a:rPr lang="en-US" smtClean="0"/>
+              <a:t>Click to edit Master text styles</a:t>
+            </a:r>
+          </a:p>
+          <a:p>
+            <a:pPr lvl="1"/>
+            <a:r>
+              <a:rPr lang="en-US" smtClean="0"/>
+              <a:t>Second level</a:t>
+            </a:r>
+          </a:p>
+          <a:p>
+            <a:pPr lvl="2"/>
+            <a:r>
+              <a:rPr lang="en-US" smtClean="0"/>
+              <a:t>Third level</a:t>
+            </a:r>
+          </a:p>
+          <a:p>
+            <a:pPr lvl="3"/>
+            <a:r>
+              <a:rPr lang="en-US" smtClean="0"/>
+              <a:t>Fourth level</a:t>
+            </a:r>
+          </a:p>
+          <a:p>
+            <a:pPr lvl="4"/>
+            <a:r>
+              <a:rPr lang="en-US" smtClean="0"/>
+              <a:t>Fifth level</a:t>
+            </a:r>
+            <a:endParaRPr lang="hu-HU"/>
+          </a:p>
+        </p:txBody>
+      </p:sp>
+      <p:sp>
+        <p:nvSpPr>
+          <p:cNvPr id="6" name="Footer Placeholder 5"/>
+          <p:cNvSpPr>
+            <a:spLocks noGrp="1"/>
+          </p:cNvSpPr>
+          <p:nvPr>
+            <p:ph type="ftr" sz="quarter" idx="4"/>
+          </p:nvPr>
+        </p:nvSpPr>
+        <p:spPr>
+          <a:xfrm>
+            <a:off x="0" y="8685213"/>
+            <a:ext cx="2971800" cy="457200"/>
+          </a:xfrm>
+          <a:prstGeom prst="rect">
+            <a:avLst/>
+          </a:prstGeom>
+        </p:spPr>
+        <p:txBody>
+          <a:bodyPr vert="horz" lIns="91440" tIns="45720" rIns="91440" bIns="45720" rtlCol="0" anchor="b"/>
+          <a:lstStyle>
+            <a:lvl1pPr algn="l">
+              <a:defRPr sz="1200"/>
+            </a:lvl1pPr>
+          </a:lstStyle>
+          <a:p>
+            <a:endParaRPr lang="hu-HU"/>
+          </a:p>
+        </p:txBody>
+      </p:sp>
+      <p:sp>
+        <p:nvSpPr>
+          <p:cNvPr id="7" name="Slide Number Placeholder 6"/>
+          <p:cNvSpPr>
+            <a:spLocks noGrp="1"/>
+          </p:cNvSpPr>
+          <p:nvPr>
+            <p:ph type="sldNum" sz="quarter" idx="5"/>
+          </p:nvPr>
+        </p:nvSpPr>
+        <p:spPr>
+          <a:xfrm>
+            <a:off x="3884613" y="8685213"/>
+            <a:ext cx="2971800" cy="457200"/>
+          </a:xfrm>
+          <a:prstGeom prst="rect">
+            <a:avLst/>
+          </a:prstGeom>
+        </p:spPr>
+        <p:txBody>
+          <a:bodyPr vert="horz" lIns="91440" tIns="45720" rIns="91440" bIns="45720" rtlCol="0" anchor="b"/>
+          <a:lstStyle>
+            <a:lvl1pPr algn="r">
+              <a:defRPr sz="1200"/>
+            </a:lvl1pPr>
+          </a:lstStyle>
+          <a:p>
+            <a:fld id="{6FCE4710-B9E6-4347-9620-E393725614A0}" type="slidenum">
+              <a:rPr lang="hu-HU" smtClean="0"/>
+              <a:t>‹#›</a:t>
+            </a:fld>
+            <a:endParaRPr lang="hu-HU"/>
+          </a:p>
+        </p:txBody>
+      </p:sp>
+    </p:spTree>
+    <p:extLst>
+      <p:ext uri="{BB962C8B-B14F-4D97-AF65-F5344CB8AC3E}">
+        <p14:creationId xmlns:p14="http://schemas.microsoft.com/office/powerpoint/2010/main" val="2806694247"/>
+      </p:ext>
+    </p:extLst>
+  </p:cSld>
+  <p:clrMap bg1="lt1" tx1="dk1" bg2="lt2" tx2="dk2" accent1="accent1" accent2="accent2" accent3="accent3" accent4="accent4" accent5="accent5" accent6="accent6" hlink="hlink" folHlink="folHlink"/>
+  <p:notesStyle>
+    <a:lvl1pPr marL="0" algn="l" defTabSz="914400" rtl="0" eaLnBrk="1" latinLnBrk="0" hangingPunct="1">
+      <a:defRPr sz="1200" kern="1200">
+        <a:solidFill>
+          <a:schemeClr val="tx1"/>
+        </a:solidFill>
+        <a:latin typeface="+mn-lt"/>
+        <a:ea typeface="+mn-ea"/>
+        <a:cs typeface="+mn-cs"/>
+      </a:defRPr>
+    </a:lvl1pPr>
+    <a:lvl2pPr marL="457200" algn="l" defTabSz="914400" rtl="0" eaLnBrk="1" latinLnBrk="0" hangingPunct="1">
+      <a:defRPr sz="1200" kern="1200">
+        <a:solidFill>
+          <a:schemeClr val="tx1"/>
+        </a:solidFill>
+        <a:latin typeface="+mn-lt"/>
+        <a:ea typeface="+mn-ea"/>
+        <a:cs typeface="+mn-cs"/>
+      </a:defRPr>
+    </a:lvl2pPr>
+    <a:lvl3pPr marL="914400" algn="l" defTabSz="914400" rtl="0" eaLnBrk="1" latinLnBrk="0" hangingPunct="1">
+      <a:defRPr sz="1200" kern="1200">
+        <a:solidFill>
+          <a:schemeClr val="tx1"/>
+        </a:solidFill>
+        <a:latin typeface="+mn-lt"/>
+        <a:ea typeface="+mn-ea"/>
+        <a:cs typeface="+mn-cs"/>
+      </a:defRPr>
+    </a:lvl3pPr>
+    <a:lvl4pPr marL="1371600" algn="l" defTabSz="914400" rtl="0" eaLnBrk="1" latinLnBrk="0" hangingPunct="1">
+      <a:defRPr sz="1200" kern="1200">
+        <a:solidFill>
+          <a:schemeClr val="tx1"/>
+        </a:solidFill>
+        <a:latin typeface="+mn-lt"/>
+        <a:ea typeface="+mn-ea"/>
+        <a:cs typeface="+mn-cs"/>
+      </a:defRPr>
+    </a:lvl4pPr>
+    <a:lvl5pPr marL="1828800" algn="l" defTabSz="914400" rtl="0" eaLnBrk="1" latinLnBrk="0" hangingPunct="1">
+      <a:defRPr sz="1200" kern="1200">
+        <a:solidFill>
+          <a:schemeClr val="tx1"/>
+        </a:solidFill>
+        <a:latin typeface="+mn-lt"/>
+        <a:ea typeface="+mn-ea"/>
+        <a:cs typeface="+mn-cs"/>
+      </a:defRPr>
+    </a:lvl5pPr>
+    <a:lvl6pPr marL="2286000" algn="l" defTabSz="914400" rtl="0" eaLnBrk="1" latinLnBrk="0" hangingPunct="1">
+      <a:defRPr sz="1200" kern="1200">
+        <a:solidFill>
+          <a:schemeClr val="tx1"/>
+        </a:solidFill>
+        <a:latin typeface="+mn-lt"/>
+        <a:ea typeface="+mn-ea"/>
+        <a:cs typeface="+mn-cs"/>
+      </a:defRPr>
+    </a:lvl6pPr>
+    <a:lvl7pPr marL="2743200" algn="l" defTabSz="914400" rtl="0" eaLnBrk="1" latinLnBrk="0" hangingPunct="1">
+      <a:defRPr sz="1200" kern="1200">
+        <a:solidFill>
+          <a:schemeClr val="tx1"/>
+        </a:solidFill>
+        <a:latin typeface="+mn-lt"/>
+        <a:ea typeface="+mn-ea"/>
+        <a:cs typeface="+mn-cs"/>
+      </a:defRPr>
+    </a:lvl7pPr>
+    <a:lvl8pPr marL="3200400" algn="l" defTabSz="914400" rtl="0" eaLnBrk="1" latinLnBrk="0" hangingPunct="1">
+      <a:defRPr sz="1200" kern="1200">
+        <a:solidFill>
+          <a:schemeClr val="tx1"/>
+        </a:solidFill>
+        <a:latin typeface="+mn-lt"/>
+        <a:ea typeface="+mn-ea"/>
+        <a:cs typeface="+mn-cs"/>
+      </a:defRPr>
+    </a:lvl8pPr>
+    <a:lvl9pPr marL="3657600" algn="l" defTabSz="914400" rtl="0" eaLnBrk="1" latinLnBrk="0" hangingPunct="1">
+      <a:defRPr sz="1200" kern="1200">
+        <a:solidFill>
+          <a:schemeClr val="tx1"/>
+        </a:solidFill>
+        <a:latin typeface="+mn-lt"/>
+        <a:ea typeface="+mn-ea"/>
+        <a:cs typeface="+mn-cs"/>
+      </a:defRPr>
+    </a:lvl9pPr>
+  </p:notesStyle>
+</p:notesMaster>
+</file>
+
+<file path=ppt/notesSlides/notesSlide1.xml><?xml version="1.0" encoding="utf-8"?>
+<p:notes xmlns:a="http://schemas.openxmlformats.org/drawingml/2006/main" xmlns:r="http://schemas.openxmlformats.org/officeDocument/2006/relationships" xmlns:p="http://schemas.openxmlformats.org/presentationml/2006/main">
+  <p:cSld>
+    <p:spTree>
+      <p:nvGrpSpPr>
+        <p:cNvPr id="1" name=""/>
+        <p:cNvGrpSpPr/>
+        <p:nvPr/>
+      </p:nvGrpSpPr>
+      <p:grpSpPr>
+        <a:xfrm>
+          <a:off x="0" y="0"/>
+          <a:ext cx="0" cy="0"/>
+          <a:chOff x="0" y="0"/>
+          <a:chExt cx="0" cy="0"/>
+        </a:xfrm>
+      </p:grpSpPr>
+      <p:sp>
+        <p:nvSpPr>
+          <p:cNvPr id="2" name="Slide Image Placeholder 1"/>
+          <p:cNvSpPr>
+            <a:spLocks noGrp="1" noRot="1" noChangeAspect="1"/>
+          </p:cNvSpPr>
+          <p:nvPr>
+            <p:ph type="sldImg"/>
+          </p:nvPr>
+        </p:nvSpPr>
+        <p:spPr/>
+      </p:sp>
+      <p:sp>
+        <p:nvSpPr>
+          <p:cNvPr id="3" name="Notes Placeholder 2"/>
+          <p:cNvSpPr>
+            <a:spLocks noGrp="1"/>
+          </p:cNvSpPr>
+          <p:nvPr>
+            <p:ph type="body" idx="1"/>
+          </p:nvPr>
+        </p:nvSpPr>
+        <p:spPr/>
+        <p:txBody>
+          <a:bodyPr/>
+          <a:lstStyle/>
+          <a:p>
+            <a:endParaRPr lang="hu-HU" dirty="0"/>
+          </a:p>
+        </p:txBody>
+      </p:sp>
+      <p:sp>
+        <p:nvSpPr>
+          <p:cNvPr id="4" name="Slide Number Placeholder 3"/>
+          <p:cNvSpPr>
+            <a:spLocks noGrp="1"/>
+          </p:cNvSpPr>
+          <p:nvPr>
+            <p:ph type="sldNum" sz="quarter" idx="10"/>
+          </p:nvPr>
+        </p:nvSpPr>
+        <p:spPr/>
+        <p:txBody>
+          <a:bodyPr/>
+          <a:lstStyle/>
+          <a:p>
+            <a:fld id="{6FCE4710-B9E6-4347-9620-E393725614A0}" type="slidenum">
+              <a:rPr lang="hu-HU" smtClean="0"/>
+              <a:t>1</a:t>
+            </a:fld>
+            <a:endParaRPr lang="hu-HU"/>
+          </a:p>
+        </p:txBody>
+      </p:sp>
+    </p:spTree>
+    <p:extLst>
+      <p:ext uri="{BB962C8B-B14F-4D97-AF65-F5344CB8AC3E}">
+        <p14:creationId xmlns:p14="http://schemas.microsoft.com/office/powerpoint/2010/main" val="2461650590"/>
+      </p:ext>
+    </p:extLst>
+  </p:cSld>
+  <p:clrMapOvr>
+    <a:masterClrMapping/>
+  </p:clrMapOvr>
+</p:notes>
+</file>
+
 <file path=ppt/slideLayouts/slideLayout1.xml><?xml version="1.0" encoding="utf-8"?>
 <p:sldLayout xmlns:a="http://schemas.openxmlformats.org/drawingml/2006/main" xmlns:r="http://schemas.openxmlformats.org/officeDocument/2006/relationships" xmlns:p="http://schemas.openxmlformats.org/presentationml/2006/main" type="title" preserve="1">
   <p:cSld name="Title Slide">
@@ -300,7 +744,7 @@
           <a:p>
             <a:fld id="{78F7501C-0FBA-4912-B930-6291D1759BC9}" type="datetimeFigureOut">
               <a:rPr lang="hu-HU" smtClean="0"/>
-              <a:t>2014.03.24.</a:t>
+              <a:t>2014.03.26.</a:t>
             </a:fld>
             <a:endParaRPr lang="hu-HU"/>
           </a:p>
@@ -470,7 +914,7 @@
           <a:p>
             <a:fld id="{78F7501C-0FBA-4912-B930-6291D1759BC9}" type="datetimeFigureOut">
               <a:rPr lang="hu-HU" smtClean="0"/>
-              <a:t>2014.03.24.</a:t>
+              <a:t>2014.03.26.</a:t>
             </a:fld>
             <a:endParaRPr lang="hu-HU"/>
           </a:p>
@@ -650,7 +1094,7 @@
           <a:p>
             <a:fld id="{78F7501C-0FBA-4912-B930-6291D1759BC9}" type="datetimeFigureOut">
               <a:rPr lang="hu-HU" smtClean="0"/>
-              <a:t>2014.03.24.</a:t>
+              <a:t>2014.03.26.</a:t>
             </a:fld>
             <a:endParaRPr lang="hu-HU"/>
           </a:p>
@@ -820,7 +1264,7 @@
           <a:p>
             <a:fld id="{78F7501C-0FBA-4912-B930-6291D1759BC9}" type="datetimeFigureOut">
               <a:rPr lang="hu-HU" smtClean="0"/>
-              <a:t>2014.03.24.</a:t>
+              <a:t>2014.03.26.</a:t>
             </a:fld>
             <a:endParaRPr lang="hu-HU"/>
           </a:p>
@@ -1066,7 +1510,7 @@
           <a:p>
             <a:fld id="{78F7501C-0FBA-4912-B930-6291D1759BC9}" type="datetimeFigureOut">
               <a:rPr lang="hu-HU" smtClean="0"/>
-              <a:t>2014.03.24.</a:t>
+              <a:t>2014.03.26.</a:t>
             </a:fld>
             <a:endParaRPr lang="hu-HU"/>
           </a:p>
@@ -1354,7 +1798,7 @@
           <a:p>
             <a:fld id="{78F7501C-0FBA-4912-B930-6291D1759BC9}" type="datetimeFigureOut">
               <a:rPr lang="hu-HU" smtClean="0"/>
-              <a:t>2014.03.24.</a:t>
+              <a:t>2014.03.26.</a:t>
             </a:fld>
             <a:endParaRPr lang="hu-HU"/>
           </a:p>
@@ -1776,7 +2220,7 @@
           <a:p>
             <a:fld id="{78F7501C-0FBA-4912-B930-6291D1759BC9}" type="datetimeFigureOut">
               <a:rPr lang="hu-HU" smtClean="0"/>
-              <a:t>2014.03.24.</a:t>
+              <a:t>2014.03.26.</a:t>
             </a:fld>
             <a:endParaRPr lang="hu-HU"/>
           </a:p>
@@ -1894,7 +2338,7 @@
           <a:p>
             <a:fld id="{78F7501C-0FBA-4912-B930-6291D1759BC9}" type="datetimeFigureOut">
               <a:rPr lang="hu-HU" smtClean="0"/>
-              <a:t>2014.03.24.</a:t>
+              <a:t>2014.03.26.</a:t>
             </a:fld>
             <a:endParaRPr lang="hu-HU"/>
           </a:p>
@@ -1989,7 +2433,7 @@
           <a:p>
             <a:fld id="{78F7501C-0FBA-4912-B930-6291D1759BC9}" type="datetimeFigureOut">
               <a:rPr lang="hu-HU" smtClean="0"/>
-              <a:t>2014.03.24.</a:t>
+              <a:t>2014.03.26.</a:t>
             </a:fld>
             <a:endParaRPr lang="hu-HU"/>
           </a:p>
@@ -2266,7 +2710,7 @@
           <a:p>
             <a:fld id="{78F7501C-0FBA-4912-B930-6291D1759BC9}" type="datetimeFigureOut">
               <a:rPr lang="hu-HU" smtClean="0"/>
-              <a:t>2014.03.24.</a:t>
+              <a:t>2014.03.26.</a:t>
             </a:fld>
             <a:endParaRPr lang="hu-HU"/>
           </a:p>
@@ -2519,7 +2963,7 @@
           <a:p>
             <a:fld id="{78F7501C-0FBA-4912-B930-6291D1759BC9}" type="datetimeFigureOut">
               <a:rPr lang="hu-HU" smtClean="0"/>
-              <a:t>2014.03.24.</a:t>
+              <a:t>2014.03.26.</a:t>
             </a:fld>
             <a:endParaRPr lang="hu-HU"/>
           </a:p>
@@ -2732,7 +3176,7 @@
           <a:p>
             <a:fld id="{78F7501C-0FBA-4912-B930-6291D1759BC9}" type="datetimeFigureOut">
               <a:rPr lang="hu-HU" smtClean="0"/>
-              <a:t>2014.03.24.</a:t>
+              <a:t>2014.03.26.</a:t>
             </a:fld>
             <a:endParaRPr lang="hu-HU"/>
           </a:p>
@@ -3173,8 +3617,8 @@
         </p:nvSpPr>
         <p:spPr>
           <a:xfrm>
-            <a:off x="1375464" y="4509120"/>
-            <a:ext cx="6400800" cy="1752600"/>
+            <a:off x="4932040" y="4512341"/>
+            <a:ext cx="3952528" cy="1752600"/>
           </a:xfrm>
           <a:prstGeom prst="rect">
             <a:avLst/>
@@ -3887,7 +4331,61 @@
           <a:bodyPr/>
           <a:lstStyle/>
           <a:p>
-            <a:endParaRPr lang="hu-HU"/>
+            <a:r>
+              <a:rPr lang="hu-HU" dirty="0" smtClean="0"/>
+              <a:t>Only minor cooperation is required</a:t>
+            </a:r>
+          </a:p>
+          <a:p>
+            <a:pPr lvl="1"/>
+            <a:r>
+              <a:rPr lang="hu-HU" dirty="0" smtClean="0"/>
+              <a:t>WID, RelevantWrites(S, t, R), DB(S, t)</a:t>
+            </a:r>
+          </a:p>
+          <a:p>
+            <a:r>
+              <a:rPr lang="hu-HU" dirty="0" smtClean="0"/>
+              <a:t>Session manager</a:t>
+            </a:r>
+          </a:p>
+          <a:p>
+            <a:pPr lvl="1"/>
+            <a:r>
+              <a:rPr lang="hu-HU" dirty="0" smtClean="0"/>
+              <a:t>Provides the guarantees</a:t>
+            </a:r>
+          </a:p>
+          <a:p>
+            <a:pPr lvl="1"/>
+            <a:r>
+              <a:rPr lang="hu-HU" dirty="0" smtClean="0"/>
+              <a:t>Mediates communication with servers</a:t>
+            </a:r>
+          </a:p>
+          <a:p>
+            <a:pPr lvl="1"/>
+            <a:r>
+              <a:rPr lang="hu-HU" dirty="0" smtClean="0"/>
+              <a:t>Read-set (RS) and Write-set (WS) for each session</a:t>
+            </a:r>
+          </a:p>
+          <a:p>
+            <a:pPr lvl="2"/>
+            <a:r>
+              <a:rPr lang="hu-HU" dirty="0" smtClean="0"/>
+              <a:t>RS – Set of WIDs for the Writes that are relevant to session reads</a:t>
+            </a:r>
+          </a:p>
+          <a:p>
+            <a:pPr lvl="2"/>
+            <a:r>
+              <a:rPr lang="hu-HU" dirty="0" smtClean="0"/>
+              <a:t>WS – Set of WIDs for those Writes performed</a:t>
+            </a:r>
+          </a:p>
+          <a:p>
+            <a:endParaRPr lang="hu-HU" dirty="0"/>
           </a:p>
         </p:txBody>
       </p:sp>
@@ -3895,6 +4393,1774 @@
     <p:extLst>
       <p:ext uri="{BB962C8B-B14F-4D97-AF65-F5344CB8AC3E}">
         <p14:creationId xmlns:p14="http://schemas.microsoft.com/office/powerpoint/2010/main" val="3055724107"/>
+      </p:ext>
+    </p:extLst>
+  </p:cSld>
+  <p:clrMapOvr>
+    <a:masterClrMapping/>
+  </p:clrMapOvr>
+</p:sld>
+</file>
+
+<file path=ppt/slides/slide14.xml><?xml version="1.0" encoding="utf-8"?>
+<p:sld xmlns:a="http://schemas.openxmlformats.org/drawingml/2006/main" xmlns:r="http://schemas.openxmlformats.org/officeDocument/2006/relationships" xmlns:p="http://schemas.openxmlformats.org/presentationml/2006/main">
+  <p:cSld>
+    <p:spTree>
+      <p:nvGrpSpPr>
+        <p:cNvPr id="1" name=""/>
+        <p:cNvGrpSpPr/>
+        <p:nvPr/>
+      </p:nvGrpSpPr>
+      <p:grpSpPr>
+        <a:xfrm>
+          <a:off x="0" y="0"/>
+          <a:ext cx="0" cy="0"/>
+          <a:chOff x="0" y="0"/>
+          <a:chExt cx="0" cy="0"/>
+        </a:xfrm>
+      </p:grpSpPr>
+      <p:sp>
+        <p:nvSpPr>
+          <p:cNvPr id="2" name="Title 1"/>
+          <p:cNvSpPr>
+            <a:spLocks noGrp="1"/>
+          </p:cNvSpPr>
+          <p:nvPr>
+            <p:ph type="title"/>
+          </p:nvPr>
+        </p:nvSpPr>
+        <p:spPr/>
+        <p:txBody>
+          <a:bodyPr/>
+          <a:lstStyle/>
+          <a:p>
+            <a:r>
+              <a:rPr lang="hu-HU" dirty="0" smtClean="0"/>
+              <a:t>Providing „Read Your Writes”</a:t>
+            </a:r>
+            <a:endParaRPr lang="hu-HU" dirty="0"/>
+          </a:p>
+        </p:txBody>
+      </p:sp>
+      <mc:AlternateContent xmlns:mc="http://schemas.openxmlformats.org/markup-compatibility/2006" xmlns:a14="http://schemas.microsoft.com/office/drawing/2010/main">
+        <mc:Choice Requires="a14">
+          <p:sp>
+            <p:nvSpPr>
+              <p:cNvPr id="3" name="Content Placeholder 2"/>
+              <p:cNvSpPr>
+                <a:spLocks noGrp="1"/>
+              </p:cNvSpPr>
+              <p:nvPr>
+                <p:ph idx="1"/>
+              </p:nvPr>
+            </p:nvSpPr>
+            <p:spPr/>
+            <p:txBody>
+              <a:bodyPr/>
+              <a:lstStyle/>
+              <a:p>
+                <a:r>
+                  <a:rPr lang="hu-HU" dirty="0" smtClean="0"/>
+                  <a:t>When a Write is accepted by a server</a:t>
+                </a:r>
+              </a:p>
+              <a:p>
+                <a:pPr lvl="1"/>
+                <a14:m>
+                  <m:oMath xmlns:m="http://schemas.openxmlformats.org/officeDocument/2006/math">
+                    <m:r>
+                      <a:rPr lang="hu-HU" b="0" i="1" smtClean="0">
+                        <a:latin typeface="Cambria Math"/>
+                      </a:rPr>
+                      <m:t>𝑊𝑆</m:t>
+                    </m:r>
+                    <m:r>
+                      <a:rPr lang="hu-HU" b="0" i="1" smtClean="0">
+                        <a:latin typeface="Cambria Math"/>
+                      </a:rPr>
+                      <m:t>≔</m:t>
+                    </m:r>
+                    <m:r>
+                      <a:rPr lang="hu-HU" b="0" i="1" smtClean="0">
+                        <a:latin typeface="Cambria Math"/>
+                      </a:rPr>
+                      <m:t>𝑊𝑆</m:t>
+                    </m:r>
+                    <m:r>
+                      <a:rPr lang="hu-HU" b="0" i="1" smtClean="0">
+                        <a:latin typeface="Cambria Math"/>
+                      </a:rPr>
+                      <m:t> ∪{</m:t>
+                    </m:r>
+                    <m:sSub>
+                      <m:sSubPr>
+                        <m:ctrlPr>
+                          <a:rPr lang="hu-HU" b="0" i="1" smtClean="0">
+                            <a:latin typeface="Cambria Math"/>
+                            <a:ea typeface="Cambria Math"/>
+                          </a:rPr>
+                        </m:ctrlPr>
+                      </m:sSubPr>
+                      <m:e>
+                        <m:r>
+                          <a:rPr lang="hu-HU" b="0" i="1" smtClean="0">
+                            <a:latin typeface="Cambria Math"/>
+                            <a:ea typeface="Cambria Math"/>
+                          </a:rPr>
+                          <m:t>𝑊𝐼𝐷</m:t>
+                        </m:r>
+                      </m:e>
+                      <m:sub>
+                        <m:r>
+                          <a:rPr lang="hu-HU" b="0" i="1" smtClean="0">
+                            <a:latin typeface="Cambria Math"/>
+                            <a:ea typeface="Cambria Math"/>
+                          </a:rPr>
+                          <m:t>𝑛𝑒𝑤</m:t>
+                        </m:r>
+                      </m:sub>
+                    </m:sSub>
+                    <m:r>
+                      <a:rPr lang="hu-HU" b="0" i="1" smtClean="0">
+                        <a:latin typeface="Cambria Math"/>
+                        <a:ea typeface="Cambria Math"/>
+                      </a:rPr>
+                      <m:t>}</m:t>
+                    </m:r>
+                  </m:oMath>
+                </a14:m>
+                <a:endParaRPr lang="hu-HU" dirty="0" smtClean="0"/>
+              </a:p>
+              <a:p>
+                <a:r>
+                  <a:rPr lang="hu-HU" dirty="0" smtClean="0"/>
+                  <a:t>Before each Read to server S at time t, the session manager must check that</a:t>
+                </a:r>
+              </a:p>
+              <a:p>
+                <a:pPr lvl="1"/>
+                <a14:m>
+                  <m:oMath xmlns:m="http://schemas.openxmlformats.org/officeDocument/2006/math">
+                    <m:r>
+                      <a:rPr lang="hu-HU" b="0" i="1" smtClean="0">
+                        <a:latin typeface="Cambria Math"/>
+                      </a:rPr>
+                      <m:t>𝑊𝑆</m:t>
+                    </m:r>
+                    <m:r>
+                      <a:rPr lang="hu-HU" i="1">
+                        <a:latin typeface="Cambria Math"/>
+                        <a:ea typeface="Cambria Math"/>
+                      </a:rPr>
+                      <m:t>⊂</m:t>
+                    </m:r>
+                    <m:r>
+                      <a:rPr lang="hu-HU" b="0" i="1" smtClean="0">
+                        <a:latin typeface="Cambria Math"/>
+                        <a:ea typeface="Cambria Math"/>
+                      </a:rPr>
+                      <m:t>𝐷𝐵</m:t>
+                    </m:r>
+                    <m:d>
+                      <m:dPr>
+                        <m:ctrlPr>
+                          <a:rPr lang="hu-HU" b="0" i="1" smtClean="0">
+                            <a:latin typeface="Cambria Math"/>
+                            <a:ea typeface="Cambria Math"/>
+                          </a:rPr>
+                        </m:ctrlPr>
+                      </m:dPr>
+                      <m:e>
+                        <m:r>
+                          <a:rPr lang="hu-HU" b="0" i="1" smtClean="0">
+                            <a:latin typeface="Cambria Math"/>
+                            <a:ea typeface="Cambria Math"/>
+                          </a:rPr>
+                          <m:t>𝑆</m:t>
+                        </m:r>
+                        <m:r>
+                          <a:rPr lang="hu-HU" b="0" i="1" smtClean="0">
+                            <a:latin typeface="Cambria Math"/>
+                            <a:ea typeface="Cambria Math"/>
+                          </a:rPr>
+                          <m:t>, </m:t>
+                        </m:r>
+                        <m:r>
+                          <a:rPr lang="hu-HU" b="0" i="1" smtClean="0">
+                            <a:latin typeface="Cambria Math"/>
+                            <a:ea typeface="Cambria Math"/>
+                          </a:rPr>
+                          <m:t>𝑡</m:t>
+                        </m:r>
+                      </m:e>
+                    </m:d>
+                  </m:oMath>
+                </a14:m>
+                <a:endParaRPr lang="hu-HU" b="0" dirty="0" smtClean="0">
+                  <a:ea typeface="Cambria Math"/>
+                </a:endParaRPr>
+              </a:p>
+              <a:p>
+                <a:r>
+                  <a:rPr lang="hu-HU" dirty="0"/>
+                  <a:t>C</a:t>
+                </a:r>
+                <a:r>
+                  <a:rPr lang="hu-HU" dirty="0" smtClean="0"/>
+                  <a:t>hecked on the server by passing the WS</a:t>
+                </a:r>
+              </a:p>
+              <a:p>
+                <a:r>
+                  <a:rPr lang="hu-HU" dirty="0" smtClean="0"/>
+                  <a:t>Or on client by retrieving a list of WIDs</a:t>
+                </a:r>
+                <a:endParaRPr lang="hu-HU" dirty="0"/>
+              </a:p>
+            </p:txBody>
+          </p:sp>
+        </mc:Choice>
+        <mc:Fallback xmlns="">
+          <p:sp>
+            <p:nvSpPr>
+              <p:cNvPr id="3" name="Content Placeholder 2"/>
+              <p:cNvSpPr>
+                <a:spLocks noGrp="1" noRot="1" noChangeAspect="1" noMove="1" noResize="1" noEditPoints="1" noAdjustHandles="1" noChangeArrowheads="1" noChangeShapeType="1" noTextEdit="1"/>
+              </p:cNvSpPr>
+              <p:nvPr>
+                <p:ph idx="1"/>
+              </p:nvPr>
+            </p:nvSpPr>
+            <p:spPr>
+              <a:blipFill rotWithShape="1">
+                <a:blip r:embed="rId2"/>
+                <a:stretch>
+                  <a:fillRect l="-1630" t="-1752"/>
+                </a:stretch>
+              </a:blipFill>
+            </p:spPr>
+            <p:txBody>
+              <a:bodyPr/>
+              <a:lstStyle/>
+              <a:p>
+                <a:r>
+                  <a:rPr lang="hu-HU">
+                    <a:noFill/>
+                  </a:rPr>
+                  <a:t> </a:t>
+                </a:r>
+              </a:p>
+            </p:txBody>
+          </p:sp>
+        </mc:Fallback>
+      </mc:AlternateContent>
+    </p:spTree>
+    <p:extLst>
+      <p:ext uri="{BB962C8B-B14F-4D97-AF65-F5344CB8AC3E}">
+        <p14:creationId xmlns:p14="http://schemas.microsoft.com/office/powerpoint/2010/main" val="3421898298"/>
+      </p:ext>
+    </p:extLst>
+  </p:cSld>
+  <p:clrMapOvr>
+    <a:masterClrMapping/>
+  </p:clrMapOvr>
+</p:sld>
+</file>
+
+<file path=ppt/slides/slide15.xml><?xml version="1.0" encoding="utf-8"?>
+<p:sld xmlns:a="http://schemas.openxmlformats.org/drawingml/2006/main" xmlns:r="http://schemas.openxmlformats.org/officeDocument/2006/relationships" xmlns:p="http://schemas.openxmlformats.org/presentationml/2006/main">
+  <p:cSld>
+    <p:spTree>
+      <p:nvGrpSpPr>
+        <p:cNvPr id="1" name=""/>
+        <p:cNvGrpSpPr/>
+        <p:nvPr/>
+      </p:nvGrpSpPr>
+      <p:grpSpPr>
+        <a:xfrm>
+          <a:off x="0" y="0"/>
+          <a:ext cx="0" cy="0"/>
+          <a:chOff x="0" y="0"/>
+          <a:chExt cx="0" cy="0"/>
+        </a:xfrm>
+      </p:grpSpPr>
+      <p:sp>
+        <p:nvSpPr>
+          <p:cNvPr id="2" name="Title 1"/>
+          <p:cNvSpPr>
+            <a:spLocks noGrp="1"/>
+          </p:cNvSpPr>
+          <p:nvPr>
+            <p:ph type="title"/>
+          </p:nvPr>
+        </p:nvSpPr>
+        <p:spPr/>
+        <p:txBody>
+          <a:bodyPr/>
+          <a:lstStyle/>
+          <a:p>
+            <a:r>
+              <a:rPr lang="hu-HU" dirty="0" smtClean="0"/>
+              <a:t>Providing „Monotonic Reads”</a:t>
+            </a:r>
+            <a:endParaRPr lang="hu-HU" dirty="0"/>
+          </a:p>
+        </p:txBody>
+      </p:sp>
+      <mc:AlternateContent xmlns:mc="http://schemas.openxmlformats.org/markup-compatibility/2006" xmlns:a14="http://schemas.microsoft.com/office/drawing/2010/main">
+        <mc:Choice Requires="a14">
+          <p:sp>
+            <p:nvSpPr>
+              <p:cNvPr id="3" name="Content Placeholder 2"/>
+              <p:cNvSpPr>
+                <a:spLocks noGrp="1"/>
+              </p:cNvSpPr>
+              <p:nvPr>
+                <p:ph idx="1"/>
+              </p:nvPr>
+            </p:nvSpPr>
+            <p:spPr/>
+            <p:txBody>
+              <a:bodyPr/>
+              <a:lstStyle/>
+              <a:p>
+                <a:r>
+                  <a:rPr lang="hu-HU" dirty="0" smtClean="0"/>
+                  <a:t>Before each Read, the session manager ensures that </a:t>
+                </a:r>
+                <a:endParaRPr lang="hu-HU" b="0" i="1" dirty="0" smtClean="0">
+                  <a:latin typeface="Cambria Math"/>
+                </a:endParaRPr>
+              </a:p>
+              <a:p>
+                <a:pPr lvl="1"/>
+                <a14:m>
+                  <m:oMath xmlns:m="http://schemas.openxmlformats.org/officeDocument/2006/math">
+                    <m:r>
+                      <a:rPr lang="hu-HU" b="0" i="1" smtClean="0">
+                        <a:latin typeface="Cambria Math"/>
+                      </a:rPr>
+                      <m:t>𝑅𝑆</m:t>
+                    </m:r>
+                    <m:r>
+                      <a:rPr lang="hu-HU" b="0" i="1" smtClean="0">
+                        <a:latin typeface="Cambria Math"/>
+                      </a:rPr>
+                      <m:t>⊂</m:t>
+                    </m:r>
+                    <m:r>
+                      <a:rPr lang="hu-HU" b="0" i="1" smtClean="0">
+                        <a:latin typeface="Cambria Math"/>
+                      </a:rPr>
+                      <m:t>𝐷𝐵</m:t>
+                    </m:r>
+                    <m:d>
+                      <m:dPr>
+                        <m:ctrlPr>
+                          <a:rPr lang="hu-HU" b="0" i="1" smtClean="0">
+                            <a:latin typeface="Cambria Math"/>
+                          </a:rPr>
+                        </m:ctrlPr>
+                      </m:dPr>
+                      <m:e>
+                        <m:r>
+                          <a:rPr lang="hu-HU" b="0" i="1" smtClean="0">
+                            <a:latin typeface="Cambria Math"/>
+                          </a:rPr>
+                          <m:t>𝑆</m:t>
+                        </m:r>
+                        <m:r>
+                          <a:rPr lang="hu-HU" b="0" i="1" smtClean="0">
+                            <a:latin typeface="Cambria Math"/>
+                          </a:rPr>
+                          <m:t>, </m:t>
+                        </m:r>
+                        <m:r>
+                          <a:rPr lang="hu-HU" b="0" i="1" smtClean="0">
+                            <a:latin typeface="Cambria Math"/>
+                          </a:rPr>
+                          <m:t>𝑡</m:t>
+                        </m:r>
+                      </m:e>
+                    </m:d>
+                  </m:oMath>
+                </a14:m>
+                <a:endParaRPr lang="hu-HU" b="0" dirty="0" smtClean="0"/>
+              </a:p>
+              <a:p>
+                <a:r>
+                  <a:rPr lang="hu-HU" dirty="0" smtClean="0"/>
+                  <a:t>After each Read R to Server S at time t</a:t>
+                </a:r>
+              </a:p>
+              <a:p>
+                <a:pPr lvl="1"/>
+                <a14:m>
+                  <m:oMath xmlns:m="http://schemas.openxmlformats.org/officeDocument/2006/math">
+                    <m:r>
+                      <a:rPr lang="hu-HU" b="0" i="1" smtClean="0">
+                        <a:latin typeface="Cambria Math"/>
+                      </a:rPr>
+                      <m:t>𝑅𝑆</m:t>
+                    </m:r>
+                    <m:r>
+                      <a:rPr lang="hu-HU" b="0" i="1" smtClean="0">
+                        <a:latin typeface="Cambria Math"/>
+                      </a:rPr>
+                      <m:t>≔</m:t>
+                    </m:r>
+                    <m:r>
+                      <a:rPr lang="hu-HU" b="0" i="1" smtClean="0">
+                        <a:latin typeface="Cambria Math"/>
+                      </a:rPr>
+                      <m:t>𝑅𝑆</m:t>
+                    </m:r>
+                    <m:r>
+                      <a:rPr lang="hu-HU" b="0" i="1" smtClean="0">
+                        <a:latin typeface="Cambria Math"/>
+                      </a:rPr>
+                      <m:t> ∪{</m:t>
+                    </m:r>
+                    <m:r>
+                      <a:rPr lang="hu-HU" b="0" i="1" smtClean="0">
+                        <a:latin typeface="Cambria Math"/>
+                        <a:ea typeface="Cambria Math"/>
+                      </a:rPr>
+                      <m:t>𝑊𝐼𝐷</m:t>
+                    </m:r>
+                    <m:r>
+                      <a:rPr lang="hu-HU" b="0" i="1" smtClean="0">
+                        <a:latin typeface="Cambria Math"/>
+                        <a:ea typeface="Cambria Math"/>
+                      </a:rPr>
+                      <m:t>←</m:t>
+                    </m:r>
+                    <m:r>
+                      <a:rPr lang="hu-HU" b="0" i="1" smtClean="0">
+                        <a:latin typeface="Cambria Math"/>
+                        <a:ea typeface="Cambria Math"/>
+                      </a:rPr>
+                      <m:t>𝑅𝑒𝑙𝑒𝑣𝑎𝑛𝑡𝑊𝑟𝑖𝑡𝑒𝑠</m:t>
+                    </m:r>
+                    <m:r>
+                      <a:rPr lang="hu-HU" b="0" i="1" smtClean="0">
+                        <a:latin typeface="Cambria Math"/>
+                        <a:ea typeface="Cambria Math"/>
+                      </a:rPr>
+                      <m:t>(</m:t>
+                    </m:r>
+                    <m:r>
+                      <a:rPr lang="hu-HU" b="0" i="1" smtClean="0">
+                        <a:latin typeface="Cambria Math"/>
+                        <a:ea typeface="Cambria Math"/>
+                      </a:rPr>
+                      <m:t>𝑆</m:t>
+                    </m:r>
+                    <m:r>
+                      <a:rPr lang="hu-HU" b="0" i="1" smtClean="0">
+                        <a:latin typeface="Cambria Math"/>
+                        <a:ea typeface="Cambria Math"/>
+                      </a:rPr>
+                      <m:t>, </m:t>
+                    </m:r>
+                    <m:r>
+                      <a:rPr lang="hu-HU" b="0" i="1" smtClean="0">
+                        <a:latin typeface="Cambria Math"/>
+                        <a:ea typeface="Cambria Math"/>
+                      </a:rPr>
+                      <m:t>𝑡</m:t>
+                    </m:r>
+                    <m:r>
+                      <a:rPr lang="hu-HU" b="0" i="1" smtClean="0">
+                        <a:latin typeface="Cambria Math"/>
+                        <a:ea typeface="Cambria Math"/>
+                      </a:rPr>
+                      <m:t>, </m:t>
+                    </m:r>
+                    <m:r>
+                      <a:rPr lang="hu-HU" b="0" i="1" smtClean="0">
+                        <a:latin typeface="Cambria Math"/>
+                        <a:ea typeface="Cambria Math"/>
+                      </a:rPr>
+                      <m:t>𝑅</m:t>
+                    </m:r>
+                    <m:r>
+                      <a:rPr lang="hu-HU" b="0" i="1" smtClean="0">
+                        <a:latin typeface="Cambria Math"/>
+                        <a:ea typeface="Cambria Math"/>
+                      </a:rPr>
+                      <m:t>)}</m:t>
+                    </m:r>
+                  </m:oMath>
+                </a14:m>
+                <a:r>
+                  <a:rPr lang="hu-HU" dirty="0" smtClean="0"/>
+                  <a:t> </a:t>
+                </a:r>
+                <a:endParaRPr lang="hu-HU" dirty="0"/>
+              </a:p>
+            </p:txBody>
+          </p:sp>
+        </mc:Choice>
+        <mc:Fallback xmlns="">
+          <p:sp>
+            <p:nvSpPr>
+              <p:cNvPr id="3" name="Content Placeholder 2"/>
+              <p:cNvSpPr>
+                <a:spLocks noGrp="1" noRot="1" noChangeAspect="1" noMove="1" noResize="1" noEditPoints="1" noAdjustHandles="1" noChangeArrowheads="1" noChangeShapeType="1" noTextEdit="1"/>
+              </p:cNvSpPr>
+              <p:nvPr>
+                <p:ph idx="1"/>
+              </p:nvPr>
+            </p:nvSpPr>
+            <p:spPr>
+              <a:blipFill rotWithShape="1">
+                <a:blip r:embed="rId2"/>
+                <a:stretch>
+                  <a:fillRect l="-1630" t="-1752" r="-148"/>
+                </a:stretch>
+              </a:blipFill>
+            </p:spPr>
+            <p:txBody>
+              <a:bodyPr/>
+              <a:lstStyle/>
+              <a:p>
+                <a:r>
+                  <a:rPr lang="hu-HU">
+                    <a:noFill/>
+                  </a:rPr>
+                  <a:t> </a:t>
+                </a:r>
+              </a:p>
+            </p:txBody>
+          </p:sp>
+        </mc:Fallback>
+      </mc:AlternateContent>
+    </p:spTree>
+    <p:extLst>
+      <p:ext uri="{BB962C8B-B14F-4D97-AF65-F5344CB8AC3E}">
+        <p14:creationId xmlns:p14="http://schemas.microsoft.com/office/powerpoint/2010/main" val="224543427"/>
+      </p:ext>
+    </p:extLst>
+  </p:cSld>
+  <p:clrMapOvr>
+    <a:masterClrMapping/>
+  </p:clrMapOvr>
+</p:sld>
+</file>
+
+<file path=ppt/slides/slide16.xml><?xml version="1.0" encoding="utf-8"?>
+<p:sld xmlns:a="http://schemas.openxmlformats.org/drawingml/2006/main" xmlns:r="http://schemas.openxmlformats.org/officeDocument/2006/relationships" xmlns:p="http://schemas.openxmlformats.org/presentationml/2006/main">
+  <p:cSld>
+    <p:spTree>
+      <p:nvGrpSpPr>
+        <p:cNvPr id="1" name=""/>
+        <p:cNvGrpSpPr/>
+        <p:nvPr/>
+      </p:nvGrpSpPr>
+      <p:grpSpPr>
+        <a:xfrm>
+          <a:off x="0" y="0"/>
+          <a:ext cx="0" cy="0"/>
+          <a:chOff x="0" y="0"/>
+          <a:chExt cx="0" cy="0"/>
+        </a:xfrm>
+      </p:grpSpPr>
+      <p:sp>
+        <p:nvSpPr>
+          <p:cNvPr id="2" name="Title 1"/>
+          <p:cNvSpPr>
+            <a:spLocks noGrp="1"/>
+          </p:cNvSpPr>
+          <p:nvPr>
+            <p:ph type="title"/>
+          </p:nvPr>
+        </p:nvSpPr>
+        <p:spPr/>
+        <p:txBody>
+          <a:bodyPr/>
+          <a:lstStyle/>
+          <a:p>
+            <a:r>
+              <a:rPr lang="hu-HU" dirty="0" smtClean="0"/>
+              <a:t>Additional Constraints</a:t>
+            </a:r>
+            <a:endParaRPr lang="hu-HU" dirty="0"/>
+          </a:p>
+        </p:txBody>
+      </p:sp>
+      <mc:AlternateContent xmlns:mc="http://schemas.openxmlformats.org/markup-compatibility/2006" xmlns:a14="http://schemas.microsoft.com/office/drawing/2010/main">
+        <mc:Choice Requires="a14">
+          <p:sp>
+            <p:nvSpPr>
+              <p:cNvPr id="3" name="Content Placeholder 2"/>
+              <p:cNvSpPr>
+                <a:spLocks noGrp="1"/>
+              </p:cNvSpPr>
+              <p:nvPr>
+                <p:ph idx="1"/>
+              </p:nvPr>
+            </p:nvSpPr>
+            <p:spPr/>
+            <p:txBody>
+              <a:bodyPr>
+                <a:normAutofit/>
+              </a:bodyPr>
+              <a:lstStyle/>
+              <a:p>
+                <a:r>
+                  <a:rPr lang="hu-HU" dirty="0" smtClean="0"/>
+                  <a:t>When a server S accepts Write W</a:t>
+                </a:r>
+                <a:r>
+                  <a:rPr lang="hu-HU" sz="2000" dirty="0" smtClean="0"/>
+                  <a:t>2</a:t>
+                </a:r>
+                <a:r>
+                  <a:rPr lang="hu-HU" dirty="0" smtClean="0"/>
+                  <a:t> at time t, it ensures that </a:t>
+                </a:r>
+              </a:p>
+              <a:p>
+                <a:pPr lvl="1"/>
+                <a14:m>
+                  <m:oMath xmlns:m="http://schemas.openxmlformats.org/officeDocument/2006/math">
+                    <m:r>
+                      <a:rPr lang="hu-HU" b="0" i="1" smtClean="0">
+                        <a:latin typeface="Cambria Math"/>
+                      </a:rPr>
+                      <m:t>𝑊𝑟𝑖𝑡𝑒𝑂𝑟𝑑𝑒𝑟</m:t>
+                    </m:r>
+                    <m:d>
+                      <m:dPr>
+                        <m:ctrlPr>
+                          <a:rPr lang="hu-HU" b="0" i="1" smtClean="0">
+                            <a:latin typeface="Cambria Math"/>
+                          </a:rPr>
+                        </m:ctrlPr>
+                      </m:dPr>
+                      <m:e>
+                        <m:sSub>
+                          <m:sSubPr>
+                            <m:ctrlPr>
+                              <a:rPr lang="hu-HU" b="0" i="1" smtClean="0">
+                                <a:latin typeface="Cambria Math"/>
+                              </a:rPr>
+                            </m:ctrlPr>
+                          </m:sSubPr>
+                          <m:e>
+                            <m:r>
+                              <a:rPr lang="hu-HU" b="0" i="1" smtClean="0">
+                                <a:latin typeface="Cambria Math"/>
+                              </a:rPr>
+                              <m:t>𝑊</m:t>
+                            </m:r>
+                          </m:e>
+                          <m:sub>
+                            <m:r>
+                              <a:rPr lang="hu-HU" b="0" i="1" smtClean="0">
+                                <a:latin typeface="Cambria Math"/>
+                              </a:rPr>
+                              <m:t>𝑖</m:t>
+                            </m:r>
+                          </m:sub>
+                        </m:sSub>
+                        <m:r>
+                          <a:rPr lang="hu-HU" b="0" i="1" smtClean="0">
+                            <a:latin typeface="Cambria Math"/>
+                          </a:rPr>
+                          <m:t>,</m:t>
+                        </m:r>
+                        <m:sSub>
+                          <m:sSubPr>
+                            <m:ctrlPr>
+                              <a:rPr lang="hu-HU" b="0" i="1" smtClean="0">
+                                <a:latin typeface="Cambria Math"/>
+                              </a:rPr>
+                            </m:ctrlPr>
+                          </m:sSubPr>
+                          <m:e>
+                            <m:r>
+                              <a:rPr lang="hu-HU" b="0" i="1" smtClean="0">
+                                <a:latin typeface="Cambria Math"/>
+                              </a:rPr>
+                              <m:t>𝑊</m:t>
+                            </m:r>
+                          </m:e>
+                          <m:sub>
+                            <m:r>
+                              <a:rPr lang="hu-HU" b="0" i="1" smtClean="0">
+                                <a:latin typeface="Cambria Math"/>
+                              </a:rPr>
+                              <m:t>2</m:t>
+                            </m:r>
+                          </m:sub>
+                        </m:sSub>
+                      </m:e>
+                    </m:d>
+                    <m:r>
+                      <a:rPr lang="hu-HU" b="0" i="1" smtClean="0">
+                        <a:latin typeface="Cambria Math"/>
+                      </a:rPr>
+                      <m:t> </m:t>
+                    </m:r>
+                    <m:r>
+                      <a:rPr lang="hu-HU" b="0" i="1" smtClean="0">
+                        <a:latin typeface="Cambria Math"/>
+                      </a:rPr>
+                      <m:t>𝑓𝑜𝑟</m:t>
+                    </m:r>
+                    <m:r>
+                      <a:rPr lang="hu-HU" b="0" i="1" smtClean="0">
+                        <a:latin typeface="Cambria Math"/>
+                      </a:rPr>
+                      <m:t> </m:t>
+                    </m:r>
+                    <m:r>
+                      <a:rPr lang="hu-HU" b="0" i="1" smtClean="0">
+                        <a:latin typeface="Cambria Math"/>
+                      </a:rPr>
+                      <m:t>𝑎𝑙𝑙</m:t>
+                    </m:r>
+                    <m:r>
+                      <a:rPr lang="hu-HU" b="0" i="1" smtClean="0">
+                        <a:latin typeface="Cambria Math"/>
+                      </a:rPr>
+                      <m:t> </m:t>
+                    </m:r>
+                    <m:sSub>
+                      <m:sSubPr>
+                        <m:ctrlPr>
+                          <a:rPr lang="hu-HU" b="0" i="1" smtClean="0">
+                            <a:latin typeface="Cambria Math"/>
+                          </a:rPr>
+                        </m:ctrlPr>
+                      </m:sSubPr>
+                      <m:e>
+                        <m:r>
+                          <a:rPr lang="hu-HU" b="0" i="1" smtClean="0">
+                            <a:latin typeface="Cambria Math"/>
+                          </a:rPr>
+                          <m:t>𝑊</m:t>
+                        </m:r>
+                      </m:e>
+                      <m:sub>
+                        <m:r>
+                          <a:rPr lang="hu-HU" b="0" i="1" smtClean="0">
+                            <a:latin typeface="Cambria Math"/>
+                          </a:rPr>
+                          <m:t>𝑖</m:t>
+                        </m:r>
+                      </m:sub>
+                    </m:sSub>
+                    <m:r>
+                      <a:rPr lang="hu-HU" b="0" i="1" smtClean="0">
+                        <a:latin typeface="Cambria Math"/>
+                        <a:ea typeface="Cambria Math"/>
+                      </a:rPr>
+                      <m:t>∈</m:t>
+                    </m:r>
+                    <m:r>
+                      <a:rPr lang="hu-HU" b="0" i="1" smtClean="0">
+                        <a:latin typeface="Cambria Math"/>
+                        <a:ea typeface="Cambria Math"/>
+                      </a:rPr>
+                      <m:t>𝐷𝐵</m:t>
+                    </m:r>
+                    <m:r>
+                      <a:rPr lang="hu-HU" b="0" i="1" smtClean="0">
+                        <a:latin typeface="Cambria Math"/>
+                        <a:ea typeface="Cambria Math"/>
+                      </a:rPr>
+                      <m:t>(</m:t>
+                    </m:r>
+                    <m:r>
+                      <a:rPr lang="hu-HU" b="0" i="1" smtClean="0">
+                        <a:latin typeface="Cambria Math"/>
+                        <a:ea typeface="Cambria Math"/>
+                      </a:rPr>
+                      <m:t>𝑆</m:t>
+                    </m:r>
+                    <m:r>
+                      <a:rPr lang="hu-HU" b="0" i="1" smtClean="0">
+                        <a:latin typeface="Cambria Math"/>
+                        <a:ea typeface="Cambria Math"/>
+                      </a:rPr>
+                      <m:t>, </m:t>
+                    </m:r>
+                    <m:r>
+                      <a:rPr lang="hu-HU" b="0" i="1" smtClean="0">
+                        <a:latin typeface="Cambria Math"/>
+                        <a:ea typeface="Cambria Math"/>
+                      </a:rPr>
+                      <m:t>𝑡</m:t>
+                    </m:r>
+                    <m:r>
+                      <a:rPr lang="hu-HU" b="0" i="1" smtClean="0">
+                        <a:latin typeface="Cambria Math"/>
+                        <a:ea typeface="Cambria Math"/>
+                      </a:rPr>
+                      <m:t>)</m:t>
+                    </m:r>
+                  </m:oMath>
+                </a14:m>
+                <a:endParaRPr lang="hu-HU" dirty="0" smtClean="0"/>
+              </a:p>
+              <a:p>
+                <a:pPr lvl="1"/>
+                <a:r>
+                  <a:rPr lang="hu-HU" b="1" dirty="0" smtClean="0"/>
+                  <a:t>New Writes ordered after already known Writes</a:t>
+                </a:r>
+              </a:p>
+              <a:p>
+                <a:r>
+                  <a:rPr lang="hu-HU" dirty="0" smtClean="0"/>
+                  <a:t>Anti-Entropy – if W2 is propagated from server S1 to server S2 at time t, then</a:t>
+                </a:r>
+              </a:p>
+              <a:p>
+                <a:pPr lvl="1"/>
+                <a14:m>
+                  <m:oMath xmlns:m="http://schemas.openxmlformats.org/officeDocument/2006/math">
+                    <m:r>
+                      <a:rPr lang="hu-HU" i="1" smtClean="0">
+                        <a:latin typeface="Cambria Math"/>
+                        <a:ea typeface="Cambria Math"/>
+                      </a:rPr>
+                      <m:t>∀</m:t>
+                    </m:r>
+                    <m:sSub>
+                      <m:sSubPr>
+                        <m:ctrlPr>
+                          <a:rPr lang="hu-HU" i="1" smtClean="0">
+                            <a:latin typeface="Cambria Math"/>
+                            <a:ea typeface="Cambria Math"/>
+                          </a:rPr>
+                        </m:ctrlPr>
+                      </m:sSubPr>
+                      <m:e>
+                        <m:r>
+                          <a:rPr lang="hu-HU" b="0" i="1" smtClean="0">
+                            <a:latin typeface="Cambria Math"/>
+                            <a:ea typeface="Cambria Math"/>
+                          </a:rPr>
+                          <m:t>𝑊</m:t>
+                        </m:r>
+                      </m:e>
+                      <m:sub>
+                        <m:r>
+                          <a:rPr lang="hu-HU" b="0" i="1" smtClean="0">
+                            <a:latin typeface="Cambria Math"/>
+                            <a:ea typeface="Cambria Math"/>
+                          </a:rPr>
+                          <m:t>𝑖</m:t>
+                        </m:r>
+                      </m:sub>
+                    </m:sSub>
+                    <m:r>
+                      <a:rPr lang="hu-HU" b="0" i="1" smtClean="0">
+                        <a:latin typeface="Cambria Math"/>
+                        <a:ea typeface="Cambria Math"/>
+                      </a:rPr>
+                      <m:t>∈</m:t>
+                    </m:r>
+                    <m:r>
+                      <a:rPr lang="hu-HU" b="0" i="1" smtClean="0">
+                        <a:latin typeface="Cambria Math"/>
+                        <a:ea typeface="Cambria Math"/>
+                      </a:rPr>
+                      <m:t>𝐷𝐵</m:t>
+                    </m:r>
+                    <m:d>
+                      <m:dPr>
+                        <m:ctrlPr>
+                          <a:rPr lang="hu-HU" b="0" i="1" smtClean="0">
+                            <a:latin typeface="Cambria Math"/>
+                            <a:ea typeface="Cambria Math"/>
+                          </a:rPr>
+                        </m:ctrlPr>
+                      </m:dPr>
+                      <m:e>
+                        <m:r>
+                          <a:rPr lang="hu-HU" b="0" i="1" smtClean="0">
+                            <a:latin typeface="Cambria Math"/>
+                            <a:ea typeface="Cambria Math"/>
+                          </a:rPr>
+                          <m:t>𝑆</m:t>
+                        </m:r>
+                        <m:r>
+                          <a:rPr lang="hu-HU" b="0" i="1" smtClean="0">
+                            <a:latin typeface="Cambria Math"/>
+                            <a:ea typeface="Cambria Math"/>
+                          </a:rPr>
+                          <m:t>, </m:t>
+                        </m:r>
+                        <m:r>
+                          <a:rPr lang="hu-HU" b="0" i="1" smtClean="0">
+                            <a:latin typeface="Cambria Math"/>
+                            <a:ea typeface="Cambria Math"/>
+                          </a:rPr>
+                          <m:t>𝑡</m:t>
+                        </m:r>
+                      </m:e>
+                    </m:d>
+                    <m:r>
+                      <a:rPr lang="hu-HU" b="0" i="1" smtClean="0">
+                        <a:latin typeface="Cambria Math"/>
+                        <a:ea typeface="Cambria Math"/>
+                      </a:rPr>
+                      <m:t> </m:t>
+                    </m:r>
+                    <m:r>
+                      <a:rPr lang="hu-HU" b="0" i="1" smtClean="0">
+                        <a:latin typeface="Cambria Math"/>
+                        <a:ea typeface="Cambria Math"/>
+                      </a:rPr>
+                      <m:t>𝑠</m:t>
+                    </m:r>
+                    <m:r>
+                      <a:rPr lang="hu-HU" b="0" i="1" smtClean="0">
+                        <a:latin typeface="Cambria Math"/>
+                        <a:ea typeface="Cambria Math"/>
+                      </a:rPr>
+                      <m:t>.</m:t>
+                    </m:r>
+                    <m:r>
+                      <a:rPr lang="hu-HU" b="0" i="1" smtClean="0">
+                        <a:latin typeface="Cambria Math"/>
+                        <a:ea typeface="Cambria Math"/>
+                      </a:rPr>
+                      <m:t>𝑡</m:t>
+                    </m:r>
+                    <m:r>
+                      <a:rPr lang="hu-HU" b="0" i="1" smtClean="0">
+                        <a:latin typeface="Cambria Math"/>
+                        <a:ea typeface="Cambria Math"/>
+                      </a:rPr>
+                      <m:t>.  </m:t>
+                    </m:r>
+                    <m:r>
+                      <a:rPr lang="hu-HU" b="0" i="1" smtClean="0">
+                        <a:latin typeface="Cambria Math"/>
+                        <a:ea typeface="Cambria Math"/>
+                      </a:rPr>
+                      <m:t>𝑊𝑟𝑖𝑡𝑒𝑂𝑟𝑑𝑒𝑟</m:t>
+                    </m:r>
+                    <m:d>
+                      <m:dPr>
+                        <m:ctrlPr>
+                          <a:rPr lang="hu-HU" b="0" i="1" smtClean="0">
+                            <a:latin typeface="Cambria Math"/>
+                            <a:ea typeface="Cambria Math"/>
+                          </a:rPr>
+                        </m:ctrlPr>
+                      </m:dPr>
+                      <m:e>
+                        <m:sSub>
+                          <m:sSubPr>
+                            <m:ctrlPr>
+                              <a:rPr lang="hu-HU" b="0" i="1" smtClean="0">
+                                <a:latin typeface="Cambria Math"/>
+                                <a:ea typeface="Cambria Math"/>
+                              </a:rPr>
+                            </m:ctrlPr>
+                          </m:sSubPr>
+                          <m:e>
+                            <m:r>
+                              <a:rPr lang="hu-HU" b="0" i="1" smtClean="0">
+                                <a:latin typeface="Cambria Math"/>
+                                <a:ea typeface="Cambria Math"/>
+                              </a:rPr>
+                              <m:t>𝑊</m:t>
+                            </m:r>
+                          </m:e>
+                          <m:sub>
+                            <m:r>
+                              <a:rPr lang="hu-HU" b="0" i="1" smtClean="0">
+                                <a:latin typeface="Cambria Math"/>
+                                <a:ea typeface="Cambria Math"/>
+                              </a:rPr>
+                              <m:t>𝑖</m:t>
+                            </m:r>
+                          </m:sub>
+                        </m:sSub>
+                        <m:r>
+                          <a:rPr lang="hu-HU" b="0" i="1" smtClean="0">
+                            <a:latin typeface="Cambria Math"/>
+                            <a:ea typeface="Cambria Math"/>
+                          </a:rPr>
+                          <m:t>, </m:t>
+                        </m:r>
+                        <m:sSub>
+                          <m:sSubPr>
+                            <m:ctrlPr>
+                              <a:rPr lang="hu-HU" b="0" i="1" smtClean="0">
+                                <a:latin typeface="Cambria Math"/>
+                                <a:ea typeface="Cambria Math"/>
+                              </a:rPr>
+                            </m:ctrlPr>
+                          </m:sSubPr>
+                          <m:e>
+                            <m:r>
+                              <a:rPr lang="hu-HU" b="0" i="1" smtClean="0">
+                                <a:latin typeface="Cambria Math"/>
+                                <a:ea typeface="Cambria Math"/>
+                              </a:rPr>
+                              <m:t>𝑊</m:t>
+                            </m:r>
+                          </m:e>
+                          <m:sub>
+                            <m:r>
+                              <a:rPr lang="hu-HU" b="0" i="1" smtClean="0">
+                                <a:latin typeface="Cambria Math"/>
+                                <a:ea typeface="Cambria Math"/>
+                              </a:rPr>
+                              <m:t>2</m:t>
+                            </m:r>
+                          </m:sub>
+                        </m:sSub>
+                      </m:e>
+                    </m:d>
+                    <m:r>
+                      <a:rPr lang="hu-HU" b="0" i="1" smtClean="0">
+                        <a:latin typeface="Cambria Math"/>
+                        <a:ea typeface="Cambria Math"/>
+                      </a:rPr>
+                      <m:t>→</m:t>
+                    </m:r>
+                    <m:sSub>
+                      <m:sSubPr>
+                        <m:ctrlPr>
+                          <a:rPr lang="hu-HU" b="0" i="1" smtClean="0">
+                            <a:latin typeface="Cambria Math"/>
+                            <a:ea typeface="Cambria Math"/>
+                          </a:rPr>
+                        </m:ctrlPr>
+                      </m:sSubPr>
+                      <m:e>
+                        <m:r>
+                          <a:rPr lang="hu-HU" b="0" i="1" smtClean="0">
+                            <a:latin typeface="Cambria Math"/>
+                            <a:ea typeface="Cambria Math"/>
+                          </a:rPr>
+                          <m:t>𝑆</m:t>
+                        </m:r>
+                      </m:e>
+                      <m:sub>
+                        <m:r>
+                          <a:rPr lang="hu-HU" b="0" i="1" smtClean="0">
+                            <a:latin typeface="Cambria Math"/>
+                            <a:ea typeface="Cambria Math"/>
+                          </a:rPr>
+                          <m:t>2</m:t>
+                        </m:r>
+                      </m:sub>
+                    </m:sSub>
+                  </m:oMath>
+                </a14:m>
+                <a:endParaRPr lang="hu-HU" b="0" dirty="0" smtClean="0">
+                  <a:ea typeface="Cambria Math"/>
+                </a:endParaRPr>
+              </a:p>
+              <a:p>
+                <a:pPr lvl="1"/>
+                <a:r>
+                  <a:rPr lang="hu-HU" b="1" dirty="0" smtClean="0"/>
+                  <a:t>Writes are propagated with their relevant sets</a:t>
+                </a:r>
+                <a:endParaRPr lang="hu-HU" b="1" dirty="0"/>
+              </a:p>
+            </p:txBody>
+          </p:sp>
+        </mc:Choice>
+        <mc:Fallback xmlns="">
+          <p:sp>
+            <p:nvSpPr>
+              <p:cNvPr id="3" name="Content Placeholder 2"/>
+              <p:cNvSpPr>
+                <a:spLocks noGrp="1" noRot="1" noChangeAspect="1" noMove="1" noResize="1" noEditPoints="1" noAdjustHandles="1" noChangeArrowheads="1" noChangeShapeType="1" noTextEdit="1"/>
+              </p:cNvSpPr>
+              <p:nvPr>
+                <p:ph idx="1"/>
+              </p:nvPr>
+            </p:nvSpPr>
+            <p:spPr>
+              <a:blipFill rotWithShape="1">
+                <a:blip r:embed="rId2"/>
+                <a:stretch>
+                  <a:fillRect l="-1630" t="-1752" r="-2889"/>
+                </a:stretch>
+              </a:blipFill>
+            </p:spPr>
+            <p:txBody>
+              <a:bodyPr/>
+              <a:lstStyle/>
+              <a:p>
+                <a:r>
+                  <a:rPr lang="hu-HU">
+                    <a:noFill/>
+                  </a:rPr>
+                  <a:t> </a:t>
+                </a:r>
+              </a:p>
+            </p:txBody>
+          </p:sp>
+        </mc:Fallback>
+      </mc:AlternateContent>
+    </p:spTree>
+    <p:extLst>
+      <p:ext uri="{BB962C8B-B14F-4D97-AF65-F5344CB8AC3E}">
+        <p14:creationId xmlns:p14="http://schemas.microsoft.com/office/powerpoint/2010/main" val="3446332254"/>
+      </p:ext>
+    </p:extLst>
+  </p:cSld>
+  <p:clrMapOvr>
+    <a:masterClrMapping/>
+  </p:clrMapOvr>
+</p:sld>
+</file>
+
+<file path=ppt/slides/slide17.xml><?xml version="1.0" encoding="utf-8"?>
+<p:sld xmlns:a="http://schemas.openxmlformats.org/drawingml/2006/main" xmlns:r="http://schemas.openxmlformats.org/officeDocument/2006/relationships" xmlns:p="http://schemas.openxmlformats.org/presentationml/2006/main">
+  <p:cSld>
+    <p:spTree>
+      <p:nvGrpSpPr>
+        <p:cNvPr id="1" name=""/>
+        <p:cNvGrpSpPr/>
+        <p:nvPr/>
+      </p:nvGrpSpPr>
+      <p:grpSpPr>
+        <a:xfrm>
+          <a:off x="0" y="0"/>
+          <a:ext cx="0" cy="0"/>
+          <a:chOff x="0" y="0"/>
+          <a:chExt cx="0" cy="0"/>
+        </a:xfrm>
+      </p:grpSpPr>
+      <p:sp>
+        <p:nvSpPr>
+          <p:cNvPr id="2" name="Title 1"/>
+          <p:cNvSpPr>
+            <a:spLocks noGrp="1"/>
+          </p:cNvSpPr>
+          <p:nvPr>
+            <p:ph type="title"/>
+          </p:nvPr>
+        </p:nvSpPr>
+        <p:spPr/>
+        <p:txBody>
+          <a:bodyPr/>
+          <a:lstStyle/>
+          <a:p>
+            <a:r>
+              <a:rPr lang="hu-HU" dirty="0" smtClean="0"/>
+              <a:t>Providing „Writes Follow Reads”</a:t>
+            </a:r>
+            <a:endParaRPr lang="hu-HU" dirty="0"/>
+          </a:p>
+        </p:txBody>
+      </p:sp>
+      <mc:AlternateContent xmlns:mc="http://schemas.openxmlformats.org/markup-compatibility/2006" xmlns:a14="http://schemas.microsoft.com/office/drawing/2010/main">
+        <mc:Choice Requires="a14">
+          <p:sp>
+            <p:nvSpPr>
+              <p:cNvPr id="3" name="Content Placeholder 2"/>
+              <p:cNvSpPr>
+                <a:spLocks noGrp="1"/>
+              </p:cNvSpPr>
+              <p:nvPr>
+                <p:ph idx="1"/>
+              </p:nvPr>
+            </p:nvSpPr>
+            <p:spPr/>
+            <p:txBody>
+              <a:bodyPr/>
+              <a:lstStyle/>
+              <a:p>
+                <a:r>
+                  <a:rPr lang="hu-HU" dirty="0" smtClean="0"/>
+                  <a:t>As with Monotonid Reads, after each read:</a:t>
+                </a:r>
+              </a:p>
+              <a:p>
+                <a:pPr lvl="1"/>
+                <a14:m>
+                  <m:oMath xmlns:m="http://schemas.openxmlformats.org/officeDocument/2006/math">
+                    <m:r>
+                      <a:rPr lang="hu-HU" b="0" i="1" smtClean="0">
+                        <a:latin typeface="Cambria Math"/>
+                      </a:rPr>
+                      <m:t>𝑅</m:t>
+                    </m:r>
+                    <m:r>
+                      <a:rPr lang="hu-HU" i="1">
+                        <a:latin typeface="Cambria Math"/>
+                      </a:rPr>
+                      <m:t>𝑆</m:t>
+                    </m:r>
+                    <m:r>
+                      <a:rPr lang="hu-HU" i="1">
+                        <a:latin typeface="Cambria Math"/>
+                      </a:rPr>
+                      <m:t>≔</m:t>
+                    </m:r>
+                    <m:r>
+                      <a:rPr lang="hu-HU" i="1">
+                        <a:latin typeface="Cambria Math"/>
+                      </a:rPr>
+                      <m:t>𝑅𝑆</m:t>
+                    </m:r>
+                    <m:r>
+                      <a:rPr lang="hu-HU" i="1">
+                        <a:latin typeface="Cambria Math"/>
+                      </a:rPr>
+                      <m:t> ∪{</m:t>
+                    </m:r>
+                    <m:r>
+                      <a:rPr lang="hu-HU" i="1">
+                        <a:latin typeface="Cambria Math"/>
+                        <a:ea typeface="Cambria Math"/>
+                      </a:rPr>
+                      <m:t>𝑊𝐼𝐷</m:t>
+                    </m:r>
+                    <m:r>
+                      <a:rPr lang="hu-HU" i="1">
+                        <a:latin typeface="Cambria Math"/>
+                        <a:ea typeface="Cambria Math"/>
+                      </a:rPr>
+                      <m:t>←</m:t>
+                    </m:r>
+                    <m:r>
+                      <a:rPr lang="hu-HU" i="1">
+                        <a:latin typeface="Cambria Math"/>
+                        <a:ea typeface="Cambria Math"/>
+                      </a:rPr>
+                      <m:t>𝑅𝑒𝑙𝑒𝑣𝑎𝑛𝑡𝑊𝑟𝑖𝑡𝑒𝑠</m:t>
+                    </m:r>
+                    <m:r>
+                      <a:rPr lang="hu-HU" i="1">
+                        <a:latin typeface="Cambria Math"/>
+                        <a:ea typeface="Cambria Math"/>
+                      </a:rPr>
+                      <m:t>(</m:t>
+                    </m:r>
+                    <m:r>
+                      <a:rPr lang="hu-HU" i="1">
+                        <a:latin typeface="Cambria Math"/>
+                        <a:ea typeface="Cambria Math"/>
+                      </a:rPr>
+                      <m:t>𝑆</m:t>
+                    </m:r>
+                    <m:r>
+                      <a:rPr lang="hu-HU" i="1">
+                        <a:latin typeface="Cambria Math"/>
+                        <a:ea typeface="Cambria Math"/>
+                      </a:rPr>
+                      <m:t>, </m:t>
+                    </m:r>
+                    <m:r>
+                      <a:rPr lang="hu-HU" i="1">
+                        <a:latin typeface="Cambria Math"/>
+                        <a:ea typeface="Cambria Math"/>
+                      </a:rPr>
+                      <m:t>𝑡</m:t>
+                    </m:r>
+                    <m:r>
+                      <a:rPr lang="hu-HU" i="1">
+                        <a:latin typeface="Cambria Math"/>
+                        <a:ea typeface="Cambria Math"/>
+                      </a:rPr>
+                      <m:t>, </m:t>
+                    </m:r>
+                    <m:r>
+                      <a:rPr lang="hu-HU" i="1">
+                        <a:latin typeface="Cambria Math"/>
+                        <a:ea typeface="Cambria Math"/>
+                      </a:rPr>
+                      <m:t>𝑅</m:t>
+                    </m:r>
+                    <m:r>
+                      <a:rPr lang="hu-HU" i="1">
+                        <a:latin typeface="Cambria Math"/>
+                        <a:ea typeface="Cambria Math"/>
+                      </a:rPr>
+                      <m:t>)}</m:t>
+                    </m:r>
+                  </m:oMath>
+                </a14:m>
+                <a:r>
+                  <a:rPr lang="hu-HU" dirty="0"/>
+                  <a:t> </a:t>
+                </a:r>
+                <a:endParaRPr lang="hu-HU" dirty="0" smtClean="0"/>
+              </a:p>
+              <a:p>
+                <a:r>
+                  <a:rPr lang="hu-HU" dirty="0" smtClean="0"/>
+                  <a:t>Before each Write to server S at time t, check</a:t>
+                </a:r>
+              </a:p>
+              <a:p>
+                <a:pPr lvl="1"/>
+                <a14:m>
+                  <m:oMath xmlns:m="http://schemas.openxmlformats.org/officeDocument/2006/math">
+                    <m:r>
+                      <a:rPr lang="hu-HU" b="0" i="1" smtClean="0">
+                        <a:latin typeface="Cambria Math"/>
+                      </a:rPr>
+                      <m:t>𝑅𝑆</m:t>
+                    </m:r>
+                    <m:r>
+                      <a:rPr lang="hu-HU" b="0" i="1" smtClean="0">
+                        <a:latin typeface="Cambria Math"/>
+                      </a:rPr>
+                      <m:t>⊂</m:t>
+                    </m:r>
+                    <m:r>
+                      <a:rPr lang="hu-HU" b="0" i="1" smtClean="0">
+                        <a:latin typeface="Cambria Math"/>
+                      </a:rPr>
+                      <m:t>𝐷𝐵</m:t>
+                    </m:r>
+                    <m:r>
+                      <a:rPr lang="hu-HU" b="0" i="1" smtClean="0">
+                        <a:latin typeface="Cambria Math"/>
+                      </a:rPr>
+                      <m:t>(</m:t>
+                    </m:r>
+                    <m:r>
+                      <a:rPr lang="hu-HU" b="0" i="1" smtClean="0">
+                        <a:latin typeface="Cambria Math"/>
+                      </a:rPr>
+                      <m:t>𝑆</m:t>
+                    </m:r>
+                    <m:r>
+                      <a:rPr lang="hu-HU" b="0" i="1" smtClean="0">
+                        <a:latin typeface="Cambria Math"/>
+                      </a:rPr>
+                      <m:t>, </m:t>
+                    </m:r>
+                    <m:r>
+                      <a:rPr lang="hu-HU" b="0" i="1" smtClean="0">
+                        <a:latin typeface="Cambria Math"/>
+                      </a:rPr>
+                      <m:t>𝑡</m:t>
+                    </m:r>
+                    <m:r>
+                      <a:rPr lang="hu-HU" b="0" i="1" smtClean="0">
+                        <a:latin typeface="Cambria Math"/>
+                      </a:rPr>
+                      <m:t>)</m:t>
+                    </m:r>
+                  </m:oMath>
+                </a14:m>
+                <a:endParaRPr lang="hu-HU" dirty="0" smtClean="0"/>
+              </a:p>
+              <a:p>
+                <a:endParaRPr lang="hu-HU" dirty="0"/>
+              </a:p>
+              <a:p>
+                <a:endParaRPr lang="hu-HU" dirty="0" smtClean="0"/>
+              </a:p>
+              <a:p>
+                <a:endParaRPr lang="hu-HU" dirty="0" smtClean="0"/>
+              </a:p>
+              <a:p>
+                <a:endParaRPr lang="hu-HU" dirty="0"/>
+              </a:p>
+            </p:txBody>
+          </p:sp>
+        </mc:Choice>
+        <mc:Fallback xmlns="">
+          <p:sp>
+            <p:nvSpPr>
+              <p:cNvPr id="3" name="Content Placeholder 2"/>
+              <p:cNvSpPr>
+                <a:spLocks noGrp="1" noRot="1" noChangeAspect="1" noMove="1" noResize="1" noEditPoints="1" noAdjustHandles="1" noChangeArrowheads="1" noChangeShapeType="1" noTextEdit="1"/>
+              </p:cNvSpPr>
+              <p:nvPr>
+                <p:ph idx="1"/>
+              </p:nvPr>
+            </p:nvSpPr>
+            <p:spPr>
+              <a:blipFill rotWithShape="1">
+                <a:blip r:embed="rId2"/>
+                <a:stretch>
+                  <a:fillRect l="-1630" t="-1752" r="-148" b="-4447"/>
+                </a:stretch>
+              </a:blipFill>
+            </p:spPr>
+            <p:txBody>
+              <a:bodyPr/>
+              <a:lstStyle/>
+              <a:p>
+                <a:r>
+                  <a:rPr lang="hu-HU">
+                    <a:noFill/>
+                  </a:rPr>
+                  <a:t> </a:t>
+                </a:r>
+              </a:p>
+            </p:txBody>
+          </p:sp>
+        </mc:Fallback>
+      </mc:AlternateContent>
+    </p:spTree>
+    <p:extLst>
+      <p:ext uri="{BB962C8B-B14F-4D97-AF65-F5344CB8AC3E}">
+        <p14:creationId xmlns:p14="http://schemas.microsoft.com/office/powerpoint/2010/main" val="2711790962"/>
+      </p:ext>
+    </p:extLst>
+  </p:cSld>
+  <p:clrMapOvr>
+    <a:masterClrMapping/>
+  </p:clrMapOvr>
+</p:sld>
+</file>
+
+<file path=ppt/slides/slide18.xml><?xml version="1.0" encoding="utf-8"?>
+<p:sld xmlns:a="http://schemas.openxmlformats.org/drawingml/2006/main" xmlns:r="http://schemas.openxmlformats.org/officeDocument/2006/relationships" xmlns:p="http://schemas.openxmlformats.org/presentationml/2006/main">
+  <p:cSld>
+    <p:spTree>
+      <p:nvGrpSpPr>
+        <p:cNvPr id="1" name=""/>
+        <p:cNvGrpSpPr/>
+        <p:nvPr/>
+      </p:nvGrpSpPr>
+      <p:grpSpPr>
+        <a:xfrm>
+          <a:off x="0" y="0"/>
+          <a:ext cx="0" cy="0"/>
+          <a:chOff x="0" y="0"/>
+          <a:chExt cx="0" cy="0"/>
+        </a:xfrm>
+      </p:grpSpPr>
+      <p:sp>
+        <p:nvSpPr>
+          <p:cNvPr id="2" name="Title 1"/>
+          <p:cNvSpPr>
+            <a:spLocks noGrp="1"/>
+          </p:cNvSpPr>
+          <p:nvPr>
+            <p:ph type="title"/>
+          </p:nvPr>
+        </p:nvSpPr>
+        <p:spPr/>
+        <p:txBody>
+          <a:bodyPr/>
+          <a:lstStyle/>
+          <a:p>
+            <a:r>
+              <a:rPr lang="hu-HU" dirty="0" smtClean="0"/>
+              <a:t>Providing „Monotonic Writes”</a:t>
+            </a:r>
+            <a:endParaRPr lang="hu-HU" dirty="0"/>
+          </a:p>
+        </p:txBody>
+      </p:sp>
+      <mc:AlternateContent xmlns:mc="http://schemas.openxmlformats.org/markup-compatibility/2006" xmlns:a14="http://schemas.microsoft.com/office/drawing/2010/main">
+        <mc:Choice Requires="a14">
+          <p:sp>
+            <p:nvSpPr>
+              <p:cNvPr id="3" name="Content Placeholder 2"/>
+              <p:cNvSpPr>
+                <a:spLocks noGrp="1"/>
+              </p:cNvSpPr>
+              <p:nvPr>
+                <p:ph idx="1"/>
+              </p:nvPr>
+            </p:nvSpPr>
+            <p:spPr/>
+            <p:txBody>
+              <a:bodyPr/>
+              <a:lstStyle/>
+              <a:p>
+                <a:r>
+                  <a:rPr lang="hu-HU" dirty="0" smtClean="0"/>
+                  <a:t>To accept a Write at time t, ensure that</a:t>
+                </a:r>
+              </a:p>
+              <a:p>
+                <a:pPr lvl="1"/>
+                <a14:m>
+                  <m:oMath xmlns:m="http://schemas.openxmlformats.org/officeDocument/2006/math">
+                    <m:r>
+                      <a:rPr lang="hu-HU" b="0" i="1" smtClean="0">
+                        <a:latin typeface="Cambria Math"/>
+                      </a:rPr>
+                      <m:t>𝑊𝑆</m:t>
+                    </m:r>
+                    <m:r>
+                      <a:rPr lang="hu-HU" b="0" i="1" smtClean="0">
+                        <a:latin typeface="Cambria Math"/>
+                      </a:rPr>
+                      <m:t>⊂</m:t>
+                    </m:r>
+                    <m:r>
+                      <a:rPr lang="hu-HU" b="0" i="1" smtClean="0">
+                        <a:latin typeface="Cambria Math"/>
+                      </a:rPr>
+                      <m:t>𝐷𝐵</m:t>
+                    </m:r>
+                    <m:d>
+                      <m:dPr>
+                        <m:ctrlPr>
+                          <a:rPr lang="hu-HU" b="0" i="1" smtClean="0">
+                            <a:latin typeface="Cambria Math"/>
+                          </a:rPr>
+                        </m:ctrlPr>
+                      </m:dPr>
+                      <m:e>
+                        <m:r>
+                          <a:rPr lang="hu-HU" b="0" i="1" smtClean="0">
+                            <a:latin typeface="Cambria Math"/>
+                          </a:rPr>
+                          <m:t>𝑆</m:t>
+                        </m:r>
+                        <m:r>
+                          <a:rPr lang="hu-HU" b="0" i="1" smtClean="0">
+                            <a:latin typeface="Cambria Math"/>
+                          </a:rPr>
+                          <m:t>, </m:t>
+                        </m:r>
+                        <m:r>
+                          <a:rPr lang="hu-HU" b="0" i="1" smtClean="0">
+                            <a:latin typeface="Cambria Math"/>
+                          </a:rPr>
+                          <m:t>𝑡</m:t>
+                        </m:r>
+                      </m:e>
+                    </m:d>
+                  </m:oMath>
+                </a14:m>
+                <a:endParaRPr lang="hu-HU" b="0" dirty="0" smtClean="0"/>
+              </a:p>
+              <a:p>
+                <a:r>
+                  <a:rPr lang="hu-HU" dirty="0" smtClean="0"/>
+                  <a:t>When a Write is accepted by a server</a:t>
+                </a:r>
+              </a:p>
+              <a:p>
+                <a:pPr lvl="1"/>
+                <a14:m>
+                  <m:oMath xmlns:m="http://schemas.openxmlformats.org/officeDocument/2006/math">
+                    <m:r>
+                      <a:rPr lang="hu-HU" b="0" i="1" smtClean="0">
+                        <a:latin typeface="Cambria Math"/>
+                      </a:rPr>
+                      <m:t>𝑊𝑆</m:t>
+                    </m:r>
+                    <m:r>
+                      <a:rPr lang="hu-HU" b="0" i="1" smtClean="0">
+                        <a:latin typeface="Cambria Math"/>
+                      </a:rPr>
+                      <m:t>≔</m:t>
+                    </m:r>
+                    <m:r>
+                      <a:rPr lang="hu-HU" b="0" i="1" smtClean="0">
+                        <a:latin typeface="Cambria Math"/>
+                      </a:rPr>
+                      <m:t>𝑊𝑆</m:t>
+                    </m:r>
+                    <m:r>
+                      <a:rPr lang="hu-HU" b="0" i="1" smtClean="0">
+                        <a:latin typeface="Cambria Math"/>
+                        <a:ea typeface="Cambria Math"/>
+                      </a:rPr>
+                      <m:t>∪</m:t>
+                    </m:r>
+                    <m:d>
+                      <m:dPr>
+                        <m:begChr m:val="{"/>
+                        <m:endChr m:val="}"/>
+                        <m:ctrlPr>
+                          <a:rPr lang="hu-HU" b="0" i="1" smtClean="0">
+                            <a:latin typeface="Cambria Math"/>
+                            <a:ea typeface="Cambria Math"/>
+                          </a:rPr>
+                        </m:ctrlPr>
+                      </m:dPr>
+                      <m:e>
+                        <m:sSub>
+                          <m:sSubPr>
+                            <m:ctrlPr>
+                              <a:rPr lang="hu-HU" b="0" i="1" smtClean="0">
+                                <a:latin typeface="Cambria Math"/>
+                                <a:ea typeface="Cambria Math"/>
+                              </a:rPr>
+                            </m:ctrlPr>
+                          </m:sSubPr>
+                          <m:e>
+                            <m:r>
+                              <a:rPr lang="hu-HU" b="0" i="1" smtClean="0">
+                                <a:latin typeface="Cambria Math"/>
+                                <a:ea typeface="Cambria Math"/>
+                              </a:rPr>
+                              <m:t>𝑊𝐼𝐷</m:t>
+                            </m:r>
+                          </m:e>
+                          <m:sub>
+                            <m:r>
+                              <a:rPr lang="hu-HU" b="0" i="1" smtClean="0">
+                                <a:latin typeface="Cambria Math"/>
+                                <a:ea typeface="Cambria Math"/>
+                              </a:rPr>
+                              <m:t>𝑛𝑒𝑤</m:t>
+                            </m:r>
+                          </m:sub>
+                        </m:sSub>
+                      </m:e>
+                    </m:d>
+                  </m:oMath>
+                </a14:m>
+                <a:endParaRPr lang="hu-HU" b="0" dirty="0" smtClean="0">
+                  <a:ea typeface="Cambria Math"/>
+                </a:endParaRPr>
+              </a:p>
+              <a:p>
+                <a:endParaRPr lang="hu-HU" dirty="0"/>
+              </a:p>
+            </p:txBody>
+          </p:sp>
+        </mc:Choice>
+        <mc:Fallback xmlns="">
+          <p:sp>
+            <p:nvSpPr>
+              <p:cNvPr id="3" name="Content Placeholder 2"/>
+              <p:cNvSpPr>
+                <a:spLocks noGrp="1" noRot="1" noChangeAspect="1" noMove="1" noResize="1" noEditPoints="1" noAdjustHandles="1" noChangeArrowheads="1" noChangeShapeType="1" noTextEdit="1"/>
+              </p:cNvSpPr>
+              <p:nvPr>
+                <p:ph idx="1"/>
+              </p:nvPr>
+            </p:nvSpPr>
+            <p:spPr>
+              <a:blipFill rotWithShape="1">
+                <a:blip r:embed="rId2"/>
+                <a:stretch>
+                  <a:fillRect l="-1630" t="-1752"/>
+                </a:stretch>
+              </a:blipFill>
+            </p:spPr>
+            <p:txBody>
+              <a:bodyPr/>
+              <a:lstStyle/>
+              <a:p>
+                <a:r>
+                  <a:rPr lang="hu-HU">
+                    <a:noFill/>
+                  </a:rPr>
+                  <a:t> </a:t>
+                </a:r>
+              </a:p>
+            </p:txBody>
+          </p:sp>
+        </mc:Fallback>
+      </mc:AlternateContent>
+    </p:spTree>
+    <p:extLst>
+      <p:ext uri="{BB962C8B-B14F-4D97-AF65-F5344CB8AC3E}">
+        <p14:creationId xmlns:p14="http://schemas.microsoft.com/office/powerpoint/2010/main" val="2348612055"/>
+      </p:ext>
+    </p:extLst>
+  </p:cSld>
+  <p:clrMapOvr>
+    <a:masterClrMapping/>
+  </p:clrMapOvr>
+</p:sld>
+</file>
+
+<file path=ppt/slides/slide19.xml><?xml version="1.0" encoding="utf-8"?>
+<p:sld xmlns:a="http://schemas.openxmlformats.org/drawingml/2006/main" xmlns:r="http://schemas.openxmlformats.org/officeDocument/2006/relationships" xmlns:p="http://schemas.openxmlformats.org/presentationml/2006/main">
+  <p:cSld>
+    <p:spTree>
+      <p:nvGrpSpPr>
+        <p:cNvPr id="1" name=""/>
+        <p:cNvGrpSpPr/>
+        <p:nvPr/>
+      </p:nvGrpSpPr>
+      <p:grpSpPr>
+        <a:xfrm>
+          <a:off x="0" y="0"/>
+          <a:ext cx="0" cy="0"/>
+          <a:chOff x="0" y="0"/>
+          <a:chExt cx="0" cy="0"/>
+        </a:xfrm>
+      </p:grpSpPr>
+      <p:sp>
+        <p:nvSpPr>
+          <p:cNvPr id="2" name="Title 1"/>
+          <p:cNvSpPr>
+            <a:spLocks noGrp="1"/>
+          </p:cNvSpPr>
+          <p:nvPr>
+            <p:ph type="title"/>
+          </p:nvPr>
+        </p:nvSpPr>
+        <p:spPr/>
+        <p:txBody>
+          <a:bodyPr/>
+          <a:lstStyle/>
+          <a:p>
+            <a:r>
+              <a:rPr lang="hu-HU" dirty="0" smtClean="0"/>
+              <a:t>Implementation Details</a:t>
+            </a:r>
+            <a:endParaRPr lang="hu-HU" dirty="0"/>
+          </a:p>
+        </p:txBody>
+      </p:sp>
+      <p:sp>
+        <p:nvSpPr>
+          <p:cNvPr id="3" name="Content Placeholder 2"/>
+          <p:cNvSpPr>
+            <a:spLocks noGrp="1"/>
+          </p:cNvSpPr>
+          <p:nvPr>
+            <p:ph idx="1"/>
+          </p:nvPr>
+        </p:nvSpPr>
+        <p:spPr/>
+        <p:txBody>
+          <a:bodyPr>
+            <a:normAutofit/>
+          </a:bodyPr>
+          <a:lstStyle/>
+          <a:p>
+            <a:r>
+              <a:rPr lang="hu-HU" dirty="0" smtClean="0"/>
+              <a:t>Practical problems</a:t>
+            </a:r>
+          </a:p>
+          <a:p>
+            <a:pPr lvl="1"/>
+            <a:r>
+              <a:rPr lang="hu-HU" dirty="0" smtClean="0"/>
+              <a:t>Set of WIDs maintained could get large</a:t>
+            </a:r>
+          </a:p>
+          <a:p>
+            <a:pPr lvl="1"/>
+            <a:r>
+              <a:rPr lang="hu-HU" dirty="0" smtClean="0"/>
+              <a:t>Checking that a server contains all necessary writes is very expensive</a:t>
+            </a:r>
+          </a:p>
+          <a:p>
+            <a:pPr lvl="1"/>
+            <a:r>
+              <a:rPr lang="hu-HU" dirty="0" smtClean="0"/>
+              <a:t>Keeping track of Read-sets could be excessive</a:t>
+            </a:r>
+          </a:p>
+        </p:txBody>
+      </p:sp>
+    </p:spTree>
+    <p:extLst>
+      <p:ext uri="{BB962C8B-B14F-4D97-AF65-F5344CB8AC3E}">
+        <p14:creationId xmlns:p14="http://schemas.microsoft.com/office/powerpoint/2010/main" val="567648743"/>
       </p:ext>
     </p:extLst>
   </p:cSld>
@@ -4001,19 +6267,17 @@
             <a:pPr lvl="1"/>
             <a:r>
               <a:rPr lang="hu-HU" dirty="0" smtClean="0"/>
-              <a:t>Breaking essential mobile computing paradigms</a:t>
-            </a:r>
-          </a:p>
-          <a:p>
-            <a:pPr lvl="1"/>
-            <a:r>
-              <a:rPr lang="hu-HU" dirty="0" smtClean="0">
-                <a:solidFill>
-                  <a:srgbClr val="FF0000"/>
-                </a:solidFill>
-              </a:rPr>
-              <a:t>Which is „bullshit” for „you don’t want that man”</a:t>
-            </a:r>
+              <a:t>Breaking essential mobile computing </a:t>
+            </a:r>
+            <a:r>
+              <a:rPr lang="hu-HU" dirty="0" smtClean="0"/>
+              <a:t>paradigms</a:t>
+            </a:r>
+            <a:endParaRPr lang="hu-HU" dirty="0" smtClean="0">
+              <a:solidFill>
+                <a:srgbClr val="FF0000"/>
+              </a:solidFill>
+            </a:endParaRPr>
           </a:p>
         </p:txBody>
       </p:sp>
@@ -4021,6 +6285,127 @@
     <p:extLst>
       <p:ext uri="{BB962C8B-B14F-4D97-AF65-F5344CB8AC3E}">
         <p14:creationId xmlns:p14="http://schemas.microsoft.com/office/powerpoint/2010/main" val="332418713"/>
+      </p:ext>
+    </p:extLst>
+  </p:cSld>
+  <p:clrMapOvr>
+    <a:masterClrMapping/>
+  </p:clrMapOvr>
+</p:sld>
+</file>
+
+<file path=ppt/slides/slide20.xml><?xml version="1.0" encoding="utf-8"?>
+<p:sld xmlns:a="http://schemas.openxmlformats.org/drawingml/2006/main" xmlns:r="http://schemas.openxmlformats.org/officeDocument/2006/relationships" xmlns:p="http://schemas.openxmlformats.org/presentationml/2006/main">
+  <p:cSld>
+    <p:spTree>
+      <p:nvGrpSpPr>
+        <p:cNvPr id="1" name=""/>
+        <p:cNvGrpSpPr/>
+        <p:nvPr/>
+      </p:nvGrpSpPr>
+      <p:grpSpPr>
+        <a:xfrm>
+          <a:off x="0" y="0"/>
+          <a:ext cx="0" cy="0"/>
+          <a:chOff x="0" y="0"/>
+          <a:chExt cx="0" cy="0"/>
+        </a:xfrm>
+      </p:grpSpPr>
+      <p:sp>
+        <p:nvSpPr>
+          <p:cNvPr id="2" name="Title 1"/>
+          <p:cNvSpPr>
+            <a:spLocks noGrp="1"/>
+          </p:cNvSpPr>
+          <p:nvPr>
+            <p:ph type="title"/>
+          </p:nvPr>
+        </p:nvSpPr>
+        <p:spPr/>
+        <p:txBody>
+          <a:bodyPr/>
+          <a:lstStyle/>
+          <a:p>
+            <a:r>
+              <a:rPr lang="hu-HU" dirty="0" smtClean="0"/>
+              <a:t>Version Vectors</a:t>
+            </a:r>
+            <a:endParaRPr lang="hu-HU" dirty="0"/>
+          </a:p>
+        </p:txBody>
+      </p:sp>
+      <p:sp>
+        <p:nvSpPr>
+          <p:cNvPr id="3" name="Content Placeholder 2"/>
+          <p:cNvSpPr>
+            <a:spLocks noGrp="1"/>
+          </p:cNvSpPr>
+          <p:nvPr>
+            <p:ph idx="1"/>
+          </p:nvPr>
+        </p:nvSpPr>
+        <p:spPr>
+          <a:xfrm>
+            <a:off x="457200" y="1600200"/>
+            <a:ext cx="8291264" cy="4525963"/>
+          </a:xfrm>
+        </p:spPr>
+        <p:txBody>
+          <a:bodyPr/>
+          <a:lstStyle/>
+          <a:p>
+            <a:r>
+              <a:rPr lang="hu-HU" dirty="0" smtClean="0"/>
+              <a:t>Tracking </a:t>
+            </a:r>
+            <a:r>
+              <a:rPr lang="hu-HU" dirty="0"/>
+              <a:t>changes to data in </a:t>
+            </a:r>
+            <a:r>
+              <a:rPr lang="hu-HU" dirty="0" smtClean="0"/>
+              <a:t>distributed systems</a:t>
+            </a:r>
+            <a:endParaRPr lang="hu-HU" dirty="0"/>
+          </a:p>
+          <a:p>
+            <a:r>
+              <a:rPr lang="hu-HU" dirty="0" smtClean="0"/>
+              <a:t>Participants can determine order of updates</a:t>
+            </a:r>
+          </a:p>
+          <a:p>
+            <a:r>
+              <a:rPr lang="hu-HU" dirty="0" smtClean="0"/>
+              <a:t>Sequence of &lt;server, clock&gt; pair</a:t>
+            </a:r>
+          </a:p>
+          <a:p>
+            <a:pPr lvl="1"/>
+            <a:r>
+              <a:rPr lang="hu-HU" dirty="0" smtClean="0"/>
+              <a:t>Server – unique identifier</a:t>
+            </a:r>
+          </a:p>
+          <a:p>
+            <a:pPr lvl="1"/>
+            <a:r>
+              <a:rPr lang="hu-HU" smtClean="0"/>
+              <a:t>Clock – logical clock value</a:t>
+            </a:r>
+          </a:p>
+          <a:p>
+            <a:endParaRPr lang="hu-HU" dirty="0"/>
+          </a:p>
+          <a:p>
+            <a:endParaRPr lang="hu-HU" dirty="0"/>
+          </a:p>
+        </p:txBody>
+      </p:sp>
+    </p:spTree>
+    <p:extLst>
+      <p:ext uri="{BB962C8B-B14F-4D97-AF65-F5344CB8AC3E}">
+        <p14:creationId xmlns:p14="http://schemas.microsoft.com/office/powerpoint/2010/main" val="3572500862"/>
       </p:ext>
     </p:extLst>
   </p:cSld>
@@ -5161,4 +7546,289 @@
   <a:objectDefaults/>
   <a:extraClrSchemeLst/>
 </a:theme>
+</file>
+
+<file path=ppt/theme/theme2.xml><?xml version="1.0" encoding="utf-8"?>
+<a:theme xmlns:a="http://schemas.openxmlformats.org/drawingml/2006/main" name="Office Theme">
+  <a:themeElements>
+    <a:clrScheme name="Office">
+      <a:dk1>
+        <a:sysClr val="windowText" lastClr="000000"/>
+      </a:dk1>
+      <a:lt1>
+        <a:sysClr val="window" lastClr="FFFFFF"/>
+      </a:lt1>
+      <a:dk2>
+        <a:srgbClr val="1F497D"/>
+      </a:dk2>
+      <a:lt2>
+        <a:srgbClr val="EEECE1"/>
+      </a:lt2>
+      <a:accent1>
+        <a:srgbClr val="4F81BD"/>
+      </a:accent1>
+      <a:accent2>
+        <a:srgbClr val="C0504D"/>
+      </a:accent2>
+      <a:accent3>
+        <a:srgbClr val="9BBB59"/>
+      </a:accent3>
+      <a:accent4>
+        <a:srgbClr val="8064A2"/>
+      </a:accent4>
+      <a:accent5>
+        <a:srgbClr val="4BACC6"/>
+      </a:accent5>
+      <a:accent6>
+        <a:srgbClr val="F79646"/>
+      </a:accent6>
+      <a:hlink>
+        <a:srgbClr val="0000FF"/>
+      </a:hlink>
+      <a:folHlink>
+        <a:srgbClr val="800080"/>
+      </a:folHlink>
+    </a:clrScheme>
+    <a:fontScheme name="Office">
+      <a:majorFont>
+        <a:latin typeface="Calibri"/>
+        <a:ea typeface=""/>
+        <a:cs typeface=""/>
+        <a:font script="Jpan" typeface="ＭＳ Ｐゴシック"/>
+        <a:font script="Hang" typeface="맑은 고딕"/>
+        <a:font script="Hans" typeface="宋体"/>
+        <a:font script="Hant" typeface="新細明體"/>
+        <a:font script="Arab" typeface="Times New Roman"/>
+        <a:font script="Hebr" typeface="Times New Roman"/>
+        <a:font script="Thai" typeface="Angsana New"/>
+        <a:font script="Ethi" typeface="Nyala"/>
+        <a:font script="Beng" typeface="Vrinda"/>
+        <a:font script="Gujr" typeface="Shruti"/>
+        <a:font script="Khmr" typeface="MoolBoran"/>
+        <a:font script="Knda" typeface="Tunga"/>
+        <a:font script="Guru" typeface="Raavi"/>
+        <a:font script="Cans" typeface="Euphemia"/>
+        <a:font script="Cher" typeface="Plantagenet Cherokee"/>
+        <a:font script="Yiii" typeface="Microsoft Yi Baiti"/>
+        <a:font script="Tibt" typeface="Microsoft Himalaya"/>
+        <a:font script="Thaa" typeface="MV Boli"/>
+        <a:font script="Deva" typeface="Mangal"/>
+        <a:font script="Telu" typeface="Gautami"/>
+        <a:font script="Taml" typeface="Latha"/>
+        <a:font script="Syrc" typeface="Estrangelo Edessa"/>
+        <a:font script="Orya" typeface="Kalinga"/>
+        <a:font script="Mlym" typeface="Kartika"/>
+        <a:font script="Laoo" typeface="DokChampa"/>
+        <a:font script="Sinh" typeface="Iskoola Pota"/>
+        <a:font script="Mong" typeface="Mongolian Baiti"/>
+        <a:font script="Viet" typeface="Times New Roman"/>
+        <a:font script="Uigh" typeface="Microsoft Uighur"/>
+        <a:font script="Geor" typeface="Sylfaen"/>
+      </a:majorFont>
+      <a:minorFont>
+        <a:latin typeface="Calibri"/>
+        <a:ea typeface=""/>
+        <a:cs typeface=""/>
+        <a:font script="Jpan" typeface="ＭＳ Ｐゴシック"/>
+        <a:font script="Hang" typeface="맑은 고딕"/>
+        <a:font script="Hans" typeface="宋体"/>
+        <a:font script="Hant" typeface="新細明體"/>
+        <a:font script="Arab" typeface="Arial"/>
+        <a:font script="Hebr" typeface="Arial"/>
+        <a:font script="Thai" typeface="Cordia New"/>
+        <a:font script="Ethi" typeface="Nyala"/>
+        <a:font script="Beng" typeface="Vrinda"/>
+        <a:font script="Gujr" typeface="Shruti"/>
+        <a:font script="Khmr" typeface="DaunPenh"/>
+        <a:font script="Knda" typeface="Tunga"/>
+        <a:font script="Guru" typeface="Raavi"/>
+        <a:font script="Cans" typeface="Euphemia"/>
+        <a:font script="Cher" typeface="Plantagenet Cherokee"/>
+        <a:font script="Yiii" typeface="Microsoft Yi Baiti"/>
+        <a:font script="Tibt" typeface="Microsoft Himalaya"/>
+        <a:font script="Thaa" typeface="MV Boli"/>
+        <a:font script="Deva" typeface="Mangal"/>
+        <a:font script="Telu" typeface="Gautami"/>
+        <a:font script="Taml" typeface="Latha"/>
+        <a:font script="Syrc" typeface="Estrangelo Edessa"/>
+        <a:font script="Orya" typeface="Kalinga"/>
+        <a:font script="Mlym" typeface="Kartika"/>
+        <a:font script="Laoo" typeface="DokChampa"/>
+        <a:font script="Sinh" typeface="Iskoola Pota"/>
+        <a:font script="Mong" typeface="Mongolian Baiti"/>
+        <a:font script="Viet" typeface="Arial"/>
+        <a:font script="Uigh" typeface="Microsoft Uighur"/>
+        <a:font script="Geor" typeface="Sylfaen"/>
+      </a:minorFont>
+    </a:fontScheme>
+    <a:fmtScheme name="Office">
+      <a:fillStyleLst>
+        <a:solidFill>
+          <a:schemeClr val="phClr"/>
+        </a:solidFill>
+        <a:gradFill rotWithShape="1">
+          <a:gsLst>
+            <a:gs pos="0">
+              <a:schemeClr val="phClr">
+                <a:tint val="50000"/>
+                <a:satMod val="300000"/>
+              </a:schemeClr>
+            </a:gs>
+            <a:gs pos="35000">
+              <a:schemeClr val="phClr">
+                <a:tint val="37000"/>
+                <a:satMod val="300000"/>
+              </a:schemeClr>
+            </a:gs>
+            <a:gs pos="100000">
+              <a:schemeClr val="phClr">
+                <a:tint val="15000"/>
+                <a:satMod val="350000"/>
+              </a:schemeClr>
+            </a:gs>
+          </a:gsLst>
+          <a:lin ang="16200000" scaled="1"/>
+        </a:gradFill>
+        <a:gradFill rotWithShape="1">
+          <a:gsLst>
+            <a:gs pos="0">
+              <a:schemeClr val="phClr">
+                <a:shade val="51000"/>
+                <a:satMod val="130000"/>
+              </a:schemeClr>
+            </a:gs>
+            <a:gs pos="80000">
+              <a:schemeClr val="phClr">
+                <a:shade val="93000"/>
+                <a:satMod val="130000"/>
+              </a:schemeClr>
+            </a:gs>
+            <a:gs pos="100000">
+              <a:schemeClr val="phClr">
+                <a:shade val="94000"/>
+                <a:satMod val="135000"/>
+              </a:schemeClr>
+            </a:gs>
+          </a:gsLst>
+          <a:lin ang="16200000" scaled="0"/>
+        </a:gradFill>
+      </a:fillStyleLst>
+      <a:lnStyleLst>
+        <a:ln w="9525" cap="flat" cmpd="sng" algn="ctr">
+          <a:solidFill>
+            <a:schemeClr val="phClr">
+              <a:shade val="95000"/>
+              <a:satMod val="105000"/>
+            </a:schemeClr>
+          </a:solidFill>
+          <a:prstDash val="solid"/>
+        </a:ln>
+        <a:ln w="25400" cap="flat" cmpd="sng" algn="ctr">
+          <a:solidFill>
+            <a:schemeClr val="phClr"/>
+          </a:solidFill>
+          <a:prstDash val="solid"/>
+        </a:ln>
+        <a:ln w="38100" cap="flat" cmpd="sng" algn="ctr">
+          <a:solidFill>
+            <a:schemeClr val="phClr"/>
+          </a:solidFill>
+          <a:prstDash val="solid"/>
+        </a:ln>
+      </a:lnStyleLst>
+      <a:effectStyleLst>
+        <a:effectStyle>
+          <a:effectLst>
+            <a:outerShdw blurRad="40000" dist="20000" dir="5400000" rotWithShape="0">
+              <a:srgbClr val="000000">
+                <a:alpha val="38000"/>
+              </a:srgbClr>
+            </a:outerShdw>
+          </a:effectLst>
+        </a:effectStyle>
+        <a:effectStyle>
+          <a:effectLst>
+            <a:outerShdw blurRad="40000" dist="23000" dir="5400000" rotWithShape="0">
+              <a:srgbClr val="000000">
+                <a:alpha val="35000"/>
+              </a:srgbClr>
+            </a:outerShdw>
+          </a:effectLst>
+        </a:effectStyle>
+        <a:effectStyle>
+          <a:effectLst>
+            <a:outerShdw blurRad="40000" dist="23000" dir="5400000" rotWithShape="0">
+              <a:srgbClr val="000000">
+                <a:alpha val="35000"/>
+              </a:srgbClr>
+            </a:outerShdw>
+          </a:effectLst>
+          <a:scene3d>
+            <a:camera prst="orthographicFront">
+              <a:rot lat="0" lon="0" rev="0"/>
+            </a:camera>
+            <a:lightRig rig="threePt" dir="t">
+              <a:rot lat="0" lon="0" rev="1200000"/>
+            </a:lightRig>
+          </a:scene3d>
+          <a:sp3d>
+            <a:bevelT w="63500" h="25400"/>
+          </a:sp3d>
+        </a:effectStyle>
+      </a:effectStyleLst>
+      <a:bgFillStyleLst>
+        <a:solidFill>
+          <a:schemeClr val="phClr"/>
+        </a:solidFill>
+        <a:gradFill rotWithShape="1">
+          <a:gsLst>
+            <a:gs pos="0">
+              <a:schemeClr val="phClr">
+                <a:tint val="40000"/>
+                <a:satMod val="350000"/>
+              </a:schemeClr>
+            </a:gs>
+            <a:gs pos="40000">
+              <a:schemeClr val="phClr">
+                <a:tint val="45000"/>
+                <a:shade val="99000"/>
+                <a:satMod val="350000"/>
+              </a:schemeClr>
+            </a:gs>
+            <a:gs pos="100000">
+              <a:schemeClr val="phClr">
+                <a:shade val="20000"/>
+                <a:satMod val="255000"/>
+              </a:schemeClr>
+            </a:gs>
+          </a:gsLst>
+          <a:path path="circle">
+            <a:fillToRect l="50000" t="-80000" r="50000" b="180000"/>
+          </a:path>
+        </a:gradFill>
+        <a:gradFill rotWithShape="1">
+          <a:gsLst>
+            <a:gs pos="0">
+              <a:schemeClr val="phClr">
+                <a:tint val="80000"/>
+                <a:satMod val="300000"/>
+              </a:schemeClr>
+            </a:gs>
+            <a:gs pos="100000">
+              <a:schemeClr val="phClr">
+                <a:shade val="30000"/>
+                <a:satMod val="200000"/>
+              </a:schemeClr>
+            </a:gs>
+          </a:gsLst>
+          <a:path path="circle">
+            <a:fillToRect l="50000" t="50000" r="50000" b="50000"/>
+          </a:path>
+        </a:gradFill>
+      </a:bgFillStyleLst>
+    </a:fmtScheme>
+  </a:themeElements>
+  <a:objectDefaults/>
+  <a:extraClrSchemeLst/>
+</a:theme>
 </file>
--- a/presentation/slides_daniel.pptx
+++ b/presentation/slides_daniel.pptx
@@ -5,29 +5,32 @@
     <p:sldMasterId id="2147483648" r:id="rId1"/>
   </p:sldMasterIdLst>
   <p:notesMasterIdLst>
-    <p:notesMasterId r:id="rId22"/>
+    <p:notesMasterId r:id="rId25"/>
   </p:notesMasterIdLst>
   <p:sldIdLst>
     <p:sldId id="256" r:id="rId2"/>
-    <p:sldId id="257" r:id="rId3"/>
-    <p:sldId id="258" r:id="rId4"/>
-    <p:sldId id="259" r:id="rId5"/>
-    <p:sldId id="261" r:id="rId6"/>
-    <p:sldId id="262" r:id="rId7"/>
-    <p:sldId id="260" r:id="rId8"/>
-    <p:sldId id="263" r:id="rId9"/>
-    <p:sldId id="264" r:id="rId10"/>
-    <p:sldId id="265" r:id="rId11"/>
-    <p:sldId id="266" r:id="rId12"/>
-    <p:sldId id="267" r:id="rId13"/>
-    <p:sldId id="268" r:id="rId14"/>
-    <p:sldId id="269" r:id="rId15"/>
-    <p:sldId id="270" r:id="rId16"/>
-    <p:sldId id="271" r:id="rId17"/>
-    <p:sldId id="272" r:id="rId18"/>
-    <p:sldId id="273" r:id="rId19"/>
-    <p:sldId id="274" r:id="rId20"/>
-    <p:sldId id="275" r:id="rId21"/>
+    <p:sldId id="276" r:id="rId3"/>
+    <p:sldId id="278" r:id="rId4"/>
+    <p:sldId id="277" r:id="rId5"/>
+    <p:sldId id="258" r:id="rId6"/>
+    <p:sldId id="260" r:id="rId7"/>
+    <p:sldId id="259" r:id="rId8"/>
+    <p:sldId id="261" r:id="rId9"/>
+    <p:sldId id="262" r:id="rId10"/>
+    <p:sldId id="279" r:id="rId11"/>
+    <p:sldId id="263" r:id="rId12"/>
+    <p:sldId id="264" r:id="rId13"/>
+    <p:sldId id="265" r:id="rId14"/>
+    <p:sldId id="266" r:id="rId15"/>
+    <p:sldId id="267" r:id="rId16"/>
+    <p:sldId id="268" r:id="rId17"/>
+    <p:sldId id="269" r:id="rId18"/>
+    <p:sldId id="270" r:id="rId19"/>
+    <p:sldId id="271" r:id="rId20"/>
+    <p:sldId id="272" r:id="rId21"/>
+    <p:sldId id="273" r:id="rId22"/>
+    <p:sldId id="274" r:id="rId23"/>
+    <p:sldId id="275" r:id="rId24"/>
   </p:sldIdLst>
   <p:sldSz cx="9144000" cy="6858000" type="screen4x3"/>
   <p:notesSz cx="6858000" cy="9144000"/>
@@ -523,7 +526,56 @@
           <a:bodyPr/>
           <a:lstStyle/>
           <a:p>
-            <a:endParaRPr lang="hu-HU" dirty="0"/>
+            <a:r>
+              <a:rPr lang="hu-HU" dirty="0" smtClean="0"/>
+              <a:t>Before the presentation</a:t>
+            </a:r>
+          </a:p>
+          <a:p>
+            <a:r>
+              <a:rPr lang="hu-HU" dirty="0" smtClean="0"/>
+              <a:t>1. Authors, Xerox, Bayou project</a:t>
+            </a:r>
+          </a:p>
+          <a:p>
+            <a:r>
+              <a:rPr lang="hu-HU" dirty="0" smtClean="0"/>
+              <a:t>2. Explain what we are going to go over</a:t>
+            </a:r>
+          </a:p>
+          <a:p>
+            <a:pPr marL="171450" indent="-171450">
+              <a:buFontTx/>
+              <a:buChar char="-"/>
+            </a:pPr>
+            <a:r>
+              <a:rPr lang="hu-HU" dirty="0" smtClean="0"/>
+              <a:t>What is weak consistency?</a:t>
+            </a:r>
+          </a:p>
+          <a:p>
+            <a:pPr marL="171450" indent="-171450">
+              <a:buFontTx/>
+              <a:buChar char="-"/>
+            </a:pPr>
+            <a:r>
+              <a:rPr lang="hu-HU" dirty="0" smtClean="0"/>
+              <a:t>Mobile comp. Aspects</a:t>
+            </a:r>
+          </a:p>
+          <a:p>
+            <a:pPr marL="171450" indent="-171450">
+              <a:buFontTx/>
+              <a:buChar char="-"/>
+            </a:pPr>
+            <a:r>
+              <a:rPr lang="hu-HU" dirty="0" smtClean="0"/>
+              <a:t>Proble,</a:t>
+            </a:r>
+            <a:r>
+              <a:rPr lang="hu-HU" baseline="0" dirty="0" smtClean="0"/>
+              <a:t> motivation, actual content of the paper</a:t>
+            </a:r>
           </a:p>
         </p:txBody>
       </p:sp>
@@ -554,6 +606,405 @@
     <p:extLst>
       <p:ext uri="{BB962C8B-B14F-4D97-AF65-F5344CB8AC3E}">
         <p14:creationId xmlns:p14="http://schemas.microsoft.com/office/powerpoint/2010/main" val="2461650590"/>
+      </p:ext>
+    </p:extLst>
+  </p:cSld>
+  <p:clrMapOvr>
+    <a:masterClrMapping/>
+  </p:clrMapOvr>
+</p:notes>
+</file>
+
+<file path=ppt/notesSlides/notesSlide2.xml><?xml version="1.0" encoding="utf-8"?>
+<p:notes xmlns:a="http://schemas.openxmlformats.org/drawingml/2006/main" xmlns:r="http://schemas.openxmlformats.org/officeDocument/2006/relationships" xmlns:p="http://schemas.openxmlformats.org/presentationml/2006/main">
+  <p:cSld>
+    <p:spTree>
+      <p:nvGrpSpPr>
+        <p:cNvPr id="1" name=""/>
+        <p:cNvGrpSpPr/>
+        <p:nvPr/>
+      </p:nvGrpSpPr>
+      <p:grpSpPr>
+        <a:xfrm>
+          <a:off x="0" y="0"/>
+          <a:ext cx="0" cy="0"/>
+          <a:chOff x="0" y="0"/>
+          <a:chExt cx="0" cy="0"/>
+        </a:xfrm>
+      </p:grpSpPr>
+      <p:sp>
+        <p:nvSpPr>
+          <p:cNvPr id="2" name="Slide Image Placeholder 1"/>
+          <p:cNvSpPr>
+            <a:spLocks noGrp="1" noRot="1" noChangeAspect="1"/>
+          </p:cNvSpPr>
+          <p:nvPr>
+            <p:ph type="sldImg"/>
+          </p:nvPr>
+        </p:nvSpPr>
+        <p:spPr/>
+      </p:sp>
+      <p:sp>
+        <p:nvSpPr>
+          <p:cNvPr id="3" name="Notes Placeholder 2"/>
+          <p:cNvSpPr>
+            <a:spLocks noGrp="1"/>
+          </p:cNvSpPr>
+          <p:nvPr>
+            <p:ph type="body" idx="1"/>
+          </p:nvPr>
+        </p:nvSpPr>
+        <p:spPr/>
+        <p:txBody>
+          <a:bodyPr/>
+          <a:lstStyle/>
+          <a:p>
+            <a:r>
+              <a:rPr lang="hu-HU" dirty="0" smtClean="0"/>
+              <a:t>Why</a:t>
+            </a:r>
+            <a:r>
+              <a:rPr lang="hu-HU" baseline="0" dirty="0" smtClean="0"/>
+              <a:t> don’t we just use transactions? They could solve all of our problems.</a:t>
+            </a:r>
+          </a:p>
+          <a:p>
+            <a:r>
+              <a:rPr lang="hu-HU" baseline="0" dirty="0" smtClean="0"/>
+              <a:t>But: they aren’t as scalable.</a:t>
+            </a:r>
+          </a:p>
+          <a:p>
+            <a:endParaRPr lang="hu-HU" baseline="0" dirty="0" smtClean="0"/>
+          </a:p>
+          <a:p>
+            <a:r>
+              <a:rPr lang="hu-HU" baseline="0" dirty="0" smtClean="0"/>
+              <a:t>Disconnected users can read and update data</a:t>
+            </a:r>
+            <a:endParaRPr lang="hu-HU" dirty="0"/>
+          </a:p>
+        </p:txBody>
+      </p:sp>
+      <p:sp>
+        <p:nvSpPr>
+          <p:cNvPr id="4" name="Slide Number Placeholder 3"/>
+          <p:cNvSpPr>
+            <a:spLocks noGrp="1"/>
+          </p:cNvSpPr>
+          <p:nvPr>
+            <p:ph type="sldNum" sz="quarter" idx="10"/>
+          </p:nvPr>
+        </p:nvSpPr>
+        <p:spPr/>
+        <p:txBody>
+          <a:bodyPr/>
+          <a:lstStyle/>
+          <a:p>
+            <a:fld id="{6FCE4710-B9E6-4347-9620-E393725614A0}" type="slidenum">
+              <a:rPr lang="hu-HU" smtClean="0"/>
+              <a:t>2</a:t>
+            </a:fld>
+            <a:endParaRPr lang="hu-HU"/>
+          </a:p>
+        </p:txBody>
+      </p:sp>
+    </p:spTree>
+    <p:extLst>
+      <p:ext uri="{BB962C8B-B14F-4D97-AF65-F5344CB8AC3E}">
+        <p14:creationId xmlns:p14="http://schemas.microsoft.com/office/powerpoint/2010/main" val="2697525210"/>
+      </p:ext>
+    </p:extLst>
+  </p:cSld>
+  <p:clrMapOvr>
+    <a:masterClrMapping/>
+  </p:clrMapOvr>
+</p:notes>
+</file>
+
+<file path=ppt/notesSlides/notesSlide3.xml><?xml version="1.0" encoding="utf-8"?>
+<p:notes xmlns:a="http://schemas.openxmlformats.org/drawingml/2006/main" xmlns:r="http://schemas.openxmlformats.org/officeDocument/2006/relationships" xmlns:p="http://schemas.openxmlformats.org/presentationml/2006/main">
+  <p:cSld>
+    <p:spTree>
+      <p:nvGrpSpPr>
+        <p:cNvPr id="1" name=""/>
+        <p:cNvGrpSpPr/>
+        <p:nvPr/>
+      </p:nvGrpSpPr>
+      <p:grpSpPr>
+        <a:xfrm>
+          <a:off x="0" y="0"/>
+          <a:ext cx="0" cy="0"/>
+          <a:chOff x="0" y="0"/>
+          <a:chExt cx="0" cy="0"/>
+        </a:xfrm>
+      </p:grpSpPr>
+      <p:sp>
+        <p:nvSpPr>
+          <p:cNvPr id="2" name="Slide Image Placeholder 1"/>
+          <p:cNvSpPr>
+            <a:spLocks noGrp="1" noRot="1" noChangeAspect="1"/>
+          </p:cNvSpPr>
+          <p:nvPr>
+            <p:ph type="sldImg"/>
+          </p:nvPr>
+        </p:nvSpPr>
+        <p:spPr/>
+      </p:sp>
+      <p:sp>
+        <p:nvSpPr>
+          <p:cNvPr id="3" name="Notes Placeholder 2"/>
+          <p:cNvSpPr>
+            <a:spLocks noGrp="1"/>
+          </p:cNvSpPr>
+          <p:nvPr>
+            <p:ph type="body" idx="1"/>
+          </p:nvPr>
+        </p:nvSpPr>
+        <p:spPr/>
+        <p:txBody>
+          <a:bodyPr/>
+          <a:lstStyle/>
+          <a:p>
+            <a:r>
+              <a:rPr lang="hu-HU" dirty="0" smtClean="0"/>
+              <a:t>TODO: rearrange this slide</a:t>
+            </a:r>
+          </a:p>
+          <a:p>
+            <a:endParaRPr lang="hu-HU" dirty="0"/>
+          </a:p>
+        </p:txBody>
+      </p:sp>
+      <p:sp>
+        <p:nvSpPr>
+          <p:cNvPr id="4" name="Slide Number Placeholder 3"/>
+          <p:cNvSpPr>
+            <a:spLocks noGrp="1"/>
+          </p:cNvSpPr>
+          <p:nvPr>
+            <p:ph type="sldNum" sz="quarter" idx="10"/>
+          </p:nvPr>
+        </p:nvSpPr>
+        <p:spPr/>
+        <p:txBody>
+          <a:bodyPr/>
+          <a:lstStyle/>
+          <a:p>
+            <a:fld id="{6FCE4710-B9E6-4347-9620-E393725614A0}" type="slidenum">
+              <a:rPr lang="hu-HU" smtClean="0"/>
+              <a:t>3</a:t>
+            </a:fld>
+            <a:endParaRPr lang="hu-HU"/>
+          </a:p>
+        </p:txBody>
+      </p:sp>
+    </p:spTree>
+    <p:extLst>
+      <p:ext uri="{BB962C8B-B14F-4D97-AF65-F5344CB8AC3E}">
+        <p14:creationId xmlns:p14="http://schemas.microsoft.com/office/powerpoint/2010/main" val="2813993433"/>
+      </p:ext>
+    </p:extLst>
+  </p:cSld>
+  <p:clrMapOvr>
+    <a:masterClrMapping/>
+  </p:clrMapOvr>
+</p:notes>
+</file>
+
+<file path=ppt/notesSlides/notesSlide4.xml><?xml version="1.0" encoding="utf-8"?>
+<p:notes xmlns:a="http://schemas.openxmlformats.org/drawingml/2006/main" xmlns:r="http://schemas.openxmlformats.org/officeDocument/2006/relationships" xmlns:p="http://schemas.openxmlformats.org/presentationml/2006/main">
+  <p:cSld>
+    <p:spTree>
+      <p:nvGrpSpPr>
+        <p:cNvPr id="1" name=""/>
+        <p:cNvGrpSpPr/>
+        <p:nvPr/>
+      </p:nvGrpSpPr>
+      <p:grpSpPr>
+        <a:xfrm>
+          <a:off x="0" y="0"/>
+          <a:ext cx="0" cy="0"/>
+          <a:chOff x="0" y="0"/>
+          <a:chExt cx="0" cy="0"/>
+        </a:xfrm>
+      </p:grpSpPr>
+      <p:sp>
+        <p:nvSpPr>
+          <p:cNvPr id="2" name="Slide Image Placeholder 1"/>
+          <p:cNvSpPr>
+            <a:spLocks noGrp="1" noRot="1" noChangeAspect="1"/>
+          </p:cNvSpPr>
+          <p:nvPr>
+            <p:ph type="sldImg"/>
+          </p:nvPr>
+        </p:nvSpPr>
+        <p:spPr/>
+      </p:sp>
+      <p:sp>
+        <p:nvSpPr>
+          <p:cNvPr id="3" name="Notes Placeholder 2"/>
+          <p:cNvSpPr>
+            <a:spLocks noGrp="1"/>
+          </p:cNvSpPr>
+          <p:nvPr>
+            <p:ph type="body" idx="1"/>
+          </p:nvPr>
+        </p:nvSpPr>
+        <p:spPr/>
+        <p:txBody>
+          <a:bodyPr/>
+          <a:lstStyle/>
+          <a:p>
+            <a:r>
+              <a:rPr lang="hu-HU" dirty="0" smtClean="0"/>
+              <a:t>What if we could get rid of the confusion?</a:t>
+            </a:r>
+          </a:p>
+          <a:p>
+            <a:pPr lvl="1"/>
+            <a:r>
+              <a:rPr lang="hu-HU" dirty="0" smtClean="0"/>
+              <a:t>Maintaining the advantages of weak consistency</a:t>
+            </a:r>
+          </a:p>
+          <a:p>
+            <a:pPr lvl="1"/>
+            <a:r>
+              <a:rPr lang="hu-HU" dirty="0" smtClean="0"/>
+              <a:t>By issuing session guarantees to users</a:t>
+            </a:r>
+          </a:p>
+          <a:p>
+            <a:endParaRPr lang="hu-HU" dirty="0"/>
+          </a:p>
+        </p:txBody>
+      </p:sp>
+      <p:sp>
+        <p:nvSpPr>
+          <p:cNvPr id="4" name="Slide Number Placeholder 3"/>
+          <p:cNvSpPr>
+            <a:spLocks noGrp="1"/>
+          </p:cNvSpPr>
+          <p:nvPr>
+            <p:ph type="sldNum" sz="quarter" idx="10"/>
+          </p:nvPr>
+        </p:nvSpPr>
+        <p:spPr/>
+        <p:txBody>
+          <a:bodyPr/>
+          <a:lstStyle/>
+          <a:p>
+            <a:fld id="{6FCE4710-B9E6-4347-9620-E393725614A0}" type="slidenum">
+              <a:rPr lang="hu-HU" smtClean="0"/>
+              <a:t>5</a:t>
+            </a:fld>
+            <a:endParaRPr lang="hu-HU"/>
+          </a:p>
+        </p:txBody>
+      </p:sp>
+    </p:spTree>
+    <p:extLst>
+      <p:ext uri="{BB962C8B-B14F-4D97-AF65-F5344CB8AC3E}">
+        <p14:creationId xmlns:p14="http://schemas.microsoft.com/office/powerpoint/2010/main" val="1566615071"/>
+      </p:ext>
+    </p:extLst>
+  </p:cSld>
+  <p:clrMapOvr>
+    <a:masterClrMapping/>
+  </p:clrMapOvr>
+</p:notes>
+</file>
+
+<file path=ppt/notesSlides/notesSlide5.xml><?xml version="1.0" encoding="utf-8"?>
+<p:notes xmlns:a="http://schemas.openxmlformats.org/drawingml/2006/main" xmlns:r="http://schemas.openxmlformats.org/officeDocument/2006/relationships" xmlns:p="http://schemas.openxmlformats.org/presentationml/2006/main">
+  <p:cSld>
+    <p:spTree>
+      <p:nvGrpSpPr>
+        <p:cNvPr id="1" name=""/>
+        <p:cNvGrpSpPr/>
+        <p:nvPr/>
+      </p:nvGrpSpPr>
+      <p:grpSpPr>
+        <a:xfrm>
+          <a:off x="0" y="0"/>
+          <a:ext cx="0" cy="0"/>
+          <a:chOff x="0" y="0"/>
+          <a:chExt cx="0" cy="0"/>
+        </a:xfrm>
+      </p:grpSpPr>
+      <p:sp>
+        <p:nvSpPr>
+          <p:cNvPr id="2" name="Slide Image Placeholder 1"/>
+          <p:cNvSpPr>
+            <a:spLocks noGrp="1" noRot="1" noChangeAspect="1"/>
+          </p:cNvSpPr>
+          <p:nvPr>
+            <p:ph type="sldImg"/>
+          </p:nvPr>
+        </p:nvSpPr>
+        <p:spPr/>
+      </p:sp>
+      <p:sp>
+        <p:nvSpPr>
+          <p:cNvPr id="3" name="Notes Placeholder 2"/>
+          <p:cNvSpPr>
+            <a:spLocks noGrp="1"/>
+          </p:cNvSpPr>
+          <p:nvPr>
+            <p:ph type="body" idx="1"/>
+          </p:nvPr>
+        </p:nvSpPr>
+        <p:spPr/>
+        <p:txBody>
+          <a:bodyPr/>
+          <a:lstStyle/>
+          <a:p>
+            <a:r>
+              <a:rPr lang="hu-HU" dirty="0" smtClean="0"/>
+              <a:t>Transactions tend to be small,</a:t>
+            </a:r>
+            <a:r>
+              <a:rPr lang="hu-HU" baseline="0" dirty="0" smtClean="0"/>
+              <a:t> they want to act atomically, it’s „rigid”.</a:t>
+            </a:r>
+          </a:p>
+          <a:p>
+            <a:r>
+              <a:rPr lang="hu-HU" baseline="0" dirty="0" smtClean="0"/>
+              <a:t>Sessions on the other hand are a logical timespan for user operations.</a:t>
+            </a:r>
+            <a:endParaRPr lang="hu-HU" dirty="0"/>
+          </a:p>
+        </p:txBody>
+      </p:sp>
+      <p:sp>
+        <p:nvSpPr>
+          <p:cNvPr id="4" name="Slide Number Placeholder 3"/>
+          <p:cNvSpPr>
+            <a:spLocks noGrp="1"/>
+          </p:cNvSpPr>
+          <p:nvPr>
+            <p:ph type="sldNum" sz="quarter" idx="10"/>
+          </p:nvPr>
+        </p:nvSpPr>
+        <p:spPr/>
+        <p:txBody>
+          <a:bodyPr/>
+          <a:lstStyle/>
+          <a:p>
+            <a:fld id="{6FCE4710-B9E6-4347-9620-E393725614A0}" type="slidenum">
+              <a:rPr lang="hu-HU" smtClean="0"/>
+              <a:t>7</a:t>
+            </a:fld>
+            <a:endParaRPr lang="hu-HU"/>
+          </a:p>
+        </p:txBody>
+      </p:sp>
+    </p:spTree>
+    <p:extLst>
+      <p:ext uri="{BB962C8B-B14F-4D97-AF65-F5344CB8AC3E}">
+        <p14:creationId xmlns:p14="http://schemas.microsoft.com/office/powerpoint/2010/main" val="256064012"/>
       </p:ext>
     </p:extLst>
   </p:cSld>
@@ -3617,8 +4068,8 @@
         </p:nvSpPr>
         <p:spPr>
           <a:xfrm>
-            <a:off x="4932040" y="4512341"/>
-            <a:ext cx="3952528" cy="1752600"/>
+            <a:off x="5508104" y="5013176"/>
+            <a:ext cx="3312368" cy="1467788"/>
           </a:xfrm>
           <a:prstGeom prst="rect">
             <a:avLst/>
@@ -3784,14 +4235,78 @@
             </a:lvl9pPr>
           </a:lstStyle>
           <a:p>
-            <a:r>
-              <a:rPr lang="hu-HU" dirty="0" smtClean="0"/>
-              <a:t>&lt;Presenters here&gt;</a:t>
-            </a:r>
-            <a:endParaRPr lang="hu-HU" dirty="0"/>
-          </a:p>
-        </p:txBody>
-      </p:sp>
+            <a:pPr algn="l"/>
+            <a:r>
+              <a:rPr lang="hu-HU" sz="2400" dirty="0" smtClean="0"/>
+              <a:t>Dániel Bali</a:t>
+            </a:r>
+          </a:p>
+          <a:p>
+            <a:pPr algn="l"/>
+            <a:r>
+              <a:rPr lang="hu-HU" sz="2400" dirty="0" smtClean="0"/>
+              <a:t>Gayana Chandrasekara</a:t>
+            </a:r>
+          </a:p>
+          <a:p>
+            <a:pPr algn="l"/>
+            <a:r>
+              <a:rPr lang="hu-HU" sz="2400" dirty="0" smtClean="0"/>
+              <a:t>Seçkin Savaşç</a:t>
+            </a:r>
+            <a:r>
+              <a:rPr lang="hu-HU" sz="2400" dirty="0" smtClean="0"/>
+              <a:t>ı</a:t>
+            </a:r>
+            <a:endParaRPr lang="hu-HU" sz="2400" dirty="0"/>
+          </a:p>
+        </p:txBody>
+      </p:sp>
+      <p:pic>
+        <p:nvPicPr>
+          <p:cNvPr id="1026" name="Picture 2" descr="C:\Users\dada\Desktop\words.png"/>
+          <p:cNvPicPr>
+            <a:picLocks noChangeAspect="1" noChangeArrowheads="1"/>
+          </p:cNvPicPr>
+          <p:nvPr/>
+        </p:nvPicPr>
+        <p:blipFill rotWithShape="1">
+          <a:blip r:embed="rId3">
+            <a:grayscl/>
+            <a:extLst>
+              <a:ext uri="{BEBA8EAE-BF5A-486C-A8C5-ECC9F3942E4B}">
+                <a14:imgProps xmlns:a14="http://schemas.microsoft.com/office/drawing/2010/main">
+                  <a14:imgLayer r:embed="rId4"/>
+                </a14:imgProps>
+              </a:ext>
+              <a:ext uri="{28A0092B-C50C-407E-A947-70E740481C1C}">
+                <a14:useLocalDpi xmlns:a14="http://schemas.microsoft.com/office/drawing/2010/main" val="0"/>
+              </a:ext>
+            </a:extLst>
+          </a:blip>
+          <a:srcRect r="35896"/>
+          <a:stretch/>
+        </p:blipFill>
+        <p:spPr bwMode="auto">
+          <a:xfrm rot="5400000">
+            <a:off x="1057300" y="2407197"/>
+            <a:ext cx="3428999" cy="5472607"/>
+          </a:xfrm>
+          <a:prstGeom prst="rect">
+            <a:avLst/>
+          </a:prstGeom>
+          <a:noFill/>
+          <a:extLst>
+            <a:ext uri="{909E8E84-426E-40DD-AFC4-6F175D3DCCD1}">
+              <a14:hiddenFill xmlns:a14="http://schemas.microsoft.com/office/drawing/2010/main">
+                <a:solidFill>
+                  <a:srgbClr val="FFFFFF"/>
+                </a:solidFill>
+              </a14:hiddenFill>
+            </a:ext>
+          </a:extLst>
+        </p:spPr>
+      </p:pic>
     </p:spTree>
     <p:extLst>
       <p:ext uri="{BB962C8B-B14F-4D97-AF65-F5344CB8AC3E}">
@@ -3802,6 +4317,13 @@
   <p:clrMapOvr>
     <a:masterClrMapping/>
   </p:clrMapOvr>
+  <p:timing>
+    <p:tnLst>
+      <p:par>
+        <p:cTn id="1" dur="indefinite" restart="never" nodeType="tmRoot"/>
+      </p:par>
+    </p:tnLst>
+  </p:timing>
 </p:sld>
 </file>
 
@@ -3839,7 +4361,7 @@
           <a:p>
             <a:r>
               <a:rPr lang="hu-HU" dirty="0" smtClean="0"/>
-              <a:t>3 – Writes Follow Reads</a:t>
+              <a:t>Guarantees</a:t>
             </a:r>
             <a:endParaRPr lang="hu-HU" dirty="0"/>
           </a:p>
@@ -3862,164 +4384,16 @@
           <a:p>
             <a:r>
               <a:rPr lang="hu-HU" dirty="0" smtClean="0"/>
-              <a:t>Write/Read dependencies are preserved in the ordering of Writes at all servers</a:t>
-            </a:r>
-          </a:p>
-          <a:p>
-            <a:r>
-              <a:rPr lang="hu-HU" dirty="0" smtClean="0"/>
-              <a:t>If Read R</a:t>
-            </a:r>
-            <a:r>
-              <a:rPr lang="hu-HU" sz="2000" dirty="0" smtClean="0"/>
-              <a:t>1</a:t>
-            </a:r>
-            <a:r>
-              <a:rPr lang="hu-HU" dirty="0" smtClean="0"/>
-              <a:t> precedes Write W</a:t>
-            </a:r>
-            <a:r>
-              <a:rPr lang="hu-HU" sz="2000" dirty="0" smtClean="0"/>
-              <a:t>2</a:t>
-            </a:r>
-            <a:r>
-              <a:rPr lang="hu-HU" dirty="0" smtClean="0"/>
-              <a:t> in a session and R</a:t>
-            </a:r>
-            <a:r>
-              <a:rPr lang="hu-HU" sz="2000" dirty="0" smtClean="0"/>
-              <a:t>1</a:t>
-            </a:r>
-            <a:r>
-              <a:rPr lang="hu-HU" dirty="0" smtClean="0"/>
-              <a:t> is performed at server S</a:t>
-            </a:r>
-            <a:r>
-              <a:rPr lang="hu-HU" sz="2000" dirty="0" smtClean="0"/>
-              <a:t>1</a:t>
-            </a:r>
-            <a:r>
-              <a:rPr lang="hu-HU" dirty="0" smtClean="0"/>
-              <a:t> at time t</a:t>
-            </a:r>
-            <a:r>
-              <a:rPr lang="hu-HU" sz="2000" dirty="0" smtClean="0"/>
-              <a:t>1</a:t>
-            </a:r>
-            <a:r>
-              <a:rPr lang="hu-HU" dirty="0" smtClean="0"/>
-              <a:t>, then, for any server S</a:t>
-            </a:r>
-            <a:r>
-              <a:rPr lang="hu-HU" sz="2000" dirty="0" smtClean="0"/>
-              <a:t>2</a:t>
-            </a:r>
-            <a:r>
-              <a:rPr lang="hu-HU" dirty="0" smtClean="0"/>
-              <a:t>, if W</a:t>
-            </a:r>
-            <a:r>
-              <a:rPr lang="hu-HU" sz="2000" dirty="0" smtClean="0"/>
-              <a:t>2</a:t>
-            </a:r>
-            <a:r>
-              <a:rPr lang="hu-HU" dirty="0" smtClean="0"/>
-              <a:t> is in DB(S</a:t>
-            </a:r>
-            <a:r>
-              <a:rPr lang="hu-HU" sz="2000" dirty="0" smtClean="0"/>
-              <a:t>2</a:t>
-            </a:r>
-            <a:r>
-              <a:rPr lang="hu-HU" dirty="0" smtClean="0"/>
-              <a:t>) then any W</a:t>
-            </a:r>
-            <a:r>
-              <a:rPr lang="hu-HU" sz="2000" dirty="0" smtClean="0"/>
-              <a:t>1</a:t>
-            </a:r>
-            <a:r>
-              <a:rPr lang="hu-HU" dirty="0" smtClean="0"/>
-              <a:t> in RelevantWrites(S</a:t>
-            </a:r>
-            <a:r>
-              <a:rPr lang="hu-HU" sz="2000" dirty="0" smtClean="0"/>
-              <a:t>1</a:t>
-            </a:r>
-            <a:r>
-              <a:rPr lang="hu-HU" dirty="0" smtClean="0"/>
-              <a:t>, t</a:t>
-            </a:r>
-            <a:r>
-              <a:rPr lang="hu-HU" sz="2000" dirty="0" smtClean="0"/>
-              <a:t>1</a:t>
-            </a:r>
-            <a:r>
-              <a:rPr lang="hu-HU" dirty="0" smtClean="0"/>
-              <a:t>, R</a:t>
-            </a:r>
-            <a:r>
-              <a:rPr lang="hu-HU" sz="2000" dirty="0" smtClean="0"/>
-              <a:t>1</a:t>
-            </a:r>
-            <a:r>
-              <a:rPr lang="hu-HU" dirty="0" smtClean="0"/>
-              <a:t>) is also in DB(S</a:t>
-            </a:r>
-            <a:r>
-              <a:rPr lang="hu-HU" sz="2000" dirty="0" smtClean="0"/>
-              <a:t>2</a:t>
-            </a:r>
-            <a:r>
-              <a:rPr lang="hu-HU" dirty="0" smtClean="0"/>
-              <a:t>) and WriteOrder(W</a:t>
-            </a:r>
-            <a:r>
-              <a:rPr lang="hu-HU" sz="2000" dirty="0" smtClean="0"/>
-              <a:t>1</a:t>
-            </a:r>
-            <a:r>
-              <a:rPr lang="hu-HU" dirty="0" smtClean="0"/>
-              <a:t>, W</a:t>
-            </a:r>
-            <a:r>
-              <a:rPr lang="hu-HU" sz="2000" dirty="0" smtClean="0"/>
-              <a:t>2</a:t>
-            </a:r>
-            <a:r>
-              <a:rPr lang="hu-HU" dirty="0" smtClean="0"/>
-              <a:t>) stands.</a:t>
-            </a:r>
-          </a:p>
-          <a:p>
-            <a:r>
-              <a:rPr lang="hu-HU" b="1" dirty="0" smtClean="0"/>
-              <a:t>Example</a:t>
-            </a:r>
-            <a:r>
-              <a:rPr lang="hu-HU" dirty="0" smtClean="0"/>
-              <a:t>: </a:t>
-            </a:r>
-            <a:r>
-              <a:rPr lang="hu-HU" dirty="0" smtClean="0">
-                <a:solidFill>
-                  <a:srgbClr val="FF0000"/>
-                </a:solidFill>
-              </a:rPr>
-              <a:t>TODO</a:t>
-            </a:r>
-            <a:endParaRPr lang="hu-HU" dirty="0">
-              <a:solidFill>
-                <a:srgbClr val="FF0000"/>
-              </a:solidFill>
-            </a:endParaRPr>
+              <a:t>TODO: visualization for each guarantee (1 slide before each guarantee)</a:t>
+            </a:r>
+            <a:endParaRPr lang="hu-HU" dirty="0"/>
           </a:p>
         </p:txBody>
       </p:sp>
     </p:spTree>
     <p:extLst>
       <p:ext uri="{BB962C8B-B14F-4D97-AF65-F5344CB8AC3E}">
-        <p14:creationId xmlns:p14="http://schemas.microsoft.com/office/powerpoint/2010/main" val="50290576"/>
+        <p14:creationId xmlns:p14="http://schemas.microsoft.com/office/powerpoint/2010/main" val="1516672963"/>
       </p:ext>
     </p:extLst>
   </p:cSld>
@@ -4063,7 +4437,7 @@
           <a:p>
             <a:r>
               <a:rPr lang="hu-HU" dirty="0" smtClean="0"/>
-              <a:t>WFRO/WFRP?</a:t>
+              <a:t>1 – Read Your Writes</a:t>
             </a:r>
             <a:endParaRPr lang="hu-HU" dirty="0"/>
           </a:p>
@@ -4086,7 +4460,35 @@
           <a:p>
             <a:r>
               <a:rPr lang="hu-HU" dirty="0" smtClean="0"/>
-              <a:t>Should we add these?</a:t>
+              <a:t>The </a:t>
+            </a:r>
+            <a:r>
+              <a:rPr lang="hu-HU" dirty="0" smtClean="0"/>
+              <a:t>effects </a:t>
+            </a:r>
+            <a:r>
+              <a:rPr lang="hu-HU" dirty="0" smtClean="0"/>
+              <a:t>of any write made within a session are visible to reads within that session</a:t>
+            </a:r>
+          </a:p>
+          <a:p>
+            <a:r>
+              <a:rPr lang="hu-HU" dirty="0" smtClean="0"/>
+              <a:t>If Read R follows Write W in a session and R is performed at server S at time t, then W is included in DB(S, t)</a:t>
+            </a:r>
+          </a:p>
+          <a:p>
+            <a:r>
+              <a:rPr lang="hu-HU" b="1" dirty="0" smtClean="0"/>
+              <a:t>Example </a:t>
+            </a:r>
+            <a:r>
+              <a:rPr lang="hu-HU" dirty="0" smtClean="0"/>
+              <a:t>– </a:t>
+            </a:r>
+            <a:r>
+              <a:rPr lang="hu-HU" dirty="0" smtClean="0"/>
+              <a:t>changing a password and not being able to log in</a:t>
             </a:r>
             <a:endParaRPr lang="hu-HU" dirty="0"/>
           </a:p>
@@ -4095,7 +4497,7 @@
     </p:spTree>
     <p:extLst>
       <p:ext uri="{BB962C8B-B14F-4D97-AF65-F5344CB8AC3E}">
-        <p14:creationId xmlns:p14="http://schemas.microsoft.com/office/powerpoint/2010/main" val="2086871892"/>
+        <p14:creationId xmlns:p14="http://schemas.microsoft.com/office/powerpoint/2010/main" val="3210135876"/>
       </p:ext>
     </p:extLst>
   </p:cSld>
@@ -4139,7 +4541,7 @@
           <a:p>
             <a:r>
               <a:rPr lang="hu-HU" dirty="0" smtClean="0"/>
-              <a:t>4 – Monotonic Writes</a:t>
+              <a:t>2 – Monotonic Reads</a:t>
             </a:r>
             <a:endParaRPr lang="hu-HU" dirty="0"/>
           </a:p>
@@ -4157,18 +4559,20 @@
         </p:nvSpPr>
         <p:spPr/>
         <p:txBody>
-          <a:bodyPr/>
-          <a:lstStyle/>
-          <a:p>
-            <a:r>
-              <a:rPr lang="hu-HU" dirty="0" smtClean="0"/>
-              <a:t>Writes must follow previous writes within the session</a:t>
-            </a:r>
-          </a:p>
-          <a:p>
-            <a:r>
-              <a:rPr lang="hu-HU" dirty="0" smtClean="0"/>
-              <a:t>If Write W</a:t>
+          <a:bodyPr>
+            <a:normAutofit/>
+          </a:bodyPr>
+          <a:lstStyle/>
+          <a:p>
+            <a:r>
+              <a:rPr lang="hu-HU" dirty="0" smtClean="0"/>
+              <a:t>Users observe a database that is increasingly up-to-date over time</a:t>
+            </a:r>
+          </a:p>
+          <a:p>
+            <a:r>
+              <a:rPr lang="hu-HU" dirty="0" smtClean="0"/>
+              <a:t>If Read R</a:t>
             </a:r>
             <a:r>
               <a:rPr lang="hu-HU" sz="2000" dirty="0" smtClean="0"/>
@@ -4176,7 +4580,7 @@
             </a:r>
             <a:r>
               <a:rPr lang="hu-HU" dirty="0" smtClean="0"/>
-              <a:t> precedes Write W</a:t>
+              <a:t> occurs before R</a:t>
             </a:r>
             <a:r>
               <a:rPr lang="hu-HU" sz="2000" dirty="0" smtClean="0"/>
@@ -4184,7 +4588,31 @@
             </a:r>
             <a:r>
               <a:rPr lang="hu-HU" dirty="0" smtClean="0"/>
-              <a:t> in a session, then, for any server S</a:t>
+              <a:t> in a session and R</a:t>
+            </a:r>
+            <a:r>
+              <a:rPr lang="hu-HU" sz="2000" dirty="0" smtClean="0"/>
+              <a:t>1</a:t>
+            </a:r>
+            <a:r>
+              <a:rPr lang="hu-HU" dirty="0" smtClean="0"/>
+              <a:t> accesses server S</a:t>
+            </a:r>
+            <a:r>
+              <a:rPr lang="hu-HU" sz="2000" dirty="0" smtClean="0"/>
+              <a:t>1</a:t>
+            </a:r>
+            <a:r>
+              <a:rPr lang="hu-HU" dirty="0" smtClean="0"/>
+              <a:t> at time t</a:t>
+            </a:r>
+            <a:r>
+              <a:rPr lang="hu-HU" sz="2000" dirty="0" smtClean="0"/>
+              <a:t>1</a:t>
+            </a:r>
+            <a:r>
+              <a:rPr lang="hu-HU" dirty="0" smtClean="0"/>
+              <a:t> and R</a:t>
             </a:r>
             <a:r>
               <a:rPr lang="hu-HU" sz="2000" dirty="0" smtClean="0"/>
@@ -4192,7 +4620,7 @@
             </a:r>
             <a:r>
               <a:rPr lang="hu-HU" dirty="0" smtClean="0"/>
-              <a:t>, if W2 in DB(S</a:t>
+              <a:t> accesses server S</a:t>
             </a:r>
             <a:r>
               <a:rPr lang="hu-HU" sz="2000" dirty="0" smtClean="0"/>
@@ -4200,7 +4628,15 @@
             </a:r>
             <a:r>
               <a:rPr lang="hu-HU" dirty="0" smtClean="0"/>
-              <a:t>) then W</a:t>
+              <a:t> at time t</a:t>
+            </a:r>
+            <a:r>
+              <a:rPr lang="hu-HU" sz="2000" dirty="0" smtClean="0"/>
+              <a:t>2</a:t>
+            </a:r>
+            <a:r>
+              <a:rPr lang="hu-HU" dirty="0" smtClean="0"/>
+              <a:t>, then RelevantWrites(S</a:t>
             </a:r>
             <a:r>
               <a:rPr lang="hu-HU" sz="2000" dirty="0" smtClean="0"/>
@@ -4208,7 +4644,23 @@
             </a:r>
             <a:r>
               <a:rPr lang="hu-HU" dirty="0" smtClean="0"/>
-              <a:t> is also in DB(S</a:t>
+              <a:t>, t</a:t>
+            </a:r>
+            <a:r>
+              <a:rPr lang="hu-HU" sz="2000" dirty="0" smtClean="0"/>
+              <a:t>1</a:t>
+            </a:r>
+            <a:r>
+              <a:rPr lang="hu-HU" dirty="0" smtClean="0"/>
+              <a:t>, R</a:t>
+            </a:r>
+            <a:r>
+              <a:rPr lang="hu-HU" sz="2000" dirty="0" smtClean="0"/>
+              <a:t>1</a:t>
+            </a:r>
+            <a:r>
+              <a:rPr lang="hu-HU" dirty="0" smtClean="0"/>
+              <a:t>) is a subset of DB(S</a:t>
             </a:r>
             <a:r>
               <a:rPr lang="hu-HU" sz="2000" dirty="0" smtClean="0"/>
@@ -4216,15 +4668,7 @@
             </a:r>
             <a:r>
               <a:rPr lang="hu-HU" dirty="0" smtClean="0"/>
-              <a:t>) and WriteOrder(W</a:t>
-            </a:r>
-            <a:r>
-              <a:rPr lang="hu-HU" sz="2000" dirty="0" smtClean="0"/>
-              <a:t>1</a:t>
-            </a:r>
-            <a:r>
-              <a:rPr lang="hu-HU" dirty="0" smtClean="0"/>
-              <a:t>, W</a:t>
+              <a:t>, t</a:t>
             </a:r>
             <a:r>
               <a:rPr lang="hu-HU" sz="2000" dirty="0" smtClean="0"/>
@@ -4232,7 +4676,7 @@
             </a:r>
             <a:r>
               <a:rPr lang="hu-HU" dirty="0" smtClean="0"/>
-              <a:t>) stands</a:t>
+              <a:t>)</a:t>
             </a:r>
           </a:p>
           <a:p>
@@ -4242,23 +4686,8 @@
             </a:r>
             <a:r>
               <a:rPr lang="hu-HU" dirty="0" smtClean="0"/>
-              <a:t>: a text editor, when saving, can’t cause version N</a:t>
-            </a:r>
-            <a:r>
-              <a:rPr lang="hu-HU" sz="2000" dirty="0" smtClean="0"/>
-              <a:t>i</a:t>
-            </a:r>
-            <a:r>
-              <a:rPr lang="hu-HU" dirty="0" smtClean="0"/>
-              <a:t> to overwrite version N</a:t>
-            </a:r>
-            <a:r>
-              <a:rPr lang="hu-HU" sz="2000" dirty="0" smtClean="0"/>
-              <a:t>i+1</a:t>
-            </a:r>
-            <a:endParaRPr lang="hu-HU" dirty="0" smtClean="0"/>
-          </a:p>
-          <a:p>
+              <a:t>: online appointment calendar with periodic refreshes – appointments disappear</a:t>
+            </a:r>
             <a:endParaRPr lang="hu-HU" dirty="0"/>
           </a:p>
         </p:txBody>
@@ -4266,7 +4695,7 @@
     </p:spTree>
     <p:extLst>
       <p:ext uri="{BB962C8B-B14F-4D97-AF65-F5344CB8AC3E}">
-        <p14:creationId xmlns:p14="http://schemas.microsoft.com/office/powerpoint/2010/main" val="2446632579"/>
+        <p14:creationId xmlns:p14="http://schemas.microsoft.com/office/powerpoint/2010/main" val="1930452412"/>
       </p:ext>
     </p:extLst>
   </p:cSld>
@@ -4310,6 +4739,477 @@
           <a:p>
             <a:r>
               <a:rPr lang="hu-HU" dirty="0" smtClean="0"/>
+              <a:t>3 – Writes Follow Reads</a:t>
+            </a:r>
+            <a:endParaRPr lang="hu-HU" dirty="0"/>
+          </a:p>
+        </p:txBody>
+      </p:sp>
+      <p:sp>
+        <p:nvSpPr>
+          <p:cNvPr id="3" name="Content Placeholder 2"/>
+          <p:cNvSpPr>
+            <a:spLocks noGrp="1"/>
+          </p:cNvSpPr>
+          <p:nvPr>
+            <p:ph idx="1"/>
+          </p:nvPr>
+        </p:nvSpPr>
+        <p:spPr/>
+        <p:txBody>
+          <a:bodyPr/>
+          <a:lstStyle/>
+          <a:p>
+            <a:r>
+              <a:rPr lang="hu-HU" dirty="0" smtClean="0"/>
+              <a:t>Write/Read dependencies are preserved in the ordering of Writes at all servers</a:t>
+            </a:r>
+          </a:p>
+          <a:p>
+            <a:r>
+              <a:rPr lang="hu-HU" dirty="0" smtClean="0"/>
+              <a:t>If Read R</a:t>
+            </a:r>
+            <a:r>
+              <a:rPr lang="hu-HU" sz="2000" dirty="0" smtClean="0"/>
+              <a:t>1</a:t>
+            </a:r>
+            <a:r>
+              <a:rPr lang="hu-HU" dirty="0" smtClean="0"/>
+              <a:t> precedes Write W</a:t>
+            </a:r>
+            <a:r>
+              <a:rPr lang="hu-HU" sz="2000" dirty="0" smtClean="0"/>
+              <a:t>2</a:t>
+            </a:r>
+            <a:r>
+              <a:rPr lang="hu-HU" dirty="0" smtClean="0"/>
+              <a:t> in a session and R</a:t>
+            </a:r>
+            <a:r>
+              <a:rPr lang="hu-HU" sz="2000" dirty="0" smtClean="0"/>
+              <a:t>1</a:t>
+            </a:r>
+            <a:r>
+              <a:rPr lang="hu-HU" dirty="0" smtClean="0"/>
+              <a:t> is performed at server S</a:t>
+            </a:r>
+            <a:r>
+              <a:rPr lang="hu-HU" sz="2000" dirty="0" smtClean="0"/>
+              <a:t>1</a:t>
+            </a:r>
+            <a:r>
+              <a:rPr lang="hu-HU" dirty="0" smtClean="0"/>
+              <a:t> at time t</a:t>
+            </a:r>
+            <a:r>
+              <a:rPr lang="hu-HU" sz="2000" dirty="0" smtClean="0"/>
+              <a:t>1</a:t>
+            </a:r>
+            <a:r>
+              <a:rPr lang="hu-HU" dirty="0" smtClean="0"/>
+              <a:t>, then, for any server S</a:t>
+            </a:r>
+            <a:r>
+              <a:rPr lang="hu-HU" sz="2000" dirty="0" smtClean="0"/>
+              <a:t>2</a:t>
+            </a:r>
+            <a:r>
+              <a:rPr lang="hu-HU" dirty="0" smtClean="0"/>
+              <a:t>, if W</a:t>
+            </a:r>
+            <a:r>
+              <a:rPr lang="hu-HU" sz="2000" dirty="0" smtClean="0"/>
+              <a:t>2</a:t>
+            </a:r>
+            <a:r>
+              <a:rPr lang="hu-HU" dirty="0" smtClean="0"/>
+              <a:t> is in DB(S</a:t>
+            </a:r>
+            <a:r>
+              <a:rPr lang="hu-HU" sz="2000" dirty="0" smtClean="0"/>
+              <a:t>2</a:t>
+            </a:r>
+            <a:r>
+              <a:rPr lang="hu-HU" dirty="0" smtClean="0"/>
+              <a:t>) then any W</a:t>
+            </a:r>
+            <a:r>
+              <a:rPr lang="hu-HU" sz="2000" dirty="0" smtClean="0"/>
+              <a:t>1</a:t>
+            </a:r>
+            <a:r>
+              <a:rPr lang="hu-HU" dirty="0" smtClean="0"/>
+              <a:t> in RelevantWrites(S</a:t>
+            </a:r>
+            <a:r>
+              <a:rPr lang="hu-HU" sz="2000" dirty="0" smtClean="0"/>
+              <a:t>1</a:t>
+            </a:r>
+            <a:r>
+              <a:rPr lang="hu-HU" dirty="0" smtClean="0"/>
+              <a:t>, t</a:t>
+            </a:r>
+            <a:r>
+              <a:rPr lang="hu-HU" sz="2000" dirty="0" smtClean="0"/>
+              <a:t>1</a:t>
+            </a:r>
+            <a:r>
+              <a:rPr lang="hu-HU" dirty="0" smtClean="0"/>
+              <a:t>, R</a:t>
+            </a:r>
+            <a:r>
+              <a:rPr lang="hu-HU" sz="2000" dirty="0" smtClean="0"/>
+              <a:t>1</a:t>
+            </a:r>
+            <a:r>
+              <a:rPr lang="hu-HU" dirty="0" smtClean="0"/>
+              <a:t>) is also in DB(S</a:t>
+            </a:r>
+            <a:r>
+              <a:rPr lang="hu-HU" sz="2000" dirty="0" smtClean="0"/>
+              <a:t>2</a:t>
+            </a:r>
+            <a:r>
+              <a:rPr lang="hu-HU" dirty="0" smtClean="0"/>
+              <a:t>) and WriteOrder(W</a:t>
+            </a:r>
+            <a:r>
+              <a:rPr lang="hu-HU" sz="2000" dirty="0" smtClean="0"/>
+              <a:t>1</a:t>
+            </a:r>
+            <a:r>
+              <a:rPr lang="hu-HU" dirty="0" smtClean="0"/>
+              <a:t>, W</a:t>
+            </a:r>
+            <a:r>
+              <a:rPr lang="hu-HU" sz="2000" dirty="0" smtClean="0"/>
+              <a:t>2</a:t>
+            </a:r>
+            <a:r>
+              <a:rPr lang="hu-HU" dirty="0" smtClean="0"/>
+              <a:t>) stands.</a:t>
+            </a:r>
+          </a:p>
+          <a:p>
+            <a:r>
+              <a:rPr lang="hu-HU" b="1" dirty="0" smtClean="0"/>
+              <a:t>Example</a:t>
+            </a:r>
+            <a:r>
+              <a:rPr lang="hu-HU" dirty="0" smtClean="0"/>
+              <a:t>: </a:t>
+            </a:r>
+            <a:r>
+              <a:rPr lang="hu-HU" dirty="0" smtClean="0">
+                <a:solidFill>
+                  <a:srgbClr val="FF0000"/>
+                </a:solidFill>
+              </a:rPr>
+              <a:t>TODO</a:t>
+            </a:r>
+            <a:endParaRPr lang="hu-HU" dirty="0">
+              <a:solidFill>
+                <a:srgbClr val="FF0000"/>
+              </a:solidFill>
+            </a:endParaRPr>
+          </a:p>
+        </p:txBody>
+      </p:sp>
+    </p:spTree>
+    <p:extLst>
+      <p:ext uri="{BB962C8B-B14F-4D97-AF65-F5344CB8AC3E}">
+        <p14:creationId xmlns:p14="http://schemas.microsoft.com/office/powerpoint/2010/main" val="50290576"/>
+      </p:ext>
+    </p:extLst>
+  </p:cSld>
+  <p:clrMapOvr>
+    <a:masterClrMapping/>
+  </p:clrMapOvr>
+</p:sld>
+</file>
+
+<file path=ppt/slides/slide14.xml><?xml version="1.0" encoding="utf-8"?>
+<p:sld xmlns:a="http://schemas.openxmlformats.org/drawingml/2006/main" xmlns:r="http://schemas.openxmlformats.org/officeDocument/2006/relationships" xmlns:p="http://schemas.openxmlformats.org/presentationml/2006/main">
+  <p:cSld>
+    <p:spTree>
+      <p:nvGrpSpPr>
+        <p:cNvPr id="1" name=""/>
+        <p:cNvGrpSpPr/>
+        <p:nvPr/>
+      </p:nvGrpSpPr>
+      <p:grpSpPr>
+        <a:xfrm>
+          <a:off x="0" y="0"/>
+          <a:ext cx="0" cy="0"/>
+          <a:chOff x="0" y="0"/>
+          <a:chExt cx="0" cy="0"/>
+        </a:xfrm>
+      </p:grpSpPr>
+      <p:sp>
+        <p:nvSpPr>
+          <p:cNvPr id="2" name="Title 1"/>
+          <p:cNvSpPr>
+            <a:spLocks noGrp="1"/>
+          </p:cNvSpPr>
+          <p:nvPr>
+            <p:ph type="title"/>
+          </p:nvPr>
+        </p:nvSpPr>
+        <p:spPr/>
+        <p:txBody>
+          <a:bodyPr/>
+          <a:lstStyle/>
+          <a:p>
+            <a:r>
+              <a:rPr lang="hu-HU" dirty="0" smtClean="0"/>
+              <a:t>WFRO/WFRP?</a:t>
+            </a:r>
+            <a:endParaRPr lang="hu-HU" dirty="0"/>
+          </a:p>
+        </p:txBody>
+      </p:sp>
+      <p:sp>
+        <p:nvSpPr>
+          <p:cNvPr id="3" name="Content Placeholder 2"/>
+          <p:cNvSpPr>
+            <a:spLocks noGrp="1"/>
+          </p:cNvSpPr>
+          <p:nvPr>
+            <p:ph idx="1"/>
+          </p:nvPr>
+        </p:nvSpPr>
+        <p:spPr/>
+        <p:txBody>
+          <a:bodyPr/>
+          <a:lstStyle/>
+          <a:p>
+            <a:r>
+              <a:rPr lang="hu-HU" dirty="0" smtClean="0"/>
+              <a:t>Should we add these?</a:t>
+            </a:r>
+            <a:endParaRPr lang="hu-HU" dirty="0"/>
+          </a:p>
+        </p:txBody>
+      </p:sp>
+    </p:spTree>
+    <p:extLst>
+      <p:ext uri="{BB962C8B-B14F-4D97-AF65-F5344CB8AC3E}">
+        <p14:creationId xmlns:p14="http://schemas.microsoft.com/office/powerpoint/2010/main" val="2086871892"/>
+      </p:ext>
+    </p:extLst>
+  </p:cSld>
+  <p:clrMapOvr>
+    <a:masterClrMapping/>
+  </p:clrMapOvr>
+</p:sld>
+</file>
+
+<file path=ppt/slides/slide15.xml><?xml version="1.0" encoding="utf-8"?>
+<p:sld xmlns:a="http://schemas.openxmlformats.org/drawingml/2006/main" xmlns:r="http://schemas.openxmlformats.org/officeDocument/2006/relationships" xmlns:p="http://schemas.openxmlformats.org/presentationml/2006/main">
+  <p:cSld>
+    <p:spTree>
+      <p:nvGrpSpPr>
+        <p:cNvPr id="1" name=""/>
+        <p:cNvGrpSpPr/>
+        <p:nvPr/>
+      </p:nvGrpSpPr>
+      <p:grpSpPr>
+        <a:xfrm>
+          <a:off x="0" y="0"/>
+          <a:ext cx="0" cy="0"/>
+          <a:chOff x="0" y="0"/>
+          <a:chExt cx="0" cy="0"/>
+        </a:xfrm>
+      </p:grpSpPr>
+      <p:sp>
+        <p:nvSpPr>
+          <p:cNvPr id="2" name="Title 1"/>
+          <p:cNvSpPr>
+            <a:spLocks noGrp="1"/>
+          </p:cNvSpPr>
+          <p:nvPr>
+            <p:ph type="title"/>
+          </p:nvPr>
+        </p:nvSpPr>
+        <p:spPr/>
+        <p:txBody>
+          <a:bodyPr/>
+          <a:lstStyle/>
+          <a:p>
+            <a:r>
+              <a:rPr lang="hu-HU" dirty="0" smtClean="0"/>
+              <a:t>4 – Monotonic Writes</a:t>
+            </a:r>
+            <a:endParaRPr lang="hu-HU" dirty="0"/>
+          </a:p>
+        </p:txBody>
+      </p:sp>
+      <p:sp>
+        <p:nvSpPr>
+          <p:cNvPr id="3" name="Content Placeholder 2"/>
+          <p:cNvSpPr>
+            <a:spLocks noGrp="1"/>
+          </p:cNvSpPr>
+          <p:nvPr>
+            <p:ph idx="1"/>
+          </p:nvPr>
+        </p:nvSpPr>
+        <p:spPr/>
+        <p:txBody>
+          <a:bodyPr/>
+          <a:lstStyle/>
+          <a:p>
+            <a:r>
+              <a:rPr lang="hu-HU" dirty="0" smtClean="0"/>
+              <a:t>Writes must follow previous writes within the session</a:t>
+            </a:r>
+          </a:p>
+          <a:p>
+            <a:r>
+              <a:rPr lang="hu-HU" dirty="0" smtClean="0"/>
+              <a:t>If Write W</a:t>
+            </a:r>
+            <a:r>
+              <a:rPr lang="hu-HU" sz="2000" dirty="0" smtClean="0"/>
+              <a:t>1</a:t>
+            </a:r>
+            <a:r>
+              <a:rPr lang="hu-HU" dirty="0" smtClean="0"/>
+              <a:t> precedes Write W</a:t>
+            </a:r>
+            <a:r>
+              <a:rPr lang="hu-HU" sz="2000" dirty="0" smtClean="0"/>
+              <a:t>2</a:t>
+            </a:r>
+            <a:r>
+              <a:rPr lang="hu-HU" dirty="0" smtClean="0"/>
+              <a:t> in a session, then, for any server S</a:t>
+            </a:r>
+            <a:r>
+              <a:rPr lang="hu-HU" sz="2000" dirty="0" smtClean="0"/>
+              <a:t>2</a:t>
+            </a:r>
+            <a:r>
+              <a:rPr lang="hu-HU" dirty="0" smtClean="0"/>
+              <a:t>, if W2 in DB(S</a:t>
+            </a:r>
+            <a:r>
+              <a:rPr lang="hu-HU" sz="2000" dirty="0" smtClean="0"/>
+              <a:t>2</a:t>
+            </a:r>
+            <a:r>
+              <a:rPr lang="hu-HU" dirty="0" smtClean="0"/>
+              <a:t>) then W</a:t>
+            </a:r>
+            <a:r>
+              <a:rPr lang="hu-HU" sz="2000" dirty="0" smtClean="0"/>
+              <a:t>1</a:t>
+            </a:r>
+            <a:r>
+              <a:rPr lang="hu-HU" dirty="0" smtClean="0"/>
+              <a:t> is also in DB(S</a:t>
+            </a:r>
+            <a:r>
+              <a:rPr lang="hu-HU" sz="2000" dirty="0" smtClean="0"/>
+              <a:t>2</a:t>
+            </a:r>
+            <a:r>
+              <a:rPr lang="hu-HU" dirty="0" smtClean="0"/>
+              <a:t>) and WriteOrder(W</a:t>
+            </a:r>
+            <a:r>
+              <a:rPr lang="hu-HU" sz="2000" dirty="0" smtClean="0"/>
+              <a:t>1</a:t>
+            </a:r>
+            <a:r>
+              <a:rPr lang="hu-HU" dirty="0" smtClean="0"/>
+              <a:t>, W</a:t>
+            </a:r>
+            <a:r>
+              <a:rPr lang="hu-HU" sz="2000" dirty="0" smtClean="0"/>
+              <a:t>2</a:t>
+            </a:r>
+            <a:r>
+              <a:rPr lang="hu-HU" dirty="0" smtClean="0"/>
+              <a:t>) stands</a:t>
+            </a:r>
+          </a:p>
+          <a:p>
+            <a:r>
+              <a:rPr lang="hu-HU" b="1" dirty="0" smtClean="0"/>
+              <a:t>Example</a:t>
+            </a:r>
+            <a:r>
+              <a:rPr lang="hu-HU" dirty="0" smtClean="0"/>
+              <a:t>: a text editor, when saving, can’t cause version N</a:t>
+            </a:r>
+            <a:r>
+              <a:rPr lang="hu-HU" sz="2000" dirty="0" smtClean="0"/>
+              <a:t>i</a:t>
+            </a:r>
+            <a:r>
+              <a:rPr lang="hu-HU" dirty="0" smtClean="0"/>
+              <a:t> to overwrite version N</a:t>
+            </a:r>
+            <a:r>
+              <a:rPr lang="hu-HU" sz="2000" dirty="0" smtClean="0"/>
+              <a:t>i+1</a:t>
+            </a:r>
+            <a:endParaRPr lang="hu-HU" dirty="0" smtClean="0"/>
+          </a:p>
+          <a:p>
+            <a:endParaRPr lang="hu-HU" dirty="0"/>
+          </a:p>
+        </p:txBody>
+      </p:sp>
+    </p:spTree>
+    <p:extLst>
+      <p:ext uri="{BB962C8B-B14F-4D97-AF65-F5344CB8AC3E}">
+        <p14:creationId xmlns:p14="http://schemas.microsoft.com/office/powerpoint/2010/main" val="2446632579"/>
+      </p:ext>
+    </p:extLst>
+  </p:cSld>
+  <p:clrMapOvr>
+    <a:masterClrMapping/>
+  </p:clrMapOvr>
+</p:sld>
+</file>
+
+<file path=ppt/slides/slide16.xml><?xml version="1.0" encoding="utf-8"?>
+<p:sld xmlns:a="http://schemas.openxmlformats.org/drawingml/2006/main" xmlns:r="http://schemas.openxmlformats.org/officeDocument/2006/relationships" xmlns:p="http://schemas.openxmlformats.org/presentationml/2006/main">
+  <p:cSld>
+    <p:spTree>
+      <p:nvGrpSpPr>
+        <p:cNvPr id="1" name=""/>
+        <p:cNvGrpSpPr/>
+        <p:nvPr/>
+      </p:nvGrpSpPr>
+      <p:grpSpPr>
+        <a:xfrm>
+          <a:off x="0" y="0"/>
+          <a:ext cx="0" cy="0"/>
+          <a:chOff x="0" y="0"/>
+          <a:chExt cx="0" cy="0"/>
+        </a:xfrm>
+      </p:grpSpPr>
+      <p:sp>
+        <p:nvSpPr>
+          <p:cNvPr id="2" name="Title 1"/>
+          <p:cNvSpPr>
+            <a:spLocks noGrp="1"/>
+          </p:cNvSpPr>
+          <p:nvPr>
+            <p:ph type="title"/>
+          </p:nvPr>
+        </p:nvSpPr>
+        <p:spPr/>
+        <p:txBody>
+          <a:bodyPr/>
+          <a:lstStyle/>
+          <a:p>
+            <a:r>
+              <a:rPr lang="hu-HU" dirty="0" smtClean="0"/>
               <a:t>Providing the guarantees</a:t>
             </a:r>
             <a:endParaRPr lang="hu-HU" dirty="0"/>
@@ -4402,7 +5302,7 @@
 </p:sld>
 </file>
 
-<file path=ppt/slides/slide14.xml><?xml version="1.0" encoding="utf-8"?>
+<file path=ppt/slides/slide17.xml><?xml version="1.0" encoding="utf-8"?>
 <p:sld xmlns:a="http://schemas.openxmlformats.org/drawingml/2006/main" xmlns:r="http://schemas.openxmlformats.org/officeDocument/2006/relationships" xmlns:p="http://schemas.openxmlformats.org/presentationml/2006/main">
   <p:cSld>
     <p:spTree>
@@ -4667,7 +5567,7 @@
 </p:sld>
 </file>
 
-<file path=ppt/slides/slide15.xml><?xml version="1.0" encoding="utf-8"?>
+<file path=ppt/slides/slide18.xml><?xml version="1.0" encoding="utf-8"?>
 <p:sld xmlns:a="http://schemas.openxmlformats.org/drawingml/2006/main" xmlns:r="http://schemas.openxmlformats.org/officeDocument/2006/relationships" xmlns:p="http://schemas.openxmlformats.org/presentationml/2006/main">
   <p:cSld>
     <p:spTree>
@@ -4949,7 +5849,7 @@
 </p:sld>
 </file>
 
-<file path=ppt/slides/slide16.xml><?xml version="1.0" encoding="utf-8"?>
+<file path=ppt/slides/slide19.xml><?xml version="1.0" encoding="utf-8"?>
 <p:sld xmlns:a="http://schemas.openxmlformats.org/drawingml/2006/main" xmlns:r="http://schemas.openxmlformats.org/officeDocument/2006/relationships" xmlns:p="http://schemas.openxmlformats.org/presentationml/2006/main">
   <p:cSld>
     <p:spTree>
@@ -5521,7 +6421,135 @@
 </p:sld>
 </file>
 
-<file path=ppt/slides/slide17.xml><?xml version="1.0" encoding="utf-8"?>
+<file path=ppt/slides/slide2.xml><?xml version="1.0" encoding="utf-8"?>
+<p:sld xmlns:a="http://schemas.openxmlformats.org/drawingml/2006/main" xmlns:r="http://schemas.openxmlformats.org/officeDocument/2006/relationships" xmlns:p="http://schemas.openxmlformats.org/presentationml/2006/main">
+  <p:cSld>
+    <p:spTree>
+      <p:nvGrpSpPr>
+        <p:cNvPr id="1" name=""/>
+        <p:cNvGrpSpPr/>
+        <p:nvPr/>
+      </p:nvGrpSpPr>
+      <p:grpSpPr>
+        <a:xfrm>
+          <a:off x="0" y="0"/>
+          <a:ext cx="0" cy="0"/>
+          <a:chOff x="0" y="0"/>
+          <a:chExt cx="0" cy="0"/>
+        </a:xfrm>
+      </p:grpSpPr>
+      <p:sp>
+        <p:nvSpPr>
+          <p:cNvPr id="2" name="Title 1"/>
+          <p:cNvSpPr>
+            <a:spLocks noGrp="1"/>
+          </p:cNvSpPr>
+          <p:nvPr>
+            <p:ph type="title"/>
+          </p:nvPr>
+        </p:nvSpPr>
+        <p:spPr/>
+        <p:txBody>
+          <a:bodyPr/>
+          <a:lstStyle/>
+          <a:p>
+            <a:r>
+              <a:rPr lang="hu-HU" dirty="0" smtClean="0"/>
+              <a:t>Weakly Consistent Systems</a:t>
+            </a:r>
+            <a:endParaRPr lang="hu-HU" dirty="0"/>
+          </a:p>
+        </p:txBody>
+      </p:sp>
+      <p:sp>
+        <p:nvSpPr>
+          <p:cNvPr id="3" name="Content Placeholder 2"/>
+          <p:cNvSpPr>
+            <a:spLocks noGrp="1"/>
+          </p:cNvSpPr>
+          <p:nvPr>
+            <p:ph idx="1"/>
+          </p:nvPr>
+        </p:nvSpPr>
+        <p:spPr/>
+        <p:txBody>
+          <a:bodyPr/>
+          <a:lstStyle/>
+          <a:p>
+            <a:r>
+              <a:rPr lang="hu-HU" dirty="0" smtClean="0"/>
+              <a:t>What is consistency?</a:t>
+            </a:r>
+          </a:p>
+          <a:p>
+            <a:r>
+              <a:rPr lang="hu-HU" dirty="0" smtClean="0"/>
+              <a:t>What is weak consistency?</a:t>
+            </a:r>
+          </a:p>
+          <a:p>
+            <a:r>
+              <a:rPr lang="hu-HU" dirty="0" smtClean="0"/>
+              <a:t>Why do we need it?</a:t>
+            </a:r>
+          </a:p>
+          <a:p>
+            <a:pPr lvl="1"/>
+            <a:r>
+              <a:rPr lang="hu-HU" dirty="0"/>
+              <a:t>CAP </a:t>
+            </a:r>
+            <a:endParaRPr lang="hu-HU" dirty="0" smtClean="0"/>
+          </a:p>
+          <a:p>
+            <a:pPr lvl="1"/>
+            <a:r>
+              <a:rPr lang="hu-HU" dirty="0" smtClean="0"/>
+              <a:t>Read-any/write-any replication</a:t>
+            </a:r>
+          </a:p>
+          <a:p>
+            <a:pPr lvl="1"/>
+            <a:r>
+              <a:rPr lang="hu-HU" dirty="0" smtClean="0"/>
+              <a:t>Transactions </a:t>
+            </a:r>
+            <a:r>
+              <a:rPr lang="hu-HU" dirty="0"/>
+              <a:t>are </a:t>
+            </a:r>
+            <a:r>
+              <a:rPr lang="hu-HU" dirty="0" smtClean="0"/>
+              <a:t>inefficient</a:t>
+            </a:r>
+          </a:p>
+          <a:p>
+            <a:pPr lvl="1"/>
+            <a:endParaRPr lang="hu-HU" dirty="0"/>
+          </a:p>
+        </p:txBody>
+      </p:sp>
+    </p:spTree>
+    <p:extLst>
+      <p:ext uri="{BB962C8B-B14F-4D97-AF65-F5344CB8AC3E}">
+        <p14:creationId xmlns:p14="http://schemas.microsoft.com/office/powerpoint/2010/main" val="3309803083"/>
+      </p:ext>
+    </p:extLst>
+  </p:cSld>
+  <p:clrMapOvr>
+    <a:masterClrMapping/>
+  </p:clrMapOvr>
+  <p:timing>
+    <p:tnLst>
+      <p:par>
+        <p:cTn id="1" dur="indefinite" restart="never" nodeType="tmRoot"/>
+      </p:par>
+    </p:tnLst>
+  </p:timing>
+</p:sld>
+</file>
+
+<file path=ppt/slides/slide20.xml><?xml version="1.0" encoding="utf-8"?>
 <p:sld xmlns:a="http://schemas.openxmlformats.org/drawingml/2006/main" xmlns:r="http://schemas.openxmlformats.org/officeDocument/2006/relationships" xmlns:p="http://schemas.openxmlformats.org/presentationml/2006/main">
   <p:cSld>
     <p:spTree>
@@ -5819,7 +6847,7 @@
 </p:sld>
 </file>
 
-<file path=ppt/slides/slide18.xml><?xml version="1.0" encoding="utf-8"?>
+<file path=ppt/slides/slide21.xml><?xml version="1.0" encoding="utf-8"?>
 <p:sld xmlns:a="http://schemas.openxmlformats.org/drawingml/2006/main" xmlns:r="http://schemas.openxmlformats.org/officeDocument/2006/relationships" xmlns:p="http://schemas.openxmlformats.org/presentationml/2006/main">
   <p:cSld>
     <p:spTree>
@@ -6072,7 +7100,7 @@
 </p:sld>
 </file>
 
-<file path=ppt/slides/slide19.xml><?xml version="1.0" encoding="utf-8"?>
+<file path=ppt/slides/slide22.xml><?xml version="1.0" encoding="utf-8"?>
 <p:sld xmlns:a="http://schemas.openxmlformats.org/drawingml/2006/main" xmlns:r="http://schemas.openxmlformats.org/officeDocument/2006/relationships" xmlns:p="http://schemas.openxmlformats.org/presentationml/2006/main">
   <p:cSld>
     <p:spTree>
@@ -6170,131 +7198,7 @@
 </p:sld>
 </file>
 
-<file path=ppt/slides/slide2.xml><?xml version="1.0" encoding="utf-8"?>
-<p:sld xmlns:a="http://schemas.openxmlformats.org/drawingml/2006/main" xmlns:r="http://schemas.openxmlformats.org/officeDocument/2006/relationships" xmlns:p="http://schemas.openxmlformats.org/presentationml/2006/main">
-  <p:cSld>
-    <p:spTree>
-      <p:nvGrpSpPr>
-        <p:cNvPr id="1" name=""/>
-        <p:cNvGrpSpPr/>
-        <p:nvPr/>
-      </p:nvGrpSpPr>
-      <p:grpSpPr>
-        <a:xfrm>
-          <a:off x="0" y="0"/>
-          <a:ext cx="0" cy="0"/>
-          <a:chOff x="0" y="0"/>
-          <a:chExt cx="0" cy="0"/>
-        </a:xfrm>
-      </p:grpSpPr>
-      <p:sp>
-        <p:nvSpPr>
-          <p:cNvPr id="2" name="Title 1"/>
-          <p:cNvSpPr>
-            <a:spLocks noGrp="1"/>
-          </p:cNvSpPr>
-          <p:nvPr>
-            <p:ph type="title"/>
-          </p:nvPr>
-        </p:nvSpPr>
-        <p:spPr/>
-        <p:txBody>
-          <a:bodyPr/>
-          <a:lstStyle/>
-          <a:p>
-            <a:r>
-              <a:rPr lang="hu-HU" dirty="0" smtClean="0"/>
-              <a:t>Problem</a:t>
-            </a:r>
-            <a:endParaRPr lang="hu-HU" dirty="0"/>
-          </a:p>
-        </p:txBody>
-      </p:sp>
-      <p:sp>
-        <p:nvSpPr>
-          <p:cNvPr id="3" name="Content Placeholder 2"/>
-          <p:cNvSpPr>
-            <a:spLocks noGrp="1"/>
-          </p:cNvSpPr>
-          <p:nvPr>
-            <p:ph idx="1"/>
-          </p:nvPr>
-        </p:nvSpPr>
-        <p:spPr/>
-        <p:txBody>
-          <a:bodyPr/>
-          <a:lstStyle/>
-          <a:p>
-            <a:r>
-              <a:rPr lang="hu-HU" dirty="0" smtClean="0"/>
-              <a:t>Weakly consistent systems provide</a:t>
-            </a:r>
-          </a:p>
-          <a:p>
-            <a:pPr lvl="1"/>
-            <a:r>
-              <a:rPr lang="hu-HU" dirty="0" smtClean="0"/>
-              <a:t>High availability</a:t>
-            </a:r>
-          </a:p>
-          <a:p>
-            <a:pPr lvl="1"/>
-            <a:r>
-              <a:rPr lang="hu-HU" dirty="0" smtClean="0"/>
-              <a:t>Good scalability</a:t>
-            </a:r>
-          </a:p>
-          <a:p>
-            <a:pPr lvl="1"/>
-            <a:r>
-              <a:rPr lang="hu-HU" dirty="0" smtClean="0"/>
-              <a:t>Simple design</a:t>
-            </a:r>
-          </a:p>
-          <a:p>
-            <a:r>
-              <a:rPr lang="hu-HU" dirty="0" smtClean="0"/>
-              <a:t>They allow R/W with little synchronization</a:t>
-            </a:r>
-          </a:p>
-          <a:p>
-            <a:r>
-              <a:rPr lang="hu-HU" dirty="0" smtClean="0"/>
-              <a:t>Lack of guarantees are confusing to users</a:t>
-            </a:r>
-          </a:p>
-          <a:p>
-            <a:pPr lvl="1"/>
-            <a:r>
-              <a:rPr lang="hu-HU" dirty="0" smtClean="0"/>
-              <a:t>Breaking essential mobile computing </a:t>
-            </a:r>
-            <a:r>
-              <a:rPr lang="hu-HU" dirty="0" smtClean="0"/>
-              <a:t>paradigms</a:t>
-            </a:r>
-            <a:endParaRPr lang="hu-HU" dirty="0" smtClean="0">
-              <a:solidFill>
-                <a:srgbClr val="FF0000"/>
-              </a:solidFill>
-            </a:endParaRPr>
-          </a:p>
-        </p:txBody>
-      </p:sp>
-    </p:spTree>
-    <p:extLst>
-      <p:ext uri="{BB962C8B-B14F-4D97-AF65-F5344CB8AC3E}">
-        <p14:creationId xmlns:p14="http://schemas.microsoft.com/office/powerpoint/2010/main" val="332418713"/>
-      </p:ext>
-    </p:extLst>
-  </p:cSld>
-  <p:clrMapOvr>
-    <a:masterClrMapping/>
-  </p:clrMapOvr>
-</p:sld>
-</file>
-
-<file path=ppt/slides/slide20.xml><?xml version="1.0" encoding="utf-8"?>
+<file path=ppt/slides/slide23.xml><?xml version="1.0" encoding="utf-8"?>
 <p:sld xmlns:a="http://schemas.openxmlformats.org/drawingml/2006/main" xmlns:r="http://schemas.openxmlformats.org/officeDocument/2006/relationships" xmlns:p="http://schemas.openxmlformats.org/presentationml/2006/main">
   <p:cSld>
     <p:spTree>
@@ -6449,7 +7353,7 @@
           <a:p>
             <a:r>
               <a:rPr lang="hu-HU" dirty="0" smtClean="0"/>
-              <a:t>Motivation</a:t>
+              <a:t>Problem</a:t>
             </a:r>
             <a:endParaRPr lang="hu-HU" dirty="0"/>
           </a:p>
@@ -6471,31 +7375,65 @@
           <a:lstStyle/>
           <a:p>
             <a:r>
-              <a:rPr lang="hu-HU" dirty="0" smtClean="0"/>
-              <a:t>What if we could get rid of the confusion?</a:t>
+              <a:rPr lang="hu-HU" dirty="0"/>
+              <a:t>Weakly consistent systems provide</a:t>
             </a:r>
           </a:p>
           <a:p>
             <a:pPr lvl="1"/>
             <a:r>
-              <a:rPr lang="hu-HU" dirty="0" smtClean="0"/>
-              <a:t>Maintaining the advantages of weak consistency</a:t>
+              <a:rPr lang="hu-HU" dirty="0"/>
+              <a:t>High availability</a:t>
             </a:r>
           </a:p>
           <a:p>
             <a:pPr lvl="1"/>
             <a:r>
-              <a:rPr lang="hu-HU" dirty="0" smtClean="0"/>
-              <a:t>By issuing session guarantees to users</a:t>
-            </a:r>
-            <a:endParaRPr lang="hu-HU" dirty="0"/>
+              <a:rPr lang="hu-HU" dirty="0"/>
+              <a:t>Good scalability</a:t>
+            </a:r>
+          </a:p>
+          <a:p>
+            <a:pPr lvl="1"/>
+            <a:r>
+              <a:rPr lang="hu-HU" dirty="0"/>
+              <a:t>Simple design</a:t>
+            </a:r>
+          </a:p>
+          <a:p>
+            <a:r>
+              <a:rPr lang="hu-HU" dirty="0"/>
+              <a:t>They allow R/W with little synchronization</a:t>
+            </a:r>
+          </a:p>
+          <a:p>
+            <a:r>
+              <a:rPr lang="hu-HU" dirty="0"/>
+              <a:t>Lack of guarantees are confusing to users</a:t>
+            </a:r>
+          </a:p>
+          <a:p>
+            <a:pPr lvl="1"/>
+            <a:r>
+              <a:rPr lang="hu-HU" dirty="0"/>
+              <a:t>Breaking essential mobile computing </a:t>
+            </a:r>
+            <a:r>
+              <a:rPr lang="hu-HU" dirty="0" smtClean="0"/>
+              <a:t>paradigms</a:t>
+            </a:r>
+            <a:endParaRPr lang="hu-HU" dirty="0">
+              <a:solidFill>
+                <a:srgbClr val="FF0000"/>
+              </a:solidFill>
+            </a:endParaRPr>
           </a:p>
         </p:txBody>
       </p:sp>
     </p:spTree>
     <p:extLst>
       <p:ext uri="{BB962C8B-B14F-4D97-AF65-F5344CB8AC3E}">
-        <p14:creationId xmlns:p14="http://schemas.microsoft.com/office/powerpoint/2010/main" val="2569742249"/>
+        <p14:creationId xmlns:p14="http://schemas.microsoft.com/office/powerpoint/2010/main" val="1181789228"/>
       </p:ext>
     </p:extLst>
   </p:cSld>
@@ -6539,7 +7477,7 @@
           <a:p>
             <a:r>
               <a:rPr lang="hu-HU" dirty="0" smtClean="0"/>
-              <a:t>Sessions</a:t>
+              <a:t>Mobile Computing Aspects</a:t>
             </a:r>
             <a:endParaRPr lang="hu-HU" dirty="0"/>
           </a:p>
@@ -6555,21 +7493,49 @@
             <p:ph idx="1"/>
           </p:nvPr>
         </p:nvSpPr>
-        <p:spPr/>
-        <p:txBody>
-          <a:bodyPr/>
-          <a:lstStyle/>
-          <a:p>
-            <a:r>
-              <a:rPr lang="hu-HU" dirty="0" smtClean="0"/>
-              <a:t>Abstraction for the sequence of R/W operations performed during the execution of the application</a:t>
-            </a:r>
-          </a:p>
-          <a:p>
-            <a:r>
-              <a:rPr lang="hu-HU" dirty="0" smtClean="0"/>
-              <a:t>Present applications with a view that is consistent with their own actions</a:t>
-            </a:r>
+        <p:spPr>
+          <a:xfrm>
+            <a:off x="457200" y="1600200"/>
+            <a:ext cx="8291264" cy="4525963"/>
+          </a:xfrm>
+        </p:spPr>
+        <p:txBody>
+          <a:bodyPr/>
+          <a:lstStyle/>
+          <a:p>
+            <a:r>
+              <a:rPr lang="hu-HU" dirty="0" smtClean="0"/>
+              <a:t>Why do we need Read-any/write-any systems?</a:t>
+            </a:r>
+          </a:p>
+          <a:p>
+            <a:pPr lvl="1"/>
+            <a:r>
+              <a:rPr lang="hu-HU" dirty="0" smtClean="0"/>
+              <a:t>TODO</a:t>
+            </a:r>
+          </a:p>
+          <a:p>
+            <a:r>
+              <a:rPr lang="hu-HU" dirty="0" smtClean="0"/>
+              <a:t>Disconnected operations</a:t>
+            </a:r>
+          </a:p>
+          <a:p>
+            <a:pPr lvl="1"/>
+            <a:r>
+              <a:rPr lang="hu-HU" dirty="0" smtClean="0"/>
+              <a:t>Closed, synchronized copies are unavailable</a:t>
+            </a:r>
+          </a:p>
+          <a:p>
+            <a:pPr lvl="1"/>
+            <a:r>
+              <a:rPr lang="hu-HU" dirty="0" smtClean="0"/>
+              <a:t>TODO</a:t>
+            </a:r>
+          </a:p>
+          <a:p>
             <a:endParaRPr lang="hu-HU" dirty="0"/>
           </a:p>
         </p:txBody>
@@ -6577,7 +7543,7 @@
     </p:spTree>
     <p:extLst>
       <p:ext uri="{BB962C8B-B14F-4D97-AF65-F5344CB8AC3E}">
-        <p14:creationId xmlns:p14="http://schemas.microsoft.com/office/powerpoint/2010/main" val="2556889553"/>
+        <p14:creationId xmlns:p14="http://schemas.microsoft.com/office/powerpoint/2010/main" val="3022620918"/>
       </p:ext>
     </p:extLst>
   </p:cSld>
@@ -6621,7 +7587,7 @@
           <a:p>
             <a:r>
               <a:rPr lang="hu-HU" dirty="0" smtClean="0"/>
-              <a:t>Storage System</a:t>
+              <a:t>Motivation</a:t>
             </a:r>
             <a:endParaRPr lang="hu-HU" dirty="0"/>
           </a:p>
@@ -6639,46 +7605,33 @@
         </p:nvSpPr>
         <p:spPr/>
         <p:txBody>
-          <a:bodyPr>
-            <a:normAutofit/>
-          </a:bodyPr>
-          <a:lstStyle/>
-          <a:p>
-            <a:r>
-              <a:rPr lang="hu-HU" dirty="0" smtClean="0"/>
-              <a:t>Weakly consistent, replicated</a:t>
-            </a:r>
-          </a:p>
-          <a:p>
-            <a:r>
-              <a:rPr lang="hu-HU" dirty="0" smtClean="0"/>
-              <a:t>Servers hold a full copy of the database</a:t>
-            </a:r>
-          </a:p>
-          <a:p>
-            <a:r>
-              <a:rPr lang="hu-HU" dirty="0" smtClean="0"/>
-              <a:t>Servers run on different machines</a:t>
-            </a:r>
-          </a:p>
-          <a:p>
-            <a:r>
-              <a:rPr lang="hu-HU" dirty="0" smtClean="0"/>
-              <a:t>Operations on servers: read, write</a:t>
-            </a:r>
-          </a:p>
-          <a:p>
-            <a:r>
-              <a:rPr lang="hu-HU" dirty="0" smtClean="0"/>
-              <a:t>Writes have a unique write ID (WID)</a:t>
-            </a:r>
+          <a:bodyPr/>
+          <a:lstStyle/>
+          <a:p>
+            <a:r>
+              <a:rPr lang="hu-HU" dirty="0" smtClean="0"/>
+              <a:t>TODO: example</a:t>
+            </a:r>
+          </a:p>
+          <a:p>
+            <a:r>
+              <a:rPr lang="hu-HU" b="1" dirty="0" smtClean="0"/>
+              <a:t>Eventual consistency is not always enough for the user</a:t>
+            </a:r>
+          </a:p>
+          <a:p>
+            <a:r>
+              <a:rPr lang="hu-HU" dirty="0" smtClean="0"/>
+              <a:t>A solution can be added as a layer to existing systems</a:t>
+            </a:r>
+            <a:endParaRPr lang="hu-HU" dirty="0"/>
           </a:p>
         </p:txBody>
       </p:sp>
     </p:spTree>
     <p:extLst>
       <p:ext uri="{BB962C8B-B14F-4D97-AF65-F5344CB8AC3E}">
-        <p14:creationId xmlns:p14="http://schemas.microsoft.com/office/powerpoint/2010/main" val="2167420051"/>
+        <p14:creationId xmlns:p14="http://schemas.microsoft.com/office/powerpoint/2010/main" val="2569742249"/>
       </p:ext>
     </p:extLst>
   </p:cSld>
@@ -6722,7 +7675,7 @@
           <a:p>
             <a:r>
               <a:rPr lang="hu-HU" dirty="0" smtClean="0"/>
-              <a:t>Storage System</a:t>
+              <a:t>Solution: Guarantees</a:t>
             </a:r>
             <a:endParaRPr lang="hu-HU" dirty="0"/>
           </a:p>
@@ -6741,111 +7694,70 @@
         <p:spPr/>
         <p:txBody>
           <a:bodyPr>
-            <a:normAutofit lnSpcReduction="10000"/>
+            <a:normAutofit/>
           </a:bodyPr>
           <a:lstStyle/>
           <a:p>
             <a:r>
               <a:rPr lang="hu-HU" dirty="0" smtClean="0"/>
-              <a:t>DB(S, t) </a:t>
+              <a:t>Can be applied independently to sessions</a:t>
             </a:r>
           </a:p>
           <a:p>
             <a:pPr lvl="1"/>
             <a:r>
               <a:rPr lang="hu-HU" dirty="0" smtClean="0"/>
-              <a:t>Ordered sequence of writes received by server S</a:t>
+              <a:t>Read </a:t>
+            </a:r>
+            <a:r>
+              <a:rPr lang="hu-HU" dirty="0" smtClean="0"/>
+              <a:t>Your Writes</a:t>
             </a:r>
           </a:p>
           <a:p>
             <a:pPr lvl="1"/>
             <a:r>
               <a:rPr lang="hu-HU" dirty="0" smtClean="0"/>
-              <a:t>Current contents of the database at time t</a:t>
-            </a:r>
-          </a:p>
-          <a:p>
-            <a:r>
-              <a:rPr lang="hu-HU" dirty="0" smtClean="0"/>
-              <a:t>DB(S</a:t>
-            </a:r>
-            <a:r>
-              <a:rPr lang="hu-HU" sz="2200" dirty="0" smtClean="0"/>
-              <a:t>1</a:t>
-            </a:r>
-            <a:r>
-              <a:rPr lang="hu-HU" dirty="0" smtClean="0"/>
-              <a:t>, t) ≠ DB(S</a:t>
-            </a:r>
-            <a:r>
-              <a:rPr lang="hu-HU" sz="2200" dirty="0" smtClean="0"/>
-              <a:t>2</a:t>
-            </a:r>
-            <a:r>
-              <a:rPr lang="hu-HU" dirty="0" smtClean="0"/>
-              <a:t>, t) – weak consistency</a:t>
-            </a:r>
-          </a:p>
-          <a:p>
-            <a:r>
-              <a:rPr lang="hu-HU" dirty="0" smtClean="0"/>
-              <a:t>Eventual consistency – servers converge</a:t>
-            </a:r>
-          </a:p>
-          <a:p>
-            <a:r>
-              <a:rPr lang="hu-HU" dirty="0" smtClean="0"/>
-              <a:t>WriteOrder(W</a:t>
-            </a:r>
-            <a:r>
-              <a:rPr lang="hu-HU" sz="2000" dirty="0" smtClean="0"/>
-              <a:t>1</a:t>
-            </a:r>
-            <a:r>
-              <a:rPr lang="hu-HU" dirty="0" smtClean="0"/>
-              <a:t>, W</a:t>
-            </a:r>
-            <a:r>
-              <a:rPr lang="hu-HU" sz="2000" dirty="0" smtClean="0"/>
-              <a:t>2</a:t>
-            </a:r>
-            <a:r>
-              <a:rPr lang="hu-HU" dirty="0" smtClean="0"/>
-              <a:t>) – W</a:t>
-            </a:r>
-            <a:r>
-              <a:rPr lang="hu-HU" sz="2000" dirty="0" smtClean="0"/>
-              <a:t>1</a:t>
-            </a:r>
-            <a:r>
-              <a:rPr lang="hu-HU" dirty="0" smtClean="0"/>
-              <a:t> should be before W</a:t>
-            </a:r>
-            <a:r>
-              <a:rPr lang="hu-HU" sz="2000" dirty="0" smtClean="0"/>
-              <a:t>2</a:t>
-            </a:r>
-          </a:p>
-          <a:p>
-            <a:r>
-              <a:rPr lang="hu-HU" dirty="0" smtClean="0"/>
-              <a:t>RelavantWrites(S, t, R)</a:t>
+              <a:t>Monotonic Reads</a:t>
             </a:r>
           </a:p>
           <a:p>
             <a:pPr lvl="1"/>
             <a:r>
               <a:rPr lang="hu-HU" dirty="0" smtClean="0"/>
-              <a:t>Smallest set of writes that is complete for read R and DB(S, t)</a:t>
-            </a:r>
-            <a:endParaRPr lang="hu-HU" dirty="0"/>
+              <a:t>Writes Follow Reads</a:t>
+            </a:r>
+          </a:p>
+          <a:p>
+            <a:pPr lvl="1"/>
+            <a:r>
+              <a:rPr lang="hu-HU" dirty="0" smtClean="0"/>
+              <a:t>Monotonic Writes</a:t>
+            </a:r>
+          </a:p>
+          <a:p>
+            <a:r>
+              <a:rPr lang="hu-HU" dirty="0" smtClean="0"/>
+              <a:t>These properties are either ensured, or the application is notified of a failure</a:t>
+            </a:r>
+          </a:p>
+          <a:p>
+            <a:r>
+              <a:rPr lang="hu-HU" dirty="0" smtClean="0"/>
+              <a:t>Guarantees can be requested </a:t>
+            </a:r>
+            <a:r>
+              <a:rPr lang="hu-HU" b="1" dirty="0" smtClean="0"/>
+              <a:t>individually</a:t>
+            </a:r>
+            <a:endParaRPr lang="hu-HU" b="1" dirty="0"/>
           </a:p>
         </p:txBody>
       </p:sp>
     </p:spTree>
     <p:extLst>
       <p:ext uri="{BB962C8B-B14F-4D97-AF65-F5344CB8AC3E}">
-        <p14:creationId xmlns:p14="http://schemas.microsoft.com/office/powerpoint/2010/main" val="3465062111"/>
+        <p14:creationId xmlns:p14="http://schemas.microsoft.com/office/powerpoint/2010/main" val="1801462130"/>
       </p:ext>
     </p:extLst>
   </p:cSld>
@@ -6889,7 +7801,7 @@
           <a:p>
             <a:r>
               <a:rPr lang="hu-HU" dirty="0" smtClean="0"/>
-              <a:t>Guarantees</a:t>
+              <a:t>Sessions</a:t>
             </a:r>
             <a:endParaRPr lang="hu-HU" dirty="0"/>
           </a:p>
@@ -6907,54 +7819,28 @@
         </p:nvSpPr>
         <p:spPr/>
         <p:txBody>
-          <a:bodyPr>
-            <a:normAutofit/>
-          </a:bodyPr>
-          <a:lstStyle/>
-          <a:p>
-            <a:r>
-              <a:rPr lang="hu-HU" dirty="0" smtClean="0"/>
-              <a:t>Can be applied independently to a session</a:t>
-            </a:r>
-          </a:p>
-          <a:p>
-            <a:pPr lvl="1"/>
-            <a:r>
-              <a:rPr lang="hu-HU" dirty="0" smtClean="0"/>
-              <a:t>Read Your Writes</a:t>
-            </a:r>
-          </a:p>
-          <a:p>
-            <a:pPr lvl="1"/>
-            <a:r>
-              <a:rPr lang="hu-HU" dirty="0" smtClean="0"/>
-              <a:t>Monotonic Reads</a:t>
-            </a:r>
-          </a:p>
-          <a:p>
-            <a:pPr lvl="1"/>
-            <a:r>
-              <a:rPr lang="hu-HU" dirty="0" smtClean="0"/>
-              <a:t>Writes Follow Reads</a:t>
-            </a:r>
-          </a:p>
-          <a:p>
-            <a:pPr lvl="1"/>
-            <a:r>
-              <a:rPr lang="hu-HU" dirty="0" smtClean="0"/>
-              <a:t>Monotonic Writes</a:t>
-            </a:r>
-          </a:p>
-          <a:p>
-            <a:r>
-              <a:rPr lang="hu-HU" dirty="0" smtClean="0"/>
-              <a:t>These properties are either ensured, or the application is notified of a failure</a:t>
-            </a:r>
-          </a:p>
-          <a:p>
-            <a:r>
-              <a:rPr lang="hu-HU" dirty="0" smtClean="0"/>
-              <a:t>Guarantees can be requested individually</a:t>
+          <a:bodyPr/>
+          <a:lstStyle/>
+          <a:p>
+            <a:r>
+              <a:rPr lang="hu-HU" dirty="0" smtClean="0"/>
+              <a:t>Abstraction for the sequence of R/W operations performed during the execution of the application</a:t>
+            </a:r>
+          </a:p>
+          <a:p>
+            <a:r>
+              <a:rPr lang="hu-HU" dirty="0" smtClean="0"/>
+              <a:t>Present applications with a view that is consistent with their own </a:t>
+            </a:r>
+            <a:r>
+              <a:rPr lang="hu-HU" dirty="0" smtClean="0"/>
+              <a:t>actions</a:t>
+            </a:r>
+          </a:p>
+          <a:p>
+            <a:r>
+              <a:rPr lang="hu-HU" dirty="0" smtClean="0"/>
+              <a:t>What’s the difference between transactions and sessions?</a:t>
             </a:r>
             <a:endParaRPr lang="hu-HU" dirty="0"/>
           </a:p>
@@ -6963,7 +7849,7 @@
     </p:spTree>
     <p:extLst>
       <p:ext uri="{BB962C8B-B14F-4D97-AF65-F5344CB8AC3E}">
-        <p14:creationId xmlns:p14="http://schemas.microsoft.com/office/powerpoint/2010/main" val="1801462130"/>
+        <p14:creationId xmlns:p14="http://schemas.microsoft.com/office/powerpoint/2010/main" val="2556889553"/>
       </p:ext>
     </p:extLst>
   </p:cSld>
@@ -7007,7 +7893,7 @@
           <a:p>
             <a:r>
               <a:rPr lang="hu-HU" dirty="0" smtClean="0"/>
-              <a:t>1 – Read Your Writes</a:t>
+              <a:t>Assumptions</a:t>
             </a:r>
             <a:endParaRPr lang="hu-HU" dirty="0"/>
           </a:p>
@@ -7025,37 +7911,63 @@
         </p:nvSpPr>
         <p:spPr/>
         <p:txBody>
-          <a:bodyPr/>
-          <a:lstStyle/>
-          <a:p>
-            <a:r>
-              <a:rPr lang="hu-HU" dirty="0" smtClean="0"/>
-              <a:t>The effect of any write made within a session are visible to reads within that session</a:t>
-            </a:r>
-          </a:p>
-          <a:p>
-            <a:r>
-              <a:rPr lang="hu-HU" dirty="0" smtClean="0"/>
-              <a:t>If Read R follows Write W in a session and R is performed at server S at time t, then W is included in DB(S, t)</a:t>
-            </a:r>
-          </a:p>
-          <a:p>
-            <a:r>
-              <a:rPr lang="hu-HU" b="1" dirty="0" smtClean="0"/>
-              <a:t>Example </a:t>
-            </a:r>
-            <a:r>
-              <a:rPr lang="hu-HU" dirty="0" smtClean="0"/>
-              <a:t>– changing a password and not being able to log in</a:t>
-            </a:r>
-            <a:endParaRPr lang="hu-HU" dirty="0"/>
+          <a:bodyPr>
+            <a:normAutofit/>
+          </a:bodyPr>
+          <a:lstStyle/>
+          <a:p>
+            <a:r>
+              <a:rPr lang="hu-HU" dirty="0" smtClean="0"/>
+              <a:t>Weakly consistent, replicated</a:t>
+            </a:r>
+          </a:p>
+          <a:p>
+            <a:r>
+              <a:rPr lang="hu-HU" dirty="0" smtClean="0"/>
+              <a:t>Servers hold a full copy of the database</a:t>
+            </a:r>
+          </a:p>
+          <a:p>
+            <a:r>
+              <a:rPr lang="hu-HU" dirty="0" smtClean="0"/>
+              <a:t>Servers run on different machines</a:t>
+            </a:r>
+          </a:p>
+          <a:p>
+            <a:r>
+              <a:rPr lang="hu-HU" dirty="0" smtClean="0"/>
+              <a:t>Operations on servers: read, write</a:t>
+            </a:r>
+          </a:p>
+          <a:p>
+            <a:r>
+              <a:rPr lang="hu-HU" dirty="0" smtClean="0"/>
+              <a:t>Writes have a unique write ID (WID</a:t>
+            </a:r>
+            <a:r>
+              <a:rPr lang="hu-HU" dirty="0" smtClean="0"/>
+              <a:t>)</a:t>
+            </a:r>
+          </a:p>
+          <a:p>
+            <a:r>
+              <a:rPr lang="hu-HU" dirty="0" smtClean="0"/>
+              <a:t>Eventual </a:t>
+            </a:r>
+            <a:r>
+              <a:rPr lang="hu-HU" dirty="0"/>
+              <a:t>consistency – servers converge</a:t>
+            </a:r>
+          </a:p>
+          <a:p>
+            <a:endParaRPr lang="hu-HU" dirty="0" smtClean="0"/>
           </a:p>
         </p:txBody>
       </p:sp>
     </p:spTree>
     <p:extLst>
       <p:ext uri="{BB962C8B-B14F-4D97-AF65-F5344CB8AC3E}">
-        <p14:creationId xmlns:p14="http://schemas.microsoft.com/office/powerpoint/2010/main" val="3210135876"/>
+        <p14:creationId xmlns:p14="http://schemas.microsoft.com/office/powerpoint/2010/main" val="2167420051"/>
       </p:ext>
     </p:extLst>
   </p:cSld>
@@ -7099,7 +8011,7 @@
           <a:p>
             <a:r>
               <a:rPr lang="hu-HU" dirty="0" smtClean="0"/>
-              <a:t>2 – Monotonic Reads</a:t>
+              <a:t>Terminology</a:t>
             </a:r>
             <a:endParaRPr lang="hu-HU" dirty="0"/>
           </a:p>
@@ -7124,13 +8036,49 @@
           <a:p>
             <a:r>
               <a:rPr lang="hu-HU" dirty="0" smtClean="0"/>
-              <a:t>Users observe a database that is increasingly up-to-date over time</a:t>
-            </a:r>
-          </a:p>
-          <a:p>
-            <a:r>
-              <a:rPr lang="hu-HU" dirty="0" smtClean="0"/>
-              <a:t>If Read R</a:t>
+              <a:t>DB(S, t) </a:t>
+            </a:r>
+          </a:p>
+          <a:p>
+            <a:pPr lvl="1"/>
+            <a:r>
+              <a:rPr lang="hu-HU" dirty="0" smtClean="0"/>
+              <a:t>Ordered sequence of writes received by server S</a:t>
+            </a:r>
+          </a:p>
+          <a:p>
+            <a:pPr lvl="1"/>
+            <a:r>
+              <a:rPr lang="hu-HU" dirty="0" smtClean="0"/>
+              <a:t>Current contents of the database at time t</a:t>
+            </a:r>
+          </a:p>
+          <a:p>
+            <a:r>
+              <a:rPr lang="hu-HU" dirty="0" smtClean="0"/>
+              <a:t>DB(S</a:t>
+            </a:r>
+            <a:r>
+              <a:rPr lang="hu-HU" sz="2200" dirty="0" smtClean="0"/>
+              <a:t>1</a:t>
+            </a:r>
+            <a:r>
+              <a:rPr lang="hu-HU" dirty="0" smtClean="0"/>
+              <a:t>, t) ≠ DB(S</a:t>
+            </a:r>
+            <a:r>
+              <a:rPr lang="hu-HU" sz="2200" dirty="0" smtClean="0"/>
+              <a:t>2</a:t>
+            </a:r>
+            <a:r>
+              <a:rPr lang="hu-HU" dirty="0" smtClean="0"/>
+              <a:t>, t) – weak consistency</a:t>
+            </a:r>
+          </a:p>
+          <a:p>
+            <a:r>
+              <a:rPr lang="hu-HU" dirty="0" smtClean="0"/>
+              <a:t>WriteOrder(W</a:t>
             </a:r>
             <a:r>
               <a:rPr lang="hu-HU" sz="2000" dirty="0" smtClean="0"/>
@@ -7138,7 +8086,7 @@
             </a:r>
             <a:r>
               <a:rPr lang="hu-HU" dirty="0" smtClean="0"/>
-              <a:t> occurs before R</a:t>
+              <a:t>, W</a:t>
             </a:r>
             <a:r>
               <a:rPr lang="hu-HU" sz="2000" dirty="0" smtClean="0"/>
@@ -7146,7 +8094,7 @@
             </a:r>
             <a:r>
               <a:rPr lang="hu-HU" dirty="0" smtClean="0"/>
-              <a:t> in a session and R</a:t>
+              <a:t>) – W</a:t>
             </a:r>
             <a:r>
               <a:rPr lang="hu-HU" sz="2000" dirty="0" smtClean="0"/>
@@ -7154,97 +8102,24 @@
             </a:r>
             <a:r>
               <a:rPr lang="hu-HU" dirty="0" smtClean="0"/>
-              <a:t> accesses server S</a:t>
-            </a:r>
-            <a:r>
-              <a:rPr lang="hu-HU" sz="2000" dirty="0" smtClean="0"/>
-              <a:t>1</a:t>
-            </a:r>
-            <a:r>
-              <a:rPr lang="hu-HU" dirty="0" smtClean="0"/>
-              <a:t> at time t</a:t>
-            </a:r>
-            <a:r>
-              <a:rPr lang="hu-HU" sz="2000" dirty="0" smtClean="0"/>
-              <a:t>1</a:t>
-            </a:r>
-            <a:r>
-              <a:rPr lang="hu-HU" dirty="0" smtClean="0"/>
-              <a:t> and R</a:t>
+              <a:t> should be before W</a:t>
             </a:r>
             <a:r>
               <a:rPr lang="hu-HU" sz="2000" dirty="0" smtClean="0"/>
               <a:t>2</a:t>
             </a:r>
-            <a:r>
-              <a:rPr lang="hu-HU" dirty="0" smtClean="0"/>
-              <a:t> accesses server S</a:t>
-            </a:r>
-            <a:r>
-              <a:rPr lang="hu-HU" sz="2000" dirty="0" smtClean="0"/>
-              <a:t>2</a:t>
-            </a:r>
-            <a:r>
-              <a:rPr lang="hu-HU" dirty="0" smtClean="0"/>
-              <a:t> at time t</a:t>
-            </a:r>
-            <a:r>
-              <a:rPr lang="hu-HU" sz="2000" dirty="0" smtClean="0"/>
-              <a:t>2</a:t>
-            </a:r>
-            <a:r>
-              <a:rPr lang="hu-HU" dirty="0" smtClean="0"/>
-              <a:t>, then RelevantWrites(S</a:t>
-            </a:r>
-            <a:r>
-              <a:rPr lang="hu-HU" sz="2000" dirty="0" smtClean="0"/>
-              <a:t>1</a:t>
-            </a:r>
-            <a:r>
-              <a:rPr lang="hu-HU" dirty="0" smtClean="0"/>
-              <a:t>, t</a:t>
-            </a:r>
-            <a:r>
-              <a:rPr lang="hu-HU" sz="2000" dirty="0" smtClean="0"/>
-              <a:t>1</a:t>
-            </a:r>
-            <a:r>
-              <a:rPr lang="hu-HU" dirty="0" smtClean="0"/>
-              <a:t>, R</a:t>
-            </a:r>
-            <a:r>
-              <a:rPr lang="hu-HU" sz="2000" dirty="0" smtClean="0"/>
-              <a:t>1</a:t>
-            </a:r>
-            <a:r>
-              <a:rPr lang="hu-HU" dirty="0" smtClean="0"/>
-              <a:t>) is a subset of DB(S</a:t>
-            </a:r>
-            <a:r>
-              <a:rPr lang="hu-HU" sz="2000" dirty="0" smtClean="0"/>
-              <a:t>2</a:t>
-            </a:r>
-            <a:r>
-              <a:rPr lang="hu-HU" dirty="0" smtClean="0"/>
-              <a:t>, t</a:t>
-            </a:r>
-            <a:r>
-              <a:rPr lang="hu-HU" sz="2000" dirty="0" smtClean="0"/>
-              <a:t>2</a:t>
-            </a:r>
-            <a:r>
-              <a:rPr lang="hu-HU" dirty="0" smtClean="0"/>
-              <a:t>)</a:t>
-            </a:r>
-          </a:p>
-          <a:p>
-            <a:r>
-              <a:rPr lang="hu-HU" b="1" dirty="0" smtClean="0"/>
-              <a:t>Example</a:t>
-            </a:r>
-            <a:r>
-              <a:rPr lang="hu-HU" dirty="0" smtClean="0"/>
-              <a:t>: online appointment calendar with periodic refreshes – appointments disappear</a:t>
+          </a:p>
+          <a:p>
+            <a:r>
+              <a:rPr lang="hu-HU" dirty="0" smtClean="0"/>
+              <a:t>RelavantWrites(S, t, R)</a:t>
+            </a:r>
+          </a:p>
+          <a:p>
+            <a:pPr lvl="1"/>
+            <a:r>
+              <a:rPr lang="hu-HU" dirty="0" smtClean="0"/>
+              <a:t>Smallest set of writes that is complete for read R and DB(S, t)</a:t>
             </a:r>
             <a:endParaRPr lang="hu-HU" dirty="0"/>
           </a:p>
@@ -7253,7 +8128,7 @@
     </p:spTree>
     <p:extLst>
       <p:ext uri="{BB962C8B-B14F-4D97-AF65-F5344CB8AC3E}">
-        <p14:creationId xmlns:p14="http://schemas.microsoft.com/office/powerpoint/2010/main" val="1930452412"/>
+        <p14:creationId xmlns:p14="http://schemas.microsoft.com/office/powerpoint/2010/main" val="3465062111"/>
       </p:ext>
     </p:extLst>
   </p:cSld>

--- a/presentation/slides_daniel.pptx
+++ b/presentation/slides_daniel.pptx
@@ -5,7 +5,7 @@
     <p:sldMasterId id="2147483648" r:id="rId1"/>
   </p:sldMasterIdLst>
   <p:notesMasterIdLst>
-    <p:notesMasterId r:id="rId25"/>
+    <p:notesMasterId r:id="rId24"/>
   </p:notesMasterIdLst>
   <p:sldIdLst>
     <p:sldId id="256" r:id="rId2"/>
@@ -21,16 +21,15 @@
     <p:sldId id="263" r:id="rId12"/>
     <p:sldId id="264" r:id="rId13"/>
     <p:sldId id="265" r:id="rId14"/>
-    <p:sldId id="266" r:id="rId15"/>
-    <p:sldId id="267" r:id="rId16"/>
-    <p:sldId id="268" r:id="rId17"/>
-    <p:sldId id="269" r:id="rId18"/>
-    <p:sldId id="270" r:id="rId19"/>
-    <p:sldId id="271" r:id="rId20"/>
-    <p:sldId id="272" r:id="rId21"/>
-    <p:sldId id="273" r:id="rId22"/>
-    <p:sldId id="274" r:id="rId23"/>
-    <p:sldId id="275" r:id="rId24"/>
+    <p:sldId id="267" r:id="rId15"/>
+    <p:sldId id="268" r:id="rId16"/>
+    <p:sldId id="269" r:id="rId17"/>
+    <p:sldId id="270" r:id="rId18"/>
+    <p:sldId id="271" r:id="rId19"/>
+    <p:sldId id="272" r:id="rId20"/>
+    <p:sldId id="273" r:id="rId21"/>
+    <p:sldId id="274" r:id="rId22"/>
+    <p:sldId id="275" r:id="rId23"/>
   </p:sldIdLst>
   <p:sldSz cx="9144000" cy="6858000" type="screen4x3"/>
   <p:notesSz cx="6858000" cy="9144000"/>
@@ -1005,6 +1004,198 @@
     <p:extLst>
       <p:ext uri="{BB962C8B-B14F-4D97-AF65-F5344CB8AC3E}">
         <p14:creationId xmlns:p14="http://schemas.microsoft.com/office/powerpoint/2010/main" val="256064012"/>
+      </p:ext>
+    </p:extLst>
+  </p:cSld>
+  <p:clrMapOvr>
+    <a:masterClrMapping/>
+  </p:clrMapOvr>
+</p:notes>
+</file>
+
+<file path=ppt/notesSlides/notesSlide6.xml><?xml version="1.0" encoding="utf-8"?>
+<p:notes xmlns:a="http://schemas.openxmlformats.org/drawingml/2006/main" xmlns:r="http://schemas.openxmlformats.org/officeDocument/2006/relationships" xmlns:p="http://schemas.openxmlformats.org/presentationml/2006/main">
+  <p:cSld>
+    <p:spTree>
+      <p:nvGrpSpPr>
+        <p:cNvPr id="1" name=""/>
+        <p:cNvGrpSpPr/>
+        <p:nvPr/>
+      </p:nvGrpSpPr>
+      <p:grpSpPr>
+        <a:xfrm>
+          <a:off x="0" y="0"/>
+          <a:ext cx="0" cy="0"/>
+          <a:chOff x="0" y="0"/>
+          <a:chExt cx="0" cy="0"/>
+        </a:xfrm>
+      </p:grpSpPr>
+      <p:sp>
+        <p:nvSpPr>
+          <p:cNvPr id="2" name="Slide Image Placeholder 1"/>
+          <p:cNvSpPr>
+            <a:spLocks noGrp="1" noRot="1" noChangeAspect="1"/>
+          </p:cNvSpPr>
+          <p:nvPr>
+            <p:ph type="sldImg"/>
+          </p:nvPr>
+        </p:nvSpPr>
+        <p:spPr/>
+      </p:sp>
+      <p:sp>
+        <p:nvSpPr>
+          <p:cNvPr id="3" name="Notes Placeholder 2"/>
+          <p:cNvSpPr>
+            <a:spLocks noGrp="1"/>
+          </p:cNvSpPr>
+          <p:nvPr>
+            <p:ph type="body" idx="1"/>
+          </p:nvPr>
+        </p:nvSpPr>
+        <p:spPr/>
+        <p:txBody>
+          <a:bodyPr/>
+          <a:lstStyle/>
+          <a:p>
+            <a:r>
+              <a:rPr lang="hu-HU" dirty="0" smtClean="0"/>
+              <a:t>TODO: maybe</a:t>
+            </a:r>
+            <a:r>
+              <a:rPr lang="hu-HU" baseline="0" dirty="0" smtClean="0"/>
+              <a:t> mention that this can be relaxed, and separated to 2 sub-guarantees:</a:t>
+            </a:r>
+          </a:p>
+          <a:p>
+            <a:r>
+              <a:rPr lang="hu-HU" baseline="0" dirty="0" smtClean="0"/>
+              <a:t>WFRO – order is concerned</a:t>
+            </a:r>
+          </a:p>
+          <a:p>
+            <a:r>
+              <a:rPr lang="hu-HU" baseline="0" dirty="0" smtClean="0"/>
+              <a:t>WFRP – prepagation is concerned</a:t>
+            </a:r>
+            <a:endParaRPr lang="hu-HU" dirty="0"/>
+          </a:p>
+        </p:txBody>
+      </p:sp>
+      <p:sp>
+        <p:nvSpPr>
+          <p:cNvPr id="4" name="Slide Number Placeholder 3"/>
+          <p:cNvSpPr>
+            <a:spLocks noGrp="1"/>
+          </p:cNvSpPr>
+          <p:nvPr>
+            <p:ph type="sldNum" sz="quarter" idx="10"/>
+          </p:nvPr>
+        </p:nvSpPr>
+        <p:spPr/>
+        <p:txBody>
+          <a:bodyPr/>
+          <a:lstStyle/>
+          <a:p>
+            <a:fld id="{6FCE4710-B9E6-4347-9620-E393725614A0}" type="slidenum">
+              <a:rPr lang="hu-HU" smtClean="0"/>
+              <a:t>13</a:t>
+            </a:fld>
+            <a:endParaRPr lang="hu-HU"/>
+          </a:p>
+        </p:txBody>
+      </p:sp>
+    </p:spTree>
+    <p:extLst>
+      <p:ext uri="{BB962C8B-B14F-4D97-AF65-F5344CB8AC3E}">
+        <p14:creationId xmlns:p14="http://schemas.microsoft.com/office/powerpoint/2010/main" val="367565121"/>
+      </p:ext>
+    </p:extLst>
+  </p:cSld>
+  <p:clrMapOvr>
+    <a:masterClrMapping/>
+  </p:clrMapOvr>
+</p:notes>
+</file>
+
+<file path=ppt/notesSlides/notesSlide7.xml><?xml version="1.0" encoding="utf-8"?>
+<p:notes xmlns:a="http://schemas.openxmlformats.org/drawingml/2006/main" xmlns:r="http://schemas.openxmlformats.org/officeDocument/2006/relationships" xmlns:p="http://schemas.openxmlformats.org/presentationml/2006/main">
+  <p:cSld>
+    <p:spTree>
+      <p:nvGrpSpPr>
+        <p:cNvPr id="1" name=""/>
+        <p:cNvGrpSpPr/>
+        <p:nvPr/>
+      </p:nvGrpSpPr>
+      <p:grpSpPr>
+        <a:xfrm>
+          <a:off x="0" y="0"/>
+          <a:ext cx="0" cy="0"/>
+          <a:chOff x="0" y="0"/>
+          <a:chExt cx="0" cy="0"/>
+        </a:xfrm>
+      </p:grpSpPr>
+      <p:sp>
+        <p:nvSpPr>
+          <p:cNvPr id="2" name="Slide Image Placeholder 1"/>
+          <p:cNvSpPr>
+            <a:spLocks noGrp="1" noRot="1" noChangeAspect="1"/>
+          </p:cNvSpPr>
+          <p:nvPr>
+            <p:ph type="sldImg"/>
+          </p:nvPr>
+        </p:nvSpPr>
+        <p:spPr/>
+      </p:sp>
+      <p:sp>
+        <p:nvSpPr>
+          <p:cNvPr id="3" name="Notes Placeholder 2"/>
+          <p:cNvSpPr>
+            <a:spLocks noGrp="1"/>
+          </p:cNvSpPr>
+          <p:nvPr>
+            <p:ph type="body" idx="1"/>
+          </p:nvPr>
+        </p:nvSpPr>
+        <p:spPr/>
+        <p:txBody>
+          <a:bodyPr/>
+          <a:lstStyle/>
+          <a:p>
+            <a:r>
+              <a:rPr lang="hu-HU" dirty="0" smtClean="0"/>
+              <a:t>It’s like a chain of changesets</a:t>
+            </a:r>
+            <a:endParaRPr lang="hu-HU" dirty="0"/>
+          </a:p>
+        </p:txBody>
+      </p:sp>
+      <p:sp>
+        <p:nvSpPr>
+          <p:cNvPr id="4" name="Slide Number Placeholder 3"/>
+          <p:cNvSpPr>
+            <a:spLocks noGrp="1"/>
+          </p:cNvSpPr>
+          <p:nvPr>
+            <p:ph type="sldNum" sz="quarter" idx="10"/>
+          </p:nvPr>
+        </p:nvSpPr>
+        <p:spPr/>
+        <p:txBody>
+          <a:bodyPr/>
+          <a:lstStyle/>
+          <a:p>
+            <a:fld id="{6FCE4710-B9E6-4347-9620-E393725614A0}" type="slidenum">
+              <a:rPr lang="hu-HU" smtClean="0"/>
+              <a:t>14</a:t>
+            </a:fld>
+            <a:endParaRPr lang="hu-HU"/>
+          </a:p>
+        </p:txBody>
+      </p:sp>
+    </p:spTree>
+    <p:extLst>
+      <p:ext uri="{BB962C8B-B14F-4D97-AF65-F5344CB8AC3E}">
+        <p14:creationId xmlns:p14="http://schemas.microsoft.com/office/powerpoint/2010/main" val="4192160804"/>
       </p:ext>
     </p:extLst>
   </p:cSld>
@@ -4686,7 +4877,7 @@
             </a:r>
             <a:r>
               <a:rPr lang="hu-HU" dirty="0" smtClean="0"/>
-              <a:t>: online appointment calendar with periodic refreshes – appointments disappear</a:t>
+              <a:t>: calendar app with periodic refreshes, appointments disappear</a:t>
             </a:r>
             <a:endParaRPr lang="hu-HU" dirty="0"/>
           </a:p>
@@ -4757,13 +4948,16 @@
         </p:nvSpPr>
         <p:spPr/>
         <p:txBody>
-          <a:bodyPr/>
-          <a:lstStyle/>
-          <a:p>
-            <a:r>
-              <a:rPr lang="hu-HU" dirty="0" smtClean="0"/>
-              <a:t>Write/Read dependencies are preserved in the ordering of Writes at all servers</a:t>
-            </a:r>
+          <a:bodyPr>
+            <a:normAutofit fontScale="92500" lnSpcReduction="20000"/>
+          </a:bodyPr>
+          <a:lstStyle/>
+          <a:p>
+            <a:r>
+              <a:rPr lang="hu-HU" dirty="0" smtClean="0"/>
+              <a:t>Writes made during the session are ordered after any Writes whose effects were seen by previous Reads in the session</a:t>
+            </a:r>
+            <a:endParaRPr lang="hu-HU" dirty="0" smtClean="0"/>
           </a:p>
           <a:p>
             <a:r>
@@ -4898,15 +5092,7 @@
             </a:r>
             <a:r>
               <a:rPr lang="hu-HU" dirty="0" smtClean="0"/>
-              <a:t>: </a:t>
-            </a:r>
-            <a:r>
-              <a:rPr lang="hu-HU" dirty="0" smtClean="0">
-                <a:solidFill>
-                  <a:srgbClr val="FF0000"/>
-                </a:solidFill>
-              </a:rPr>
-              <a:t>TODO</a:t>
+              <a:t>: a user creates a place in Foursquare, then checks in. If a server sees the check-in, they also saw the place creation event before.</a:t>
             </a:r>
             <a:endParaRPr lang="hu-HU" dirty="0">
               <a:solidFill>
@@ -4963,7 +5149,7 @@
           <a:p>
             <a:r>
               <a:rPr lang="hu-HU" dirty="0" smtClean="0"/>
-              <a:t>WFRO/WFRP?</a:t>
+              <a:t>4 – Monotonic Writes</a:t>
             </a:r>
             <a:endParaRPr lang="hu-HU" dirty="0"/>
           </a:p>
@@ -4981,13 +5167,110 @@
         </p:nvSpPr>
         <p:spPr/>
         <p:txBody>
-          <a:bodyPr/>
-          <a:lstStyle/>
-          <a:p>
-            <a:r>
-              <a:rPr lang="hu-HU" dirty="0" smtClean="0"/>
-              <a:t>Should we add these?</a:t>
-            </a:r>
+          <a:bodyPr>
+            <a:normAutofit lnSpcReduction="10000"/>
+          </a:bodyPr>
+          <a:lstStyle/>
+          <a:p>
+            <a:r>
+              <a:rPr lang="hu-HU" dirty="0" smtClean="0"/>
+              <a:t>Writes must follow previous writes within the session</a:t>
+            </a:r>
+          </a:p>
+          <a:p>
+            <a:r>
+              <a:rPr lang="hu-HU" dirty="0" smtClean="0"/>
+              <a:t>If Write W</a:t>
+            </a:r>
+            <a:r>
+              <a:rPr lang="hu-HU" sz="2000" dirty="0" smtClean="0"/>
+              <a:t>1</a:t>
+            </a:r>
+            <a:r>
+              <a:rPr lang="hu-HU" dirty="0" smtClean="0"/>
+              <a:t> precedes Write W</a:t>
+            </a:r>
+            <a:r>
+              <a:rPr lang="hu-HU" sz="2000" dirty="0" smtClean="0"/>
+              <a:t>2</a:t>
+            </a:r>
+            <a:r>
+              <a:rPr lang="hu-HU" dirty="0" smtClean="0"/>
+              <a:t> in a session, then, for any server S</a:t>
+            </a:r>
+            <a:r>
+              <a:rPr lang="hu-HU" sz="2000" dirty="0" smtClean="0"/>
+              <a:t>2</a:t>
+            </a:r>
+            <a:r>
+              <a:rPr lang="hu-HU" dirty="0" smtClean="0"/>
+              <a:t>, if W</a:t>
+            </a:r>
+            <a:r>
+              <a:rPr lang="hu-HU" sz="2000" dirty="0" smtClean="0"/>
+              <a:t>2</a:t>
+            </a:r>
+            <a:r>
+              <a:rPr lang="hu-HU" dirty="0" smtClean="0"/>
+              <a:t> in DB(S</a:t>
+            </a:r>
+            <a:r>
+              <a:rPr lang="hu-HU" sz="2000" dirty="0" smtClean="0"/>
+              <a:t>2</a:t>
+            </a:r>
+            <a:r>
+              <a:rPr lang="hu-HU" dirty="0" smtClean="0"/>
+              <a:t>) then W</a:t>
+            </a:r>
+            <a:r>
+              <a:rPr lang="hu-HU" sz="2000" dirty="0" smtClean="0"/>
+              <a:t>1</a:t>
+            </a:r>
+            <a:r>
+              <a:rPr lang="hu-HU" dirty="0" smtClean="0"/>
+              <a:t> is also in DB(S</a:t>
+            </a:r>
+            <a:r>
+              <a:rPr lang="hu-HU" sz="2000" dirty="0" smtClean="0"/>
+              <a:t>2</a:t>
+            </a:r>
+            <a:r>
+              <a:rPr lang="hu-HU" dirty="0" smtClean="0"/>
+              <a:t>) and WriteOrder(W</a:t>
+            </a:r>
+            <a:r>
+              <a:rPr lang="hu-HU" sz="2000" dirty="0" smtClean="0"/>
+              <a:t>1</a:t>
+            </a:r>
+            <a:r>
+              <a:rPr lang="hu-HU" dirty="0" smtClean="0"/>
+              <a:t>, W</a:t>
+            </a:r>
+            <a:r>
+              <a:rPr lang="hu-HU" sz="2000" dirty="0" smtClean="0"/>
+              <a:t>2</a:t>
+            </a:r>
+            <a:r>
+              <a:rPr lang="hu-HU" dirty="0" smtClean="0"/>
+              <a:t>) stands</a:t>
+            </a:r>
+          </a:p>
+          <a:p>
+            <a:r>
+              <a:rPr lang="hu-HU" b="1" dirty="0" smtClean="0"/>
+              <a:t>Example</a:t>
+            </a:r>
+            <a:r>
+              <a:rPr lang="hu-HU" dirty="0" smtClean="0"/>
+              <a:t>: </a:t>
+            </a:r>
+            <a:r>
+              <a:rPr lang="hu-HU" dirty="0" smtClean="0"/>
+              <a:t>automatic address book backup service – shouldn’t overwrite/remove previous addresses</a:t>
+            </a:r>
+            <a:endParaRPr lang="hu-HU" dirty="0" smtClean="0"/>
+          </a:p>
+          <a:p>
             <a:endParaRPr lang="hu-HU" dirty="0"/>
           </a:p>
         </p:txBody>
@@ -4995,7 +5278,7 @@
     </p:spTree>
     <p:extLst>
       <p:ext uri="{BB962C8B-B14F-4D97-AF65-F5344CB8AC3E}">
-        <p14:creationId xmlns:p14="http://schemas.microsoft.com/office/powerpoint/2010/main" val="2086871892"/>
+        <p14:creationId xmlns:p14="http://schemas.microsoft.com/office/powerpoint/2010/main" val="2446632579"/>
       </p:ext>
     </p:extLst>
   </p:cSld>
@@ -5039,177 +5322,6 @@
           <a:p>
             <a:r>
               <a:rPr lang="hu-HU" dirty="0" smtClean="0"/>
-              <a:t>4 – Monotonic Writes</a:t>
-            </a:r>
-            <a:endParaRPr lang="hu-HU" dirty="0"/>
-          </a:p>
-        </p:txBody>
-      </p:sp>
-      <p:sp>
-        <p:nvSpPr>
-          <p:cNvPr id="3" name="Content Placeholder 2"/>
-          <p:cNvSpPr>
-            <a:spLocks noGrp="1"/>
-          </p:cNvSpPr>
-          <p:nvPr>
-            <p:ph idx="1"/>
-          </p:nvPr>
-        </p:nvSpPr>
-        <p:spPr/>
-        <p:txBody>
-          <a:bodyPr/>
-          <a:lstStyle/>
-          <a:p>
-            <a:r>
-              <a:rPr lang="hu-HU" dirty="0" smtClean="0"/>
-              <a:t>Writes must follow previous writes within the session</a:t>
-            </a:r>
-          </a:p>
-          <a:p>
-            <a:r>
-              <a:rPr lang="hu-HU" dirty="0" smtClean="0"/>
-              <a:t>If Write W</a:t>
-            </a:r>
-            <a:r>
-              <a:rPr lang="hu-HU" sz="2000" dirty="0" smtClean="0"/>
-              <a:t>1</a:t>
-            </a:r>
-            <a:r>
-              <a:rPr lang="hu-HU" dirty="0" smtClean="0"/>
-              <a:t> precedes Write W</a:t>
-            </a:r>
-            <a:r>
-              <a:rPr lang="hu-HU" sz="2000" dirty="0" smtClean="0"/>
-              <a:t>2</a:t>
-            </a:r>
-            <a:r>
-              <a:rPr lang="hu-HU" dirty="0" smtClean="0"/>
-              <a:t> in a session, then, for any server S</a:t>
-            </a:r>
-            <a:r>
-              <a:rPr lang="hu-HU" sz="2000" dirty="0" smtClean="0"/>
-              <a:t>2</a:t>
-            </a:r>
-            <a:r>
-              <a:rPr lang="hu-HU" dirty="0" smtClean="0"/>
-              <a:t>, if W2 in DB(S</a:t>
-            </a:r>
-            <a:r>
-              <a:rPr lang="hu-HU" sz="2000" dirty="0" smtClean="0"/>
-              <a:t>2</a:t>
-            </a:r>
-            <a:r>
-              <a:rPr lang="hu-HU" dirty="0" smtClean="0"/>
-              <a:t>) then W</a:t>
-            </a:r>
-            <a:r>
-              <a:rPr lang="hu-HU" sz="2000" dirty="0" smtClean="0"/>
-              <a:t>1</a:t>
-            </a:r>
-            <a:r>
-              <a:rPr lang="hu-HU" dirty="0" smtClean="0"/>
-              <a:t> is also in DB(S</a:t>
-            </a:r>
-            <a:r>
-              <a:rPr lang="hu-HU" sz="2000" dirty="0" smtClean="0"/>
-              <a:t>2</a:t>
-            </a:r>
-            <a:r>
-              <a:rPr lang="hu-HU" dirty="0" smtClean="0"/>
-              <a:t>) and WriteOrder(W</a:t>
-            </a:r>
-            <a:r>
-              <a:rPr lang="hu-HU" sz="2000" dirty="0" smtClean="0"/>
-              <a:t>1</a:t>
-            </a:r>
-            <a:r>
-              <a:rPr lang="hu-HU" dirty="0" smtClean="0"/>
-              <a:t>, W</a:t>
-            </a:r>
-            <a:r>
-              <a:rPr lang="hu-HU" sz="2000" dirty="0" smtClean="0"/>
-              <a:t>2</a:t>
-            </a:r>
-            <a:r>
-              <a:rPr lang="hu-HU" dirty="0" smtClean="0"/>
-              <a:t>) stands</a:t>
-            </a:r>
-          </a:p>
-          <a:p>
-            <a:r>
-              <a:rPr lang="hu-HU" b="1" dirty="0" smtClean="0"/>
-              <a:t>Example</a:t>
-            </a:r>
-            <a:r>
-              <a:rPr lang="hu-HU" dirty="0" smtClean="0"/>
-              <a:t>: a text editor, when saving, can’t cause version N</a:t>
-            </a:r>
-            <a:r>
-              <a:rPr lang="hu-HU" sz="2000" dirty="0" smtClean="0"/>
-              <a:t>i</a:t>
-            </a:r>
-            <a:r>
-              <a:rPr lang="hu-HU" dirty="0" smtClean="0"/>
-              <a:t> to overwrite version N</a:t>
-            </a:r>
-            <a:r>
-              <a:rPr lang="hu-HU" sz="2000" dirty="0" smtClean="0"/>
-              <a:t>i+1</a:t>
-            </a:r>
-            <a:endParaRPr lang="hu-HU" dirty="0" smtClean="0"/>
-          </a:p>
-          <a:p>
-            <a:endParaRPr lang="hu-HU" dirty="0"/>
-          </a:p>
-        </p:txBody>
-      </p:sp>
-    </p:spTree>
-    <p:extLst>
-      <p:ext uri="{BB962C8B-B14F-4D97-AF65-F5344CB8AC3E}">
-        <p14:creationId xmlns:p14="http://schemas.microsoft.com/office/powerpoint/2010/main" val="2446632579"/>
-      </p:ext>
-    </p:extLst>
-  </p:cSld>
-  <p:clrMapOvr>
-    <a:masterClrMapping/>
-  </p:clrMapOvr>
-</p:sld>
-</file>
-
-<file path=ppt/slides/slide16.xml><?xml version="1.0" encoding="utf-8"?>
-<p:sld xmlns:a="http://schemas.openxmlformats.org/drawingml/2006/main" xmlns:r="http://schemas.openxmlformats.org/officeDocument/2006/relationships" xmlns:p="http://schemas.openxmlformats.org/presentationml/2006/main">
-  <p:cSld>
-    <p:spTree>
-      <p:nvGrpSpPr>
-        <p:cNvPr id="1" name=""/>
-        <p:cNvGrpSpPr/>
-        <p:nvPr/>
-      </p:nvGrpSpPr>
-      <p:grpSpPr>
-        <a:xfrm>
-          <a:off x="0" y="0"/>
-          <a:ext cx="0" cy="0"/>
-          <a:chOff x="0" y="0"/>
-          <a:chExt cx="0" cy="0"/>
-        </a:xfrm>
-      </p:grpSpPr>
-      <p:sp>
-        <p:nvSpPr>
-          <p:cNvPr id="2" name="Title 1"/>
-          <p:cNvSpPr>
-            <a:spLocks noGrp="1"/>
-          </p:cNvSpPr>
-          <p:nvPr>
-            <p:ph type="title"/>
-          </p:nvPr>
-        </p:nvSpPr>
-        <p:spPr/>
-        <p:txBody>
-          <a:bodyPr/>
-          <a:lstStyle/>
-          <a:p>
-            <a:r>
-              <a:rPr lang="hu-HU" dirty="0" smtClean="0"/>
               <a:t>Providing the guarantees</a:t>
             </a:r>
             <a:endParaRPr lang="hu-HU" dirty="0"/>
@@ -5302,7 +5414,7 @@
 </p:sld>
 </file>
 
-<file path=ppt/slides/slide17.xml><?xml version="1.0" encoding="utf-8"?>
+<file path=ppt/slides/slide16.xml><?xml version="1.0" encoding="utf-8"?>
 <p:sld xmlns:a="http://schemas.openxmlformats.org/drawingml/2006/main" xmlns:r="http://schemas.openxmlformats.org/officeDocument/2006/relationships" xmlns:p="http://schemas.openxmlformats.org/presentationml/2006/main">
   <p:cSld>
     <p:spTree>
@@ -5567,7 +5679,7 @@
 </p:sld>
 </file>
 
-<file path=ppt/slides/slide18.xml><?xml version="1.0" encoding="utf-8"?>
+<file path=ppt/slides/slide17.xml><?xml version="1.0" encoding="utf-8"?>
 <p:sld xmlns:a="http://schemas.openxmlformats.org/drawingml/2006/main" xmlns:r="http://schemas.openxmlformats.org/officeDocument/2006/relationships" xmlns:p="http://schemas.openxmlformats.org/presentationml/2006/main">
   <p:cSld>
     <p:spTree>
@@ -5849,7 +5961,7 @@
 </p:sld>
 </file>
 
-<file path=ppt/slides/slide19.xml><?xml version="1.0" encoding="utf-8"?>
+<file path=ppt/slides/slide18.xml><?xml version="1.0" encoding="utf-8"?>
 <p:sld xmlns:a="http://schemas.openxmlformats.org/drawingml/2006/main" xmlns:r="http://schemas.openxmlformats.org/officeDocument/2006/relationships" xmlns:p="http://schemas.openxmlformats.org/presentationml/2006/main">
   <p:cSld>
     <p:spTree>
@@ -5889,8 +6001,8 @@
           </a:p>
         </p:txBody>
       </p:sp>
-      <mc:AlternateContent xmlns:mc="http://schemas.openxmlformats.org/markup-compatibility/2006" xmlns:a14="http://schemas.microsoft.com/office/drawing/2010/main">
-        <mc:Choice Requires="a14">
+      <mc:AlternateContent xmlns:mc="http://schemas.openxmlformats.org/markup-compatibility/2006">
+        <mc:Choice xmlns:a14="http://schemas.microsoft.com/office/drawing/2010/main" Requires="a14">
           <p:sp>
             <p:nvSpPr>
               <p:cNvPr id="3" name="Content Placeholder 2"/>
@@ -6116,7 +6228,31 @@
               <a:p>
                 <a:r>
                   <a:rPr lang="hu-HU" dirty="0" smtClean="0"/>
-                  <a:t>Anti-Entropy – if W2 is propagated from server S1 to server S2 at time t, then</a:t>
+                  <a:t>Anti-Entropy – if W</a:t>
+                </a:r>
+                <a:r>
+                  <a:rPr lang="hu-HU" sz="2000" dirty="0" smtClean="0"/>
+                  <a:t>2</a:t>
+                </a:r>
+                <a:r>
+                  <a:rPr lang="hu-HU" dirty="0" smtClean="0"/>
+                  <a:t> is propagated from server S</a:t>
+                </a:r>
+                <a:r>
+                  <a:rPr lang="hu-HU" sz="2000" dirty="0" smtClean="0"/>
+                  <a:t>1</a:t>
+                </a:r>
+                <a:r>
+                  <a:rPr lang="hu-HU" dirty="0" smtClean="0"/>
+                  <a:t> to server S</a:t>
+                </a:r>
+                <a:r>
+                  <a:rPr lang="hu-HU" sz="2000" dirty="0" smtClean="0"/>
+                  <a:t>2</a:t>
+                </a:r>
+                <a:r>
+                  <a:rPr lang="hu-HU" dirty="0" smtClean="0"/>
+                  <a:t> at time t, then</a:t>
                 </a:r>
               </a:p>
               <a:p>
@@ -6374,7 +6510,7 @@
             </p:txBody>
           </p:sp>
         </mc:Choice>
-        <mc:Fallback xmlns="">
+        <mc:Fallback>
           <p:sp>
             <p:nvSpPr>
               <p:cNvPr id="3" name="Content Placeholder 2"/>
@@ -6389,7 +6525,7 @@
               <a:blipFill rotWithShape="1">
                 <a:blip r:embed="rId2"/>
                 <a:stretch>
-                  <a:fillRect l="-1630" t="-1752" r="-2889"/>
+                  <a:fillRect l="-1630" t="-1752" r="-2000"/>
                 </a:stretch>
               </a:blipFill>
             </p:spPr>
@@ -6421,135 +6557,7 @@
 </p:sld>
 </file>
 
-<file path=ppt/slides/slide2.xml><?xml version="1.0" encoding="utf-8"?>
-<p:sld xmlns:a="http://schemas.openxmlformats.org/drawingml/2006/main" xmlns:r="http://schemas.openxmlformats.org/officeDocument/2006/relationships" xmlns:p="http://schemas.openxmlformats.org/presentationml/2006/main">
-  <p:cSld>
-    <p:spTree>
-      <p:nvGrpSpPr>
-        <p:cNvPr id="1" name=""/>
-        <p:cNvGrpSpPr/>
-        <p:nvPr/>
-      </p:nvGrpSpPr>
-      <p:grpSpPr>
-        <a:xfrm>
-          <a:off x="0" y="0"/>
-          <a:ext cx="0" cy="0"/>
-          <a:chOff x="0" y="0"/>
-          <a:chExt cx="0" cy="0"/>
-        </a:xfrm>
-      </p:grpSpPr>
-      <p:sp>
-        <p:nvSpPr>
-          <p:cNvPr id="2" name="Title 1"/>
-          <p:cNvSpPr>
-            <a:spLocks noGrp="1"/>
-          </p:cNvSpPr>
-          <p:nvPr>
-            <p:ph type="title"/>
-          </p:nvPr>
-        </p:nvSpPr>
-        <p:spPr/>
-        <p:txBody>
-          <a:bodyPr/>
-          <a:lstStyle/>
-          <a:p>
-            <a:r>
-              <a:rPr lang="hu-HU" dirty="0" smtClean="0"/>
-              <a:t>Weakly Consistent Systems</a:t>
-            </a:r>
-            <a:endParaRPr lang="hu-HU" dirty="0"/>
-          </a:p>
-        </p:txBody>
-      </p:sp>
-      <p:sp>
-        <p:nvSpPr>
-          <p:cNvPr id="3" name="Content Placeholder 2"/>
-          <p:cNvSpPr>
-            <a:spLocks noGrp="1"/>
-          </p:cNvSpPr>
-          <p:nvPr>
-            <p:ph idx="1"/>
-          </p:nvPr>
-        </p:nvSpPr>
-        <p:spPr/>
-        <p:txBody>
-          <a:bodyPr/>
-          <a:lstStyle/>
-          <a:p>
-            <a:r>
-              <a:rPr lang="hu-HU" dirty="0" smtClean="0"/>
-              <a:t>What is consistency?</a:t>
-            </a:r>
-          </a:p>
-          <a:p>
-            <a:r>
-              <a:rPr lang="hu-HU" dirty="0" smtClean="0"/>
-              <a:t>What is weak consistency?</a:t>
-            </a:r>
-          </a:p>
-          <a:p>
-            <a:r>
-              <a:rPr lang="hu-HU" dirty="0" smtClean="0"/>
-              <a:t>Why do we need it?</a:t>
-            </a:r>
-          </a:p>
-          <a:p>
-            <a:pPr lvl="1"/>
-            <a:r>
-              <a:rPr lang="hu-HU" dirty="0"/>
-              <a:t>CAP </a:t>
-            </a:r>
-            <a:endParaRPr lang="hu-HU" dirty="0" smtClean="0"/>
-          </a:p>
-          <a:p>
-            <a:pPr lvl="1"/>
-            <a:r>
-              <a:rPr lang="hu-HU" dirty="0" smtClean="0"/>
-              <a:t>Read-any/write-any replication</a:t>
-            </a:r>
-          </a:p>
-          <a:p>
-            <a:pPr lvl="1"/>
-            <a:r>
-              <a:rPr lang="hu-HU" dirty="0" smtClean="0"/>
-              <a:t>Transactions </a:t>
-            </a:r>
-            <a:r>
-              <a:rPr lang="hu-HU" dirty="0"/>
-              <a:t>are </a:t>
-            </a:r>
-            <a:r>
-              <a:rPr lang="hu-HU" dirty="0" smtClean="0"/>
-              <a:t>inefficient</a:t>
-            </a:r>
-          </a:p>
-          <a:p>
-            <a:pPr lvl="1"/>
-            <a:endParaRPr lang="hu-HU" dirty="0"/>
-          </a:p>
-        </p:txBody>
-      </p:sp>
-    </p:spTree>
-    <p:extLst>
-      <p:ext uri="{BB962C8B-B14F-4D97-AF65-F5344CB8AC3E}">
-        <p14:creationId xmlns:p14="http://schemas.microsoft.com/office/powerpoint/2010/main" val="3309803083"/>
-      </p:ext>
-    </p:extLst>
-  </p:cSld>
-  <p:clrMapOvr>
-    <a:masterClrMapping/>
-  </p:clrMapOvr>
-  <p:timing>
-    <p:tnLst>
-      <p:par>
-        <p:cTn id="1" dur="indefinite" restart="never" nodeType="tmRoot"/>
-      </p:par>
-    </p:tnLst>
-  </p:timing>
-</p:sld>
-</file>
-
-<file path=ppt/slides/slide20.xml><?xml version="1.0" encoding="utf-8"?>
+<file path=ppt/slides/slide19.xml><?xml version="1.0" encoding="utf-8"?>
 <p:sld xmlns:a="http://schemas.openxmlformats.org/drawingml/2006/main" xmlns:r="http://schemas.openxmlformats.org/officeDocument/2006/relationships" xmlns:p="http://schemas.openxmlformats.org/presentationml/2006/main">
   <p:cSld>
     <p:spTree>
@@ -6847,7 +6855,135 @@
 </p:sld>
 </file>
 
-<file path=ppt/slides/slide21.xml><?xml version="1.0" encoding="utf-8"?>
+<file path=ppt/slides/slide2.xml><?xml version="1.0" encoding="utf-8"?>
+<p:sld xmlns:a="http://schemas.openxmlformats.org/drawingml/2006/main" xmlns:r="http://schemas.openxmlformats.org/officeDocument/2006/relationships" xmlns:p="http://schemas.openxmlformats.org/presentationml/2006/main">
+  <p:cSld>
+    <p:spTree>
+      <p:nvGrpSpPr>
+        <p:cNvPr id="1" name=""/>
+        <p:cNvGrpSpPr/>
+        <p:nvPr/>
+      </p:nvGrpSpPr>
+      <p:grpSpPr>
+        <a:xfrm>
+          <a:off x="0" y="0"/>
+          <a:ext cx="0" cy="0"/>
+          <a:chOff x="0" y="0"/>
+          <a:chExt cx="0" cy="0"/>
+        </a:xfrm>
+      </p:grpSpPr>
+      <p:sp>
+        <p:nvSpPr>
+          <p:cNvPr id="2" name="Title 1"/>
+          <p:cNvSpPr>
+            <a:spLocks noGrp="1"/>
+          </p:cNvSpPr>
+          <p:nvPr>
+            <p:ph type="title"/>
+          </p:nvPr>
+        </p:nvSpPr>
+        <p:spPr/>
+        <p:txBody>
+          <a:bodyPr/>
+          <a:lstStyle/>
+          <a:p>
+            <a:r>
+              <a:rPr lang="hu-HU" dirty="0" smtClean="0"/>
+              <a:t>Weakly Consistent Systems</a:t>
+            </a:r>
+            <a:endParaRPr lang="hu-HU" dirty="0"/>
+          </a:p>
+        </p:txBody>
+      </p:sp>
+      <p:sp>
+        <p:nvSpPr>
+          <p:cNvPr id="3" name="Content Placeholder 2"/>
+          <p:cNvSpPr>
+            <a:spLocks noGrp="1"/>
+          </p:cNvSpPr>
+          <p:nvPr>
+            <p:ph idx="1"/>
+          </p:nvPr>
+        </p:nvSpPr>
+        <p:spPr/>
+        <p:txBody>
+          <a:bodyPr/>
+          <a:lstStyle/>
+          <a:p>
+            <a:r>
+              <a:rPr lang="hu-HU" dirty="0" smtClean="0"/>
+              <a:t>What is consistency?</a:t>
+            </a:r>
+          </a:p>
+          <a:p>
+            <a:r>
+              <a:rPr lang="hu-HU" dirty="0" smtClean="0"/>
+              <a:t>What is weak consistency?</a:t>
+            </a:r>
+          </a:p>
+          <a:p>
+            <a:r>
+              <a:rPr lang="hu-HU" dirty="0" smtClean="0"/>
+              <a:t>Why do we need it?</a:t>
+            </a:r>
+          </a:p>
+          <a:p>
+            <a:pPr lvl="1"/>
+            <a:r>
+              <a:rPr lang="hu-HU" dirty="0"/>
+              <a:t>CAP </a:t>
+            </a:r>
+            <a:endParaRPr lang="hu-HU" dirty="0" smtClean="0"/>
+          </a:p>
+          <a:p>
+            <a:pPr lvl="1"/>
+            <a:r>
+              <a:rPr lang="hu-HU" dirty="0" smtClean="0"/>
+              <a:t>Read-any/write-any replication</a:t>
+            </a:r>
+          </a:p>
+          <a:p>
+            <a:pPr lvl="1"/>
+            <a:r>
+              <a:rPr lang="hu-HU" dirty="0" smtClean="0"/>
+              <a:t>Transactions </a:t>
+            </a:r>
+            <a:r>
+              <a:rPr lang="hu-HU" dirty="0"/>
+              <a:t>are </a:t>
+            </a:r>
+            <a:r>
+              <a:rPr lang="hu-HU" dirty="0" smtClean="0"/>
+              <a:t>inefficient</a:t>
+            </a:r>
+          </a:p>
+          <a:p>
+            <a:pPr lvl="1"/>
+            <a:endParaRPr lang="hu-HU" dirty="0"/>
+          </a:p>
+        </p:txBody>
+      </p:sp>
+    </p:spTree>
+    <p:extLst>
+      <p:ext uri="{BB962C8B-B14F-4D97-AF65-F5344CB8AC3E}">
+        <p14:creationId xmlns:p14="http://schemas.microsoft.com/office/powerpoint/2010/main" val="3309803083"/>
+      </p:ext>
+    </p:extLst>
+  </p:cSld>
+  <p:clrMapOvr>
+    <a:masterClrMapping/>
+  </p:clrMapOvr>
+  <p:timing>
+    <p:tnLst>
+      <p:par>
+        <p:cTn id="1" dur="indefinite" restart="never" nodeType="tmRoot"/>
+      </p:par>
+    </p:tnLst>
+  </p:timing>
+</p:sld>
+</file>
+
+<file path=ppt/slides/slide20.xml><?xml version="1.0" encoding="utf-8"?>
 <p:sld xmlns:a="http://schemas.openxmlformats.org/drawingml/2006/main" xmlns:r="http://schemas.openxmlformats.org/officeDocument/2006/relationships" xmlns:p="http://schemas.openxmlformats.org/presentationml/2006/main">
   <p:cSld>
     <p:spTree>
@@ -7100,7 +7236,7 @@
 </p:sld>
 </file>
 
-<file path=ppt/slides/slide22.xml><?xml version="1.0" encoding="utf-8"?>
+<file path=ppt/slides/slide21.xml><?xml version="1.0" encoding="utf-8"?>
 <p:sld xmlns:a="http://schemas.openxmlformats.org/drawingml/2006/main" xmlns:r="http://schemas.openxmlformats.org/officeDocument/2006/relationships" xmlns:p="http://schemas.openxmlformats.org/presentationml/2006/main">
   <p:cSld>
     <p:spTree>
@@ -7198,7 +7334,7 @@
 </p:sld>
 </file>
 
-<file path=ppt/slides/slide23.xml><?xml version="1.0" encoding="utf-8"?>
+<file path=ppt/slides/slide22.xml><?xml version="1.0" encoding="utf-8"?>
 <p:sld xmlns:a="http://schemas.openxmlformats.org/drawingml/2006/main" xmlns:r="http://schemas.openxmlformats.org/officeDocument/2006/relationships" xmlns:p="http://schemas.openxmlformats.org/presentationml/2006/main">
   <p:cSld>
     <p:spTree>

--- a/presentation/slides_daniel.pptx
+++ b/presentation/slides_daniel.pptx
@@ -5,7 +5,7 @@
     <p:sldMasterId id="2147483648" r:id="rId1"/>
   </p:sldMasterIdLst>
   <p:notesMasterIdLst>
-    <p:notesMasterId r:id="rId24"/>
+    <p:notesMasterId r:id="rId25"/>
   </p:notesMasterIdLst>
   <p:sldIdLst>
     <p:sldId id="256" r:id="rId2"/>
@@ -30,6 +30,7 @@
     <p:sldId id="273" r:id="rId21"/>
     <p:sldId id="274" r:id="rId22"/>
     <p:sldId id="275" r:id="rId23"/>
+    <p:sldId id="280" r:id="rId24"/>
   </p:sldIdLst>
   <p:sldSz cx="9144000" cy="6858000" type="screen4x3"/>
   <p:notesSz cx="6858000" cy="9144000"/>
@@ -7430,9 +7431,26 @@
           <a:p>
             <a:pPr lvl="1"/>
             <a:r>
-              <a:rPr lang="hu-HU" smtClean="0"/>
-              <a:t>Clock – logical clock value</a:t>
-            </a:r>
+              <a:rPr lang="hu-HU" dirty="0" smtClean="0"/>
+              <a:t>Clock – logical clock </a:t>
+            </a:r>
+            <a:r>
+              <a:rPr lang="hu-HU" dirty="0" smtClean="0"/>
+              <a:t>value</a:t>
+            </a:r>
+          </a:p>
+          <a:p>
+            <a:r>
+              <a:rPr lang="hu-HU" dirty="0" smtClean="0"/>
+              <a:t>The clock value describes the last seen WID</a:t>
+            </a:r>
+          </a:p>
+          <a:p>
+            <a:r>
+              <a:rPr lang="hu-HU" dirty="0" smtClean="0"/>
+              <a:t>Updated as a part of the anti-entropy process</a:t>
+            </a:r>
+            <a:endParaRPr lang="hu-HU" dirty="0" smtClean="0"/>
           </a:p>
           <a:p>
             <a:endParaRPr lang="hu-HU" dirty="0"/>
@@ -7446,6 +7464,141 @@
     <p:extLst>
       <p:ext uri="{BB962C8B-B14F-4D97-AF65-F5344CB8AC3E}">
         <p14:creationId xmlns:p14="http://schemas.microsoft.com/office/powerpoint/2010/main" val="3572500862"/>
+      </p:ext>
+    </p:extLst>
+  </p:cSld>
+  <p:clrMapOvr>
+    <a:masterClrMapping/>
+  </p:clrMapOvr>
+</p:sld>
+</file>
+
+<file path=ppt/slides/slide23.xml><?xml version="1.0" encoding="utf-8"?>
+<p:sld xmlns:a="http://schemas.openxmlformats.org/drawingml/2006/main" xmlns:r="http://schemas.openxmlformats.org/officeDocument/2006/relationships" xmlns:p="http://schemas.openxmlformats.org/presentationml/2006/main">
+  <p:cSld>
+    <p:spTree>
+      <p:nvGrpSpPr>
+        <p:cNvPr id="1" name=""/>
+        <p:cNvGrpSpPr/>
+        <p:nvPr/>
+      </p:nvGrpSpPr>
+      <p:grpSpPr>
+        <a:xfrm>
+          <a:off x="0" y="0"/>
+          <a:ext cx="0" cy="0"/>
+          <a:chOff x="0" y="0"/>
+          <a:chExt cx="0" cy="0"/>
+        </a:xfrm>
+      </p:grpSpPr>
+      <p:sp>
+        <p:nvSpPr>
+          <p:cNvPr id="2" name="Title 1"/>
+          <p:cNvSpPr>
+            <a:spLocks noGrp="1"/>
+          </p:cNvSpPr>
+          <p:nvPr>
+            <p:ph type="title"/>
+          </p:nvPr>
+        </p:nvSpPr>
+        <p:spPr/>
+        <p:txBody>
+          <a:bodyPr/>
+          <a:lstStyle/>
+          <a:p>
+            <a:r>
+              <a:rPr lang="hu-HU" dirty="0" smtClean="0"/>
+              <a:t>Version Vectors in Action</a:t>
+            </a:r>
+            <a:endParaRPr lang="hu-HU" dirty="0"/>
+          </a:p>
+        </p:txBody>
+      </p:sp>
+      <p:sp>
+        <p:nvSpPr>
+          <p:cNvPr id="3" name="Content Placeholder 2"/>
+          <p:cNvSpPr>
+            <a:spLocks noGrp="1"/>
+          </p:cNvSpPr>
+          <p:nvPr>
+            <p:ph idx="1"/>
+          </p:nvPr>
+        </p:nvSpPr>
+        <p:spPr/>
+        <p:txBody>
+          <a:bodyPr>
+            <a:normAutofit lnSpcReduction="10000"/>
+          </a:bodyPr>
+          <a:lstStyle/>
+          <a:p>
+            <a:r>
+              <a:rPr lang="hu-HU" dirty="0" smtClean="0"/>
+              <a:t>Representation of a WID set Ws</a:t>
+            </a:r>
+          </a:p>
+          <a:p>
+            <a:pPr lvl="1"/>
+            <a:r>
+              <a:rPr lang="hu-HU" dirty="0" smtClean="0"/>
+              <a:t>V[S] = time of latest WID assigned in Ws (or 0)</a:t>
+            </a:r>
+          </a:p>
+          <a:p>
+            <a:r>
+              <a:rPr lang="hu-HU" b="1" dirty="0" smtClean="0"/>
+              <a:t>Union</a:t>
+            </a:r>
+            <a:r>
+              <a:rPr lang="hu-HU" dirty="0" smtClean="0"/>
+              <a:t> of WID sets Ws1 and Ws2</a:t>
+            </a:r>
+          </a:p>
+          <a:p>
+            <a:pPr lvl="1"/>
+            <a:r>
+              <a:rPr lang="hu-HU" dirty="0" smtClean="0"/>
+              <a:t>V[S] = MAX(V1[S], V2[S]) for all S</a:t>
+            </a:r>
+          </a:p>
+          <a:p>
+            <a:r>
+              <a:rPr lang="hu-HU" dirty="0" smtClean="0"/>
+              <a:t>Check if Ws1 is a </a:t>
+            </a:r>
+            <a:r>
+              <a:rPr lang="hu-HU" b="1" dirty="0" smtClean="0"/>
+              <a:t>subset</a:t>
+            </a:r>
+            <a:r>
+              <a:rPr lang="hu-HU" dirty="0" smtClean="0"/>
+              <a:t> of Ws2</a:t>
+            </a:r>
+          </a:p>
+          <a:p>
+            <a:pPr lvl="1"/>
+            <a:r>
+              <a:rPr lang="hu-HU" dirty="0" smtClean="0"/>
+              <a:t>V2[S] &gt; V1[S] for all S</a:t>
+            </a:r>
+          </a:p>
+          <a:p>
+            <a:r>
+              <a:rPr lang="hu-HU" dirty="0" smtClean="0"/>
+              <a:t>We can use a VV for Writes and Reads</a:t>
+            </a:r>
+          </a:p>
+          <a:p>
+            <a:r>
+              <a:rPr lang="hu-HU" smtClean="0"/>
+              <a:t>To find acceptable servers, we need dominating Version Vectors</a:t>
+            </a:r>
+            <a:endParaRPr lang="hu-HU" dirty="0"/>
+          </a:p>
+        </p:txBody>
+      </p:sp>
+    </p:spTree>
+    <p:extLst>
+      <p:ext uri="{BB962C8B-B14F-4D97-AF65-F5344CB8AC3E}">
+        <p14:creationId xmlns:p14="http://schemas.microsoft.com/office/powerpoint/2010/main" val="2050914982"/>
       </p:ext>
     </p:extLst>
   </p:cSld>

--- a/presentation/slides_daniel.pptx
+++ b/presentation/slides_daniel.pptx
@@ -5,7 +5,7 @@
     <p:sldMasterId id="2147483648" r:id="rId1"/>
   </p:sldMasterIdLst>
   <p:notesMasterIdLst>
-    <p:notesMasterId r:id="rId25"/>
+    <p:notesMasterId r:id="rId27"/>
   </p:notesMasterIdLst>
   <p:sldIdLst>
     <p:sldId id="256" r:id="rId2"/>
@@ -31,6 +31,8 @@
     <p:sldId id="274" r:id="rId22"/>
     <p:sldId id="275" r:id="rId23"/>
     <p:sldId id="280" r:id="rId24"/>
+    <p:sldId id="281" r:id="rId25"/>
+    <p:sldId id="282" r:id="rId26"/>
   </p:sldIdLst>
   <p:sldSz cx="9144000" cy="6858000" type="screen4x3"/>
   <p:notesSz cx="6858000" cy="9144000"/>
@@ -7588,7 +7590,7 @@
           </a:p>
           <a:p>
             <a:r>
-              <a:rPr lang="hu-HU" smtClean="0"/>
+              <a:rPr lang="hu-HU" dirty="0" smtClean="0"/>
               <a:t>To find acceptable servers, we need dominating Version Vectors</a:t>
             </a:r>
             <a:endParaRPr lang="hu-HU" dirty="0"/>
@@ -7599,6 +7601,184 @@
     <p:extLst>
       <p:ext uri="{BB962C8B-B14F-4D97-AF65-F5344CB8AC3E}">
         <p14:creationId xmlns:p14="http://schemas.microsoft.com/office/powerpoint/2010/main" val="2050914982"/>
+      </p:ext>
+    </p:extLst>
+  </p:cSld>
+  <p:clrMapOvr>
+    <a:masterClrMapping/>
+  </p:clrMapOvr>
+</p:sld>
+</file>
+
+<file path=ppt/slides/slide24.xml><?xml version="1.0" encoding="utf-8"?>
+<p:sld xmlns:a="http://schemas.openxmlformats.org/drawingml/2006/main" xmlns:r="http://schemas.openxmlformats.org/officeDocument/2006/relationships" xmlns:p="http://schemas.openxmlformats.org/presentationml/2006/main">
+  <p:cSld>
+    <p:spTree>
+      <p:nvGrpSpPr>
+        <p:cNvPr id="1" name=""/>
+        <p:cNvGrpSpPr/>
+        <p:nvPr/>
+      </p:nvGrpSpPr>
+      <p:grpSpPr>
+        <a:xfrm>
+          <a:off x="0" y="0"/>
+          <a:ext cx="0" cy="0"/>
+          <a:chOff x="0" y="0"/>
+          <a:chExt cx="0" cy="0"/>
+        </a:xfrm>
+      </p:grpSpPr>
+      <p:sp>
+        <p:nvSpPr>
+          <p:cNvPr id="2" name="Title 1"/>
+          <p:cNvSpPr>
+            <a:spLocks noGrp="1"/>
+          </p:cNvSpPr>
+          <p:nvPr>
+            <p:ph type="title"/>
+          </p:nvPr>
+        </p:nvSpPr>
+        <p:spPr/>
+        <p:txBody>
+          <a:bodyPr/>
+          <a:lstStyle/>
+          <a:p>
+            <a:r>
+              <a:rPr lang="hu-HU" dirty="0" smtClean="0"/>
+              <a:t>Additional Improvements</a:t>
+            </a:r>
+            <a:endParaRPr lang="hu-HU" dirty="0"/>
+          </a:p>
+        </p:txBody>
+      </p:sp>
+      <p:sp>
+        <p:nvSpPr>
+          <p:cNvPr id="3" name="Content Placeholder 2"/>
+          <p:cNvSpPr>
+            <a:spLocks noGrp="1"/>
+          </p:cNvSpPr>
+          <p:nvPr>
+            <p:ph idx="1"/>
+          </p:nvPr>
+        </p:nvSpPr>
+        <p:spPr/>
+        <p:txBody>
+          <a:bodyPr/>
+          <a:lstStyle/>
+          <a:p>
+            <a:r>
+              <a:rPr lang="hu-HU" dirty="0" smtClean="0"/>
+              <a:t>Finding a suitable server can be simplified by using the previously contacted server</a:t>
+            </a:r>
+          </a:p>
+          <a:p>
+            <a:r>
+              <a:rPr lang="hu-HU" dirty="0" smtClean="0"/>
+              <a:t>Checks only need to happen when switching servers</a:t>
+            </a:r>
+          </a:p>
+          <a:p>
+            <a:r>
+              <a:rPr lang="hu-HU" dirty="0" smtClean="0"/>
+              <a:t>Session Manager can cache Version Vectors of verious servers</a:t>
+            </a:r>
+          </a:p>
+          <a:p>
+            <a:r>
+              <a:rPr lang="hu-HU" dirty="0" smtClean="0"/>
+              <a:t>Data can also be cached at clients to improve overall performance</a:t>
+            </a:r>
+            <a:endParaRPr lang="hu-HU" dirty="0"/>
+          </a:p>
+        </p:txBody>
+      </p:sp>
+    </p:spTree>
+    <p:extLst>
+      <p:ext uri="{BB962C8B-B14F-4D97-AF65-F5344CB8AC3E}">
+        <p14:creationId xmlns:p14="http://schemas.microsoft.com/office/powerpoint/2010/main" val="4008794631"/>
+      </p:ext>
+    </p:extLst>
+  </p:cSld>
+  <p:clrMapOvr>
+    <a:masterClrMapping/>
+  </p:clrMapOvr>
+</p:sld>
+</file>
+
+<file path=ppt/slides/slide25.xml><?xml version="1.0" encoding="utf-8"?>
+<p:sld xmlns:a="http://schemas.openxmlformats.org/drawingml/2006/main" xmlns:r="http://schemas.openxmlformats.org/officeDocument/2006/relationships" xmlns:p="http://schemas.openxmlformats.org/presentationml/2006/main">
+  <p:cSld>
+    <p:spTree>
+      <p:nvGrpSpPr>
+        <p:cNvPr id="1" name=""/>
+        <p:cNvGrpSpPr/>
+        <p:nvPr/>
+      </p:nvGrpSpPr>
+      <p:grpSpPr>
+        <a:xfrm>
+          <a:off x="0" y="0"/>
+          <a:ext cx="0" cy="0"/>
+          <a:chOff x="0" y="0"/>
+          <a:chExt cx="0" cy="0"/>
+        </a:xfrm>
+      </p:grpSpPr>
+      <p:sp>
+        <p:nvSpPr>
+          <p:cNvPr id="2" name="Title 1"/>
+          <p:cNvSpPr>
+            <a:spLocks noGrp="1"/>
+          </p:cNvSpPr>
+          <p:nvPr>
+            <p:ph type="title"/>
+          </p:nvPr>
+        </p:nvSpPr>
+        <p:spPr/>
+        <p:txBody>
+          <a:bodyPr>
+            <a:normAutofit fontScale="90000"/>
+          </a:bodyPr>
+          <a:lstStyle/>
+          <a:p>
+            <a:r>
+              <a:rPr lang="hu-HU" dirty="0" smtClean="0"/>
+              <a:t>Adding guarantees to existing systems</a:t>
+            </a:r>
+            <a:endParaRPr lang="hu-HU" dirty="0"/>
+          </a:p>
+        </p:txBody>
+      </p:sp>
+      <p:sp>
+        <p:nvSpPr>
+          <p:cNvPr id="3" name="Content Placeholder 2"/>
+          <p:cNvSpPr>
+            <a:spLocks noGrp="1"/>
+          </p:cNvSpPr>
+          <p:nvPr>
+            <p:ph idx="1"/>
+          </p:nvPr>
+        </p:nvSpPr>
+        <p:spPr/>
+        <p:txBody>
+          <a:bodyPr/>
+          <a:lstStyle/>
+          <a:p>
+            <a:r>
+              <a:rPr lang="hu-HU" b="1" dirty="0" smtClean="0"/>
+              <a:t>Coda</a:t>
+            </a:r>
+            <a:r>
+              <a:rPr lang="hu-HU" dirty="0" smtClean="0"/>
+              <a:t>, Ficus, refdbms</a:t>
+            </a:r>
+          </a:p>
+          <a:p>
+            <a:endParaRPr lang="hu-HU" dirty="0"/>
+          </a:p>
+        </p:txBody>
+      </p:sp>
+    </p:spTree>
+    <p:extLst>
+      <p:ext uri="{BB962C8B-B14F-4D97-AF65-F5344CB8AC3E}">
+        <p14:creationId xmlns:p14="http://schemas.microsoft.com/office/powerpoint/2010/main" val="2413282478"/>
       </p:ext>
     </p:extLst>
   </p:cSld>

--- a/presentation/slides_daniel.pptx
+++ b/presentation/slides_daniel.pptx
@@ -5,7 +5,7 @@
     <p:sldMasterId id="2147483648" r:id="rId1"/>
   </p:sldMasterIdLst>
   <p:notesMasterIdLst>
-    <p:notesMasterId r:id="rId27"/>
+    <p:notesMasterId r:id="rId31"/>
   </p:notesMasterIdLst>
   <p:sldIdLst>
     <p:sldId id="256" r:id="rId2"/>
@@ -19,20 +19,24 @@
     <p:sldId id="262" r:id="rId10"/>
     <p:sldId id="279" r:id="rId11"/>
     <p:sldId id="263" r:id="rId12"/>
-    <p:sldId id="264" r:id="rId13"/>
-    <p:sldId id="265" r:id="rId14"/>
-    <p:sldId id="267" r:id="rId15"/>
-    <p:sldId id="268" r:id="rId16"/>
-    <p:sldId id="269" r:id="rId17"/>
-    <p:sldId id="270" r:id="rId18"/>
-    <p:sldId id="271" r:id="rId19"/>
-    <p:sldId id="272" r:id="rId20"/>
-    <p:sldId id="273" r:id="rId21"/>
-    <p:sldId id="274" r:id="rId22"/>
-    <p:sldId id="275" r:id="rId23"/>
-    <p:sldId id="280" r:id="rId24"/>
-    <p:sldId id="281" r:id="rId25"/>
-    <p:sldId id="282" r:id="rId26"/>
+    <p:sldId id="283" r:id="rId13"/>
+    <p:sldId id="264" r:id="rId14"/>
+    <p:sldId id="284" r:id="rId15"/>
+    <p:sldId id="265" r:id="rId16"/>
+    <p:sldId id="285" r:id="rId17"/>
+    <p:sldId id="267" r:id="rId18"/>
+    <p:sldId id="268" r:id="rId19"/>
+    <p:sldId id="269" r:id="rId20"/>
+    <p:sldId id="270" r:id="rId21"/>
+    <p:sldId id="271" r:id="rId22"/>
+    <p:sldId id="272" r:id="rId23"/>
+    <p:sldId id="273" r:id="rId24"/>
+    <p:sldId id="274" r:id="rId25"/>
+    <p:sldId id="275" r:id="rId26"/>
+    <p:sldId id="280" r:id="rId27"/>
+    <p:sldId id="281" r:id="rId28"/>
+    <p:sldId id="282" r:id="rId29"/>
+    <p:sldId id="286" r:id="rId30"/>
   </p:sldIdLst>
   <p:sldSz cx="9144000" cy="6858000" type="screen4x3"/>
   <p:notesSz cx="6858000" cy="9144000"/>
@@ -131,6 +135,22 @@
       </a:defRPr>
     </a:lvl9pPr>
   </p:defaultTextStyle>
+  <p:extLst>
+    <p:ext uri="{EFAFB233-063F-42B5-8137-9DF3F51BA10A}">
+      <p15:sldGuideLst xmlns:p15="http://schemas.microsoft.com/office/powerpoint/2012/main">
+        <p15:guide id="1" orient="horz" pos="2160">
+          <p15:clr>
+            <a:srgbClr val="A4A3A4"/>
+          </p15:clr>
+        </p15:guide>
+        <p15:guide id="2" pos="2880">
+          <p15:clr>
+            <a:srgbClr val="A4A3A4"/>
+          </p15:clr>
+        </p15:guide>
+      </p15:sldGuideLst>
+    </p:ext>
+  </p:extLst>
 </p:presentation>
 </file>
 
@@ -1101,7 +1121,7 @@
           <a:p>
             <a:fld id="{6FCE4710-B9E6-4347-9620-E393725614A0}" type="slidenum">
               <a:rPr lang="hu-HU" smtClean="0"/>
-              <a:t>13</a:t>
+              <a:t>15</a:t>
             </a:fld>
             <a:endParaRPr lang="hu-HU"/>
           </a:p>
@@ -1189,7 +1209,7 @@
           <a:p>
             <a:fld id="{6FCE4710-B9E6-4347-9620-E393725614A0}" type="slidenum">
               <a:rPr lang="hu-HU" smtClean="0"/>
-              <a:t>14</a:t>
+              <a:t>17</a:t>
             </a:fld>
             <a:endParaRPr lang="hu-HU"/>
           </a:p>
@@ -1199,6 +1219,108 @@
     <p:extLst>
       <p:ext uri="{BB962C8B-B14F-4D97-AF65-F5344CB8AC3E}">
         <p14:creationId xmlns:p14="http://schemas.microsoft.com/office/powerpoint/2010/main" val="4192160804"/>
+      </p:ext>
+    </p:extLst>
+  </p:cSld>
+  <p:clrMapOvr>
+    <a:masterClrMapping/>
+  </p:clrMapOvr>
+</p:notes>
+</file>
+
+<file path=ppt/notesSlides/notesSlide8.xml><?xml version="1.0" encoding="utf-8"?>
+<p:notes xmlns:a="http://schemas.openxmlformats.org/drawingml/2006/main" xmlns:r="http://schemas.openxmlformats.org/officeDocument/2006/relationships" xmlns:p="http://schemas.openxmlformats.org/presentationml/2006/main">
+  <p:cSld>
+    <p:spTree>
+      <p:nvGrpSpPr>
+        <p:cNvPr id="1" name=""/>
+        <p:cNvGrpSpPr/>
+        <p:nvPr/>
+      </p:nvGrpSpPr>
+      <p:grpSpPr>
+        <a:xfrm>
+          <a:off x="0" y="0"/>
+          <a:ext cx="0" cy="0"/>
+          <a:chOff x="0" y="0"/>
+          <a:chExt cx="0" cy="0"/>
+        </a:xfrm>
+      </p:grpSpPr>
+      <p:sp>
+        <p:nvSpPr>
+          <p:cNvPr id="2" name="Slide Image Placeholder 1"/>
+          <p:cNvSpPr>
+            <a:spLocks noGrp="1" noRot="1" noChangeAspect="1"/>
+          </p:cNvSpPr>
+          <p:nvPr>
+            <p:ph type="sldImg"/>
+          </p:nvPr>
+        </p:nvSpPr>
+        <p:spPr/>
+      </p:sp>
+      <p:sp>
+        <p:nvSpPr>
+          <p:cNvPr id="3" name="Notes Placeholder 2"/>
+          <p:cNvSpPr>
+            <a:spLocks noGrp="1"/>
+          </p:cNvSpPr>
+          <p:nvPr>
+            <p:ph type="body" idx="1"/>
+          </p:nvPr>
+        </p:nvSpPr>
+        <p:spPr/>
+        <p:txBody>
+          <a:bodyPr/>
+          <a:lstStyle/>
+          <a:p>
+            <a:r>
+              <a:rPr lang="en-US" dirty="0" smtClean="0"/>
+              <a:t>Strict=that the </a:t>
+            </a:r>
+            <a:r>
+              <a:rPr lang="en-US" dirty="0" err="1" smtClean="0"/>
+              <a:t>mostrecent</a:t>
+            </a:r>
+            <a:r>
+              <a:rPr lang="en-US" dirty="0" smtClean="0"/>
+              <a:t> version of a file existing in the system is returned.</a:t>
+            </a:r>
+          </a:p>
+          <a:p>
+            <a:r>
+              <a:rPr lang="en-US" dirty="0" smtClean="0"/>
+              <a:t>Loose=weakly consistent semantics where any available copy is returned.</a:t>
+            </a:r>
+            <a:endParaRPr lang="en-US" dirty="0"/>
+          </a:p>
+        </p:txBody>
+      </p:sp>
+      <p:sp>
+        <p:nvSpPr>
+          <p:cNvPr id="4" name="Slide Number Placeholder 3"/>
+          <p:cNvSpPr>
+            <a:spLocks noGrp="1"/>
+          </p:cNvSpPr>
+          <p:nvPr>
+            <p:ph type="sldNum" sz="quarter" idx="10"/>
+          </p:nvPr>
+        </p:nvSpPr>
+        <p:spPr/>
+        <p:txBody>
+          <a:bodyPr/>
+          <a:lstStyle/>
+          <a:p>
+            <a:fld id="{6FCE4710-B9E6-4347-9620-E393725614A0}" type="slidenum">
+              <a:rPr lang="hu-HU" smtClean="0"/>
+              <a:t>29</a:t>
+            </a:fld>
+            <a:endParaRPr lang="hu-HU"/>
+          </a:p>
+        </p:txBody>
+      </p:sp>
+    </p:spTree>
+    <p:extLst>
+      <p:ext uri="{BB962C8B-B14F-4D97-AF65-F5344CB8AC3E}">
+        <p14:creationId xmlns:p14="http://schemas.microsoft.com/office/powerpoint/2010/main" val="507319262"/>
       </p:ext>
     </p:extLst>
   </p:cSld>
@@ -4446,11 +4568,7 @@
             <a:pPr algn="l"/>
             <a:r>
               <a:rPr lang="hu-HU" sz="2400" dirty="0" smtClean="0"/>
-              <a:t>Seçkin Savaşç</a:t>
-            </a:r>
-            <a:r>
-              <a:rPr lang="hu-HU" sz="2400" dirty="0" smtClean="0"/>
-              <a:t>ı</a:t>
+              <a:t>Seçkin Savaşçı</a:t>
             </a:r>
             <a:endParaRPr lang="hu-HU" sz="2400" dirty="0"/>
           </a:p>
@@ -4548,42 +4666,456 @@
             <p:ph type="title"/>
           </p:nvPr>
         </p:nvSpPr>
-        <p:spPr/>
+        <p:spPr>
+          <a:xfrm>
+            <a:off x="457200" y="240132"/>
+            <a:ext cx="8229600" cy="1143000"/>
+          </a:xfrm>
+        </p:spPr>
         <p:txBody>
           <a:bodyPr/>
           <a:lstStyle/>
           <a:p>
             <a:r>
-              <a:rPr lang="hu-HU" dirty="0" smtClean="0"/>
-              <a:t>Guarantees</a:t>
+              <a:rPr lang="hu-HU" dirty="0"/>
+              <a:t>1 – Read Your Writes</a:t>
             </a:r>
             <a:endParaRPr lang="hu-HU" dirty="0"/>
           </a:p>
         </p:txBody>
       </p:sp>
-      <p:sp>
-        <p:nvSpPr>
-          <p:cNvPr id="3" name="Content Placeholder 2"/>
-          <p:cNvSpPr>
-            <a:spLocks noGrp="1"/>
-          </p:cNvSpPr>
-          <p:nvPr>
-            <p:ph idx="1"/>
-          </p:nvPr>
-        </p:nvSpPr>
-        <p:spPr/>
-        <p:txBody>
-          <a:bodyPr/>
-          <a:lstStyle/>
-          <a:p>
-            <a:r>
-              <a:rPr lang="hu-HU" dirty="0" smtClean="0"/>
-              <a:t>TODO: visualization for each guarantee (1 slide before each guarantee)</a:t>
-            </a:r>
-            <a:endParaRPr lang="hu-HU" dirty="0"/>
-          </a:p>
-        </p:txBody>
-      </p:sp>
+      <p:grpSp>
+        <p:nvGrpSpPr>
+          <p:cNvPr id="27" name="Group 26"/>
+          <p:cNvGrpSpPr/>
+          <p:nvPr/>
+        </p:nvGrpSpPr>
+        <p:grpSpPr>
+          <a:xfrm>
+            <a:off x="467544" y="1455167"/>
+            <a:ext cx="8254765" cy="5214194"/>
+            <a:chOff x="781731" y="1455167"/>
+            <a:chExt cx="8254765" cy="5214194"/>
+          </a:xfrm>
+        </p:grpSpPr>
+        <p:grpSp>
+          <p:nvGrpSpPr>
+            <p:cNvPr id="26" name="Group 25"/>
+            <p:cNvGrpSpPr/>
+            <p:nvPr/>
+          </p:nvGrpSpPr>
+          <p:grpSpPr>
+            <a:xfrm>
+              <a:off x="781731" y="1455167"/>
+              <a:ext cx="7986848" cy="4134073"/>
+              <a:chOff x="781731" y="1455167"/>
+              <a:chExt cx="7986848" cy="4134073"/>
+            </a:xfrm>
+          </p:grpSpPr>
+          <p:sp>
+            <p:nvSpPr>
+              <p:cNvPr id="6" name="TextBox 5"/>
+              <p:cNvSpPr txBox="1"/>
+              <p:nvPr/>
+            </p:nvSpPr>
+            <p:spPr>
+              <a:xfrm>
+                <a:off x="7524328" y="1455167"/>
+                <a:ext cx="1244251" cy="523220"/>
+              </a:xfrm>
+              <a:prstGeom prst="rect">
+                <a:avLst/>
+              </a:prstGeom>
+              <a:noFill/>
+            </p:spPr>
+            <p:txBody>
+              <a:bodyPr wrap="none" rtlCol="0">
+                <a:spAutoFit/>
+              </a:bodyPr>
+              <a:lstStyle/>
+              <a:p>
+                <a:r>
+                  <a:rPr lang="en-US" sz="2800" dirty="0" smtClean="0"/>
+                  <a:t>Time(t)</a:t>
+                </a:r>
+                <a:endParaRPr lang="en-US" sz="2800" dirty="0"/>
+              </a:p>
+            </p:txBody>
+          </p:sp>
+          <p:grpSp>
+            <p:nvGrpSpPr>
+              <p:cNvPr id="23" name="Group 22"/>
+              <p:cNvGrpSpPr/>
+              <p:nvPr/>
+            </p:nvGrpSpPr>
+            <p:grpSpPr>
+              <a:xfrm>
+                <a:off x="781731" y="1484784"/>
+                <a:ext cx="7931224" cy="4104456"/>
+                <a:chOff x="781731" y="1484784"/>
+                <a:chExt cx="7931224" cy="4104456"/>
+              </a:xfrm>
+            </p:grpSpPr>
+            <p:sp>
+              <p:nvSpPr>
+                <p:cNvPr id="5" name="Right Arrow 4"/>
+                <p:cNvSpPr/>
+                <p:nvPr/>
+              </p:nvSpPr>
+              <p:spPr>
+                <a:xfrm>
+                  <a:off x="781731" y="1916832"/>
+                  <a:ext cx="7931224" cy="288032"/>
+                </a:xfrm>
+                <a:prstGeom prst="rightArrow">
+                  <a:avLst/>
+                </a:prstGeom>
+              </p:spPr>
+              <p:style>
+                <a:lnRef idx="2">
+                  <a:schemeClr val="accent1">
+                    <a:shade val="50000"/>
+                  </a:schemeClr>
+                </a:lnRef>
+                <a:fillRef idx="1">
+                  <a:schemeClr val="accent1"/>
+                </a:fillRef>
+                <a:effectRef idx="0">
+                  <a:schemeClr val="accent1"/>
+                </a:effectRef>
+                <a:fontRef idx="minor">
+                  <a:schemeClr val="lt1"/>
+                </a:fontRef>
+              </p:style>
+              <p:txBody>
+                <a:bodyPr rtlCol="0" anchor="ctr"/>
+                <a:lstStyle/>
+                <a:p>
+                  <a:pPr algn="ctr"/>
+                  <a:endParaRPr lang="en-US"/>
+                </a:p>
+              </p:txBody>
+            </p:sp>
+            <p:cxnSp>
+              <p:nvCxnSpPr>
+                <p:cNvPr id="10" name="Straight Arrow Connector 9"/>
+                <p:cNvCxnSpPr/>
+                <p:nvPr/>
+              </p:nvCxnSpPr>
+              <p:spPr>
+                <a:xfrm flipV="1">
+                  <a:off x="2082552" y="2159641"/>
+                  <a:ext cx="0" cy="1125343"/>
+                </a:xfrm>
+                <a:prstGeom prst="straightConnector1">
+                  <a:avLst/>
+                </a:prstGeom>
+                <a:ln>
+                  <a:tailEnd type="triangle"/>
+                </a:ln>
+              </p:spPr>
+              <p:style>
+                <a:lnRef idx="3">
+                  <a:schemeClr val="dk1"/>
+                </a:lnRef>
+                <a:fillRef idx="0">
+                  <a:schemeClr val="dk1"/>
+                </a:fillRef>
+                <a:effectRef idx="2">
+                  <a:schemeClr val="dk1"/>
+                </a:effectRef>
+                <a:fontRef idx="minor">
+                  <a:schemeClr val="tx1"/>
+                </a:fontRef>
+              </p:style>
+            </p:cxnSp>
+            <p:sp>
+              <p:nvSpPr>
+                <p:cNvPr id="13" name="TextBox 12"/>
+                <p:cNvSpPr txBox="1"/>
+                <p:nvPr/>
+              </p:nvSpPr>
+              <p:spPr>
+                <a:xfrm>
+                  <a:off x="1780110" y="1484784"/>
+                  <a:ext cx="487634" cy="523220"/>
+                </a:xfrm>
+                <a:prstGeom prst="rect">
+                  <a:avLst/>
+                </a:prstGeom>
+                <a:noFill/>
+              </p:spPr>
+              <p:txBody>
+                <a:bodyPr wrap="none" rtlCol="0">
+                  <a:spAutoFit/>
+                </a:bodyPr>
+                <a:lstStyle/>
+                <a:p>
+                  <a:r>
+                    <a:rPr lang="en-US" sz="2800" dirty="0" smtClean="0"/>
+                    <a:t>t1</a:t>
+                  </a:r>
+                  <a:endParaRPr lang="en-US" sz="2800" dirty="0"/>
+                </a:p>
+              </p:txBody>
+            </p:sp>
+            <p:sp>
+              <p:nvSpPr>
+                <p:cNvPr id="14" name="Rounded Rectangle 13"/>
+                <p:cNvSpPr/>
+                <p:nvPr/>
+              </p:nvSpPr>
+              <p:spPr>
+                <a:xfrm>
+                  <a:off x="925747" y="3284984"/>
+                  <a:ext cx="2227571" cy="2304256"/>
+                </a:xfrm>
+                <a:prstGeom prst="roundRect">
+                  <a:avLst/>
+                </a:prstGeom>
+                <a:solidFill>
+                  <a:schemeClr val="accent4">
+                    <a:lumMod val="75000"/>
+                  </a:schemeClr>
+                </a:solidFill>
+              </p:spPr>
+              <p:style>
+                <a:lnRef idx="2">
+                  <a:schemeClr val="accent1">
+                    <a:shade val="50000"/>
+                  </a:schemeClr>
+                </a:lnRef>
+                <a:fillRef idx="1">
+                  <a:schemeClr val="accent1"/>
+                </a:fillRef>
+                <a:effectRef idx="0">
+                  <a:schemeClr val="accent1"/>
+                </a:effectRef>
+                <a:fontRef idx="minor">
+                  <a:schemeClr val="lt1"/>
+                </a:fontRef>
+              </p:style>
+              <p:txBody>
+                <a:bodyPr rtlCol="0" anchor="ctr"/>
+                <a:lstStyle/>
+                <a:p>
+                  <a:pPr algn="ctr"/>
+                  <a:r>
+                    <a:rPr lang="en-US" sz="2800" dirty="0" smtClean="0"/>
+                    <a:t>User A: Write Data. </a:t>
+                  </a:r>
+                </a:p>
+                <a:p>
+                  <a:pPr algn="ctr"/>
+                  <a:r>
+                    <a:rPr lang="en-US" sz="2800" dirty="0" smtClean="0"/>
+                    <a:t>(W1)</a:t>
+                  </a:r>
+                  <a:endParaRPr lang="en-US" sz="2800" dirty="0"/>
+                </a:p>
+              </p:txBody>
+            </p:sp>
+          </p:grpSp>
+        </p:grpSp>
+        <p:grpSp>
+          <p:nvGrpSpPr>
+            <p:cNvPr id="25" name="Group 24"/>
+            <p:cNvGrpSpPr/>
+            <p:nvPr/>
+          </p:nvGrpSpPr>
+          <p:grpSpPr>
+            <a:xfrm>
+              <a:off x="5868144" y="1465620"/>
+              <a:ext cx="2592288" cy="3043500"/>
+              <a:chOff x="5868144" y="1465620"/>
+              <a:chExt cx="2592288" cy="3043500"/>
+            </a:xfrm>
+          </p:grpSpPr>
+          <p:cxnSp>
+            <p:nvCxnSpPr>
+              <p:cNvPr id="18" name="Straight Arrow Connector 17"/>
+              <p:cNvCxnSpPr/>
+              <p:nvPr/>
+            </p:nvCxnSpPr>
+            <p:spPr>
+              <a:xfrm flipV="1">
+                <a:off x="7164288" y="2144068"/>
+                <a:ext cx="0" cy="1125343"/>
+              </a:xfrm>
+              <a:prstGeom prst="straightConnector1">
+                <a:avLst/>
+              </a:prstGeom>
+              <a:ln>
+                <a:tailEnd type="triangle"/>
+              </a:ln>
+            </p:spPr>
+            <p:style>
+              <a:lnRef idx="3">
+                <a:schemeClr val="dk1"/>
+              </a:lnRef>
+              <a:fillRef idx="0">
+                <a:schemeClr val="dk1"/>
+              </a:fillRef>
+              <a:effectRef idx="2">
+                <a:schemeClr val="dk1"/>
+              </a:effectRef>
+              <a:fontRef idx="minor">
+                <a:schemeClr val="tx1"/>
+              </a:fontRef>
+            </p:style>
+          </p:cxnSp>
+          <p:sp>
+            <p:nvSpPr>
+              <p:cNvPr id="19" name="Rounded Rectangle 18"/>
+              <p:cNvSpPr/>
+              <p:nvPr/>
+            </p:nvSpPr>
+            <p:spPr>
+              <a:xfrm>
+                <a:off x="5868144" y="3269411"/>
+                <a:ext cx="2592288" cy="1239709"/>
+              </a:xfrm>
+              <a:prstGeom prst="roundRect">
+                <a:avLst/>
+              </a:prstGeom>
+              <a:solidFill>
+                <a:schemeClr val="accent4">
+                  <a:lumMod val="75000"/>
+                </a:schemeClr>
+              </a:solidFill>
+            </p:spPr>
+            <p:style>
+              <a:lnRef idx="2">
+                <a:schemeClr val="accent1">
+                  <a:shade val="50000"/>
+                </a:schemeClr>
+              </a:lnRef>
+              <a:fillRef idx="1">
+                <a:schemeClr val="accent1"/>
+              </a:fillRef>
+              <a:effectRef idx="0">
+                <a:schemeClr val="accent1"/>
+              </a:effectRef>
+              <a:fontRef idx="minor">
+                <a:schemeClr val="lt1"/>
+              </a:fontRef>
+            </p:style>
+            <p:txBody>
+              <a:bodyPr rtlCol="0" anchor="ctr"/>
+              <a:lstStyle/>
+              <a:p>
+                <a:pPr algn="ctr"/>
+                <a:r>
+                  <a:rPr lang="en-US" sz="2800" dirty="0" smtClean="0"/>
+                  <a:t>User A: Read Data. </a:t>
+                </a:r>
+              </a:p>
+              <a:p>
+                <a:pPr algn="ctr"/>
+                <a:r>
+                  <a:rPr lang="en-US" sz="2800" dirty="0" smtClean="0"/>
+                  <a:t>(R)</a:t>
+                </a:r>
+              </a:p>
+            </p:txBody>
+          </p:sp>
+          <p:sp>
+            <p:nvSpPr>
+              <p:cNvPr id="20" name="TextBox 19"/>
+              <p:cNvSpPr txBox="1"/>
+              <p:nvPr/>
+            </p:nvSpPr>
+            <p:spPr>
+              <a:xfrm>
+                <a:off x="6892678" y="1465620"/>
+                <a:ext cx="487634" cy="523220"/>
+              </a:xfrm>
+              <a:prstGeom prst="rect">
+                <a:avLst/>
+              </a:prstGeom>
+              <a:noFill/>
+            </p:spPr>
+            <p:txBody>
+              <a:bodyPr wrap="none" rtlCol="0">
+                <a:spAutoFit/>
+              </a:bodyPr>
+              <a:lstStyle/>
+              <a:p>
+                <a:r>
+                  <a:rPr lang="en-US" sz="2800" dirty="0" smtClean="0"/>
+                  <a:t>t2</a:t>
+                </a:r>
+                <a:endParaRPr lang="en-US" sz="2800" dirty="0"/>
+              </a:p>
+            </p:txBody>
+          </p:sp>
+        </p:grpSp>
+        <p:sp>
+          <p:nvSpPr>
+            <p:cNvPr id="21" name="Rounded Rectangle 20"/>
+            <p:cNvSpPr/>
+            <p:nvPr/>
+          </p:nvSpPr>
+          <p:spPr>
+            <a:xfrm>
+              <a:off x="5148064" y="4653136"/>
+              <a:ext cx="3888432" cy="2016225"/>
+            </a:xfrm>
+            <a:prstGeom prst="roundRect">
+              <a:avLst/>
+            </a:prstGeom>
+            <a:solidFill>
+              <a:schemeClr val="accent3">
+                <a:lumMod val="75000"/>
+              </a:schemeClr>
+            </a:solidFill>
+          </p:spPr>
+          <p:style>
+            <a:lnRef idx="2">
+              <a:schemeClr val="accent1">
+                <a:shade val="50000"/>
+              </a:schemeClr>
+            </a:lnRef>
+            <a:fillRef idx="1">
+              <a:schemeClr val="accent1"/>
+            </a:fillRef>
+            <a:effectRef idx="0">
+              <a:schemeClr val="accent1"/>
+            </a:effectRef>
+            <a:fontRef idx="minor">
+              <a:schemeClr val="lt1"/>
+            </a:fontRef>
+          </p:style>
+          <p:txBody>
+            <a:bodyPr rtlCol="0" anchor="ctr"/>
+            <a:lstStyle/>
+            <a:p>
+              <a:pPr algn="ctr"/>
+              <a:r>
+                <a:rPr lang="en-US" sz="2800" dirty="0" smtClean="0"/>
+                <a:t>If Read </a:t>
+              </a:r>
+              <a:r>
+                <a:rPr lang="en-US" sz="2800" dirty="0"/>
+                <a:t>contains: {</a:t>
+              </a:r>
+              <a:r>
+                <a:rPr lang="en-US" sz="2800" dirty="0" smtClean="0"/>
+                <a:t>W1}</a:t>
+              </a:r>
+              <a:endParaRPr lang="en-US" sz="2800" dirty="0"/>
+            </a:p>
+            <a:p>
+              <a:pPr algn="ctr"/>
+              <a:r>
+                <a:rPr lang="en-US" sz="2800" dirty="0" smtClean="0"/>
+                <a:t>This implies the Read Your Write Guarantee</a:t>
+              </a:r>
+              <a:endParaRPr lang="en-US" sz="2800" dirty="0"/>
+            </a:p>
+          </p:txBody>
+        </p:sp>
+      </p:grpSp>
     </p:spTree>
     <p:extLst>
       <p:ext uri="{BB962C8B-B14F-4D97-AF65-F5344CB8AC3E}">
@@ -4594,6 +5126,13 @@
   <p:clrMapOvr>
     <a:masterClrMapping/>
   </p:clrMapOvr>
+  <p:timing>
+    <p:tnLst>
+      <p:par>
+        <p:cTn id="1" dur="indefinite" restart="never" nodeType="tmRoot"/>
+      </p:par>
+    </p:tnLst>
+  </p:timing>
 </p:sld>
 </file>
 
@@ -4647,29 +5186,36 @@
             <p:ph idx="1"/>
           </p:nvPr>
         </p:nvSpPr>
-        <p:spPr/>
-        <p:txBody>
-          <a:bodyPr/>
+        <p:spPr>
+          <a:xfrm>
+            <a:off x="179512" y="1417638"/>
+            <a:ext cx="8784976" cy="5251722"/>
+          </a:xfrm>
+        </p:spPr>
+        <p:txBody>
+          <a:bodyPr>
+            <a:normAutofit fontScale="92500" lnSpcReduction="10000"/>
+          </a:bodyPr>
           <a:lstStyle/>
           <a:p>
             <a:r>
               <a:rPr lang="hu-HU" dirty="0" smtClean="0"/>
-              <a:t>The </a:t>
-            </a:r>
-            <a:r>
-              <a:rPr lang="hu-HU" dirty="0" smtClean="0"/>
-              <a:t>effects </a:t>
-            </a:r>
-            <a:r>
-              <a:rPr lang="hu-HU" dirty="0" smtClean="0"/>
-              <a:t>of any write made within a session are visible to reads within that session</a:t>
-            </a:r>
-          </a:p>
-          <a:p>
-            <a:r>
-              <a:rPr lang="hu-HU" dirty="0" smtClean="0"/>
-              <a:t>If Read R follows Write W in a session and R is performed at server S at time t, then W is included in DB(S, t)</a:t>
-            </a:r>
+              <a:t>The effects of any write made within a session are visible to reads within that session</a:t>
+            </a:r>
+          </a:p>
+          <a:p>
+            <a:r>
+              <a:rPr lang="hu-HU" dirty="0" smtClean="0"/>
+              <a:t>If Read R follows Write W in a session and R is performed at server S at time t, then W is included in DB(S, t</a:t>
+            </a:r>
+            <a:r>
+              <a:rPr lang="hu-HU" dirty="0" smtClean="0"/>
+              <a:t>)</a:t>
+            </a:r>
+            <a:endParaRPr lang="en-US" dirty="0" smtClean="0"/>
+          </a:p>
+          <a:p>
+            <a:endParaRPr lang="hu-HU" dirty="0" smtClean="0"/>
           </a:p>
           <a:p>
             <a:r>
@@ -4677,14 +5223,34 @@
               <a:t>Example </a:t>
             </a:r>
             <a:r>
-              <a:rPr lang="hu-HU" dirty="0" smtClean="0"/>
-              <a:t>– </a:t>
-            </a:r>
-            <a:r>
-              <a:rPr lang="hu-HU" dirty="0" smtClean="0"/>
-              <a:t>changing a password and not being able to log in</a:t>
-            </a:r>
-            <a:endParaRPr lang="hu-HU" dirty="0"/>
+              <a:rPr lang="en-US" dirty="0"/>
+              <a:t/>
+            </a:r>
+            <a:br>
+              <a:rPr lang="en-US" dirty="0"/>
+            </a:br>
+            <a:r>
+              <a:rPr lang="en-US" sz="3000" dirty="0" smtClean="0"/>
+              <a:t>- User change a password in a weakly consistent system.</a:t>
+            </a:r>
+            <a:r>
+              <a:rPr lang="en-US" sz="3000" b="1" dirty="0" smtClean="0"/>
+              <a:t/>
+            </a:r>
+            <a:br>
+              <a:rPr lang="en-US" sz="3000" b="1" dirty="0" smtClean="0"/>
+            </a:br>
+            <a:r>
+              <a:rPr lang="en-US" sz="3000" dirty="0" smtClean="0"/>
+              <a:t>- Read Your Writes ensure application read the latest password, next time.</a:t>
+            </a:r>
+            <a:br>
+              <a:rPr lang="en-US" sz="3000" dirty="0" smtClean="0"/>
+            </a:br>
+            <a:r>
+              <a:rPr lang="en-US" sz="3000" dirty="0" smtClean="0"/>
+              <a:t>- User will not get a login failure. </a:t>
+            </a:r>
           </a:p>
         </p:txBody>
       </p:sp>
@@ -4698,6 +5264,13 @@
   <p:clrMapOvr>
     <a:masterClrMapping/>
   </p:clrMapOvr>
+  <p:timing>
+    <p:tnLst>
+      <p:par>
+        <p:cTn id="1" dur="indefinite" restart="never" nodeType="tmRoot"/>
+      </p:par>
+    </p:tnLst>
+  </p:timing>
 </p:sld>
 </file>
 
@@ -4728,174 +5301,701 @@
             <p:ph type="title"/>
           </p:nvPr>
         </p:nvSpPr>
-        <p:spPr/>
+        <p:spPr>
+          <a:xfrm>
+            <a:off x="457200" y="240132"/>
+            <a:ext cx="8229600" cy="1143000"/>
+          </a:xfrm>
+        </p:spPr>
         <p:txBody>
           <a:bodyPr/>
           <a:lstStyle/>
           <a:p>
             <a:r>
-              <a:rPr lang="hu-HU" dirty="0" smtClean="0"/>
+              <a:rPr lang="hu-HU" dirty="0"/>
               <a:t>2 – Monotonic Reads</a:t>
             </a:r>
             <a:endParaRPr lang="hu-HU" dirty="0"/>
           </a:p>
         </p:txBody>
       </p:sp>
-      <p:sp>
-        <p:nvSpPr>
-          <p:cNvPr id="3" name="Content Placeholder 2"/>
-          <p:cNvSpPr>
-            <a:spLocks noGrp="1"/>
-          </p:cNvSpPr>
-          <p:nvPr>
-            <p:ph idx="1"/>
-          </p:nvPr>
-        </p:nvSpPr>
-        <p:spPr/>
-        <p:txBody>
-          <a:bodyPr>
-            <a:normAutofit/>
-          </a:bodyPr>
-          <a:lstStyle/>
-          <a:p>
-            <a:r>
-              <a:rPr lang="hu-HU" dirty="0" smtClean="0"/>
-              <a:t>Users observe a database that is increasingly up-to-date over time</a:t>
-            </a:r>
-          </a:p>
-          <a:p>
-            <a:r>
-              <a:rPr lang="hu-HU" dirty="0" smtClean="0"/>
-              <a:t>If Read R</a:t>
-            </a:r>
-            <a:r>
-              <a:rPr lang="hu-HU" sz="2000" dirty="0" smtClean="0"/>
-              <a:t>1</a:t>
-            </a:r>
-            <a:r>
-              <a:rPr lang="hu-HU" dirty="0" smtClean="0"/>
-              <a:t> occurs before R</a:t>
-            </a:r>
-            <a:r>
-              <a:rPr lang="hu-HU" sz="2000" dirty="0" smtClean="0"/>
-              <a:t>2</a:t>
-            </a:r>
-            <a:r>
-              <a:rPr lang="hu-HU" dirty="0" smtClean="0"/>
-              <a:t> in a session and R</a:t>
-            </a:r>
-            <a:r>
-              <a:rPr lang="hu-HU" sz="2000" dirty="0" smtClean="0"/>
-              <a:t>1</a:t>
-            </a:r>
-            <a:r>
-              <a:rPr lang="hu-HU" dirty="0" smtClean="0"/>
-              <a:t> accesses server S</a:t>
-            </a:r>
-            <a:r>
-              <a:rPr lang="hu-HU" sz="2000" dirty="0" smtClean="0"/>
-              <a:t>1</a:t>
-            </a:r>
-            <a:r>
-              <a:rPr lang="hu-HU" dirty="0" smtClean="0"/>
-              <a:t> at time t</a:t>
-            </a:r>
-            <a:r>
-              <a:rPr lang="hu-HU" sz="2000" dirty="0" smtClean="0"/>
-              <a:t>1</a:t>
-            </a:r>
-            <a:r>
-              <a:rPr lang="hu-HU" dirty="0" smtClean="0"/>
-              <a:t> and R</a:t>
-            </a:r>
-            <a:r>
-              <a:rPr lang="hu-HU" sz="2000" dirty="0" smtClean="0"/>
-              <a:t>2</a:t>
-            </a:r>
-            <a:r>
-              <a:rPr lang="hu-HU" dirty="0" smtClean="0"/>
-              <a:t> accesses server S</a:t>
-            </a:r>
-            <a:r>
-              <a:rPr lang="hu-HU" sz="2000" dirty="0" smtClean="0"/>
-              <a:t>2</a:t>
-            </a:r>
-            <a:r>
-              <a:rPr lang="hu-HU" dirty="0" smtClean="0"/>
-              <a:t> at time t</a:t>
-            </a:r>
-            <a:r>
-              <a:rPr lang="hu-HU" sz="2000" dirty="0" smtClean="0"/>
-              <a:t>2</a:t>
-            </a:r>
-            <a:r>
-              <a:rPr lang="hu-HU" dirty="0" smtClean="0"/>
-              <a:t>, then RelevantWrites(S</a:t>
-            </a:r>
-            <a:r>
-              <a:rPr lang="hu-HU" sz="2000" dirty="0" smtClean="0"/>
-              <a:t>1</a:t>
-            </a:r>
-            <a:r>
-              <a:rPr lang="hu-HU" dirty="0" smtClean="0"/>
-              <a:t>, t</a:t>
-            </a:r>
-            <a:r>
-              <a:rPr lang="hu-HU" sz="2000" dirty="0" smtClean="0"/>
-              <a:t>1</a:t>
-            </a:r>
-            <a:r>
-              <a:rPr lang="hu-HU" dirty="0" smtClean="0"/>
-              <a:t>, R</a:t>
-            </a:r>
-            <a:r>
-              <a:rPr lang="hu-HU" sz="2000" dirty="0" smtClean="0"/>
-              <a:t>1</a:t>
-            </a:r>
-            <a:r>
-              <a:rPr lang="hu-HU" dirty="0" smtClean="0"/>
-              <a:t>) is a subset of DB(S</a:t>
-            </a:r>
-            <a:r>
-              <a:rPr lang="hu-HU" sz="2000" dirty="0" smtClean="0"/>
-              <a:t>2</a:t>
-            </a:r>
-            <a:r>
-              <a:rPr lang="hu-HU" dirty="0" smtClean="0"/>
-              <a:t>, t</a:t>
-            </a:r>
-            <a:r>
-              <a:rPr lang="hu-HU" sz="2000" dirty="0" smtClean="0"/>
-              <a:t>2</a:t>
-            </a:r>
-            <a:r>
-              <a:rPr lang="hu-HU" dirty="0" smtClean="0"/>
-              <a:t>)</a:t>
-            </a:r>
-          </a:p>
-          <a:p>
-            <a:r>
-              <a:rPr lang="hu-HU" b="1" dirty="0" smtClean="0"/>
-              <a:t>Example</a:t>
-            </a:r>
-            <a:r>
-              <a:rPr lang="hu-HU" dirty="0" smtClean="0"/>
-              <a:t>: calendar app with periodic refreshes, appointments disappear</a:t>
-            </a:r>
-            <a:endParaRPr lang="hu-HU" dirty="0"/>
-          </a:p>
-        </p:txBody>
-      </p:sp>
+      <p:grpSp>
+        <p:nvGrpSpPr>
+          <p:cNvPr id="54" name="Group 53"/>
+          <p:cNvGrpSpPr/>
+          <p:nvPr/>
+        </p:nvGrpSpPr>
+        <p:grpSpPr>
+          <a:xfrm>
+            <a:off x="251520" y="922015"/>
+            <a:ext cx="8640960" cy="5819353"/>
+            <a:chOff x="251520" y="922015"/>
+            <a:chExt cx="8640960" cy="5819353"/>
+          </a:xfrm>
+        </p:grpSpPr>
+        <p:sp>
+          <p:nvSpPr>
+            <p:cNvPr id="6" name="TextBox 5"/>
+            <p:cNvSpPr txBox="1"/>
+            <p:nvPr/>
+          </p:nvSpPr>
+          <p:spPr>
+            <a:xfrm>
+              <a:off x="398307" y="922015"/>
+              <a:ext cx="1244251" cy="523220"/>
+            </a:xfrm>
+            <a:prstGeom prst="rect">
+              <a:avLst/>
+            </a:prstGeom>
+            <a:noFill/>
+          </p:spPr>
+          <p:txBody>
+            <a:bodyPr wrap="none" rtlCol="0">
+              <a:spAutoFit/>
+            </a:bodyPr>
+            <a:lstStyle/>
+            <a:p>
+              <a:r>
+                <a:rPr lang="en-US" sz="2800" dirty="0" smtClean="0"/>
+                <a:t>Time(t)</a:t>
+              </a:r>
+              <a:endParaRPr lang="en-US" sz="2800" dirty="0"/>
+            </a:p>
+          </p:txBody>
+        </p:sp>
+        <p:sp>
+          <p:nvSpPr>
+            <p:cNvPr id="5" name="Right Arrow 4"/>
+            <p:cNvSpPr/>
+            <p:nvPr/>
+          </p:nvSpPr>
+          <p:spPr>
+            <a:xfrm rot="16200000">
+              <a:off x="-1613030" y="3940714"/>
+              <a:ext cx="5266928" cy="334380"/>
+            </a:xfrm>
+            <a:prstGeom prst="rightArrow">
+              <a:avLst/>
+            </a:prstGeom>
+          </p:spPr>
+          <p:style>
+            <a:lnRef idx="2">
+              <a:schemeClr val="accent1">
+                <a:shade val="50000"/>
+              </a:schemeClr>
+            </a:lnRef>
+            <a:fillRef idx="1">
+              <a:schemeClr val="accent1"/>
+            </a:fillRef>
+            <a:effectRef idx="0">
+              <a:schemeClr val="accent1"/>
+            </a:effectRef>
+            <a:fontRef idx="minor">
+              <a:schemeClr val="lt1"/>
+            </a:fontRef>
+          </p:style>
+          <p:txBody>
+            <a:bodyPr rtlCol="0" anchor="ctr"/>
+            <a:lstStyle/>
+            <a:p>
+              <a:pPr algn="ctr"/>
+              <a:endParaRPr lang="en-US"/>
+            </a:p>
+          </p:txBody>
+        </p:sp>
+        <p:sp>
+          <p:nvSpPr>
+            <p:cNvPr id="13" name="TextBox 12"/>
+            <p:cNvSpPr txBox="1"/>
+            <p:nvPr/>
+          </p:nvSpPr>
+          <p:spPr>
+            <a:xfrm>
+              <a:off x="276524" y="5949280"/>
+              <a:ext cx="487634" cy="523220"/>
+            </a:xfrm>
+            <a:prstGeom prst="rect">
+              <a:avLst/>
+            </a:prstGeom>
+            <a:noFill/>
+          </p:spPr>
+          <p:txBody>
+            <a:bodyPr wrap="none" rtlCol="0">
+              <a:spAutoFit/>
+            </a:bodyPr>
+            <a:lstStyle/>
+            <a:p>
+              <a:r>
+                <a:rPr lang="en-US" sz="2800" dirty="0" smtClean="0"/>
+                <a:t>t1</a:t>
+              </a:r>
+              <a:endParaRPr lang="en-US" sz="2800" dirty="0"/>
+            </a:p>
+          </p:txBody>
+        </p:sp>
+        <p:grpSp>
+          <p:nvGrpSpPr>
+            <p:cNvPr id="9" name="Group 8"/>
+            <p:cNvGrpSpPr/>
+            <p:nvPr/>
+          </p:nvGrpSpPr>
+          <p:grpSpPr>
+            <a:xfrm>
+              <a:off x="1187624" y="6021288"/>
+              <a:ext cx="3544814" cy="443191"/>
+              <a:chOff x="1187624" y="6021288"/>
+              <a:chExt cx="3544814" cy="443191"/>
+            </a:xfrm>
+          </p:grpSpPr>
+          <p:cxnSp>
+            <p:nvCxnSpPr>
+              <p:cNvPr id="10" name="Straight Arrow Connector 9"/>
+              <p:cNvCxnSpPr/>
+              <p:nvPr/>
+            </p:nvCxnSpPr>
+            <p:spPr>
+              <a:xfrm flipH="1">
+                <a:off x="1187624" y="6228143"/>
+                <a:ext cx="751793" cy="1"/>
+              </a:xfrm>
+              <a:prstGeom prst="straightConnector1">
+                <a:avLst/>
+              </a:prstGeom>
+              <a:ln>
+                <a:tailEnd type="triangle"/>
+              </a:ln>
+            </p:spPr>
+            <p:style>
+              <a:lnRef idx="3">
+                <a:schemeClr val="dk1"/>
+              </a:lnRef>
+              <a:fillRef idx="0">
+                <a:schemeClr val="dk1"/>
+              </a:fillRef>
+              <a:effectRef idx="2">
+                <a:schemeClr val="dk1"/>
+              </a:effectRef>
+              <a:fontRef idx="minor">
+                <a:schemeClr val="tx1"/>
+              </a:fontRef>
+            </p:style>
+          </p:cxnSp>
+          <p:sp>
+            <p:nvSpPr>
+              <p:cNvPr id="16" name="Rounded Rectangle 15"/>
+              <p:cNvSpPr/>
+              <p:nvPr/>
+            </p:nvSpPr>
+            <p:spPr>
+              <a:xfrm>
+                <a:off x="2049363" y="6021288"/>
+                <a:ext cx="2683075" cy="443191"/>
+              </a:xfrm>
+              <a:prstGeom prst="roundRect">
+                <a:avLst/>
+              </a:prstGeom>
+              <a:solidFill>
+                <a:schemeClr val="accent4">
+                  <a:lumMod val="75000"/>
+                </a:schemeClr>
+              </a:solidFill>
+            </p:spPr>
+            <p:style>
+              <a:lnRef idx="2">
+                <a:schemeClr val="accent1">
+                  <a:shade val="50000"/>
+                </a:schemeClr>
+              </a:lnRef>
+              <a:fillRef idx="1">
+                <a:schemeClr val="accent1"/>
+              </a:fillRef>
+              <a:effectRef idx="0">
+                <a:schemeClr val="accent1"/>
+              </a:effectRef>
+              <a:fontRef idx="minor">
+                <a:schemeClr val="lt1"/>
+              </a:fontRef>
+            </p:style>
+            <p:txBody>
+              <a:bodyPr rtlCol="0" anchor="ctr"/>
+              <a:lstStyle/>
+              <a:p>
+                <a:pPr algn="ctr"/>
+                <a:r>
+                  <a:rPr lang="en-US" sz="2800" dirty="0" smtClean="0"/>
+                  <a:t>Write by A : W1</a:t>
+                </a:r>
+                <a:endParaRPr lang="en-US" sz="2800" dirty="0"/>
+              </a:p>
+            </p:txBody>
+          </p:sp>
+        </p:grpSp>
+        <p:cxnSp>
+          <p:nvCxnSpPr>
+            <p:cNvPr id="29" name="Straight Arrow Connector 28"/>
+            <p:cNvCxnSpPr/>
+            <p:nvPr/>
+          </p:nvCxnSpPr>
+          <p:spPr>
+            <a:xfrm flipH="1">
+              <a:off x="1155912" y="5360723"/>
+              <a:ext cx="1399864" cy="9169"/>
+            </a:xfrm>
+            <a:prstGeom prst="straightConnector1">
+              <a:avLst/>
+            </a:prstGeom>
+            <a:ln>
+              <a:tailEnd type="triangle"/>
+            </a:ln>
+          </p:spPr>
+          <p:style>
+            <a:lnRef idx="3">
+              <a:schemeClr val="dk1"/>
+            </a:lnRef>
+            <a:fillRef idx="0">
+              <a:schemeClr val="dk1"/>
+            </a:fillRef>
+            <a:effectRef idx="2">
+              <a:schemeClr val="dk1"/>
+            </a:effectRef>
+            <a:fontRef idx="minor">
+              <a:schemeClr val="tx1"/>
+            </a:fontRef>
+          </p:style>
+        </p:cxnSp>
+        <p:sp>
+          <p:nvSpPr>
+            <p:cNvPr id="30" name="Rounded Rectangle 29"/>
+            <p:cNvSpPr/>
+            <p:nvPr/>
+          </p:nvSpPr>
+          <p:spPr>
+            <a:xfrm>
+              <a:off x="2743663" y="5085184"/>
+              <a:ext cx="2683075" cy="443191"/>
+            </a:xfrm>
+            <a:prstGeom prst="roundRect">
+              <a:avLst/>
+            </a:prstGeom>
+            <a:solidFill>
+              <a:schemeClr val="accent4">
+                <a:lumMod val="75000"/>
+              </a:schemeClr>
+            </a:solidFill>
+          </p:spPr>
+          <p:style>
+            <a:lnRef idx="2">
+              <a:schemeClr val="accent1">
+                <a:shade val="50000"/>
+              </a:schemeClr>
+            </a:lnRef>
+            <a:fillRef idx="1">
+              <a:schemeClr val="accent1"/>
+            </a:fillRef>
+            <a:effectRef idx="0">
+              <a:schemeClr val="accent1"/>
+            </a:effectRef>
+            <a:fontRef idx="minor">
+              <a:schemeClr val="lt1"/>
+            </a:fontRef>
+          </p:style>
+          <p:txBody>
+            <a:bodyPr rtlCol="0" anchor="ctr"/>
+            <a:lstStyle/>
+            <a:p>
+              <a:pPr algn="ctr"/>
+              <a:r>
+                <a:rPr lang="en-US" sz="2800" dirty="0" smtClean="0"/>
+                <a:t>Write by B : W2</a:t>
+              </a:r>
+              <a:endParaRPr lang="en-US" sz="2800" dirty="0"/>
+            </a:p>
+          </p:txBody>
+        </p:sp>
+        <p:sp>
+          <p:nvSpPr>
+            <p:cNvPr id="31" name="TextBox 30"/>
+            <p:cNvSpPr txBox="1"/>
+            <p:nvPr/>
+          </p:nvSpPr>
+          <p:spPr>
+            <a:xfrm>
+              <a:off x="251520" y="5066020"/>
+              <a:ext cx="487634" cy="523220"/>
+            </a:xfrm>
+            <a:prstGeom prst="rect">
+              <a:avLst/>
+            </a:prstGeom>
+            <a:noFill/>
+          </p:spPr>
+          <p:txBody>
+            <a:bodyPr wrap="none" rtlCol="0">
+              <a:spAutoFit/>
+            </a:bodyPr>
+            <a:lstStyle/>
+            <a:p>
+              <a:r>
+                <a:rPr lang="en-US" sz="2800" dirty="0" smtClean="0"/>
+                <a:t>t2</a:t>
+              </a:r>
+              <a:endParaRPr lang="en-US" sz="2800" dirty="0"/>
+            </a:p>
+          </p:txBody>
+        </p:sp>
+        <p:cxnSp>
+          <p:nvCxnSpPr>
+            <p:cNvPr id="32" name="Straight Arrow Connector 31"/>
+            <p:cNvCxnSpPr/>
+            <p:nvPr/>
+          </p:nvCxnSpPr>
+          <p:spPr>
+            <a:xfrm flipH="1">
+              <a:off x="1229707" y="4398001"/>
+              <a:ext cx="2185258" cy="35788"/>
+            </a:xfrm>
+            <a:prstGeom prst="straightConnector1">
+              <a:avLst/>
+            </a:prstGeom>
+            <a:ln>
+              <a:tailEnd type="triangle"/>
+            </a:ln>
+          </p:spPr>
+          <p:style>
+            <a:lnRef idx="3">
+              <a:schemeClr val="dk1"/>
+            </a:lnRef>
+            <a:fillRef idx="0">
+              <a:schemeClr val="dk1"/>
+            </a:fillRef>
+            <a:effectRef idx="2">
+              <a:schemeClr val="dk1"/>
+            </a:effectRef>
+            <a:fontRef idx="minor">
+              <a:schemeClr val="tx1"/>
+            </a:fontRef>
+          </p:style>
+        </p:cxnSp>
+        <p:sp>
+          <p:nvSpPr>
+            <p:cNvPr id="33" name="Rounded Rectangle 32"/>
+            <p:cNvSpPr/>
+            <p:nvPr/>
+          </p:nvSpPr>
+          <p:spPr>
+            <a:xfrm>
+              <a:off x="3617117" y="4149080"/>
+              <a:ext cx="3331147" cy="443191"/>
+            </a:xfrm>
+            <a:prstGeom prst="roundRect">
+              <a:avLst/>
+            </a:prstGeom>
+            <a:solidFill>
+              <a:schemeClr val="accent4">
+                <a:lumMod val="75000"/>
+              </a:schemeClr>
+            </a:solidFill>
+          </p:spPr>
+          <p:style>
+            <a:lnRef idx="2">
+              <a:schemeClr val="accent1">
+                <a:shade val="50000"/>
+              </a:schemeClr>
+            </a:lnRef>
+            <a:fillRef idx="1">
+              <a:schemeClr val="accent1"/>
+            </a:fillRef>
+            <a:effectRef idx="0">
+              <a:schemeClr val="accent1"/>
+            </a:effectRef>
+            <a:fontRef idx="minor">
+              <a:schemeClr val="lt1"/>
+            </a:fontRef>
+          </p:style>
+          <p:txBody>
+            <a:bodyPr rtlCol="0" anchor="ctr"/>
+            <a:lstStyle/>
+            <a:p>
+              <a:pPr algn="ctr"/>
+              <a:r>
+                <a:rPr lang="en-US" sz="2400" dirty="0" smtClean="0"/>
+                <a:t>Read by A : R1 ={W1,W2}</a:t>
+              </a:r>
+              <a:endParaRPr lang="en-US" sz="2400" dirty="0"/>
+            </a:p>
+          </p:txBody>
+        </p:sp>
+        <p:sp>
+          <p:nvSpPr>
+            <p:cNvPr id="41" name="TextBox 40"/>
+            <p:cNvSpPr txBox="1"/>
+            <p:nvPr/>
+          </p:nvSpPr>
+          <p:spPr>
+            <a:xfrm>
+              <a:off x="251520" y="4129916"/>
+              <a:ext cx="487634" cy="523220"/>
+            </a:xfrm>
+            <a:prstGeom prst="rect">
+              <a:avLst/>
+            </a:prstGeom>
+            <a:noFill/>
+          </p:spPr>
+          <p:txBody>
+            <a:bodyPr wrap="none" rtlCol="0">
+              <a:spAutoFit/>
+            </a:bodyPr>
+            <a:lstStyle/>
+            <a:p>
+              <a:r>
+                <a:rPr lang="en-US" sz="2800" dirty="0" smtClean="0"/>
+                <a:t>t3</a:t>
+              </a:r>
+              <a:endParaRPr lang="en-US" sz="2800" dirty="0"/>
+            </a:p>
+          </p:txBody>
+        </p:sp>
+        <p:cxnSp>
+          <p:nvCxnSpPr>
+            <p:cNvPr id="42" name="Straight Arrow Connector 41"/>
+            <p:cNvCxnSpPr/>
+            <p:nvPr/>
+          </p:nvCxnSpPr>
+          <p:spPr>
+            <a:xfrm flipH="1">
+              <a:off x="1237278" y="3339201"/>
+              <a:ext cx="2614642" cy="14467"/>
+            </a:xfrm>
+            <a:prstGeom prst="straightConnector1">
+              <a:avLst/>
+            </a:prstGeom>
+            <a:ln>
+              <a:tailEnd type="triangle"/>
+            </a:ln>
+          </p:spPr>
+          <p:style>
+            <a:lnRef idx="3">
+              <a:schemeClr val="dk1"/>
+            </a:lnRef>
+            <a:fillRef idx="0">
+              <a:schemeClr val="dk1"/>
+            </a:fillRef>
+            <a:effectRef idx="2">
+              <a:schemeClr val="dk1"/>
+            </a:effectRef>
+            <a:fontRef idx="minor">
+              <a:schemeClr val="tx1"/>
+            </a:fontRef>
+          </p:style>
+        </p:cxnSp>
+        <p:sp>
+          <p:nvSpPr>
+            <p:cNvPr id="43" name="Rounded Rectangle 42"/>
+            <p:cNvSpPr/>
+            <p:nvPr/>
+          </p:nvSpPr>
+          <p:spPr>
+            <a:xfrm>
+              <a:off x="4121173" y="3068960"/>
+              <a:ext cx="2683075" cy="443191"/>
+            </a:xfrm>
+            <a:prstGeom prst="roundRect">
+              <a:avLst/>
+            </a:prstGeom>
+            <a:solidFill>
+              <a:schemeClr val="accent4">
+                <a:lumMod val="75000"/>
+              </a:schemeClr>
+            </a:solidFill>
+          </p:spPr>
+          <p:style>
+            <a:lnRef idx="2">
+              <a:schemeClr val="accent1">
+                <a:shade val="50000"/>
+              </a:schemeClr>
+            </a:lnRef>
+            <a:fillRef idx="1">
+              <a:schemeClr val="accent1"/>
+            </a:fillRef>
+            <a:effectRef idx="0">
+              <a:schemeClr val="accent1"/>
+            </a:effectRef>
+            <a:fontRef idx="minor">
+              <a:schemeClr val="lt1"/>
+            </a:fontRef>
+          </p:style>
+          <p:txBody>
+            <a:bodyPr rtlCol="0" anchor="ctr"/>
+            <a:lstStyle/>
+            <a:p>
+              <a:pPr algn="ctr"/>
+              <a:r>
+                <a:rPr lang="en-US" sz="2800" dirty="0" smtClean="0"/>
+                <a:t>Write by C : W2</a:t>
+              </a:r>
+              <a:endParaRPr lang="en-US" sz="2800" dirty="0"/>
+            </a:p>
+          </p:txBody>
+        </p:sp>
+        <p:cxnSp>
+          <p:nvCxnSpPr>
+            <p:cNvPr id="47" name="Straight Arrow Connector 46"/>
+            <p:cNvCxnSpPr/>
+            <p:nvPr/>
+          </p:nvCxnSpPr>
+          <p:spPr>
+            <a:xfrm flipH="1">
+              <a:off x="1234615" y="2290863"/>
+              <a:ext cx="3497823" cy="21797"/>
+            </a:xfrm>
+            <a:prstGeom prst="straightConnector1">
+              <a:avLst/>
+            </a:prstGeom>
+            <a:ln>
+              <a:tailEnd type="triangle"/>
+            </a:ln>
+          </p:spPr>
+          <p:style>
+            <a:lnRef idx="3">
+              <a:schemeClr val="dk1"/>
+            </a:lnRef>
+            <a:fillRef idx="0">
+              <a:schemeClr val="dk1"/>
+            </a:fillRef>
+            <a:effectRef idx="2">
+              <a:schemeClr val="dk1"/>
+            </a:effectRef>
+            <a:fontRef idx="minor">
+              <a:schemeClr val="tx1"/>
+            </a:fontRef>
+          </p:style>
+        </p:cxnSp>
+        <p:sp>
+          <p:nvSpPr>
+            <p:cNvPr id="48" name="Rounded Rectangle 47"/>
+            <p:cNvSpPr/>
+            <p:nvPr/>
+          </p:nvSpPr>
+          <p:spPr>
+            <a:xfrm>
+              <a:off x="4985269" y="1988840"/>
+              <a:ext cx="3907211" cy="443191"/>
+            </a:xfrm>
+            <a:prstGeom prst="roundRect">
+              <a:avLst/>
+            </a:prstGeom>
+            <a:solidFill>
+              <a:schemeClr val="accent4">
+                <a:lumMod val="75000"/>
+              </a:schemeClr>
+            </a:solidFill>
+          </p:spPr>
+          <p:style>
+            <a:lnRef idx="2">
+              <a:schemeClr val="accent1">
+                <a:shade val="50000"/>
+              </a:schemeClr>
+            </a:lnRef>
+            <a:fillRef idx="1">
+              <a:schemeClr val="accent1"/>
+            </a:fillRef>
+            <a:effectRef idx="0">
+              <a:schemeClr val="accent1"/>
+            </a:effectRef>
+            <a:fontRef idx="minor">
+              <a:schemeClr val="lt1"/>
+            </a:fontRef>
+          </p:style>
+          <p:txBody>
+            <a:bodyPr rtlCol="0" anchor="ctr"/>
+            <a:lstStyle/>
+            <a:p>
+              <a:pPr algn="ctr"/>
+              <a:r>
+                <a:rPr lang="en-US" sz="2400" dirty="0" smtClean="0"/>
+                <a:t>Read by A : R2 ={W1,W2,W3}</a:t>
+              </a:r>
+              <a:endParaRPr lang="en-US" sz="2400" dirty="0"/>
+            </a:p>
+          </p:txBody>
+        </p:sp>
+        <p:sp>
+          <p:nvSpPr>
+            <p:cNvPr id="52" name="TextBox 51"/>
+            <p:cNvSpPr txBox="1"/>
+            <p:nvPr/>
+          </p:nvSpPr>
+          <p:spPr>
+            <a:xfrm>
+              <a:off x="251520" y="2996952"/>
+              <a:ext cx="487634" cy="523220"/>
+            </a:xfrm>
+            <a:prstGeom prst="rect">
+              <a:avLst/>
+            </a:prstGeom>
+            <a:noFill/>
+          </p:spPr>
+          <p:txBody>
+            <a:bodyPr wrap="none" rtlCol="0">
+              <a:spAutoFit/>
+            </a:bodyPr>
+            <a:lstStyle/>
+            <a:p>
+              <a:r>
+                <a:rPr lang="en-US" sz="2800" dirty="0" smtClean="0"/>
+                <a:t>t4</a:t>
+              </a:r>
+              <a:endParaRPr lang="en-US" sz="2800" dirty="0"/>
+            </a:p>
+          </p:txBody>
+        </p:sp>
+        <p:sp>
+          <p:nvSpPr>
+            <p:cNvPr id="53" name="TextBox 52"/>
+            <p:cNvSpPr txBox="1"/>
+            <p:nvPr/>
+          </p:nvSpPr>
+          <p:spPr>
+            <a:xfrm>
+              <a:off x="251520" y="2060848"/>
+              <a:ext cx="487634" cy="523220"/>
+            </a:xfrm>
+            <a:prstGeom prst="rect">
+              <a:avLst/>
+            </a:prstGeom>
+            <a:noFill/>
+          </p:spPr>
+          <p:txBody>
+            <a:bodyPr wrap="none" rtlCol="0">
+              <a:spAutoFit/>
+            </a:bodyPr>
+            <a:lstStyle/>
+            <a:p>
+              <a:r>
+                <a:rPr lang="en-US" sz="2800" dirty="0" smtClean="0"/>
+                <a:t>t5</a:t>
+              </a:r>
+              <a:endParaRPr lang="en-US" sz="2800" dirty="0"/>
+            </a:p>
+          </p:txBody>
+        </p:sp>
+      </p:grpSp>
     </p:spTree>
     <p:extLst>
       <p:ext uri="{BB962C8B-B14F-4D97-AF65-F5344CB8AC3E}">
-        <p14:creationId xmlns:p14="http://schemas.microsoft.com/office/powerpoint/2010/main" val="1930452412"/>
+        <p14:creationId xmlns:p14="http://schemas.microsoft.com/office/powerpoint/2010/main" val="3892627491"/>
       </p:ext>
     </p:extLst>
   </p:cSld>
   <p:clrMapOvr>
     <a:masterClrMapping/>
   </p:clrMapOvr>
+  <p:timing>
+    <p:tnLst>
+      <p:par>
+        <p:cTn id="1" dur="indefinite" restart="never" nodeType="tmRoot"/>
+      </p:par>
+    </p:tnLst>
+  </p:timing>
 </p:sld>
 </file>
 
@@ -4933,7 +6033,7 @@
           <a:p>
             <a:r>
               <a:rPr lang="hu-HU" dirty="0" smtClean="0"/>
-              <a:t>3 – Writes Follow Reads</a:t>
+              <a:t>2 – Monotonic Reads</a:t>
             </a:r>
             <a:endParaRPr lang="hu-HU" dirty="0"/>
           </a:p>
@@ -4949,18 +6049,22 @@
             <p:ph idx="1"/>
           </p:nvPr>
         </p:nvSpPr>
-        <p:spPr/>
+        <p:spPr>
+          <a:xfrm>
+            <a:off x="457200" y="1268760"/>
+            <a:ext cx="8229600" cy="5400600"/>
+          </a:xfrm>
+        </p:spPr>
         <p:txBody>
           <a:bodyPr>
-            <a:normAutofit fontScale="92500" lnSpcReduction="20000"/>
+            <a:normAutofit fontScale="92500"/>
           </a:bodyPr>
           <a:lstStyle/>
           <a:p>
             <a:r>
               <a:rPr lang="hu-HU" dirty="0" smtClean="0"/>
-              <a:t>Writes made during the session are ordered after any Writes whose effects were seen by previous Reads in the session</a:t>
-            </a:r>
-            <a:endParaRPr lang="hu-HU" dirty="0" smtClean="0"/>
+              <a:t>Users observe a database that is increasingly up-to-date over time</a:t>
+            </a:r>
           </a:p>
           <a:p>
             <a:r>
@@ -4973,7 +6077,7 @@
             </a:r>
             <a:r>
               <a:rPr lang="hu-HU" dirty="0" smtClean="0"/>
-              <a:t> precedes Write W</a:t>
+              <a:t> occurs before R</a:t>
             </a:r>
             <a:r>
               <a:rPr lang="hu-HU" sz="2000" dirty="0" smtClean="0"/>
@@ -4989,7 +6093,7 @@
             </a:r>
             <a:r>
               <a:rPr lang="hu-HU" dirty="0" smtClean="0"/>
-              <a:t> is performed at server S</a:t>
+              <a:t> accesses server S</a:t>
             </a:r>
             <a:r>
               <a:rPr lang="hu-HU" sz="2000" dirty="0" smtClean="0"/>
@@ -5005,7 +6109,7 @@
             </a:r>
             <a:r>
               <a:rPr lang="hu-HU" dirty="0" smtClean="0"/>
-              <a:t>, then, for any server S</a:t>
+              <a:t> and R</a:t>
             </a:r>
             <a:r>
               <a:rPr lang="hu-HU" sz="2000" dirty="0" smtClean="0"/>
@@ -5013,7 +6117,7 @@
             </a:r>
             <a:r>
               <a:rPr lang="hu-HU" dirty="0" smtClean="0"/>
-              <a:t>, if W</a:t>
+              <a:t> accesses server S</a:t>
             </a:r>
             <a:r>
               <a:rPr lang="hu-HU" sz="2000" dirty="0" smtClean="0"/>
@@ -5021,7 +6125,7 @@
             </a:r>
             <a:r>
               <a:rPr lang="hu-HU" dirty="0" smtClean="0"/>
-              <a:t> is in DB(S</a:t>
+              <a:t> at time t</a:t>
             </a:r>
             <a:r>
               <a:rPr lang="hu-HU" sz="2000" dirty="0" smtClean="0"/>
@@ -5029,7 +6133,7 @@
             </a:r>
             <a:r>
               <a:rPr lang="hu-HU" dirty="0" smtClean="0"/>
-              <a:t>) then any W</a:t>
+              <a:t>, then RelevantWrites(S</a:t>
             </a:r>
             <a:r>
               <a:rPr lang="hu-HU" sz="2000" dirty="0" smtClean="0"/>
@@ -5037,7 +6141,7 @@
             </a:r>
             <a:r>
               <a:rPr lang="hu-HU" dirty="0" smtClean="0"/>
-              <a:t> in RelevantWrites(S</a:t>
+              <a:t>, t</a:t>
             </a:r>
             <a:r>
               <a:rPr lang="hu-HU" sz="2000" dirty="0" smtClean="0"/>
@@ -5045,7 +6149,7 @@
             </a:r>
             <a:r>
               <a:rPr lang="hu-HU" dirty="0" smtClean="0"/>
-              <a:t>, t</a:t>
+              <a:t>, R</a:t>
             </a:r>
             <a:r>
               <a:rPr lang="hu-HU" sz="2000" dirty="0" smtClean="0"/>
@@ -5053,15 +6157,7 @@
             </a:r>
             <a:r>
               <a:rPr lang="hu-HU" dirty="0" smtClean="0"/>
-              <a:t>, R</a:t>
-            </a:r>
-            <a:r>
-              <a:rPr lang="hu-HU" sz="2000" dirty="0" smtClean="0"/>
-              <a:t>1</a:t>
-            </a:r>
-            <a:r>
-              <a:rPr lang="hu-HU" dirty="0" smtClean="0"/>
-              <a:t>) is also in DB(S</a:t>
+              <a:t>) is a subset of DB(S</a:t>
             </a:r>
             <a:r>
               <a:rPr lang="hu-HU" sz="2000" dirty="0" smtClean="0"/>
@@ -5069,15 +6165,7 @@
             </a:r>
             <a:r>
               <a:rPr lang="hu-HU" dirty="0" smtClean="0"/>
-              <a:t>) and WriteOrder(W</a:t>
-            </a:r>
-            <a:r>
-              <a:rPr lang="hu-HU" sz="2000" dirty="0" smtClean="0"/>
-              <a:t>1</a:t>
-            </a:r>
-            <a:r>
-              <a:rPr lang="hu-HU" dirty="0" smtClean="0"/>
-              <a:t>, W</a:t>
+              <a:t>, t</a:t>
             </a:r>
             <a:r>
               <a:rPr lang="hu-HU" sz="2000" dirty="0" smtClean="0"/>
@@ -5085,7 +6173,7 @@
             </a:r>
             <a:r>
               <a:rPr lang="hu-HU" dirty="0" smtClean="0"/>
-              <a:t>) stands.</a:t>
+              <a:t>)</a:t>
             </a:r>
           </a:p>
           <a:p>
@@ -5095,26 +6183,47 @@
             </a:r>
             <a:r>
               <a:rPr lang="hu-HU" dirty="0" smtClean="0"/>
-              <a:t>: a user creates a place in Foursquare, then checks in. If a server sees the check-in, they also saw the place creation event before.</a:t>
-            </a:r>
-            <a:endParaRPr lang="hu-HU" dirty="0">
-              <a:solidFill>
-                <a:srgbClr val="FF0000"/>
-              </a:solidFill>
-            </a:endParaRPr>
+              <a:t>: </a:t>
+            </a:r>
+            <a:r>
+              <a:rPr lang="en-US" dirty="0"/>
+              <a:t/>
+            </a:r>
+            <a:br>
+              <a:rPr lang="en-US" dirty="0"/>
+            </a:br>
+            <a:r>
+              <a:rPr lang="en-US" dirty="0" smtClean="0"/>
+              <a:t>- Calendar app is updated by user and a auto scheduler.</a:t>
+            </a:r>
+            <a:br>
+              <a:rPr lang="en-US" dirty="0" smtClean="0"/>
+            </a:br>
+            <a:r>
+              <a:rPr lang="en-US" dirty="0" smtClean="0"/>
+              <a:t>- If no Monotonic Read guarantee appointments may appear and disappear time to time. </a:t>
+            </a:r>
+            <a:endParaRPr lang="hu-HU" dirty="0"/>
           </a:p>
         </p:txBody>
       </p:sp>
     </p:spTree>
     <p:extLst>
       <p:ext uri="{BB962C8B-B14F-4D97-AF65-F5344CB8AC3E}">
-        <p14:creationId xmlns:p14="http://schemas.microsoft.com/office/powerpoint/2010/main" val="50290576"/>
+        <p14:creationId xmlns:p14="http://schemas.microsoft.com/office/powerpoint/2010/main" val="1930452412"/>
       </p:ext>
     </p:extLst>
   </p:cSld>
   <p:clrMapOvr>
     <a:masterClrMapping/>
   </p:clrMapOvr>
+  <p:timing>
+    <p:tnLst>
+      <p:par>
+        <p:cTn id="1" dur="indefinite" restart="never" nodeType="tmRoot"/>
+      </p:par>
+    </p:tnLst>
+  </p:timing>
 </p:sld>
 </file>
 
@@ -5145,149 +6254,651 @@
             <p:ph type="title"/>
           </p:nvPr>
         </p:nvSpPr>
-        <p:spPr/>
+        <p:spPr>
+          <a:xfrm>
+            <a:off x="457200" y="-243408"/>
+            <a:ext cx="8229600" cy="1143000"/>
+          </a:xfrm>
+        </p:spPr>
         <p:txBody>
           <a:bodyPr/>
           <a:lstStyle/>
           <a:p>
             <a:r>
-              <a:rPr lang="hu-HU" dirty="0" smtClean="0"/>
-              <a:t>4 – Monotonic Writes</a:t>
+              <a:rPr lang="hu-HU" dirty="0"/>
+              <a:t>3 – Writes Follow Reads</a:t>
             </a:r>
             <a:endParaRPr lang="hu-HU" dirty="0"/>
           </a:p>
         </p:txBody>
       </p:sp>
-      <p:sp>
-        <p:nvSpPr>
-          <p:cNvPr id="3" name="Content Placeholder 2"/>
-          <p:cNvSpPr>
-            <a:spLocks noGrp="1"/>
-          </p:cNvSpPr>
-          <p:nvPr>
-            <p:ph idx="1"/>
-          </p:nvPr>
-        </p:nvSpPr>
-        <p:spPr/>
-        <p:txBody>
-          <a:bodyPr>
-            <a:normAutofit lnSpcReduction="10000"/>
-          </a:bodyPr>
-          <a:lstStyle/>
-          <a:p>
-            <a:r>
-              <a:rPr lang="hu-HU" dirty="0" smtClean="0"/>
-              <a:t>Writes must follow previous writes within the session</a:t>
-            </a:r>
-          </a:p>
-          <a:p>
-            <a:r>
-              <a:rPr lang="hu-HU" dirty="0" smtClean="0"/>
-              <a:t>If Write W</a:t>
-            </a:r>
-            <a:r>
-              <a:rPr lang="hu-HU" sz="2000" dirty="0" smtClean="0"/>
-              <a:t>1</a:t>
-            </a:r>
-            <a:r>
-              <a:rPr lang="hu-HU" dirty="0" smtClean="0"/>
-              <a:t> precedes Write W</a:t>
-            </a:r>
-            <a:r>
-              <a:rPr lang="hu-HU" sz="2000" dirty="0" smtClean="0"/>
-              <a:t>2</a:t>
-            </a:r>
-            <a:r>
-              <a:rPr lang="hu-HU" dirty="0" smtClean="0"/>
-              <a:t> in a session, then, for any server S</a:t>
-            </a:r>
-            <a:r>
-              <a:rPr lang="hu-HU" sz="2000" dirty="0" smtClean="0"/>
-              <a:t>2</a:t>
-            </a:r>
-            <a:r>
-              <a:rPr lang="hu-HU" dirty="0" smtClean="0"/>
-              <a:t>, if W</a:t>
-            </a:r>
-            <a:r>
-              <a:rPr lang="hu-HU" sz="2000" dirty="0" smtClean="0"/>
-              <a:t>2</a:t>
-            </a:r>
-            <a:r>
-              <a:rPr lang="hu-HU" dirty="0" smtClean="0"/>
-              <a:t> in DB(S</a:t>
-            </a:r>
-            <a:r>
-              <a:rPr lang="hu-HU" sz="2000" dirty="0" smtClean="0"/>
-              <a:t>2</a:t>
-            </a:r>
-            <a:r>
-              <a:rPr lang="hu-HU" dirty="0" smtClean="0"/>
-              <a:t>) then W</a:t>
-            </a:r>
-            <a:r>
-              <a:rPr lang="hu-HU" sz="2000" dirty="0" smtClean="0"/>
-              <a:t>1</a:t>
-            </a:r>
-            <a:r>
-              <a:rPr lang="hu-HU" dirty="0" smtClean="0"/>
-              <a:t> is also in DB(S</a:t>
-            </a:r>
-            <a:r>
-              <a:rPr lang="hu-HU" sz="2000" dirty="0" smtClean="0"/>
-              <a:t>2</a:t>
-            </a:r>
-            <a:r>
-              <a:rPr lang="hu-HU" dirty="0" smtClean="0"/>
-              <a:t>) and WriteOrder(W</a:t>
-            </a:r>
-            <a:r>
-              <a:rPr lang="hu-HU" sz="2000" dirty="0" smtClean="0"/>
-              <a:t>1</a:t>
-            </a:r>
-            <a:r>
-              <a:rPr lang="hu-HU" dirty="0" smtClean="0"/>
-              <a:t>, W</a:t>
-            </a:r>
-            <a:r>
-              <a:rPr lang="hu-HU" sz="2000" dirty="0" smtClean="0"/>
-              <a:t>2</a:t>
-            </a:r>
-            <a:r>
-              <a:rPr lang="hu-HU" dirty="0" smtClean="0"/>
-              <a:t>) stands</a:t>
-            </a:r>
-          </a:p>
-          <a:p>
-            <a:r>
-              <a:rPr lang="hu-HU" b="1" dirty="0" smtClean="0"/>
-              <a:t>Example</a:t>
-            </a:r>
-            <a:r>
-              <a:rPr lang="hu-HU" dirty="0" smtClean="0"/>
-              <a:t>: </a:t>
-            </a:r>
-            <a:r>
-              <a:rPr lang="hu-HU" dirty="0" smtClean="0"/>
-              <a:t>automatic address book backup service – shouldn’t overwrite/remove previous addresses</a:t>
-            </a:r>
-            <a:endParaRPr lang="hu-HU" dirty="0" smtClean="0"/>
-          </a:p>
-          <a:p>
-            <a:endParaRPr lang="hu-HU" dirty="0"/>
-          </a:p>
-        </p:txBody>
-      </p:sp>
+      <p:grpSp>
+        <p:nvGrpSpPr>
+          <p:cNvPr id="9" name="Group 8"/>
+          <p:cNvGrpSpPr/>
+          <p:nvPr/>
+        </p:nvGrpSpPr>
+        <p:grpSpPr>
+          <a:xfrm>
+            <a:off x="5419674" y="1412776"/>
+            <a:ext cx="3544814" cy="1779888"/>
+            <a:chOff x="1187624" y="6021288"/>
+            <a:chExt cx="3544814" cy="443191"/>
+          </a:xfrm>
+        </p:grpSpPr>
+        <p:cxnSp>
+          <p:nvCxnSpPr>
+            <p:cNvPr id="10" name="Straight Arrow Connector 9"/>
+            <p:cNvCxnSpPr/>
+            <p:nvPr/>
+          </p:nvCxnSpPr>
+          <p:spPr>
+            <a:xfrm flipH="1">
+              <a:off x="1187624" y="6228143"/>
+              <a:ext cx="751793" cy="1"/>
+            </a:xfrm>
+            <a:prstGeom prst="straightConnector1">
+              <a:avLst/>
+            </a:prstGeom>
+            <a:ln>
+              <a:tailEnd type="triangle"/>
+            </a:ln>
+          </p:spPr>
+          <p:style>
+            <a:lnRef idx="3">
+              <a:schemeClr val="dk1"/>
+            </a:lnRef>
+            <a:fillRef idx="0">
+              <a:schemeClr val="dk1"/>
+            </a:fillRef>
+            <a:effectRef idx="2">
+              <a:schemeClr val="dk1"/>
+            </a:effectRef>
+            <a:fontRef idx="minor">
+              <a:schemeClr val="tx1"/>
+            </a:fontRef>
+          </p:style>
+        </p:cxnSp>
+        <p:sp>
+          <p:nvSpPr>
+            <p:cNvPr id="16" name="Rounded Rectangle 15"/>
+            <p:cNvSpPr/>
+            <p:nvPr/>
+          </p:nvSpPr>
+          <p:spPr>
+            <a:xfrm>
+              <a:off x="2049363" y="6021288"/>
+              <a:ext cx="2683075" cy="443191"/>
+            </a:xfrm>
+            <a:prstGeom prst="roundRect">
+              <a:avLst/>
+            </a:prstGeom>
+            <a:solidFill>
+              <a:schemeClr val="accent4">
+                <a:lumMod val="75000"/>
+              </a:schemeClr>
+            </a:solidFill>
+          </p:spPr>
+          <p:style>
+            <a:lnRef idx="2">
+              <a:schemeClr val="accent1">
+                <a:shade val="50000"/>
+              </a:schemeClr>
+            </a:lnRef>
+            <a:fillRef idx="1">
+              <a:schemeClr val="accent1"/>
+            </a:fillRef>
+            <a:effectRef idx="0">
+              <a:schemeClr val="accent1"/>
+            </a:effectRef>
+            <a:fontRef idx="minor">
+              <a:schemeClr val="lt1"/>
+            </a:fontRef>
+          </p:style>
+          <p:txBody>
+            <a:bodyPr rtlCol="0" anchor="ctr"/>
+            <a:lstStyle/>
+            <a:p>
+              <a:pPr algn="ctr"/>
+              <a:r>
+                <a:rPr lang="en-US" sz="2200" dirty="0" smtClean="0"/>
+                <a:t>If DB(S2) contain W2, </a:t>
+              </a:r>
+            </a:p>
+            <a:p>
+              <a:pPr algn="ctr"/>
+              <a:r>
+                <a:rPr lang="en-US" sz="2200" dirty="0" smtClean="0"/>
+                <a:t>W1 also include in DB(S2) and ordered as {W1,W2}</a:t>
+              </a:r>
+              <a:endParaRPr lang="en-US" sz="2200" dirty="0"/>
+            </a:p>
+          </p:txBody>
+        </p:sp>
+      </p:grpSp>
+      <p:grpSp>
+        <p:nvGrpSpPr>
+          <p:cNvPr id="8" name="Group 7"/>
+          <p:cNvGrpSpPr/>
+          <p:nvPr/>
+        </p:nvGrpSpPr>
+        <p:grpSpPr>
+          <a:xfrm>
+            <a:off x="3014561" y="692696"/>
+            <a:ext cx="2997599" cy="5832648"/>
+            <a:chOff x="1718417" y="692696"/>
+            <a:chExt cx="2997599" cy="5832648"/>
+          </a:xfrm>
+        </p:grpSpPr>
+        <p:grpSp>
+          <p:nvGrpSpPr>
+            <p:cNvPr id="7" name="Group 6"/>
+            <p:cNvGrpSpPr/>
+            <p:nvPr/>
+          </p:nvGrpSpPr>
+          <p:grpSpPr>
+            <a:xfrm>
+              <a:off x="1718417" y="692696"/>
+              <a:ext cx="1701455" cy="5832648"/>
+              <a:chOff x="276525" y="922015"/>
+              <a:chExt cx="1574689" cy="5819353"/>
+            </a:xfrm>
+          </p:grpSpPr>
+          <p:sp>
+            <p:nvSpPr>
+              <p:cNvPr id="6" name="TextBox 5"/>
+              <p:cNvSpPr txBox="1"/>
+              <p:nvPr/>
+            </p:nvSpPr>
+            <p:spPr>
+              <a:xfrm>
+                <a:off x="276525" y="922015"/>
+                <a:ext cx="1574689" cy="461665"/>
+              </a:xfrm>
+              <a:prstGeom prst="rect">
+                <a:avLst/>
+              </a:prstGeom>
+              <a:noFill/>
+            </p:spPr>
+            <p:txBody>
+              <a:bodyPr wrap="square" rtlCol="0">
+                <a:spAutoFit/>
+              </a:bodyPr>
+              <a:lstStyle/>
+              <a:p>
+                <a:r>
+                  <a:rPr lang="en-US" sz="2400" dirty="0" smtClean="0"/>
+                  <a:t>Time, (S1)</a:t>
+                </a:r>
+                <a:endParaRPr lang="en-US" sz="2400" dirty="0"/>
+              </a:p>
+            </p:txBody>
+          </p:sp>
+          <p:sp>
+            <p:nvSpPr>
+              <p:cNvPr id="5" name="Right Arrow 4"/>
+              <p:cNvSpPr/>
+              <p:nvPr/>
+            </p:nvSpPr>
+            <p:spPr>
+              <a:xfrm rot="16200000">
+                <a:off x="-1613030" y="3940714"/>
+                <a:ext cx="5266928" cy="334380"/>
+              </a:xfrm>
+              <a:prstGeom prst="rightArrow">
+                <a:avLst/>
+              </a:prstGeom>
+            </p:spPr>
+            <p:style>
+              <a:lnRef idx="2">
+                <a:schemeClr val="accent1">
+                  <a:shade val="50000"/>
+                </a:schemeClr>
+              </a:lnRef>
+              <a:fillRef idx="1">
+                <a:schemeClr val="accent1"/>
+              </a:fillRef>
+              <a:effectRef idx="0">
+                <a:schemeClr val="accent1"/>
+              </a:effectRef>
+              <a:fontRef idx="minor">
+                <a:schemeClr val="lt1"/>
+              </a:fontRef>
+            </p:style>
+            <p:txBody>
+              <a:bodyPr rtlCol="0" anchor="ctr"/>
+              <a:lstStyle/>
+              <a:p>
+                <a:pPr algn="ctr"/>
+                <a:endParaRPr lang="en-US"/>
+              </a:p>
+            </p:txBody>
+          </p:sp>
+        </p:grpSp>
+        <p:grpSp>
+          <p:nvGrpSpPr>
+            <p:cNvPr id="24" name="Group 23"/>
+            <p:cNvGrpSpPr/>
+            <p:nvPr/>
+          </p:nvGrpSpPr>
+          <p:grpSpPr>
+            <a:xfrm>
+              <a:off x="3085720" y="705991"/>
+              <a:ext cx="1630296" cy="5819353"/>
+              <a:chOff x="276525" y="922015"/>
+              <a:chExt cx="1574689" cy="5819353"/>
+            </a:xfrm>
+          </p:grpSpPr>
+          <p:sp>
+            <p:nvSpPr>
+              <p:cNvPr id="25" name="TextBox 24"/>
+              <p:cNvSpPr txBox="1"/>
+              <p:nvPr/>
+            </p:nvSpPr>
+            <p:spPr>
+              <a:xfrm>
+                <a:off x="276525" y="922015"/>
+                <a:ext cx="1574689" cy="461665"/>
+              </a:xfrm>
+              <a:prstGeom prst="rect">
+                <a:avLst/>
+              </a:prstGeom>
+              <a:noFill/>
+            </p:spPr>
+            <p:txBody>
+              <a:bodyPr wrap="square" rtlCol="0">
+                <a:spAutoFit/>
+              </a:bodyPr>
+              <a:lstStyle/>
+              <a:p>
+                <a:r>
+                  <a:rPr lang="en-US" sz="2400" dirty="0" smtClean="0"/>
+                  <a:t>   Time, (S2)</a:t>
+                </a:r>
+                <a:endParaRPr lang="en-US" sz="2400" dirty="0"/>
+              </a:p>
+            </p:txBody>
+          </p:sp>
+          <p:sp>
+            <p:nvSpPr>
+              <p:cNvPr id="26" name="Right Arrow 25"/>
+              <p:cNvSpPr/>
+              <p:nvPr/>
+            </p:nvSpPr>
+            <p:spPr>
+              <a:xfrm rot="16200000">
+                <a:off x="-1613030" y="3940714"/>
+                <a:ext cx="5266928" cy="334380"/>
+              </a:xfrm>
+              <a:prstGeom prst="rightArrow">
+                <a:avLst/>
+              </a:prstGeom>
+            </p:spPr>
+            <p:style>
+              <a:lnRef idx="2">
+                <a:schemeClr val="accent1">
+                  <a:shade val="50000"/>
+                </a:schemeClr>
+              </a:lnRef>
+              <a:fillRef idx="1">
+                <a:schemeClr val="accent1"/>
+              </a:fillRef>
+              <a:effectRef idx="0">
+                <a:schemeClr val="accent1"/>
+              </a:effectRef>
+              <a:fontRef idx="minor">
+                <a:schemeClr val="lt1"/>
+              </a:fontRef>
+            </p:style>
+            <p:txBody>
+              <a:bodyPr rtlCol="0" anchor="ctr"/>
+              <a:lstStyle/>
+              <a:p>
+                <a:pPr algn="ctr"/>
+                <a:endParaRPr lang="en-US"/>
+              </a:p>
+            </p:txBody>
+          </p:sp>
+        </p:grpSp>
+      </p:grpSp>
+      <p:grpSp>
+        <p:nvGrpSpPr>
+          <p:cNvPr id="37" name="Group 36"/>
+          <p:cNvGrpSpPr/>
+          <p:nvPr/>
+        </p:nvGrpSpPr>
+        <p:grpSpPr>
+          <a:xfrm flipH="1">
+            <a:off x="107504" y="5794121"/>
+            <a:ext cx="3525036" cy="443191"/>
+            <a:chOff x="1187624" y="6021288"/>
+            <a:chExt cx="3544814" cy="443191"/>
+          </a:xfrm>
+        </p:grpSpPr>
+        <p:cxnSp>
+          <p:nvCxnSpPr>
+            <p:cNvPr id="38" name="Straight Arrow Connector 37"/>
+            <p:cNvCxnSpPr/>
+            <p:nvPr/>
+          </p:nvCxnSpPr>
+          <p:spPr>
+            <a:xfrm flipH="1">
+              <a:off x="1187624" y="6228143"/>
+              <a:ext cx="751793" cy="1"/>
+            </a:xfrm>
+            <a:prstGeom prst="straightConnector1">
+              <a:avLst/>
+            </a:prstGeom>
+            <a:ln>
+              <a:tailEnd type="triangle"/>
+            </a:ln>
+          </p:spPr>
+          <p:style>
+            <a:lnRef idx="3">
+              <a:schemeClr val="dk1"/>
+            </a:lnRef>
+            <a:fillRef idx="0">
+              <a:schemeClr val="dk1"/>
+            </a:fillRef>
+            <a:effectRef idx="2">
+              <a:schemeClr val="dk1"/>
+            </a:effectRef>
+            <a:fontRef idx="minor">
+              <a:schemeClr val="tx1"/>
+            </a:fontRef>
+          </p:style>
+        </p:cxnSp>
+        <p:sp>
+          <p:nvSpPr>
+            <p:cNvPr id="39" name="Rounded Rectangle 38"/>
+            <p:cNvSpPr/>
+            <p:nvPr/>
+          </p:nvSpPr>
+          <p:spPr>
+            <a:xfrm>
+              <a:off x="2049363" y="6021288"/>
+              <a:ext cx="2683075" cy="443191"/>
+            </a:xfrm>
+            <a:prstGeom prst="roundRect">
+              <a:avLst/>
+            </a:prstGeom>
+            <a:solidFill>
+              <a:schemeClr val="accent4">
+                <a:lumMod val="75000"/>
+              </a:schemeClr>
+            </a:solidFill>
+          </p:spPr>
+          <p:style>
+            <a:lnRef idx="2">
+              <a:schemeClr val="accent1">
+                <a:shade val="50000"/>
+              </a:schemeClr>
+            </a:lnRef>
+            <a:fillRef idx="1">
+              <a:schemeClr val="accent1"/>
+            </a:fillRef>
+            <a:effectRef idx="0">
+              <a:schemeClr val="accent1"/>
+            </a:effectRef>
+            <a:fontRef idx="minor">
+              <a:schemeClr val="lt1"/>
+            </a:fontRef>
+          </p:style>
+          <p:txBody>
+            <a:bodyPr rtlCol="0" anchor="ctr"/>
+            <a:lstStyle/>
+            <a:p>
+              <a:pPr algn="ctr"/>
+              <a:r>
+                <a:rPr lang="en-US" sz="2800" dirty="0" smtClean="0"/>
+                <a:t>Write by A : W1</a:t>
+              </a:r>
+              <a:endParaRPr lang="en-US" sz="2800" dirty="0"/>
+            </a:p>
+          </p:txBody>
+        </p:sp>
+      </p:grpSp>
+      <p:grpSp>
+        <p:nvGrpSpPr>
+          <p:cNvPr id="40" name="Group 39"/>
+          <p:cNvGrpSpPr/>
+          <p:nvPr/>
+        </p:nvGrpSpPr>
+        <p:grpSpPr>
+          <a:xfrm flipH="1">
+            <a:off x="107504" y="4714001"/>
+            <a:ext cx="3525036" cy="443191"/>
+            <a:chOff x="1187624" y="6021288"/>
+            <a:chExt cx="3544814" cy="443191"/>
+          </a:xfrm>
+        </p:grpSpPr>
+        <p:cxnSp>
+          <p:nvCxnSpPr>
+            <p:cNvPr id="44" name="Straight Arrow Connector 43"/>
+            <p:cNvCxnSpPr/>
+            <p:nvPr/>
+          </p:nvCxnSpPr>
+          <p:spPr>
+            <a:xfrm flipH="1">
+              <a:off x="1187624" y="6228143"/>
+              <a:ext cx="751793" cy="1"/>
+            </a:xfrm>
+            <a:prstGeom prst="straightConnector1">
+              <a:avLst/>
+            </a:prstGeom>
+            <a:ln>
+              <a:tailEnd type="triangle"/>
+            </a:ln>
+          </p:spPr>
+          <p:style>
+            <a:lnRef idx="3">
+              <a:schemeClr val="dk1"/>
+            </a:lnRef>
+            <a:fillRef idx="0">
+              <a:schemeClr val="dk1"/>
+            </a:fillRef>
+            <a:effectRef idx="2">
+              <a:schemeClr val="dk1"/>
+            </a:effectRef>
+            <a:fontRef idx="minor">
+              <a:schemeClr val="tx1"/>
+            </a:fontRef>
+          </p:style>
+        </p:cxnSp>
+        <p:sp>
+          <p:nvSpPr>
+            <p:cNvPr id="45" name="Rounded Rectangle 44"/>
+            <p:cNvSpPr/>
+            <p:nvPr/>
+          </p:nvSpPr>
+          <p:spPr>
+            <a:xfrm>
+              <a:off x="2049363" y="6021288"/>
+              <a:ext cx="2683075" cy="443191"/>
+            </a:xfrm>
+            <a:prstGeom prst="roundRect">
+              <a:avLst/>
+            </a:prstGeom>
+            <a:solidFill>
+              <a:schemeClr val="accent4">
+                <a:lumMod val="75000"/>
+              </a:schemeClr>
+            </a:solidFill>
+          </p:spPr>
+          <p:style>
+            <a:lnRef idx="2">
+              <a:schemeClr val="accent1">
+                <a:shade val="50000"/>
+              </a:schemeClr>
+            </a:lnRef>
+            <a:fillRef idx="1">
+              <a:schemeClr val="accent1"/>
+            </a:fillRef>
+            <a:effectRef idx="0">
+              <a:schemeClr val="accent1"/>
+            </a:effectRef>
+            <a:fontRef idx="minor">
+              <a:schemeClr val="lt1"/>
+            </a:fontRef>
+          </p:style>
+          <p:txBody>
+            <a:bodyPr rtlCol="0" anchor="ctr"/>
+            <a:lstStyle/>
+            <a:p>
+              <a:pPr algn="ctr"/>
+              <a:r>
+                <a:rPr lang="en-US" sz="2200" dirty="0" smtClean="0"/>
+                <a:t>Read by A : R1={W1}</a:t>
+              </a:r>
+              <a:endParaRPr lang="en-US" sz="2200" dirty="0"/>
+            </a:p>
+          </p:txBody>
+        </p:sp>
+      </p:grpSp>
+      <p:grpSp>
+        <p:nvGrpSpPr>
+          <p:cNvPr id="46" name="Group 45"/>
+          <p:cNvGrpSpPr/>
+          <p:nvPr/>
+        </p:nvGrpSpPr>
+        <p:grpSpPr>
+          <a:xfrm flipH="1">
+            <a:off x="107504" y="3633881"/>
+            <a:ext cx="3525036" cy="443191"/>
+            <a:chOff x="1187624" y="6021288"/>
+            <a:chExt cx="3544814" cy="443191"/>
+          </a:xfrm>
+        </p:grpSpPr>
+        <p:cxnSp>
+          <p:nvCxnSpPr>
+            <p:cNvPr id="49" name="Straight Arrow Connector 48"/>
+            <p:cNvCxnSpPr/>
+            <p:nvPr/>
+          </p:nvCxnSpPr>
+          <p:spPr>
+            <a:xfrm flipH="1">
+              <a:off x="1187624" y="6228143"/>
+              <a:ext cx="751793" cy="1"/>
+            </a:xfrm>
+            <a:prstGeom prst="straightConnector1">
+              <a:avLst/>
+            </a:prstGeom>
+            <a:ln>
+              <a:tailEnd type="triangle"/>
+            </a:ln>
+          </p:spPr>
+          <p:style>
+            <a:lnRef idx="3">
+              <a:schemeClr val="dk1"/>
+            </a:lnRef>
+            <a:fillRef idx="0">
+              <a:schemeClr val="dk1"/>
+            </a:fillRef>
+            <a:effectRef idx="2">
+              <a:schemeClr val="dk1"/>
+            </a:effectRef>
+            <a:fontRef idx="minor">
+              <a:schemeClr val="tx1"/>
+            </a:fontRef>
+          </p:style>
+        </p:cxnSp>
+        <p:sp>
+          <p:nvSpPr>
+            <p:cNvPr id="50" name="Rounded Rectangle 49"/>
+            <p:cNvSpPr/>
+            <p:nvPr/>
+          </p:nvSpPr>
+          <p:spPr>
+            <a:xfrm>
+              <a:off x="2049363" y="6021288"/>
+              <a:ext cx="2683075" cy="443191"/>
+            </a:xfrm>
+            <a:prstGeom prst="roundRect">
+              <a:avLst/>
+            </a:prstGeom>
+            <a:solidFill>
+              <a:schemeClr val="accent4">
+                <a:lumMod val="75000"/>
+              </a:schemeClr>
+            </a:solidFill>
+          </p:spPr>
+          <p:style>
+            <a:lnRef idx="2">
+              <a:schemeClr val="accent1">
+                <a:shade val="50000"/>
+              </a:schemeClr>
+            </a:lnRef>
+            <a:fillRef idx="1">
+              <a:schemeClr val="accent1"/>
+            </a:fillRef>
+            <a:effectRef idx="0">
+              <a:schemeClr val="accent1"/>
+            </a:effectRef>
+            <a:fontRef idx="minor">
+              <a:schemeClr val="lt1"/>
+            </a:fontRef>
+          </p:style>
+          <p:txBody>
+            <a:bodyPr rtlCol="0" anchor="ctr"/>
+            <a:lstStyle/>
+            <a:p>
+              <a:pPr algn="ctr"/>
+              <a:r>
+                <a:rPr lang="en-US" sz="2800" dirty="0" smtClean="0"/>
+                <a:t>Write by A : W2</a:t>
+              </a:r>
+              <a:endParaRPr lang="en-US" sz="2800" dirty="0"/>
+            </a:p>
+          </p:txBody>
+        </p:sp>
+      </p:grpSp>
+      <p:pic>
+        <p:nvPicPr>
+          <p:cNvPr id="18" name="Picture 17"/>
+          <p:cNvPicPr>
+            <a:picLocks noChangeAspect="1"/>
+          </p:cNvPicPr>
+          <p:nvPr/>
+        </p:nvPicPr>
+        <p:blipFill>
+          <a:blip r:embed="rId2">
+            <a:extLst>
+              <a:ext uri="{28A0092B-C50C-407E-A947-70E740481C1C}">
+                <a14:useLocalDpi xmlns:a14="http://schemas.microsoft.com/office/drawing/2010/main" val="0"/>
+              </a:ext>
+            </a:extLst>
+          </a:blip>
+          <a:stretch>
+            <a:fillRect/>
+          </a:stretch>
+        </p:blipFill>
+        <p:spPr>
+          <a:xfrm>
+            <a:off x="4067944" y="3192664"/>
+            <a:ext cx="884408" cy="884408"/>
+          </a:xfrm>
+          <a:prstGeom prst="rect">
+            <a:avLst/>
+          </a:prstGeom>
+        </p:spPr>
+      </p:pic>
     </p:spTree>
     <p:extLst>
       <p:ext uri="{BB962C8B-B14F-4D97-AF65-F5344CB8AC3E}">
-        <p14:creationId xmlns:p14="http://schemas.microsoft.com/office/powerpoint/2010/main" val="2446632579"/>
+        <p14:creationId xmlns:p14="http://schemas.microsoft.com/office/powerpoint/2010/main" val="2065026882"/>
       </p:ext>
     </p:extLst>
   </p:cSld>
   <p:clrMapOvr>
     <a:masterClrMapping/>
   </p:clrMapOvr>
+  <p:timing>
+    <p:tnLst>
+      <p:par>
+        <p:cTn id="1" dur="indefinite" restart="never" nodeType="tmRoot"/>
+      </p:par>
+    </p:tnLst>
+  </p:timing>
 </p:sld>
 </file>
 
@@ -5325,6 +6936,1008 @@
           <a:p>
             <a:r>
               <a:rPr lang="hu-HU" dirty="0" smtClean="0"/>
+              <a:t>3 – Writes Follow Reads</a:t>
+            </a:r>
+            <a:endParaRPr lang="hu-HU" dirty="0"/>
+          </a:p>
+        </p:txBody>
+      </p:sp>
+      <p:sp>
+        <p:nvSpPr>
+          <p:cNvPr id="3" name="Content Placeholder 2"/>
+          <p:cNvSpPr>
+            <a:spLocks noGrp="1"/>
+          </p:cNvSpPr>
+          <p:nvPr>
+            <p:ph idx="1"/>
+          </p:nvPr>
+        </p:nvSpPr>
+        <p:spPr/>
+        <p:txBody>
+          <a:bodyPr>
+            <a:normAutofit fontScale="92500" lnSpcReduction="20000"/>
+          </a:bodyPr>
+          <a:lstStyle/>
+          <a:p>
+            <a:r>
+              <a:rPr lang="hu-HU" dirty="0" smtClean="0"/>
+              <a:t>Writes made during the session are ordered after any Writes whose effects were seen by previous Reads in the session</a:t>
+            </a:r>
+          </a:p>
+          <a:p>
+            <a:r>
+              <a:rPr lang="hu-HU" dirty="0" smtClean="0"/>
+              <a:t>If Read R</a:t>
+            </a:r>
+            <a:r>
+              <a:rPr lang="hu-HU" sz="2000" dirty="0" smtClean="0"/>
+              <a:t>1</a:t>
+            </a:r>
+            <a:r>
+              <a:rPr lang="hu-HU" dirty="0" smtClean="0"/>
+              <a:t> precedes Write W</a:t>
+            </a:r>
+            <a:r>
+              <a:rPr lang="hu-HU" sz="2000" dirty="0" smtClean="0"/>
+              <a:t>2</a:t>
+            </a:r>
+            <a:r>
+              <a:rPr lang="hu-HU" dirty="0" smtClean="0"/>
+              <a:t> in a session and R</a:t>
+            </a:r>
+            <a:r>
+              <a:rPr lang="hu-HU" sz="2000" dirty="0" smtClean="0"/>
+              <a:t>1</a:t>
+            </a:r>
+            <a:r>
+              <a:rPr lang="hu-HU" dirty="0" smtClean="0"/>
+              <a:t> is performed at server S</a:t>
+            </a:r>
+            <a:r>
+              <a:rPr lang="hu-HU" sz="2000" dirty="0" smtClean="0"/>
+              <a:t>1</a:t>
+            </a:r>
+            <a:r>
+              <a:rPr lang="hu-HU" dirty="0" smtClean="0"/>
+              <a:t> at time t</a:t>
+            </a:r>
+            <a:r>
+              <a:rPr lang="hu-HU" sz="2000" dirty="0" smtClean="0"/>
+              <a:t>1</a:t>
+            </a:r>
+            <a:r>
+              <a:rPr lang="hu-HU" dirty="0" smtClean="0"/>
+              <a:t>, then, for any server S</a:t>
+            </a:r>
+            <a:r>
+              <a:rPr lang="hu-HU" sz="2000" dirty="0" smtClean="0"/>
+              <a:t>2</a:t>
+            </a:r>
+            <a:r>
+              <a:rPr lang="hu-HU" dirty="0" smtClean="0"/>
+              <a:t>, if W</a:t>
+            </a:r>
+            <a:r>
+              <a:rPr lang="hu-HU" sz="2000" dirty="0" smtClean="0"/>
+              <a:t>2</a:t>
+            </a:r>
+            <a:r>
+              <a:rPr lang="hu-HU" dirty="0" smtClean="0"/>
+              <a:t> is in DB(S</a:t>
+            </a:r>
+            <a:r>
+              <a:rPr lang="hu-HU" sz="2000" dirty="0" smtClean="0"/>
+              <a:t>2</a:t>
+            </a:r>
+            <a:r>
+              <a:rPr lang="hu-HU" dirty="0" smtClean="0"/>
+              <a:t>) then any W</a:t>
+            </a:r>
+            <a:r>
+              <a:rPr lang="hu-HU" sz="2000" dirty="0" smtClean="0"/>
+              <a:t>1</a:t>
+            </a:r>
+            <a:r>
+              <a:rPr lang="hu-HU" dirty="0" smtClean="0"/>
+              <a:t> in RelevantWrites(S</a:t>
+            </a:r>
+            <a:r>
+              <a:rPr lang="hu-HU" sz="2000" dirty="0" smtClean="0"/>
+              <a:t>1</a:t>
+            </a:r>
+            <a:r>
+              <a:rPr lang="hu-HU" dirty="0" smtClean="0"/>
+              <a:t>, t</a:t>
+            </a:r>
+            <a:r>
+              <a:rPr lang="hu-HU" sz="2000" dirty="0" smtClean="0"/>
+              <a:t>1</a:t>
+            </a:r>
+            <a:r>
+              <a:rPr lang="hu-HU" dirty="0" smtClean="0"/>
+              <a:t>, R</a:t>
+            </a:r>
+            <a:r>
+              <a:rPr lang="hu-HU" sz="2000" dirty="0" smtClean="0"/>
+              <a:t>1</a:t>
+            </a:r>
+            <a:r>
+              <a:rPr lang="hu-HU" dirty="0" smtClean="0"/>
+              <a:t>) is also in DB(S</a:t>
+            </a:r>
+            <a:r>
+              <a:rPr lang="hu-HU" sz="2000" dirty="0" smtClean="0"/>
+              <a:t>2</a:t>
+            </a:r>
+            <a:r>
+              <a:rPr lang="hu-HU" dirty="0" smtClean="0"/>
+              <a:t>) and WriteOrder(W</a:t>
+            </a:r>
+            <a:r>
+              <a:rPr lang="hu-HU" sz="2000" dirty="0" smtClean="0"/>
+              <a:t>1</a:t>
+            </a:r>
+            <a:r>
+              <a:rPr lang="hu-HU" dirty="0" smtClean="0"/>
+              <a:t>, W</a:t>
+            </a:r>
+            <a:r>
+              <a:rPr lang="hu-HU" sz="2000" dirty="0" smtClean="0"/>
+              <a:t>2</a:t>
+            </a:r>
+            <a:r>
+              <a:rPr lang="hu-HU" dirty="0" smtClean="0"/>
+              <a:t>) stands.</a:t>
+            </a:r>
+          </a:p>
+          <a:p>
+            <a:r>
+              <a:rPr lang="hu-HU" b="1" dirty="0" smtClean="0"/>
+              <a:t>Example</a:t>
+            </a:r>
+            <a:r>
+              <a:rPr lang="hu-HU" dirty="0" smtClean="0"/>
+              <a:t>: </a:t>
+            </a:r>
+            <a:r>
+              <a:rPr lang="en-US" dirty="0" smtClean="0"/>
+              <a:t>A</a:t>
+            </a:r>
+            <a:r>
+              <a:rPr lang="hu-HU" dirty="0" smtClean="0"/>
+              <a:t> </a:t>
+            </a:r>
+            <a:r>
+              <a:rPr lang="hu-HU" dirty="0" smtClean="0"/>
+              <a:t>user creates a place in Foursquare, then checks in. If a server sees the check-in, they also saw the place creation event before.</a:t>
+            </a:r>
+            <a:endParaRPr lang="hu-HU" dirty="0">
+              <a:solidFill>
+                <a:srgbClr val="FF0000"/>
+              </a:solidFill>
+            </a:endParaRPr>
+          </a:p>
+        </p:txBody>
+      </p:sp>
+    </p:spTree>
+    <p:extLst>
+      <p:ext uri="{BB962C8B-B14F-4D97-AF65-F5344CB8AC3E}">
+        <p14:creationId xmlns:p14="http://schemas.microsoft.com/office/powerpoint/2010/main" val="50290576"/>
+      </p:ext>
+    </p:extLst>
+  </p:cSld>
+  <p:clrMapOvr>
+    <a:masterClrMapping/>
+  </p:clrMapOvr>
+  <p:timing>
+    <p:tnLst>
+      <p:par>
+        <p:cTn id="1" dur="indefinite" restart="never" nodeType="tmRoot"/>
+      </p:par>
+    </p:tnLst>
+  </p:timing>
+</p:sld>
+</file>
+
+<file path=ppt/slides/slide16.xml><?xml version="1.0" encoding="utf-8"?>
+<p:sld xmlns:a="http://schemas.openxmlformats.org/drawingml/2006/main" xmlns:r="http://schemas.openxmlformats.org/officeDocument/2006/relationships" xmlns:p="http://schemas.openxmlformats.org/presentationml/2006/main">
+  <p:cSld>
+    <p:spTree>
+      <p:nvGrpSpPr>
+        <p:cNvPr id="1" name=""/>
+        <p:cNvGrpSpPr/>
+        <p:nvPr/>
+      </p:nvGrpSpPr>
+      <p:grpSpPr>
+        <a:xfrm>
+          <a:off x="0" y="0"/>
+          <a:ext cx="0" cy="0"/>
+          <a:chOff x="0" y="0"/>
+          <a:chExt cx="0" cy="0"/>
+        </a:xfrm>
+      </p:grpSpPr>
+      <p:sp>
+        <p:nvSpPr>
+          <p:cNvPr id="2" name="Title 1"/>
+          <p:cNvSpPr>
+            <a:spLocks noGrp="1"/>
+          </p:cNvSpPr>
+          <p:nvPr>
+            <p:ph type="title"/>
+          </p:nvPr>
+        </p:nvSpPr>
+        <p:spPr>
+          <a:xfrm>
+            <a:off x="457200" y="-243408"/>
+            <a:ext cx="8229600" cy="1143000"/>
+          </a:xfrm>
+        </p:spPr>
+        <p:txBody>
+          <a:bodyPr/>
+          <a:lstStyle/>
+          <a:p>
+            <a:r>
+              <a:rPr lang="hu-HU" dirty="0"/>
+              <a:t>4 – Monotonic Writes</a:t>
+            </a:r>
+            <a:endParaRPr lang="hu-HU" dirty="0"/>
+          </a:p>
+        </p:txBody>
+      </p:sp>
+      <p:grpSp>
+        <p:nvGrpSpPr>
+          <p:cNvPr id="9" name="Group 8"/>
+          <p:cNvGrpSpPr/>
+          <p:nvPr/>
+        </p:nvGrpSpPr>
+        <p:grpSpPr>
+          <a:xfrm>
+            <a:off x="5419674" y="1412776"/>
+            <a:ext cx="3544814" cy="1779888"/>
+            <a:chOff x="1187624" y="6021288"/>
+            <a:chExt cx="3544814" cy="443191"/>
+          </a:xfrm>
+        </p:grpSpPr>
+        <p:cxnSp>
+          <p:nvCxnSpPr>
+            <p:cNvPr id="10" name="Straight Arrow Connector 9"/>
+            <p:cNvCxnSpPr/>
+            <p:nvPr/>
+          </p:nvCxnSpPr>
+          <p:spPr>
+            <a:xfrm flipH="1">
+              <a:off x="1187624" y="6228143"/>
+              <a:ext cx="751793" cy="1"/>
+            </a:xfrm>
+            <a:prstGeom prst="straightConnector1">
+              <a:avLst/>
+            </a:prstGeom>
+            <a:ln>
+              <a:tailEnd type="triangle"/>
+            </a:ln>
+          </p:spPr>
+          <p:style>
+            <a:lnRef idx="3">
+              <a:schemeClr val="dk1"/>
+            </a:lnRef>
+            <a:fillRef idx="0">
+              <a:schemeClr val="dk1"/>
+            </a:fillRef>
+            <a:effectRef idx="2">
+              <a:schemeClr val="dk1"/>
+            </a:effectRef>
+            <a:fontRef idx="minor">
+              <a:schemeClr val="tx1"/>
+            </a:fontRef>
+          </p:style>
+        </p:cxnSp>
+        <p:sp>
+          <p:nvSpPr>
+            <p:cNvPr id="16" name="Rounded Rectangle 15"/>
+            <p:cNvSpPr/>
+            <p:nvPr/>
+          </p:nvSpPr>
+          <p:spPr>
+            <a:xfrm>
+              <a:off x="2049363" y="6021288"/>
+              <a:ext cx="2683075" cy="443191"/>
+            </a:xfrm>
+            <a:prstGeom prst="roundRect">
+              <a:avLst/>
+            </a:prstGeom>
+            <a:solidFill>
+              <a:schemeClr val="accent4">
+                <a:lumMod val="75000"/>
+              </a:schemeClr>
+            </a:solidFill>
+          </p:spPr>
+          <p:style>
+            <a:lnRef idx="2">
+              <a:schemeClr val="accent1">
+                <a:shade val="50000"/>
+              </a:schemeClr>
+            </a:lnRef>
+            <a:fillRef idx="1">
+              <a:schemeClr val="accent1"/>
+            </a:fillRef>
+            <a:effectRef idx="0">
+              <a:schemeClr val="accent1"/>
+            </a:effectRef>
+            <a:fontRef idx="minor">
+              <a:schemeClr val="lt1"/>
+            </a:fontRef>
+          </p:style>
+          <p:txBody>
+            <a:bodyPr rtlCol="0" anchor="ctr"/>
+            <a:lstStyle/>
+            <a:p>
+              <a:pPr algn="ctr"/>
+              <a:r>
+                <a:rPr lang="en-US" sz="2200" dirty="0" smtClean="0"/>
+                <a:t>If DB(S2) contain W2, </a:t>
+              </a:r>
+            </a:p>
+            <a:p>
+              <a:pPr algn="ctr"/>
+              <a:r>
+                <a:rPr lang="en-US" sz="2200" dirty="0" smtClean="0"/>
+                <a:t>W1 also include in DB(S2) and ordered as {W1,W2}</a:t>
+              </a:r>
+              <a:endParaRPr lang="en-US" sz="2200" dirty="0"/>
+            </a:p>
+          </p:txBody>
+        </p:sp>
+      </p:grpSp>
+      <p:grpSp>
+        <p:nvGrpSpPr>
+          <p:cNvPr id="8" name="Group 7"/>
+          <p:cNvGrpSpPr/>
+          <p:nvPr/>
+        </p:nvGrpSpPr>
+        <p:grpSpPr>
+          <a:xfrm>
+            <a:off x="3014561" y="692696"/>
+            <a:ext cx="2997599" cy="5832648"/>
+            <a:chOff x="1718417" y="692696"/>
+            <a:chExt cx="2997599" cy="5832648"/>
+          </a:xfrm>
+        </p:grpSpPr>
+        <p:grpSp>
+          <p:nvGrpSpPr>
+            <p:cNvPr id="7" name="Group 6"/>
+            <p:cNvGrpSpPr/>
+            <p:nvPr/>
+          </p:nvGrpSpPr>
+          <p:grpSpPr>
+            <a:xfrm>
+              <a:off x="1718417" y="692696"/>
+              <a:ext cx="1701455" cy="5832648"/>
+              <a:chOff x="276525" y="922015"/>
+              <a:chExt cx="1574689" cy="5819353"/>
+            </a:xfrm>
+          </p:grpSpPr>
+          <p:sp>
+            <p:nvSpPr>
+              <p:cNvPr id="6" name="TextBox 5"/>
+              <p:cNvSpPr txBox="1"/>
+              <p:nvPr/>
+            </p:nvSpPr>
+            <p:spPr>
+              <a:xfrm>
+                <a:off x="276525" y="922015"/>
+                <a:ext cx="1574689" cy="461665"/>
+              </a:xfrm>
+              <a:prstGeom prst="rect">
+                <a:avLst/>
+              </a:prstGeom>
+              <a:noFill/>
+            </p:spPr>
+            <p:txBody>
+              <a:bodyPr wrap="square" rtlCol="0">
+                <a:spAutoFit/>
+              </a:bodyPr>
+              <a:lstStyle/>
+              <a:p>
+                <a:r>
+                  <a:rPr lang="en-US" sz="2400" dirty="0" smtClean="0"/>
+                  <a:t>Time, (S1)</a:t>
+                </a:r>
+                <a:endParaRPr lang="en-US" sz="2400" dirty="0"/>
+              </a:p>
+            </p:txBody>
+          </p:sp>
+          <p:sp>
+            <p:nvSpPr>
+              <p:cNvPr id="5" name="Right Arrow 4"/>
+              <p:cNvSpPr/>
+              <p:nvPr/>
+            </p:nvSpPr>
+            <p:spPr>
+              <a:xfrm rot="16200000">
+                <a:off x="-1613030" y="3940714"/>
+                <a:ext cx="5266928" cy="334380"/>
+              </a:xfrm>
+              <a:prstGeom prst="rightArrow">
+                <a:avLst/>
+              </a:prstGeom>
+            </p:spPr>
+            <p:style>
+              <a:lnRef idx="2">
+                <a:schemeClr val="accent1">
+                  <a:shade val="50000"/>
+                </a:schemeClr>
+              </a:lnRef>
+              <a:fillRef idx="1">
+                <a:schemeClr val="accent1"/>
+              </a:fillRef>
+              <a:effectRef idx="0">
+                <a:schemeClr val="accent1"/>
+              </a:effectRef>
+              <a:fontRef idx="minor">
+                <a:schemeClr val="lt1"/>
+              </a:fontRef>
+            </p:style>
+            <p:txBody>
+              <a:bodyPr rtlCol="0" anchor="ctr"/>
+              <a:lstStyle/>
+              <a:p>
+                <a:pPr algn="ctr"/>
+                <a:endParaRPr lang="en-US"/>
+              </a:p>
+            </p:txBody>
+          </p:sp>
+        </p:grpSp>
+        <p:grpSp>
+          <p:nvGrpSpPr>
+            <p:cNvPr id="24" name="Group 23"/>
+            <p:cNvGrpSpPr/>
+            <p:nvPr/>
+          </p:nvGrpSpPr>
+          <p:grpSpPr>
+            <a:xfrm>
+              <a:off x="3085720" y="705991"/>
+              <a:ext cx="1630296" cy="5819353"/>
+              <a:chOff x="276525" y="922015"/>
+              <a:chExt cx="1574689" cy="5819353"/>
+            </a:xfrm>
+          </p:grpSpPr>
+          <p:sp>
+            <p:nvSpPr>
+              <p:cNvPr id="25" name="TextBox 24"/>
+              <p:cNvSpPr txBox="1"/>
+              <p:nvPr/>
+            </p:nvSpPr>
+            <p:spPr>
+              <a:xfrm>
+                <a:off x="276525" y="922015"/>
+                <a:ext cx="1574689" cy="461665"/>
+              </a:xfrm>
+              <a:prstGeom prst="rect">
+                <a:avLst/>
+              </a:prstGeom>
+              <a:noFill/>
+            </p:spPr>
+            <p:txBody>
+              <a:bodyPr wrap="square" rtlCol="0">
+                <a:spAutoFit/>
+              </a:bodyPr>
+              <a:lstStyle/>
+              <a:p>
+                <a:r>
+                  <a:rPr lang="en-US" sz="2400" dirty="0" smtClean="0"/>
+                  <a:t>   Time, (S2)</a:t>
+                </a:r>
+                <a:endParaRPr lang="en-US" sz="2400" dirty="0"/>
+              </a:p>
+            </p:txBody>
+          </p:sp>
+          <p:sp>
+            <p:nvSpPr>
+              <p:cNvPr id="26" name="Right Arrow 25"/>
+              <p:cNvSpPr/>
+              <p:nvPr/>
+            </p:nvSpPr>
+            <p:spPr>
+              <a:xfrm rot="16200000">
+                <a:off x="-1613030" y="3940714"/>
+                <a:ext cx="5266928" cy="334380"/>
+              </a:xfrm>
+              <a:prstGeom prst="rightArrow">
+                <a:avLst/>
+              </a:prstGeom>
+            </p:spPr>
+            <p:style>
+              <a:lnRef idx="2">
+                <a:schemeClr val="accent1">
+                  <a:shade val="50000"/>
+                </a:schemeClr>
+              </a:lnRef>
+              <a:fillRef idx="1">
+                <a:schemeClr val="accent1"/>
+              </a:fillRef>
+              <a:effectRef idx="0">
+                <a:schemeClr val="accent1"/>
+              </a:effectRef>
+              <a:fontRef idx="minor">
+                <a:schemeClr val="lt1"/>
+              </a:fontRef>
+            </p:style>
+            <p:txBody>
+              <a:bodyPr rtlCol="0" anchor="ctr"/>
+              <a:lstStyle/>
+              <a:p>
+                <a:pPr algn="ctr"/>
+                <a:endParaRPr lang="en-US"/>
+              </a:p>
+            </p:txBody>
+          </p:sp>
+        </p:grpSp>
+      </p:grpSp>
+      <p:grpSp>
+        <p:nvGrpSpPr>
+          <p:cNvPr id="37" name="Group 36"/>
+          <p:cNvGrpSpPr/>
+          <p:nvPr/>
+        </p:nvGrpSpPr>
+        <p:grpSpPr>
+          <a:xfrm flipH="1">
+            <a:off x="107504" y="5517232"/>
+            <a:ext cx="3525036" cy="443191"/>
+            <a:chOff x="1187624" y="6021288"/>
+            <a:chExt cx="3544814" cy="443191"/>
+          </a:xfrm>
+        </p:grpSpPr>
+        <p:cxnSp>
+          <p:nvCxnSpPr>
+            <p:cNvPr id="38" name="Straight Arrow Connector 37"/>
+            <p:cNvCxnSpPr/>
+            <p:nvPr/>
+          </p:nvCxnSpPr>
+          <p:spPr>
+            <a:xfrm flipH="1">
+              <a:off x="1187624" y="6228143"/>
+              <a:ext cx="751793" cy="1"/>
+            </a:xfrm>
+            <a:prstGeom prst="straightConnector1">
+              <a:avLst/>
+            </a:prstGeom>
+            <a:ln>
+              <a:tailEnd type="triangle"/>
+            </a:ln>
+          </p:spPr>
+          <p:style>
+            <a:lnRef idx="3">
+              <a:schemeClr val="dk1"/>
+            </a:lnRef>
+            <a:fillRef idx="0">
+              <a:schemeClr val="dk1"/>
+            </a:fillRef>
+            <a:effectRef idx="2">
+              <a:schemeClr val="dk1"/>
+            </a:effectRef>
+            <a:fontRef idx="minor">
+              <a:schemeClr val="tx1"/>
+            </a:fontRef>
+          </p:style>
+        </p:cxnSp>
+        <p:sp>
+          <p:nvSpPr>
+            <p:cNvPr id="39" name="Rounded Rectangle 38"/>
+            <p:cNvSpPr/>
+            <p:nvPr/>
+          </p:nvSpPr>
+          <p:spPr>
+            <a:xfrm>
+              <a:off x="2049363" y="6021288"/>
+              <a:ext cx="2683075" cy="443191"/>
+            </a:xfrm>
+            <a:prstGeom prst="roundRect">
+              <a:avLst/>
+            </a:prstGeom>
+            <a:solidFill>
+              <a:schemeClr val="accent4">
+                <a:lumMod val="75000"/>
+              </a:schemeClr>
+            </a:solidFill>
+          </p:spPr>
+          <p:style>
+            <a:lnRef idx="2">
+              <a:schemeClr val="accent1">
+                <a:shade val="50000"/>
+              </a:schemeClr>
+            </a:lnRef>
+            <a:fillRef idx="1">
+              <a:schemeClr val="accent1"/>
+            </a:fillRef>
+            <a:effectRef idx="0">
+              <a:schemeClr val="accent1"/>
+            </a:effectRef>
+            <a:fontRef idx="minor">
+              <a:schemeClr val="lt1"/>
+            </a:fontRef>
+          </p:style>
+          <p:txBody>
+            <a:bodyPr rtlCol="0" anchor="ctr"/>
+            <a:lstStyle/>
+            <a:p>
+              <a:pPr algn="ctr"/>
+              <a:r>
+                <a:rPr lang="en-US" sz="2800" dirty="0" smtClean="0"/>
+                <a:t>Write by A : W1</a:t>
+              </a:r>
+              <a:endParaRPr lang="en-US" sz="2800" dirty="0"/>
+            </a:p>
+          </p:txBody>
+        </p:sp>
+      </p:grpSp>
+      <p:pic>
+        <p:nvPicPr>
+          <p:cNvPr id="18" name="Picture 17"/>
+          <p:cNvPicPr>
+            <a:picLocks noChangeAspect="1"/>
+          </p:cNvPicPr>
+          <p:nvPr/>
+        </p:nvPicPr>
+        <p:blipFill>
+          <a:blip r:embed="rId2">
+            <a:extLst>
+              <a:ext uri="{28A0092B-C50C-407E-A947-70E740481C1C}">
+                <a14:useLocalDpi xmlns:a14="http://schemas.microsoft.com/office/drawing/2010/main" val="0"/>
+              </a:ext>
+            </a:extLst>
+          </a:blip>
+          <a:stretch>
+            <a:fillRect/>
+          </a:stretch>
+        </p:blipFill>
+        <p:spPr>
+          <a:xfrm>
+            <a:off x="4067944" y="3192664"/>
+            <a:ext cx="884408" cy="884408"/>
+          </a:xfrm>
+          <a:prstGeom prst="rect">
+            <a:avLst/>
+          </a:prstGeom>
+        </p:spPr>
+      </p:pic>
+      <p:grpSp>
+        <p:nvGrpSpPr>
+          <p:cNvPr id="23" name="Group 22"/>
+          <p:cNvGrpSpPr/>
+          <p:nvPr/>
+        </p:nvGrpSpPr>
+        <p:grpSpPr>
+          <a:xfrm flipH="1">
+            <a:off x="110860" y="3861048"/>
+            <a:ext cx="3525036" cy="443191"/>
+            <a:chOff x="1187624" y="6021288"/>
+            <a:chExt cx="3544814" cy="443191"/>
+          </a:xfrm>
+        </p:grpSpPr>
+        <p:cxnSp>
+          <p:nvCxnSpPr>
+            <p:cNvPr id="27" name="Straight Arrow Connector 26"/>
+            <p:cNvCxnSpPr/>
+            <p:nvPr/>
+          </p:nvCxnSpPr>
+          <p:spPr>
+            <a:xfrm flipH="1">
+              <a:off x="1187624" y="6228143"/>
+              <a:ext cx="751793" cy="1"/>
+            </a:xfrm>
+            <a:prstGeom prst="straightConnector1">
+              <a:avLst/>
+            </a:prstGeom>
+            <a:ln>
+              <a:tailEnd type="triangle"/>
+            </a:ln>
+          </p:spPr>
+          <p:style>
+            <a:lnRef idx="3">
+              <a:schemeClr val="dk1"/>
+            </a:lnRef>
+            <a:fillRef idx="0">
+              <a:schemeClr val="dk1"/>
+            </a:fillRef>
+            <a:effectRef idx="2">
+              <a:schemeClr val="dk1"/>
+            </a:effectRef>
+            <a:fontRef idx="minor">
+              <a:schemeClr val="tx1"/>
+            </a:fontRef>
+          </p:style>
+        </p:cxnSp>
+        <p:sp>
+          <p:nvSpPr>
+            <p:cNvPr id="28" name="Rounded Rectangle 27"/>
+            <p:cNvSpPr/>
+            <p:nvPr/>
+          </p:nvSpPr>
+          <p:spPr>
+            <a:xfrm>
+              <a:off x="2049363" y="6021288"/>
+              <a:ext cx="2683075" cy="443191"/>
+            </a:xfrm>
+            <a:prstGeom prst="roundRect">
+              <a:avLst/>
+            </a:prstGeom>
+            <a:solidFill>
+              <a:schemeClr val="accent4">
+                <a:lumMod val="75000"/>
+              </a:schemeClr>
+            </a:solidFill>
+          </p:spPr>
+          <p:style>
+            <a:lnRef idx="2">
+              <a:schemeClr val="accent1">
+                <a:shade val="50000"/>
+              </a:schemeClr>
+            </a:lnRef>
+            <a:fillRef idx="1">
+              <a:schemeClr val="accent1"/>
+            </a:fillRef>
+            <a:effectRef idx="0">
+              <a:schemeClr val="accent1"/>
+            </a:effectRef>
+            <a:fontRef idx="minor">
+              <a:schemeClr val="lt1"/>
+            </a:fontRef>
+          </p:style>
+          <p:txBody>
+            <a:bodyPr rtlCol="0" anchor="ctr"/>
+            <a:lstStyle/>
+            <a:p>
+              <a:pPr algn="ctr"/>
+              <a:r>
+                <a:rPr lang="en-US" sz="2800" dirty="0" smtClean="0"/>
+                <a:t>Write by A : W2</a:t>
+              </a:r>
+              <a:endParaRPr lang="en-US" sz="2800" dirty="0"/>
+            </a:p>
+          </p:txBody>
+        </p:sp>
+      </p:grpSp>
+    </p:spTree>
+    <p:extLst>
+      <p:ext uri="{BB962C8B-B14F-4D97-AF65-F5344CB8AC3E}">
+        <p14:creationId xmlns:p14="http://schemas.microsoft.com/office/powerpoint/2010/main" val="886333539"/>
+      </p:ext>
+    </p:extLst>
+  </p:cSld>
+  <p:clrMapOvr>
+    <a:masterClrMapping/>
+  </p:clrMapOvr>
+  <p:timing>
+    <p:tnLst>
+      <p:par>
+        <p:cTn id="1" dur="indefinite" restart="never" nodeType="tmRoot"/>
+      </p:par>
+    </p:tnLst>
+  </p:timing>
+</p:sld>
+</file>
+
+<file path=ppt/slides/slide17.xml><?xml version="1.0" encoding="utf-8"?>
+<p:sld xmlns:a="http://schemas.openxmlformats.org/drawingml/2006/main" xmlns:r="http://schemas.openxmlformats.org/officeDocument/2006/relationships" xmlns:p="http://schemas.openxmlformats.org/presentationml/2006/main">
+  <p:cSld>
+    <p:spTree>
+      <p:nvGrpSpPr>
+        <p:cNvPr id="1" name=""/>
+        <p:cNvGrpSpPr/>
+        <p:nvPr/>
+      </p:nvGrpSpPr>
+      <p:grpSpPr>
+        <a:xfrm>
+          <a:off x="0" y="0"/>
+          <a:ext cx="0" cy="0"/>
+          <a:chOff x="0" y="0"/>
+          <a:chExt cx="0" cy="0"/>
+        </a:xfrm>
+      </p:grpSpPr>
+      <p:sp>
+        <p:nvSpPr>
+          <p:cNvPr id="2" name="Title 1"/>
+          <p:cNvSpPr>
+            <a:spLocks noGrp="1"/>
+          </p:cNvSpPr>
+          <p:nvPr>
+            <p:ph type="title"/>
+          </p:nvPr>
+        </p:nvSpPr>
+        <p:spPr/>
+        <p:txBody>
+          <a:bodyPr/>
+          <a:lstStyle/>
+          <a:p>
+            <a:r>
+              <a:rPr lang="hu-HU" dirty="0" smtClean="0"/>
+              <a:t>4 – Monotonic Writes</a:t>
+            </a:r>
+            <a:endParaRPr lang="hu-HU" dirty="0"/>
+          </a:p>
+        </p:txBody>
+      </p:sp>
+      <p:sp>
+        <p:nvSpPr>
+          <p:cNvPr id="3" name="Content Placeholder 2"/>
+          <p:cNvSpPr>
+            <a:spLocks noGrp="1"/>
+          </p:cNvSpPr>
+          <p:nvPr>
+            <p:ph idx="1"/>
+          </p:nvPr>
+        </p:nvSpPr>
+        <p:spPr/>
+        <p:txBody>
+          <a:bodyPr>
+            <a:normAutofit lnSpcReduction="10000"/>
+          </a:bodyPr>
+          <a:lstStyle/>
+          <a:p>
+            <a:r>
+              <a:rPr lang="hu-HU" dirty="0" smtClean="0"/>
+              <a:t>Writes must follow previous writes within the session</a:t>
+            </a:r>
+          </a:p>
+          <a:p>
+            <a:r>
+              <a:rPr lang="hu-HU" dirty="0" smtClean="0"/>
+              <a:t>If Write W</a:t>
+            </a:r>
+            <a:r>
+              <a:rPr lang="hu-HU" sz="2000" dirty="0" smtClean="0"/>
+              <a:t>1</a:t>
+            </a:r>
+            <a:r>
+              <a:rPr lang="hu-HU" dirty="0" smtClean="0"/>
+              <a:t> precedes Write W</a:t>
+            </a:r>
+            <a:r>
+              <a:rPr lang="hu-HU" sz="2000" dirty="0" smtClean="0"/>
+              <a:t>2</a:t>
+            </a:r>
+            <a:r>
+              <a:rPr lang="hu-HU" dirty="0" smtClean="0"/>
+              <a:t> in a session, then, for any server S</a:t>
+            </a:r>
+            <a:r>
+              <a:rPr lang="hu-HU" sz="2000" dirty="0" smtClean="0"/>
+              <a:t>2</a:t>
+            </a:r>
+            <a:r>
+              <a:rPr lang="hu-HU" dirty="0" smtClean="0"/>
+              <a:t>, if W</a:t>
+            </a:r>
+            <a:r>
+              <a:rPr lang="hu-HU" sz="2000" dirty="0" smtClean="0"/>
+              <a:t>2</a:t>
+            </a:r>
+            <a:r>
+              <a:rPr lang="hu-HU" dirty="0" smtClean="0"/>
+              <a:t> in DB(S</a:t>
+            </a:r>
+            <a:r>
+              <a:rPr lang="hu-HU" sz="2000" dirty="0" smtClean="0"/>
+              <a:t>2</a:t>
+            </a:r>
+            <a:r>
+              <a:rPr lang="hu-HU" dirty="0" smtClean="0"/>
+              <a:t>) then W</a:t>
+            </a:r>
+            <a:r>
+              <a:rPr lang="hu-HU" sz="2000" dirty="0" smtClean="0"/>
+              <a:t>1</a:t>
+            </a:r>
+            <a:r>
+              <a:rPr lang="hu-HU" dirty="0" smtClean="0"/>
+              <a:t> is also in DB(S</a:t>
+            </a:r>
+            <a:r>
+              <a:rPr lang="hu-HU" sz="2000" dirty="0" smtClean="0"/>
+              <a:t>2</a:t>
+            </a:r>
+            <a:r>
+              <a:rPr lang="hu-HU" dirty="0" smtClean="0"/>
+              <a:t>) and WriteOrder(W</a:t>
+            </a:r>
+            <a:r>
+              <a:rPr lang="hu-HU" sz="2000" dirty="0" smtClean="0"/>
+              <a:t>1</a:t>
+            </a:r>
+            <a:r>
+              <a:rPr lang="hu-HU" dirty="0" smtClean="0"/>
+              <a:t>, W</a:t>
+            </a:r>
+            <a:r>
+              <a:rPr lang="hu-HU" sz="2000" dirty="0" smtClean="0"/>
+              <a:t>2</a:t>
+            </a:r>
+            <a:r>
+              <a:rPr lang="hu-HU" dirty="0" smtClean="0"/>
+              <a:t>) stands</a:t>
+            </a:r>
+          </a:p>
+          <a:p>
+            <a:r>
+              <a:rPr lang="hu-HU" b="1" dirty="0" smtClean="0"/>
+              <a:t>Example</a:t>
+            </a:r>
+            <a:r>
+              <a:rPr lang="hu-HU" dirty="0" smtClean="0"/>
+              <a:t>: </a:t>
+            </a:r>
+            <a:r>
+              <a:rPr lang="en-US" dirty="0" smtClean="0"/>
+              <a:t>A</a:t>
+            </a:r>
+            <a:r>
+              <a:rPr lang="hu-HU" dirty="0" smtClean="0"/>
+              <a:t>utomatic </a:t>
+            </a:r>
+            <a:r>
+              <a:rPr lang="hu-HU" dirty="0" smtClean="0"/>
+              <a:t>address book backup service – shouldn’t overwrite/remove previous addresses</a:t>
+            </a:r>
+          </a:p>
+          <a:p>
+            <a:endParaRPr lang="hu-HU" dirty="0"/>
+          </a:p>
+        </p:txBody>
+      </p:sp>
+    </p:spTree>
+    <p:extLst>
+      <p:ext uri="{BB962C8B-B14F-4D97-AF65-F5344CB8AC3E}">
+        <p14:creationId xmlns:p14="http://schemas.microsoft.com/office/powerpoint/2010/main" val="2446632579"/>
+      </p:ext>
+    </p:extLst>
+  </p:cSld>
+  <p:clrMapOvr>
+    <a:masterClrMapping/>
+  </p:clrMapOvr>
+  <p:timing>
+    <p:tnLst>
+      <p:par>
+        <p:cTn id="1" dur="indefinite" restart="never" nodeType="tmRoot"/>
+      </p:par>
+    </p:tnLst>
+  </p:timing>
+</p:sld>
+</file>
+
+<file path=ppt/slides/slide18.xml><?xml version="1.0" encoding="utf-8"?>
+<p:sld xmlns:a="http://schemas.openxmlformats.org/drawingml/2006/main" xmlns:r="http://schemas.openxmlformats.org/officeDocument/2006/relationships" xmlns:p="http://schemas.openxmlformats.org/presentationml/2006/main">
+  <p:cSld>
+    <p:spTree>
+      <p:nvGrpSpPr>
+        <p:cNvPr id="1" name=""/>
+        <p:cNvGrpSpPr/>
+        <p:nvPr/>
+      </p:nvGrpSpPr>
+      <p:grpSpPr>
+        <a:xfrm>
+          <a:off x="0" y="0"/>
+          <a:ext cx="0" cy="0"/>
+          <a:chOff x="0" y="0"/>
+          <a:chExt cx="0" cy="0"/>
+        </a:xfrm>
+      </p:grpSpPr>
+      <p:sp>
+        <p:nvSpPr>
+          <p:cNvPr id="2" name="Title 1"/>
+          <p:cNvSpPr>
+            <a:spLocks noGrp="1"/>
+          </p:cNvSpPr>
+          <p:nvPr>
+            <p:ph type="title"/>
+          </p:nvPr>
+        </p:nvSpPr>
+        <p:spPr/>
+        <p:txBody>
+          <a:bodyPr/>
+          <a:lstStyle/>
+          <a:p>
+            <a:r>
+              <a:rPr lang="hu-HU" dirty="0" smtClean="0"/>
               <a:t>Providing the guarantees</a:t>
             </a:r>
             <a:endParaRPr lang="hu-HU" dirty="0"/>
@@ -5414,10 +8027,17 @@
   <p:clrMapOvr>
     <a:masterClrMapping/>
   </p:clrMapOvr>
+  <p:timing>
+    <p:tnLst>
+      <p:par>
+        <p:cTn id="1" dur="indefinite" restart="never" nodeType="tmRoot"/>
+      </p:par>
+    </p:tnLst>
+  </p:timing>
 </p:sld>
 </file>
 
-<file path=ppt/slides/slide16.xml><?xml version="1.0" encoding="utf-8"?>
+<file path=ppt/slides/slide19.xml><?xml version="1.0" encoding="utf-8"?>
 <p:sld xmlns:a="http://schemas.openxmlformats.org/drawingml/2006/main" xmlns:r="http://schemas.openxmlformats.org/officeDocument/2006/relationships" xmlns:p="http://schemas.openxmlformats.org/presentationml/2006/main">
   <p:cSld>
     <p:spTree>
@@ -5511,7 +8131,7 @@
                       <m:sSubPr>
                         <m:ctrlPr>
                           <a:rPr lang="hu-HU" b="0" i="1" smtClean="0">
-                            <a:latin typeface="Cambria Math"/>
+                            <a:latin typeface="Cambria Math" panose="02040503050406030204" pitchFamily="18" charset="0"/>
                             <a:ea typeface="Cambria Math"/>
                           </a:rPr>
                         </m:ctrlPr>
@@ -5580,7 +8200,7 @@
                       <m:dPr>
                         <m:ctrlPr>
                           <a:rPr lang="hu-HU" b="0" i="1" smtClean="0">
-                            <a:latin typeface="Cambria Math"/>
+                            <a:latin typeface="Cambria Math" panose="02040503050406030204" pitchFamily="18" charset="0"/>
                             <a:ea typeface="Cambria Math"/>
                           </a:rPr>
                         </m:ctrlPr>
@@ -5679,10 +8299,145 @@
   <p:clrMapOvr>
     <a:masterClrMapping/>
   </p:clrMapOvr>
+  <p:timing>
+    <p:tnLst>
+      <p:par>
+        <p:cTn id="1" dur="indefinite" restart="never" nodeType="tmRoot"/>
+      </p:par>
+    </p:tnLst>
+  </p:timing>
 </p:sld>
 </file>
 
-<file path=ppt/slides/slide17.xml><?xml version="1.0" encoding="utf-8"?>
+<file path=ppt/slides/slide2.xml><?xml version="1.0" encoding="utf-8"?>
+<p:sld xmlns:a="http://schemas.openxmlformats.org/drawingml/2006/main" xmlns:r="http://schemas.openxmlformats.org/officeDocument/2006/relationships" xmlns:p="http://schemas.openxmlformats.org/presentationml/2006/main">
+  <p:cSld>
+    <p:spTree>
+      <p:nvGrpSpPr>
+        <p:cNvPr id="1" name=""/>
+        <p:cNvGrpSpPr/>
+        <p:nvPr/>
+      </p:nvGrpSpPr>
+      <p:grpSpPr>
+        <a:xfrm>
+          <a:off x="0" y="0"/>
+          <a:ext cx="0" cy="0"/>
+          <a:chOff x="0" y="0"/>
+          <a:chExt cx="0" cy="0"/>
+        </a:xfrm>
+      </p:grpSpPr>
+      <p:sp>
+        <p:nvSpPr>
+          <p:cNvPr id="2" name="Title 1"/>
+          <p:cNvSpPr>
+            <a:spLocks noGrp="1"/>
+          </p:cNvSpPr>
+          <p:nvPr>
+            <p:ph type="title"/>
+          </p:nvPr>
+        </p:nvSpPr>
+        <p:spPr/>
+        <p:txBody>
+          <a:bodyPr/>
+          <a:lstStyle/>
+          <a:p>
+            <a:r>
+              <a:rPr lang="hu-HU" dirty="0" smtClean="0"/>
+              <a:t>Weakly Consistent Systems</a:t>
+            </a:r>
+            <a:endParaRPr lang="hu-HU" dirty="0"/>
+          </a:p>
+        </p:txBody>
+      </p:sp>
+      <p:sp>
+        <p:nvSpPr>
+          <p:cNvPr id="3" name="Content Placeholder 2"/>
+          <p:cNvSpPr>
+            <a:spLocks noGrp="1"/>
+          </p:cNvSpPr>
+          <p:nvPr>
+            <p:ph idx="1"/>
+          </p:nvPr>
+        </p:nvSpPr>
+        <p:spPr/>
+        <p:txBody>
+          <a:bodyPr/>
+          <a:lstStyle/>
+          <a:p>
+            <a:r>
+              <a:rPr lang="hu-HU" dirty="0" smtClean="0"/>
+              <a:t>What is consistency?</a:t>
+            </a:r>
+          </a:p>
+          <a:p>
+            <a:r>
+              <a:rPr lang="hu-HU" dirty="0" smtClean="0"/>
+              <a:t>What is weak consistency?</a:t>
+            </a:r>
+          </a:p>
+          <a:p>
+            <a:r>
+              <a:rPr lang="hu-HU" dirty="0" smtClean="0"/>
+              <a:t>Why do we need it?</a:t>
+            </a:r>
+          </a:p>
+          <a:p>
+            <a:pPr lvl="1"/>
+            <a:r>
+              <a:rPr lang="hu-HU" dirty="0"/>
+              <a:t>CAP </a:t>
+            </a:r>
+            <a:endParaRPr lang="hu-HU" dirty="0" smtClean="0"/>
+          </a:p>
+          <a:p>
+            <a:pPr lvl="1"/>
+            <a:r>
+              <a:rPr lang="hu-HU" dirty="0" smtClean="0"/>
+              <a:t>Read-any/write-any replication</a:t>
+            </a:r>
+          </a:p>
+          <a:p>
+            <a:pPr lvl="1"/>
+            <a:r>
+              <a:rPr lang="hu-HU" dirty="0" smtClean="0"/>
+              <a:t>Transactions </a:t>
+            </a:r>
+            <a:r>
+              <a:rPr lang="hu-HU" dirty="0"/>
+              <a:t>are </a:t>
+            </a:r>
+            <a:r>
+              <a:rPr lang="hu-HU" dirty="0" smtClean="0"/>
+              <a:t>inefficient</a:t>
+            </a:r>
+          </a:p>
+          <a:p>
+            <a:pPr lvl="1"/>
+            <a:endParaRPr lang="hu-HU" dirty="0"/>
+          </a:p>
+        </p:txBody>
+      </p:sp>
+    </p:spTree>
+    <p:extLst>
+      <p:ext uri="{BB962C8B-B14F-4D97-AF65-F5344CB8AC3E}">
+        <p14:creationId xmlns:p14="http://schemas.microsoft.com/office/powerpoint/2010/main" val="3309803083"/>
+      </p:ext>
+    </p:extLst>
+  </p:cSld>
+  <p:clrMapOvr>
+    <a:masterClrMapping/>
+  </p:clrMapOvr>
+  <p:timing>
+    <p:tnLst>
+      <p:par>
+        <p:cTn id="1" dur="indefinite" restart="never" nodeType="tmRoot"/>
+      </p:par>
+    </p:tnLst>
+  </p:timing>
+</p:sld>
+</file>
+
+<file path=ppt/slides/slide20.xml><?xml version="1.0" encoding="utf-8"?>
 <p:sld xmlns:a="http://schemas.openxmlformats.org/drawingml/2006/main" xmlns:r="http://schemas.openxmlformats.org/officeDocument/2006/relationships" xmlns:p="http://schemas.openxmlformats.org/presentationml/2006/main">
   <p:cSld>
     <p:spTree>
@@ -5773,7 +8528,7 @@
                       <m:dPr>
                         <m:ctrlPr>
                           <a:rPr lang="hu-HU" b="0" i="1" smtClean="0">
-                            <a:latin typeface="Cambria Math"/>
+                            <a:latin typeface="Cambria Math" panose="02040503050406030204" pitchFamily="18" charset="0"/>
                           </a:rPr>
                         </m:ctrlPr>
                       </m:dPr>
@@ -5961,10 +8716,17 @@
   <p:clrMapOvr>
     <a:masterClrMapping/>
   </p:clrMapOvr>
+  <p:timing>
+    <p:tnLst>
+      <p:par>
+        <p:cTn id="1" dur="indefinite" restart="never" nodeType="tmRoot"/>
+      </p:par>
+    </p:tnLst>
+  </p:timing>
 </p:sld>
 </file>
 
-<file path=ppt/slides/slide18.xml><?xml version="1.0" encoding="utf-8"?>
+<file path=ppt/slides/slide21.xml><?xml version="1.0" encoding="utf-8"?>
 <p:sld xmlns:a="http://schemas.openxmlformats.org/drawingml/2006/main" xmlns:r="http://schemas.openxmlformats.org/officeDocument/2006/relationships" xmlns:p="http://schemas.openxmlformats.org/presentationml/2006/main">
   <p:cSld>
     <p:spTree>
@@ -6004,8 +8766,8 @@
           </a:p>
         </p:txBody>
       </p:sp>
-      <mc:AlternateContent xmlns:mc="http://schemas.openxmlformats.org/markup-compatibility/2006">
-        <mc:Choice xmlns:a14="http://schemas.microsoft.com/office/drawing/2010/main" Requires="a14">
+      <mc:AlternateContent xmlns:mc="http://schemas.openxmlformats.org/markup-compatibility/2006" xmlns:a14="http://schemas.microsoft.com/office/drawing/2010/main">
+        <mc:Choice Requires="a14">
           <p:sp>
             <p:nvSpPr>
               <p:cNvPr id="3" name="Content Placeholder 2"/>
@@ -6050,7 +8812,7 @@
                       <m:dPr>
                         <m:ctrlPr>
                           <a:rPr lang="hu-HU" b="0" i="1" smtClean="0">
-                            <a:latin typeface="Cambria Math"/>
+                            <a:latin typeface="Cambria Math" panose="02040503050406030204" pitchFamily="18" charset="0"/>
                           </a:rPr>
                         </m:ctrlPr>
                       </m:dPr>
@@ -6059,7 +8821,7 @@
                           <m:sSubPr>
                             <m:ctrlPr>
                               <a:rPr lang="hu-HU" b="0" i="1" smtClean="0">
-                                <a:latin typeface="Cambria Math"/>
+                                <a:latin typeface="Cambria Math" panose="02040503050406030204" pitchFamily="18" charset="0"/>
                               </a:rPr>
                             </m:ctrlPr>
                           </m:sSubPr>
@@ -6090,7 +8852,7 @@
                           <m:sSubPr>
                             <m:ctrlPr>
                               <a:rPr lang="hu-HU" b="0" i="1" smtClean="0">
-                                <a:latin typeface="Cambria Math"/>
+                                <a:latin typeface="Cambria Math" panose="02040503050406030204" pitchFamily="18" charset="0"/>
                               </a:rPr>
                             </m:ctrlPr>
                           </m:sSubPr>
@@ -6147,7 +8909,7 @@
                       <m:sSubPr>
                         <m:ctrlPr>
                           <a:rPr lang="hu-HU" b="0" i="1" smtClean="0">
-                            <a:latin typeface="Cambria Math"/>
+                            <a:latin typeface="Cambria Math" panose="02040503050406030204" pitchFamily="18" charset="0"/>
                           </a:rPr>
                         </m:ctrlPr>
                       </m:sSubPr>
@@ -6273,7 +9035,7 @@
                       <m:sSubPr>
                         <m:ctrlPr>
                           <a:rPr lang="hu-HU" i="1" smtClean="0">
-                            <a:latin typeface="Cambria Math"/>
+                            <a:latin typeface="Cambria Math" panose="02040503050406030204" pitchFamily="18" charset="0"/>
                             <a:ea typeface="Cambria Math"/>
                           </a:rPr>
                         </m:ctrlPr>
@@ -6315,7 +9077,7 @@
                       <m:dPr>
                         <m:ctrlPr>
                           <a:rPr lang="hu-HU" b="0" i="1" smtClean="0">
-                            <a:latin typeface="Cambria Math"/>
+                            <a:latin typeface="Cambria Math" panose="02040503050406030204" pitchFamily="18" charset="0"/>
                             <a:ea typeface="Cambria Math"/>
                           </a:rPr>
                         </m:ctrlPr>
@@ -6390,7 +9152,7 @@
                       <m:dPr>
                         <m:ctrlPr>
                           <a:rPr lang="hu-HU" b="0" i="1" smtClean="0">
-                            <a:latin typeface="Cambria Math"/>
+                            <a:latin typeface="Cambria Math" panose="02040503050406030204" pitchFamily="18" charset="0"/>
                             <a:ea typeface="Cambria Math"/>
                           </a:rPr>
                         </m:ctrlPr>
@@ -6400,7 +9162,7 @@
                           <m:sSubPr>
                             <m:ctrlPr>
                               <a:rPr lang="hu-HU" b="0" i="1" smtClean="0">
-                                <a:latin typeface="Cambria Math"/>
+                                <a:latin typeface="Cambria Math" panose="02040503050406030204" pitchFamily="18" charset="0"/>
                                 <a:ea typeface="Cambria Math"/>
                               </a:rPr>
                             </m:ctrlPr>
@@ -6435,7 +9197,7 @@
                           <m:sSubPr>
                             <m:ctrlPr>
                               <a:rPr lang="hu-HU" b="0" i="1" smtClean="0">
-                                <a:latin typeface="Cambria Math"/>
+                                <a:latin typeface="Cambria Math" panose="02040503050406030204" pitchFamily="18" charset="0"/>
                                 <a:ea typeface="Cambria Math"/>
                               </a:rPr>
                             </m:ctrlPr>
@@ -6472,7 +9234,7 @@
                       <m:sSubPr>
                         <m:ctrlPr>
                           <a:rPr lang="hu-HU" b="0" i="1" smtClean="0">
-                            <a:latin typeface="Cambria Math"/>
+                            <a:latin typeface="Cambria Math" panose="02040503050406030204" pitchFamily="18" charset="0"/>
                             <a:ea typeface="Cambria Math"/>
                           </a:rPr>
                         </m:ctrlPr>
@@ -6513,7 +9275,7 @@
             </p:txBody>
           </p:sp>
         </mc:Choice>
-        <mc:Fallback>
+        <mc:Fallback xmlns="">
           <p:sp>
             <p:nvSpPr>
               <p:cNvPr id="3" name="Content Placeholder 2"/>
@@ -6557,10 +9319,17 @@
   <p:clrMapOvr>
     <a:masterClrMapping/>
   </p:clrMapOvr>
+  <p:timing>
+    <p:tnLst>
+      <p:par>
+        <p:cTn id="1" dur="indefinite" restart="never" nodeType="tmRoot"/>
+      </p:par>
+    </p:tnLst>
+  </p:timing>
 </p:sld>
 </file>
 
-<file path=ppt/slides/slide19.xml><?xml version="1.0" encoding="utf-8"?>
+<file path=ppt/slides/slide22.xml><?xml version="1.0" encoding="utf-8"?>
 <p:sld xmlns:a="http://schemas.openxmlformats.org/drawingml/2006/main" xmlns:r="http://schemas.openxmlformats.org/officeDocument/2006/relationships" xmlns:p="http://schemas.openxmlformats.org/presentationml/2006/main">
   <p:cSld>
     <p:spTree>
@@ -6855,127 +9624,6 @@
   <p:clrMapOvr>
     <a:masterClrMapping/>
   </p:clrMapOvr>
-</p:sld>
-</file>
-
-<file path=ppt/slides/slide2.xml><?xml version="1.0" encoding="utf-8"?>
-<p:sld xmlns:a="http://schemas.openxmlformats.org/drawingml/2006/main" xmlns:r="http://schemas.openxmlformats.org/officeDocument/2006/relationships" xmlns:p="http://schemas.openxmlformats.org/presentationml/2006/main">
-  <p:cSld>
-    <p:spTree>
-      <p:nvGrpSpPr>
-        <p:cNvPr id="1" name=""/>
-        <p:cNvGrpSpPr/>
-        <p:nvPr/>
-      </p:nvGrpSpPr>
-      <p:grpSpPr>
-        <a:xfrm>
-          <a:off x="0" y="0"/>
-          <a:ext cx="0" cy="0"/>
-          <a:chOff x="0" y="0"/>
-          <a:chExt cx="0" cy="0"/>
-        </a:xfrm>
-      </p:grpSpPr>
-      <p:sp>
-        <p:nvSpPr>
-          <p:cNvPr id="2" name="Title 1"/>
-          <p:cNvSpPr>
-            <a:spLocks noGrp="1"/>
-          </p:cNvSpPr>
-          <p:nvPr>
-            <p:ph type="title"/>
-          </p:nvPr>
-        </p:nvSpPr>
-        <p:spPr/>
-        <p:txBody>
-          <a:bodyPr/>
-          <a:lstStyle/>
-          <a:p>
-            <a:r>
-              <a:rPr lang="hu-HU" dirty="0" smtClean="0"/>
-              <a:t>Weakly Consistent Systems</a:t>
-            </a:r>
-            <a:endParaRPr lang="hu-HU" dirty="0"/>
-          </a:p>
-        </p:txBody>
-      </p:sp>
-      <p:sp>
-        <p:nvSpPr>
-          <p:cNvPr id="3" name="Content Placeholder 2"/>
-          <p:cNvSpPr>
-            <a:spLocks noGrp="1"/>
-          </p:cNvSpPr>
-          <p:nvPr>
-            <p:ph idx="1"/>
-          </p:nvPr>
-        </p:nvSpPr>
-        <p:spPr/>
-        <p:txBody>
-          <a:bodyPr/>
-          <a:lstStyle/>
-          <a:p>
-            <a:r>
-              <a:rPr lang="hu-HU" dirty="0" smtClean="0"/>
-              <a:t>What is consistency?</a:t>
-            </a:r>
-          </a:p>
-          <a:p>
-            <a:r>
-              <a:rPr lang="hu-HU" dirty="0" smtClean="0"/>
-              <a:t>What is weak consistency?</a:t>
-            </a:r>
-          </a:p>
-          <a:p>
-            <a:r>
-              <a:rPr lang="hu-HU" dirty="0" smtClean="0"/>
-              <a:t>Why do we need it?</a:t>
-            </a:r>
-          </a:p>
-          <a:p>
-            <a:pPr lvl="1"/>
-            <a:r>
-              <a:rPr lang="hu-HU" dirty="0"/>
-              <a:t>CAP </a:t>
-            </a:r>
-            <a:endParaRPr lang="hu-HU" dirty="0" smtClean="0"/>
-          </a:p>
-          <a:p>
-            <a:pPr lvl="1"/>
-            <a:r>
-              <a:rPr lang="hu-HU" dirty="0" smtClean="0"/>
-              <a:t>Read-any/write-any replication</a:t>
-            </a:r>
-          </a:p>
-          <a:p>
-            <a:pPr lvl="1"/>
-            <a:r>
-              <a:rPr lang="hu-HU" dirty="0" smtClean="0"/>
-              <a:t>Transactions </a:t>
-            </a:r>
-            <a:r>
-              <a:rPr lang="hu-HU" dirty="0"/>
-              <a:t>are </a:t>
-            </a:r>
-            <a:r>
-              <a:rPr lang="hu-HU" dirty="0" smtClean="0"/>
-              <a:t>inefficient</a:t>
-            </a:r>
-          </a:p>
-          <a:p>
-            <a:pPr lvl="1"/>
-            <a:endParaRPr lang="hu-HU" dirty="0"/>
-          </a:p>
-        </p:txBody>
-      </p:sp>
-    </p:spTree>
-    <p:extLst>
-      <p:ext uri="{BB962C8B-B14F-4D97-AF65-F5344CB8AC3E}">
-        <p14:creationId xmlns:p14="http://schemas.microsoft.com/office/powerpoint/2010/main" val="3309803083"/>
-      </p:ext>
-    </p:extLst>
-  </p:cSld>
-  <p:clrMapOvr>
-    <a:masterClrMapping/>
-  </p:clrMapOvr>
   <p:timing>
     <p:tnLst>
       <p:par>
@@ -6986,7 +9634,7 @@
 </p:sld>
 </file>
 
-<file path=ppt/slides/slide20.xml><?xml version="1.0" encoding="utf-8"?>
+<file path=ppt/slides/slide23.xml><?xml version="1.0" encoding="utf-8"?>
 <p:sld xmlns:a="http://schemas.openxmlformats.org/drawingml/2006/main" xmlns:r="http://schemas.openxmlformats.org/officeDocument/2006/relationships" xmlns:p="http://schemas.openxmlformats.org/presentationml/2006/main">
   <p:cSld>
     <p:spTree>
@@ -7074,7 +9722,7 @@
                       <m:dPr>
                         <m:ctrlPr>
                           <a:rPr lang="hu-HU" b="0" i="1" smtClean="0">
-                            <a:latin typeface="Cambria Math"/>
+                            <a:latin typeface="Cambria Math" panose="02040503050406030204" pitchFamily="18" charset="0"/>
                           </a:rPr>
                         </m:ctrlPr>
                       </m:dPr>
@@ -7144,7 +9792,7 @@
                         <m:endChr m:val="}"/>
                         <m:ctrlPr>
                           <a:rPr lang="hu-HU" b="0" i="1" smtClean="0">
-                            <a:latin typeface="Cambria Math"/>
+                            <a:latin typeface="Cambria Math" panose="02040503050406030204" pitchFamily="18" charset="0"/>
                             <a:ea typeface="Cambria Math"/>
                           </a:rPr>
                         </m:ctrlPr>
@@ -7154,7 +9802,7 @@
                           <m:sSubPr>
                             <m:ctrlPr>
                               <a:rPr lang="hu-HU" b="0" i="1" smtClean="0">
-                                <a:latin typeface="Cambria Math"/>
+                                <a:latin typeface="Cambria Math" panose="02040503050406030204" pitchFamily="18" charset="0"/>
                                 <a:ea typeface="Cambria Math"/>
                               </a:rPr>
                             </m:ctrlPr>
@@ -7236,377 +9884,13 @@
   <p:clrMapOvr>
     <a:masterClrMapping/>
   </p:clrMapOvr>
-</p:sld>
-</file>
-
-<file path=ppt/slides/slide21.xml><?xml version="1.0" encoding="utf-8"?>
-<p:sld xmlns:a="http://schemas.openxmlformats.org/drawingml/2006/main" xmlns:r="http://schemas.openxmlformats.org/officeDocument/2006/relationships" xmlns:p="http://schemas.openxmlformats.org/presentationml/2006/main">
-  <p:cSld>
-    <p:spTree>
-      <p:nvGrpSpPr>
-        <p:cNvPr id="1" name=""/>
-        <p:cNvGrpSpPr/>
-        <p:nvPr/>
-      </p:nvGrpSpPr>
-      <p:grpSpPr>
-        <a:xfrm>
-          <a:off x="0" y="0"/>
-          <a:ext cx="0" cy="0"/>
-          <a:chOff x="0" y="0"/>
-          <a:chExt cx="0" cy="0"/>
-        </a:xfrm>
-      </p:grpSpPr>
-      <p:sp>
-        <p:nvSpPr>
-          <p:cNvPr id="2" name="Title 1"/>
-          <p:cNvSpPr>
-            <a:spLocks noGrp="1"/>
-          </p:cNvSpPr>
-          <p:nvPr>
-            <p:ph type="title"/>
-          </p:nvPr>
-        </p:nvSpPr>
-        <p:spPr/>
-        <p:txBody>
-          <a:bodyPr/>
-          <a:lstStyle/>
-          <a:p>
-            <a:r>
-              <a:rPr lang="hu-HU" dirty="0" smtClean="0"/>
-              <a:t>Implementation Details</a:t>
-            </a:r>
-            <a:endParaRPr lang="hu-HU" dirty="0"/>
-          </a:p>
-        </p:txBody>
-      </p:sp>
-      <p:sp>
-        <p:nvSpPr>
-          <p:cNvPr id="3" name="Content Placeholder 2"/>
-          <p:cNvSpPr>
-            <a:spLocks noGrp="1"/>
-          </p:cNvSpPr>
-          <p:nvPr>
-            <p:ph idx="1"/>
-          </p:nvPr>
-        </p:nvSpPr>
-        <p:spPr/>
-        <p:txBody>
-          <a:bodyPr>
-            <a:normAutofit/>
-          </a:bodyPr>
-          <a:lstStyle/>
-          <a:p>
-            <a:r>
-              <a:rPr lang="hu-HU" dirty="0" smtClean="0"/>
-              <a:t>Practical problems</a:t>
-            </a:r>
-          </a:p>
-          <a:p>
-            <a:pPr lvl="1"/>
-            <a:r>
-              <a:rPr lang="hu-HU" dirty="0" smtClean="0"/>
-              <a:t>Set of WIDs maintained could get large</a:t>
-            </a:r>
-          </a:p>
-          <a:p>
-            <a:pPr lvl="1"/>
-            <a:r>
-              <a:rPr lang="hu-HU" dirty="0" smtClean="0"/>
-              <a:t>Checking that a server contains all necessary writes is very expensive</a:t>
-            </a:r>
-          </a:p>
-          <a:p>
-            <a:pPr lvl="1"/>
-            <a:r>
-              <a:rPr lang="hu-HU" dirty="0" smtClean="0"/>
-              <a:t>Keeping track of Read-sets could be excessive</a:t>
-            </a:r>
-          </a:p>
-        </p:txBody>
-      </p:sp>
-    </p:spTree>
-    <p:extLst>
-      <p:ext uri="{BB962C8B-B14F-4D97-AF65-F5344CB8AC3E}">
-        <p14:creationId xmlns:p14="http://schemas.microsoft.com/office/powerpoint/2010/main" val="567648743"/>
-      </p:ext>
-    </p:extLst>
-  </p:cSld>
-  <p:clrMapOvr>
-    <a:masterClrMapping/>
-  </p:clrMapOvr>
-</p:sld>
-</file>
-
-<file path=ppt/slides/slide22.xml><?xml version="1.0" encoding="utf-8"?>
-<p:sld xmlns:a="http://schemas.openxmlformats.org/drawingml/2006/main" xmlns:r="http://schemas.openxmlformats.org/officeDocument/2006/relationships" xmlns:p="http://schemas.openxmlformats.org/presentationml/2006/main">
-  <p:cSld>
-    <p:spTree>
-      <p:nvGrpSpPr>
-        <p:cNvPr id="1" name=""/>
-        <p:cNvGrpSpPr/>
-        <p:nvPr/>
-      </p:nvGrpSpPr>
-      <p:grpSpPr>
-        <a:xfrm>
-          <a:off x="0" y="0"/>
-          <a:ext cx="0" cy="0"/>
-          <a:chOff x="0" y="0"/>
-          <a:chExt cx="0" cy="0"/>
-        </a:xfrm>
-      </p:grpSpPr>
-      <p:sp>
-        <p:nvSpPr>
-          <p:cNvPr id="2" name="Title 1"/>
-          <p:cNvSpPr>
-            <a:spLocks noGrp="1"/>
-          </p:cNvSpPr>
-          <p:nvPr>
-            <p:ph type="title"/>
-          </p:nvPr>
-        </p:nvSpPr>
-        <p:spPr/>
-        <p:txBody>
-          <a:bodyPr/>
-          <a:lstStyle/>
-          <a:p>
-            <a:r>
-              <a:rPr lang="hu-HU" dirty="0" smtClean="0"/>
-              <a:t>Version Vectors</a:t>
-            </a:r>
-            <a:endParaRPr lang="hu-HU" dirty="0"/>
-          </a:p>
-        </p:txBody>
-      </p:sp>
-      <p:sp>
-        <p:nvSpPr>
-          <p:cNvPr id="3" name="Content Placeholder 2"/>
-          <p:cNvSpPr>
-            <a:spLocks noGrp="1"/>
-          </p:cNvSpPr>
-          <p:nvPr>
-            <p:ph idx="1"/>
-          </p:nvPr>
-        </p:nvSpPr>
-        <p:spPr>
-          <a:xfrm>
-            <a:off x="457200" y="1600200"/>
-            <a:ext cx="8291264" cy="4525963"/>
-          </a:xfrm>
-        </p:spPr>
-        <p:txBody>
-          <a:bodyPr/>
-          <a:lstStyle/>
-          <a:p>
-            <a:r>
-              <a:rPr lang="hu-HU" dirty="0" smtClean="0"/>
-              <a:t>Tracking </a:t>
-            </a:r>
-            <a:r>
-              <a:rPr lang="hu-HU" dirty="0"/>
-              <a:t>changes to data in </a:t>
-            </a:r>
-            <a:r>
-              <a:rPr lang="hu-HU" dirty="0" smtClean="0"/>
-              <a:t>distributed systems</a:t>
-            </a:r>
-            <a:endParaRPr lang="hu-HU" dirty="0"/>
-          </a:p>
-          <a:p>
-            <a:r>
-              <a:rPr lang="hu-HU" dirty="0" smtClean="0"/>
-              <a:t>Participants can determine order of updates</a:t>
-            </a:r>
-          </a:p>
-          <a:p>
-            <a:r>
-              <a:rPr lang="hu-HU" dirty="0" smtClean="0"/>
-              <a:t>Sequence of &lt;server, clock&gt; pair</a:t>
-            </a:r>
-          </a:p>
-          <a:p>
-            <a:pPr lvl="1"/>
-            <a:r>
-              <a:rPr lang="hu-HU" dirty="0" smtClean="0"/>
-              <a:t>Server – unique identifier</a:t>
-            </a:r>
-          </a:p>
-          <a:p>
-            <a:pPr lvl="1"/>
-            <a:r>
-              <a:rPr lang="hu-HU" dirty="0" smtClean="0"/>
-              <a:t>Clock – logical clock </a:t>
-            </a:r>
-            <a:r>
-              <a:rPr lang="hu-HU" dirty="0" smtClean="0"/>
-              <a:t>value</a:t>
-            </a:r>
-          </a:p>
-          <a:p>
-            <a:r>
-              <a:rPr lang="hu-HU" dirty="0" smtClean="0"/>
-              <a:t>The clock value describes the last seen WID</a:t>
-            </a:r>
-          </a:p>
-          <a:p>
-            <a:r>
-              <a:rPr lang="hu-HU" dirty="0" smtClean="0"/>
-              <a:t>Updated as a part of the anti-entropy process</a:t>
-            </a:r>
-            <a:endParaRPr lang="hu-HU" dirty="0" smtClean="0"/>
-          </a:p>
-          <a:p>
-            <a:endParaRPr lang="hu-HU" dirty="0"/>
-          </a:p>
-          <a:p>
-            <a:endParaRPr lang="hu-HU" dirty="0"/>
-          </a:p>
-        </p:txBody>
-      </p:sp>
-    </p:spTree>
-    <p:extLst>
-      <p:ext uri="{BB962C8B-B14F-4D97-AF65-F5344CB8AC3E}">
-        <p14:creationId xmlns:p14="http://schemas.microsoft.com/office/powerpoint/2010/main" val="3572500862"/>
-      </p:ext>
-    </p:extLst>
-  </p:cSld>
-  <p:clrMapOvr>
-    <a:masterClrMapping/>
-  </p:clrMapOvr>
-</p:sld>
-</file>
-
-<file path=ppt/slides/slide23.xml><?xml version="1.0" encoding="utf-8"?>
-<p:sld xmlns:a="http://schemas.openxmlformats.org/drawingml/2006/main" xmlns:r="http://schemas.openxmlformats.org/officeDocument/2006/relationships" xmlns:p="http://schemas.openxmlformats.org/presentationml/2006/main">
-  <p:cSld>
-    <p:spTree>
-      <p:nvGrpSpPr>
-        <p:cNvPr id="1" name=""/>
-        <p:cNvGrpSpPr/>
-        <p:nvPr/>
-      </p:nvGrpSpPr>
-      <p:grpSpPr>
-        <a:xfrm>
-          <a:off x="0" y="0"/>
-          <a:ext cx="0" cy="0"/>
-          <a:chOff x="0" y="0"/>
-          <a:chExt cx="0" cy="0"/>
-        </a:xfrm>
-      </p:grpSpPr>
-      <p:sp>
-        <p:nvSpPr>
-          <p:cNvPr id="2" name="Title 1"/>
-          <p:cNvSpPr>
-            <a:spLocks noGrp="1"/>
-          </p:cNvSpPr>
-          <p:nvPr>
-            <p:ph type="title"/>
-          </p:nvPr>
-        </p:nvSpPr>
-        <p:spPr/>
-        <p:txBody>
-          <a:bodyPr/>
-          <a:lstStyle/>
-          <a:p>
-            <a:r>
-              <a:rPr lang="hu-HU" dirty="0" smtClean="0"/>
-              <a:t>Version Vectors in Action</a:t>
-            </a:r>
-            <a:endParaRPr lang="hu-HU" dirty="0"/>
-          </a:p>
-        </p:txBody>
-      </p:sp>
-      <p:sp>
-        <p:nvSpPr>
-          <p:cNvPr id="3" name="Content Placeholder 2"/>
-          <p:cNvSpPr>
-            <a:spLocks noGrp="1"/>
-          </p:cNvSpPr>
-          <p:nvPr>
-            <p:ph idx="1"/>
-          </p:nvPr>
-        </p:nvSpPr>
-        <p:spPr/>
-        <p:txBody>
-          <a:bodyPr>
-            <a:normAutofit lnSpcReduction="10000"/>
-          </a:bodyPr>
-          <a:lstStyle/>
-          <a:p>
-            <a:r>
-              <a:rPr lang="hu-HU" dirty="0" smtClean="0"/>
-              <a:t>Representation of a WID set Ws</a:t>
-            </a:r>
-          </a:p>
-          <a:p>
-            <a:pPr lvl="1"/>
-            <a:r>
-              <a:rPr lang="hu-HU" dirty="0" smtClean="0"/>
-              <a:t>V[S] = time of latest WID assigned in Ws (or 0)</a:t>
-            </a:r>
-          </a:p>
-          <a:p>
-            <a:r>
-              <a:rPr lang="hu-HU" b="1" dirty="0" smtClean="0"/>
-              <a:t>Union</a:t>
-            </a:r>
-            <a:r>
-              <a:rPr lang="hu-HU" dirty="0" smtClean="0"/>
-              <a:t> of WID sets Ws1 and Ws2</a:t>
-            </a:r>
-          </a:p>
-          <a:p>
-            <a:pPr lvl="1"/>
-            <a:r>
-              <a:rPr lang="hu-HU" dirty="0" smtClean="0"/>
-              <a:t>V[S] = MAX(V1[S], V2[S]) for all S</a:t>
-            </a:r>
-          </a:p>
-          <a:p>
-            <a:r>
-              <a:rPr lang="hu-HU" dirty="0" smtClean="0"/>
-              <a:t>Check if Ws1 is a </a:t>
-            </a:r>
-            <a:r>
-              <a:rPr lang="hu-HU" b="1" dirty="0" smtClean="0"/>
-              <a:t>subset</a:t>
-            </a:r>
-            <a:r>
-              <a:rPr lang="hu-HU" dirty="0" smtClean="0"/>
-              <a:t> of Ws2</a:t>
-            </a:r>
-          </a:p>
-          <a:p>
-            <a:pPr lvl="1"/>
-            <a:r>
-              <a:rPr lang="hu-HU" dirty="0" smtClean="0"/>
-              <a:t>V2[S] &gt; V1[S] for all S</a:t>
-            </a:r>
-          </a:p>
-          <a:p>
-            <a:r>
-              <a:rPr lang="hu-HU" dirty="0" smtClean="0"/>
-              <a:t>We can use a VV for Writes and Reads</a:t>
-            </a:r>
-          </a:p>
-          <a:p>
-            <a:r>
-              <a:rPr lang="hu-HU" dirty="0" smtClean="0"/>
-              <a:t>To find acceptable servers, we need dominating Version Vectors</a:t>
-            </a:r>
-            <a:endParaRPr lang="hu-HU" dirty="0"/>
-          </a:p>
-        </p:txBody>
-      </p:sp>
-    </p:spTree>
-    <p:extLst>
-      <p:ext uri="{BB962C8B-B14F-4D97-AF65-F5344CB8AC3E}">
-        <p14:creationId xmlns:p14="http://schemas.microsoft.com/office/powerpoint/2010/main" val="2050914982"/>
-      </p:ext>
-    </p:extLst>
-  </p:cSld>
-  <p:clrMapOvr>
-    <a:masterClrMapping/>
-  </p:clrMapOvr>
+  <p:timing>
+    <p:tnLst>
+      <p:par>
+        <p:cTn id="1" dur="indefinite" restart="never" nodeType="tmRoot"/>
+      </p:par>
+    </p:tnLst>
+  </p:timing>
 </p:sld>
 </file>
 
@@ -7644,7 +9928,7 @@
           <a:p>
             <a:r>
               <a:rPr lang="hu-HU" dirty="0" smtClean="0"/>
-              <a:t>Additional Improvements</a:t>
+              <a:t>Implementation Details</a:t>
             </a:r>
             <a:endParaRPr lang="hu-HU" dirty="0"/>
           </a:p>
@@ -7662,45 +9946,56 @@
         </p:nvSpPr>
         <p:spPr/>
         <p:txBody>
-          <a:bodyPr/>
+          <a:bodyPr>
+            <a:normAutofit/>
+          </a:bodyPr>
           <a:lstStyle/>
           <a:p>
             <a:r>
               <a:rPr lang="hu-HU" dirty="0" smtClean="0"/>
-              <a:t>Finding a suitable server can be simplified by using the previously contacted server</a:t>
-            </a:r>
-          </a:p>
-          <a:p>
-            <a:r>
-              <a:rPr lang="hu-HU" dirty="0" smtClean="0"/>
-              <a:t>Checks only need to happen when switching servers</a:t>
-            </a:r>
-          </a:p>
-          <a:p>
-            <a:r>
-              <a:rPr lang="hu-HU" dirty="0" smtClean="0"/>
-              <a:t>Session Manager can cache Version Vectors of verious servers</a:t>
-            </a:r>
-          </a:p>
-          <a:p>
-            <a:r>
-              <a:rPr lang="hu-HU" dirty="0" smtClean="0"/>
-              <a:t>Data can also be cached at clients to improve overall performance</a:t>
-            </a:r>
-            <a:endParaRPr lang="hu-HU" dirty="0"/>
+              <a:t>Practical problems</a:t>
+            </a:r>
+          </a:p>
+          <a:p>
+            <a:pPr lvl="1"/>
+            <a:r>
+              <a:rPr lang="hu-HU" dirty="0" smtClean="0"/>
+              <a:t>Set of WIDs maintained could get large</a:t>
+            </a:r>
+          </a:p>
+          <a:p>
+            <a:pPr lvl="1"/>
+            <a:r>
+              <a:rPr lang="hu-HU" dirty="0" smtClean="0"/>
+              <a:t>Checking that a server contains all necessary writes is very expensive</a:t>
+            </a:r>
+          </a:p>
+          <a:p>
+            <a:pPr lvl="1"/>
+            <a:r>
+              <a:rPr lang="hu-HU" dirty="0" smtClean="0"/>
+              <a:t>Keeping track of Read-sets could be excessive</a:t>
+            </a:r>
           </a:p>
         </p:txBody>
       </p:sp>
     </p:spTree>
     <p:extLst>
       <p:ext uri="{BB962C8B-B14F-4D97-AF65-F5344CB8AC3E}">
-        <p14:creationId xmlns:p14="http://schemas.microsoft.com/office/powerpoint/2010/main" val="4008794631"/>
+        <p14:creationId xmlns:p14="http://schemas.microsoft.com/office/powerpoint/2010/main" val="567648743"/>
       </p:ext>
     </p:extLst>
   </p:cSld>
   <p:clrMapOvr>
     <a:masterClrMapping/>
   </p:clrMapOvr>
+  <p:timing>
+    <p:tnLst>
+      <p:par>
+        <p:cTn id="1" dur="indefinite" restart="never" nodeType="tmRoot"/>
+      </p:par>
+    </p:tnLst>
+  </p:timing>
 </p:sld>
 </file>
 
@@ -7733,6 +10028,389 @@
         </p:nvSpPr>
         <p:spPr/>
         <p:txBody>
+          <a:bodyPr/>
+          <a:lstStyle/>
+          <a:p>
+            <a:r>
+              <a:rPr lang="hu-HU" dirty="0" smtClean="0"/>
+              <a:t>Version Vectors</a:t>
+            </a:r>
+            <a:endParaRPr lang="hu-HU" dirty="0"/>
+          </a:p>
+        </p:txBody>
+      </p:sp>
+      <p:sp>
+        <p:nvSpPr>
+          <p:cNvPr id="3" name="Content Placeholder 2"/>
+          <p:cNvSpPr>
+            <a:spLocks noGrp="1"/>
+          </p:cNvSpPr>
+          <p:nvPr>
+            <p:ph idx="1"/>
+          </p:nvPr>
+        </p:nvSpPr>
+        <p:spPr>
+          <a:xfrm>
+            <a:off x="457200" y="1600200"/>
+            <a:ext cx="8291264" cy="4525963"/>
+          </a:xfrm>
+        </p:spPr>
+        <p:txBody>
+          <a:bodyPr/>
+          <a:lstStyle/>
+          <a:p>
+            <a:r>
+              <a:rPr lang="hu-HU" dirty="0" smtClean="0"/>
+              <a:t>Tracking </a:t>
+            </a:r>
+            <a:r>
+              <a:rPr lang="hu-HU" dirty="0"/>
+              <a:t>changes to data in </a:t>
+            </a:r>
+            <a:r>
+              <a:rPr lang="hu-HU" dirty="0" smtClean="0"/>
+              <a:t>distributed systems</a:t>
+            </a:r>
+            <a:endParaRPr lang="hu-HU" dirty="0"/>
+          </a:p>
+          <a:p>
+            <a:r>
+              <a:rPr lang="hu-HU" dirty="0" smtClean="0"/>
+              <a:t>Participants can determine order of updates</a:t>
+            </a:r>
+          </a:p>
+          <a:p>
+            <a:r>
+              <a:rPr lang="hu-HU" dirty="0" smtClean="0"/>
+              <a:t>Sequence of &lt;server, clock&gt; pair</a:t>
+            </a:r>
+          </a:p>
+          <a:p>
+            <a:pPr lvl="1"/>
+            <a:r>
+              <a:rPr lang="hu-HU" dirty="0" smtClean="0"/>
+              <a:t>Server – unique identifier</a:t>
+            </a:r>
+          </a:p>
+          <a:p>
+            <a:pPr lvl="1"/>
+            <a:r>
+              <a:rPr lang="hu-HU" dirty="0" smtClean="0"/>
+              <a:t>Clock – logical clock value</a:t>
+            </a:r>
+          </a:p>
+          <a:p>
+            <a:r>
+              <a:rPr lang="hu-HU" dirty="0" smtClean="0"/>
+              <a:t>The clock value describes the last seen WID</a:t>
+            </a:r>
+          </a:p>
+          <a:p>
+            <a:r>
+              <a:rPr lang="hu-HU" dirty="0" smtClean="0"/>
+              <a:t>Updated as a part of the anti-entropy process</a:t>
+            </a:r>
+          </a:p>
+          <a:p>
+            <a:endParaRPr lang="hu-HU" dirty="0"/>
+          </a:p>
+          <a:p>
+            <a:endParaRPr lang="hu-HU" dirty="0"/>
+          </a:p>
+        </p:txBody>
+      </p:sp>
+    </p:spTree>
+    <p:extLst>
+      <p:ext uri="{BB962C8B-B14F-4D97-AF65-F5344CB8AC3E}">
+        <p14:creationId xmlns:p14="http://schemas.microsoft.com/office/powerpoint/2010/main" val="3572500862"/>
+      </p:ext>
+    </p:extLst>
+  </p:cSld>
+  <p:clrMapOvr>
+    <a:masterClrMapping/>
+  </p:clrMapOvr>
+  <p:timing>
+    <p:tnLst>
+      <p:par>
+        <p:cTn id="1" dur="indefinite" restart="never" nodeType="tmRoot"/>
+      </p:par>
+    </p:tnLst>
+  </p:timing>
+</p:sld>
+</file>
+
+<file path=ppt/slides/slide26.xml><?xml version="1.0" encoding="utf-8"?>
+<p:sld xmlns:a="http://schemas.openxmlformats.org/drawingml/2006/main" xmlns:r="http://schemas.openxmlformats.org/officeDocument/2006/relationships" xmlns:p="http://schemas.openxmlformats.org/presentationml/2006/main">
+  <p:cSld>
+    <p:spTree>
+      <p:nvGrpSpPr>
+        <p:cNvPr id="1" name=""/>
+        <p:cNvGrpSpPr/>
+        <p:nvPr/>
+      </p:nvGrpSpPr>
+      <p:grpSpPr>
+        <a:xfrm>
+          <a:off x="0" y="0"/>
+          <a:ext cx="0" cy="0"/>
+          <a:chOff x="0" y="0"/>
+          <a:chExt cx="0" cy="0"/>
+        </a:xfrm>
+      </p:grpSpPr>
+      <p:sp>
+        <p:nvSpPr>
+          <p:cNvPr id="2" name="Title 1"/>
+          <p:cNvSpPr>
+            <a:spLocks noGrp="1"/>
+          </p:cNvSpPr>
+          <p:nvPr>
+            <p:ph type="title"/>
+          </p:nvPr>
+        </p:nvSpPr>
+        <p:spPr/>
+        <p:txBody>
+          <a:bodyPr/>
+          <a:lstStyle/>
+          <a:p>
+            <a:r>
+              <a:rPr lang="hu-HU" dirty="0" smtClean="0"/>
+              <a:t>Version Vectors in Action</a:t>
+            </a:r>
+            <a:endParaRPr lang="hu-HU" dirty="0"/>
+          </a:p>
+        </p:txBody>
+      </p:sp>
+      <p:sp>
+        <p:nvSpPr>
+          <p:cNvPr id="3" name="Content Placeholder 2"/>
+          <p:cNvSpPr>
+            <a:spLocks noGrp="1"/>
+          </p:cNvSpPr>
+          <p:nvPr>
+            <p:ph idx="1"/>
+          </p:nvPr>
+        </p:nvSpPr>
+        <p:spPr/>
+        <p:txBody>
+          <a:bodyPr>
+            <a:normAutofit lnSpcReduction="10000"/>
+          </a:bodyPr>
+          <a:lstStyle/>
+          <a:p>
+            <a:r>
+              <a:rPr lang="hu-HU" dirty="0" smtClean="0"/>
+              <a:t>Representation of a WID set Ws</a:t>
+            </a:r>
+          </a:p>
+          <a:p>
+            <a:pPr lvl="1"/>
+            <a:r>
+              <a:rPr lang="hu-HU" dirty="0" smtClean="0"/>
+              <a:t>V[S] = time of latest WID assigned in Ws (or 0)</a:t>
+            </a:r>
+          </a:p>
+          <a:p>
+            <a:r>
+              <a:rPr lang="hu-HU" b="1" dirty="0" smtClean="0"/>
+              <a:t>Union</a:t>
+            </a:r>
+            <a:r>
+              <a:rPr lang="hu-HU" dirty="0" smtClean="0"/>
+              <a:t> of WID sets Ws1 and Ws2</a:t>
+            </a:r>
+          </a:p>
+          <a:p>
+            <a:pPr lvl="1"/>
+            <a:r>
+              <a:rPr lang="hu-HU" dirty="0" smtClean="0"/>
+              <a:t>V[S] = MAX(V1[S], V2[S]) for all S</a:t>
+            </a:r>
+          </a:p>
+          <a:p>
+            <a:r>
+              <a:rPr lang="hu-HU" dirty="0" smtClean="0"/>
+              <a:t>Check if Ws1 is a </a:t>
+            </a:r>
+            <a:r>
+              <a:rPr lang="hu-HU" b="1" dirty="0" smtClean="0"/>
+              <a:t>subset</a:t>
+            </a:r>
+            <a:r>
+              <a:rPr lang="hu-HU" dirty="0" smtClean="0"/>
+              <a:t> of Ws2</a:t>
+            </a:r>
+          </a:p>
+          <a:p>
+            <a:pPr lvl="1"/>
+            <a:r>
+              <a:rPr lang="hu-HU" dirty="0" smtClean="0"/>
+              <a:t>V2[S] &gt; V1[S] for all S</a:t>
+            </a:r>
+          </a:p>
+          <a:p>
+            <a:r>
+              <a:rPr lang="hu-HU" dirty="0" smtClean="0"/>
+              <a:t>We can use a VV for Writes and Reads</a:t>
+            </a:r>
+          </a:p>
+          <a:p>
+            <a:r>
+              <a:rPr lang="hu-HU" dirty="0" smtClean="0"/>
+              <a:t>To find acceptable servers, we need dominating Version Vectors</a:t>
+            </a:r>
+            <a:endParaRPr lang="hu-HU" dirty="0"/>
+          </a:p>
+        </p:txBody>
+      </p:sp>
+    </p:spTree>
+    <p:extLst>
+      <p:ext uri="{BB962C8B-B14F-4D97-AF65-F5344CB8AC3E}">
+        <p14:creationId xmlns:p14="http://schemas.microsoft.com/office/powerpoint/2010/main" val="2050914982"/>
+      </p:ext>
+    </p:extLst>
+  </p:cSld>
+  <p:clrMapOvr>
+    <a:masterClrMapping/>
+  </p:clrMapOvr>
+  <p:timing>
+    <p:tnLst>
+      <p:par>
+        <p:cTn id="1" dur="indefinite" restart="never" nodeType="tmRoot"/>
+      </p:par>
+    </p:tnLst>
+  </p:timing>
+</p:sld>
+</file>
+
+<file path=ppt/slides/slide27.xml><?xml version="1.0" encoding="utf-8"?>
+<p:sld xmlns:a="http://schemas.openxmlformats.org/drawingml/2006/main" xmlns:r="http://schemas.openxmlformats.org/officeDocument/2006/relationships" xmlns:p="http://schemas.openxmlformats.org/presentationml/2006/main">
+  <p:cSld>
+    <p:spTree>
+      <p:nvGrpSpPr>
+        <p:cNvPr id="1" name=""/>
+        <p:cNvGrpSpPr/>
+        <p:nvPr/>
+      </p:nvGrpSpPr>
+      <p:grpSpPr>
+        <a:xfrm>
+          <a:off x="0" y="0"/>
+          <a:ext cx="0" cy="0"/>
+          <a:chOff x="0" y="0"/>
+          <a:chExt cx="0" cy="0"/>
+        </a:xfrm>
+      </p:grpSpPr>
+      <p:sp>
+        <p:nvSpPr>
+          <p:cNvPr id="2" name="Title 1"/>
+          <p:cNvSpPr>
+            <a:spLocks noGrp="1"/>
+          </p:cNvSpPr>
+          <p:nvPr>
+            <p:ph type="title"/>
+          </p:nvPr>
+        </p:nvSpPr>
+        <p:spPr/>
+        <p:txBody>
+          <a:bodyPr/>
+          <a:lstStyle/>
+          <a:p>
+            <a:r>
+              <a:rPr lang="hu-HU" dirty="0" smtClean="0"/>
+              <a:t>Additional Improvements</a:t>
+            </a:r>
+            <a:endParaRPr lang="hu-HU" dirty="0"/>
+          </a:p>
+        </p:txBody>
+      </p:sp>
+      <p:sp>
+        <p:nvSpPr>
+          <p:cNvPr id="3" name="Content Placeholder 2"/>
+          <p:cNvSpPr>
+            <a:spLocks noGrp="1"/>
+          </p:cNvSpPr>
+          <p:nvPr>
+            <p:ph idx="1"/>
+          </p:nvPr>
+        </p:nvSpPr>
+        <p:spPr/>
+        <p:txBody>
+          <a:bodyPr/>
+          <a:lstStyle/>
+          <a:p>
+            <a:r>
+              <a:rPr lang="hu-HU" dirty="0" smtClean="0"/>
+              <a:t>Finding a suitable server can be simplified by using the previously contacted server</a:t>
+            </a:r>
+          </a:p>
+          <a:p>
+            <a:r>
+              <a:rPr lang="hu-HU" dirty="0" smtClean="0"/>
+              <a:t>Checks only need to happen when switching servers</a:t>
+            </a:r>
+          </a:p>
+          <a:p>
+            <a:r>
+              <a:rPr lang="hu-HU" dirty="0" smtClean="0"/>
+              <a:t>Session Manager can cache Version Vectors of verious servers</a:t>
+            </a:r>
+          </a:p>
+          <a:p>
+            <a:r>
+              <a:rPr lang="hu-HU" dirty="0" smtClean="0"/>
+              <a:t>Data can also be cached at clients to improve overall performance</a:t>
+            </a:r>
+            <a:endParaRPr lang="hu-HU" dirty="0"/>
+          </a:p>
+        </p:txBody>
+      </p:sp>
+    </p:spTree>
+    <p:extLst>
+      <p:ext uri="{BB962C8B-B14F-4D97-AF65-F5344CB8AC3E}">
+        <p14:creationId xmlns:p14="http://schemas.microsoft.com/office/powerpoint/2010/main" val="4008794631"/>
+      </p:ext>
+    </p:extLst>
+  </p:cSld>
+  <p:clrMapOvr>
+    <a:masterClrMapping/>
+  </p:clrMapOvr>
+  <p:timing>
+    <p:tnLst>
+      <p:par>
+        <p:cTn id="1" dur="indefinite" restart="never" nodeType="tmRoot"/>
+      </p:par>
+    </p:tnLst>
+  </p:timing>
+</p:sld>
+</file>
+
+<file path=ppt/slides/slide28.xml><?xml version="1.0" encoding="utf-8"?>
+<p:sld xmlns:a="http://schemas.openxmlformats.org/drawingml/2006/main" xmlns:r="http://schemas.openxmlformats.org/officeDocument/2006/relationships" xmlns:p="http://schemas.openxmlformats.org/presentationml/2006/main">
+  <p:cSld>
+    <p:spTree>
+      <p:nvGrpSpPr>
+        <p:cNvPr id="1" name=""/>
+        <p:cNvGrpSpPr/>
+        <p:nvPr/>
+      </p:nvGrpSpPr>
+      <p:grpSpPr>
+        <a:xfrm>
+          <a:off x="0" y="0"/>
+          <a:ext cx="0" cy="0"/>
+          <a:chOff x="0" y="0"/>
+          <a:chExt cx="0" cy="0"/>
+        </a:xfrm>
+      </p:grpSpPr>
+      <p:sp>
+        <p:nvSpPr>
+          <p:cNvPr id="2" name="Title 1"/>
+          <p:cNvSpPr>
+            <a:spLocks noGrp="1"/>
+          </p:cNvSpPr>
+          <p:nvPr>
+            <p:ph type="title"/>
+          </p:nvPr>
+        </p:nvSpPr>
+        <p:spPr/>
+        <p:txBody>
           <a:bodyPr>
             <a:normAutofit fontScale="90000"/>
           </a:bodyPr>
@@ -7779,6 +10457,246 @@
     <p:extLst>
       <p:ext uri="{BB962C8B-B14F-4D97-AF65-F5344CB8AC3E}">
         <p14:creationId xmlns:p14="http://schemas.microsoft.com/office/powerpoint/2010/main" val="2413282478"/>
+      </p:ext>
+    </p:extLst>
+  </p:cSld>
+  <p:clrMapOvr>
+    <a:masterClrMapping/>
+  </p:clrMapOvr>
+  <p:timing>
+    <p:tnLst>
+      <p:par>
+        <p:cTn id="1" dur="indefinite" restart="never" nodeType="tmRoot"/>
+      </p:par>
+    </p:tnLst>
+  </p:timing>
+</p:sld>
+</file>
+
+<file path=ppt/slides/slide29.xml><?xml version="1.0" encoding="utf-8"?>
+<p:sld xmlns:a="http://schemas.openxmlformats.org/drawingml/2006/main" xmlns:r="http://schemas.openxmlformats.org/officeDocument/2006/relationships" xmlns:p="http://schemas.openxmlformats.org/presentationml/2006/main">
+  <p:cSld>
+    <p:spTree>
+      <p:nvGrpSpPr>
+        <p:cNvPr id="1" name=""/>
+        <p:cNvGrpSpPr/>
+        <p:nvPr/>
+      </p:nvGrpSpPr>
+      <p:grpSpPr>
+        <a:xfrm>
+          <a:off x="0" y="0"/>
+          <a:ext cx="0" cy="0"/>
+          <a:chOff x="0" y="0"/>
+          <a:chExt cx="0" cy="0"/>
+        </a:xfrm>
+      </p:grpSpPr>
+      <p:sp>
+        <p:nvSpPr>
+          <p:cNvPr id="2" name="Title 1"/>
+          <p:cNvSpPr>
+            <a:spLocks noGrp="1"/>
+          </p:cNvSpPr>
+          <p:nvPr>
+            <p:ph type="title"/>
+          </p:nvPr>
+        </p:nvSpPr>
+        <p:spPr>
+          <a:xfrm>
+            <a:off x="457200" y="-90264"/>
+            <a:ext cx="8229600" cy="1143000"/>
+          </a:xfrm>
+        </p:spPr>
+        <p:txBody>
+          <a:bodyPr/>
+          <a:lstStyle/>
+          <a:p>
+            <a:r>
+              <a:rPr lang="en-US" dirty="0" smtClean="0"/>
+              <a:t>Related Work</a:t>
+            </a:r>
+            <a:endParaRPr lang="en-US" dirty="0"/>
+          </a:p>
+        </p:txBody>
+      </p:sp>
+      <p:sp>
+        <p:nvSpPr>
+          <p:cNvPr id="3" name="Content Placeholder 2"/>
+          <p:cNvSpPr>
+            <a:spLocks noGrp="1"/>
+          </p:cNvSpPr>
+          <p:nvPr>
+            <p:ph idx="1"/>
+          </p:nvPr>
+        </p:nvSpPr>
+        <p:spPr>
+          <a:xfrm>
+            <a:off x="457200" y="908720"/>
+            <a:ext cx="8229600" cy="5760640"/>
+          </a:xfrm>
+        </p:spPr>
+        <p:txBody>
+          <a:bodyPr>
+            <a:normAutofit/>
+          </a:bodyPr>
+          <a:lstStyle/>
+          <a:p>
+            <a:pPr marL="514350" indent="-514350">
+              <a:buAutoNum type="arabicPeriod"/>
+            </a:pPr>
+            <a:r>
+              <a:rPr lang="en-US" sz="2800" dirty="0" smtClean="0"/>
+              <a:t>“</a:t>
+            </a:r>
+            <a:r>
+              <a:rPr lang="en-US" sz="2800" dirty="0"/>
+              <a:t>Causal Operations” by </a:t>
+            </a:r>
+            <a:r>
+              <a:rPr lang="en-US" sz="2800" dirty="0" err="1"/>
+              <a:t>Ladin</a:t>
+            </a:r>
+            <a:r>
+              <a:rPr lang="en-US" sz="2800" dirty="0"/>
+              <a:t>, </a:t>
+            </a:r>
+            <a:r>
+              <a:rPr lang="en-US" sz="2800" dirty="0" err="1"/>
+              <a:t>Liskov</a:t>
+            </a:r>
+            <a:r>
+              <a:rPr lang="en-US" sz="2800" dirty="0" smtClean="0"/>
+              <a:t>, </a:t>
+            </a:r>
+            <a:r>
+              <a:rPr lang="en-US" sz="2800" dirty="0" err="1" smtClean="0"/>
+              <a:t>Shrira</a:t>
+            </a:r>
+            <a:r>
+              <a:rPr lang="en-US" sz="2800" dirty="0"/>
+              <a:t>, and </a:t>
+            </a:r>
+            <a:r>
+              <a:rPr lang="en-US" sz="2800" dirty="0" err="1"/>
+              <a:t>Ghemawat</a:t>
+            </a:r>
+            <a:r>
+              <a:rPr lang="en-US" sz="2800" dirty="0"/>
+              <a:t> </a:t>
+            </a:r>
+            <a:r>
+              <a:rPr lang="en-US" dirty="0" smtClean="0"/>
+              <a:t/>
+            </a:r>
+            <a:br>
+              <a:rPr lang="en-US" dirty="0" smtClean="0"/>
+            </a:br>
+            <a:r>
+              <a:rPr lang="en-US" dirty="0"/>
+              <a:t>- </a:t>
+            </a:r>
+            <a:r>
+              <a:rPr lang="en-US" sz="2400" dirty="0"/>
+              <a:t>Clients ensure causal ordering of their Read and Write operations by means </a:t>
+            </a:r>
+            <a:r>
+              <a:rPr lang="en-US" sz="2400" dirty="0" smtClean="0"/>
+              <a:t>of version </a:t>
+            </a:r>
+            <a:r>
+              <a:rPr lang="en-US" sz="2400" dirty="0"/>
+              <a:t>vectors, but it does not have the notion of sessions in order to define fine-grained consistency </a:t>
+            </a:r>
+            <a:r>
+              <a:rPr lang="en-US" sz="2400" dirty="0" smtClean="0"/>
+              <a:t>requirements.</a:t>
+            </a:r>
+          </a:p>
+          <a:p>
+            <a:pPr marL="457200" indent="-457200">
+              <a:buAutoNum type="arabicPeriod"/>
+            </a:pPr>
+            <a:r>
+              <a:rPr lang="en-US" sz="2800" dirty="0"/>
+              <a:t>Lotus </a:t>
+            </a:r>
+            <a:r>
+              <a:rPr lang="en-US" sz="2800" dirty="0" smtClean="0"/>
+              <a:t>Notes</a:t>
+            </a:r>
+            <a:br>
+              <a:rPr lang="en-US" sz="2800" dirty="0" smtClean="0"/>
+            </a:br>
+            <a:r>
+              <a:rPr lang="en-US" sz="2400" dirty="0"/>
+              <a:t>- Clients desiring consistency among multiple read and/or write operations must, in general, use the </a:t>
+            </a:r>
+            <a:r>
+              <a:rPr lang="en-US" sz="2400" dirty="0" err="1" smtClean="0"/>
+              <a:t>sameserver</a:t>
+            </a:r>
+            <a:r>
+              <a:rPr lang="en-US" sz="2400" dirty="0" smtClean="0"/>
+              <a:t> </a:t>
+            </a:r>
+            <a:r>
+              <a:rPr lang="en-US" sz="2400" dirty="0"/>
+              <a:t>for their interactions</a:t>
+            </a:r>
+            <a:r>
+              <a:rPr lang="en-US" sz="2400" dirty="0" smtClean="0"/>
+              <a:t>.</a:t>
+            </a:r>
+          </a:p>
+          <a:p>
+            <a:pPr marL="457200" indent="-457200">
+              <a:buAutoNum type="arabicPeriod"/>
+            </a:pPr>
+            <a:r>
+              <a:rPr lang="en-US" sz="2400" dirty="0"/>
+              <a:t>File system of </a:t>
+            </a:r>
+            <a:r>
+              <a:rPr lang="en-US" sz="2400" dirty="0" err="1"/>
+              <a:t>Tait</a:t>
+            </a:r>
+            <a:r>
+              <a:rPr lang="en-US" sz="2400" dirty="0"/>
+              <a:t> and Duchamp supports both </a:t>
+            </a:r>
+            <a:r>
+              <a:rPr lang="en-US" sz="2400" i="1" dirty="0"/>
+              <a:t>strict</a:t>
+            </a:r>
+            <a:r>
+              <a:rPr lang="en-US" sz="2400" dirty="0"/>
+              <a:t> and </a:t>
+            </a:r>
+            <a:r>
+              <a:rPr lang="en-US" sz="2400" i="1" dirty="0"/>
+              <a:t>loose</a:t>
+            </a:r>
+            <a:r>
+              <a:rPr lang="en-US" sz="2400" dirty="0"/>
+              <a:t> read operations</a:t>
+            </a:r>
+            <a:endParaRPr lang="en-US" sz="2400" dirty="0" smtClean="0"/>
+          </a:p>
+          <a:p>
+            <a:pPr marL="457200" indent="-457200">
+              <a:buAutoNum type="arabicPeriod"/>
+            </a:pPr>
+            <a:r>
+              <a:rPr lang="en-US" sz="2400" dirty="0"/>
+              <a:t>Much work has been done on providing various “degrees of consistency” in database systems</a:t>
+            </a:r>
+            <a:endParaRPr lang="en-US" sz="2400" dirty="0" smtClean="0"/>
+          </a:p>
+        </p:txBody>
+      </p:sp>
+    </p:spTree>
+    <p:extLst>
+      <p:ext uri="{BB962C8B-B14F-4D97-AF65-F5344CB8AC3E}">
+        <p14:creationId xmlns:p14="http://schemas.microsoft.com/office/powerpoint/2010/main" val="1119231289"/>
       </p:ext>
     </p:extLst>
   </p:cSld>
@@ -7909,6 +10827,13 @@
   <p:clrMapOvr>
     <a:masterClrMapping/>
   </p:clrMapOvr>
+  <p:timing>
+    <p:tnLst>
+      <p:par>
+        <p:cTn id="1" dur="indefinite" restart="never" nodeType="tmRoot"/>
+      </p:par>
+    </p:tnLst>
+  </p:timing>
 </p:sld>
 </file>
 
@@ -8019,6 +10944,13 @@
   <p:clrMapOvr>
     <a:masterClrMapping/>
   </p:clrMapOvr>
+  <p:timing>
+    <p:tnLst>
+      <p:par>
+        <p:cTn id="1" dur="indefinite" restart="never" nodeType="tmRoot"/>
+      </p:par>
+    </p:tnLst>
+  </p:timing>
 </p:sld>
 </file>
 
@@ -8107,6 +11039,13 @@
   <p:clrMapOvr>
     <a:masterClrMapping/>
   </p:clrMapOvr>
+  <p:timing>
+    <p:tnLst>
+      <p:par>
+        <p:cTn id="1" dur="indefinite" restart="never" nodeType="tmRoot"/>
+      </p:par>
+    </p:tnLst>
+  </p:timing>
 </p:sld>
 </file>
 
@@ -8176,11 +11115,7 @@
             <a:pPr lvl="1"/>
             <a:r>
               <a:rPr lang="hu-HU" dirty="0" smtClean="0"/>
-              <a:t>Read </a:t>
-            </a:r>
-            <a:r>
-              <a:rPr lang="hu-HU" dirty="0" smtClean="0"/>
-              <a:t>Your Writes</a:t>
+              <a:t>Read Your Writes</a:t>
             </a:r>
           </a:p>
           <a:p>
@@ -8233,6 +11168,13 @@
   <p:clrMapOvr>
     <a:masterClrMapping/>
   </p:clrMapOvr>
+  <p:timing>
+    <p:tnLst>
+      <p:par>
+        <p:cTn id="1" dur="indefinite" restart="never" nodeType="tmRoot"/>
+      </p:par>
+    </p:tnLst>
+  </p:timing>
 </p:sld>
 </file>
 
@@ -8299,11 +11241,7 @@
           <a:p>
             <a:r>
               <a:rPr lang="hu-HU" dirty="0" smtClean="0"/>
-              <a:t>Present applications with a view that is consistent with their own </a:t>
-            </a:r>
-            <a:r>
-              <a:rPr lang="hu-HU" dirty="0" smtClean="0"/>
-              <a:t>actions</a:t>
+              <a:t>Present applications with a view that is consistent with their own actions</a:t>
             </a:r>
           </a:p>
           <a:p>
@@ -8325,6 +11263,13 @@
   <p:clrMapOvr>
     <a:masterClrMapping/>
   </p:clrMapOvr>
+  <p:timing>
+    <p:tnLst>
+      <p:par>
+        <p:cTn id="1" dur="indefinite" restart="never" nodeType="tmRoot"/>
+      </p:par>
+    </p:tnLst>
+  </p:timing>
 </p:sld>
 </file>
 
@@ -8411,11 +11356,7 @@
           <a:p>
             <a:r>
               <a:rPr lang="hu-HU" dirty="0" smtClean="0"/>
-              <a:t>Writes have a unique write ID (WID</a:t>
-            </a:r>
-            <a:r>
-              <a:rPr lang="hu-HU" dirty="0" smtClean="0"/>
-              <a:t>)</a:t>
+              <a:t>Writes have a unique write ID (WID)</a:t>
             </a:r>
           </a:p>
           <a:p>
@@ -8443,6 +11384,13 @@
   <p:clrMapOvr>
     <a:masterClrMapping/>
   </p:clrMapOvr>
+  <p:timing>
+    <p:tnLst>
+      <p:par>
+        <p:cTn id="1" dur="indefinite" restart="never" nodeType="tmRoot"/>
+      </p:par>
+    </p:tnLst>
+  </p:timing>
 </p:sld>
 </file>
 
@@ -8604,6 +11552,13 @@
   <p:clrMapOvr>
     <a:masterClrMapping/>
   </p:clrMapOvr>
+  <p:timing>
+    <p:tnLst>
+      <p:par>
+        <p:cTn id="1" dur="indefinite" restart="never" nodeType="tmRoot"/>
+      </p:par>
+    </p:tnLst>
+  </p:timing>
 </p:sld>
 </file>
 

--- a/presentation/slides_daniel.pptx
+++ b/presentation/slides_daniel.pptx
@@ -236,7 +236,7 @@
           <a:p>
             <a:fld id="{7DE1F189-47AF-4643-B438-A16D154135D4}" type="datetimeFigureOut">
               <a:rPr lang="hu-HU" smtClean="0"/>
-              <a:t>2014.03.26.</a:t>
+              <a:t>2014.03.27.</a:t>
             </a:fld>
             <a:endParaRPr lang="hu-HU"/>
           </a:p>
@@ -1511,7 +1511,7 @@
           <a:p>
             <a:fld id="{78F7501C-0FBA-4912-B930-6291D1759BC9}" type="datetimeFigureOut">
               <a:rPr lang="hu-HU" smtClean="0"/>
-              <a:t>2014.03.26.</a:t>
+              <a:t>2014.03.27.</a:t>
             </a:fld>
             <a:endParaRPr lang="hu-HU"/>
           </a:p>
@@ -1681,7 +1681,7 @@
           <a:p>
             <a:fld id="{78F7501C-0FBA-4912-B930-6291D1759BC9}" type="datetimeFigureOut">
               <a:rPr lang="hu-HU" smtClean="0"/>
-              <a:t>2014.03.26.</a:t>
+              <a:t>2014.03.27.</a:t>
             </a:fld>
             <a:endParaRPr lang="hu-HU"/>
           </a:p>
@@ -1861,7 +1861,7 @@
           <a:p>
             <a:fld id="{78F7501C-0FBA-4912-B930-6291D1759BC9}" type="datetimeFigureOut">
               <a:rPr lang="hu-HU" smtClean="0"/>
-              <a:t>2014.03.26.</a:t>
+              <a:t>2014.03.27.</a:t>
             </a:fld>
             <a:endParaRPr lang="hu-HU"/>
           </a:p>
@@ -2031,7 +2031,7 @@
           <a:p>
             <a:fld id="{78F7501C-0FBA-4912-B930-6291D1759BC9}" type="datetimeFigureOut">
               <a:rPr lang="hu-HU" smtClean="0"/>
-              <a:t>2014.03.26.</a:t>
+              <a:t>2014.03.27.</a:t>
             </a:fld>
             <a:endParaRPr lang="hu-HU"/>
           </a:p>
@@ -2277,7 +2277,7 @@
           <a:p>
             <a:fld id="{78F7501C-0FBA-4912-B930-6291D1759BC9}" type="datetimeFigureOut">
               <a:rPr lang="hu-HU" smtClean="0"/>
-              <a:t>2014.03.26.</a:t>
+              <a:t>2014.03.27.</a:t>
             </a:fld>
             <a:endParaRPr lang="hu-HU"/>
           </a:p>
@@ -2565,7 +2565,7 @@
           <a:p>
             <a:fld id="{78F7501C-0FBA-4912-B930-6291D1759BC9}" type="datetimeFigureOut">
               <a:rPr lang="hu-HU" smtClean="0"/>
-              <a:t>2014.03.26.</a:t>
+              <a:t>2014.03.27.</a:t>
             </a:fld>
             <a:endParaRPr lang="hu-HU"/>
           </a:p>
@@ -2987,7 +2987,7 @@
           <a:p>
             <a:fld id="{78F7501C-0FBA-4912-B930-6291D1759BC9}" type="datetimeFigureOut">
               <a:rPr lang="hu-HU" smtClean="0"/>
-              <a:t>2014.03.26.</a:t>
+              <a:t>2014.03.27.</a:t>
             </a:fld>
             <a:endParaRPr lang="hu-HU"/>
           </a:p>
@@ -3105,7 +3105,7 @@
           <a:p>
             <a:fld id="{78F7501C-0FBA-4912-B930-6291D1759BC9}" type="datetimeFigureOut">
               <a:rPr lang="hu-HU" smtClean="0"/>
-              <a:t>2014.03.26.</a:t>
+              <a:t>2014.03.27.</a:t>
             </a:fld>
             <a:endParaRPr lang="hu-HU"/>
           </a:p>
@@ -3200,7 +3200,7 @@
           <a:p>
             <a:fld id="{78F7501C-0FBA-4912-B930-6291D1759BC9}" type="datetimeFigureOut">
               <a:rPr lang="hu-HU" smtClean="0"/>
-              <a:t>2014.03.26.</a:t>
+              <a:t>2014.03.27.</a:t>
             </a:fld>
             <a:endParaRPr lang="hu-HU"/>
           </a:p>
@@ -3477,7 +3477,7 @@
           <a:p>
             <a:fld id="{78F7501C-0FBA-4912-B930-6291D1759BC9}" type="datetimeFigureOut">
               <a:rPr lang="hu-HU" smtClean="0"/>
-              <a:t>2014.03.26.</a:t>
+              <a:t>2014.03.27.</a:t>
             </a:fld>
             <a:endParaRPr lang="hu-HU"/>
           </a:p>
@@ -3730,7 +3730,7 @@
           <a:p>
             <a:fld id="{78F7501C-0FBA-4912-B930-6291D1759BC9}" type="datetimeFigureOut">
               <a:rPr lang="hu-HU" smtClean="0"/>
-              <a:t>2014.03.26.</a:t>
+              <a:t>2014.03.27.</a:t>
             </a:fld>
             <a:endParaRPr lang="hu-HU"/>
           </a:p>
@@ -3943,7 +3943,7 @@
           <a:p>
             <a:fld id="{78F7501C-0FBA-4912-B930-6291D1759BC9}" type="datetimeFigureOut">
               <a:rPr lang="hu-HU" smtClean="0"/>
-              <a:t>2014.03.26.</a:t>
+              <a:t>2014.03.27.</a:t>
             </a:fld>
             <a:endParaRPr lang="hu-HU"/>
           </a:p>
@@ -4680,7 +4680,6 @@
               <a:rPr lang="hu-HU" dirty="0"/>
               <a:t>1 – Read Your Writes</a:t>
             </a:r>
-            <a:endParaRPr lang="hu-HU" dirty="0"/>
           </a:p>
         </p:txBody>
       </p:sp>
@@ -5206,11 +5205,7 @@
           <a:p>
             <a:r>
               <a:rPr lang="hu-HU" dirty="0" smtClean="0"/>
-              <a:t>If Read R follows Write W in a session and R is performed at server S at time t, then W is included in DB(S, t</a:t>
-            </a:r>
-            <a:r>
-              <a:rPr lang="hu-HU" dirty="0" smtClean="0"/>
-              <a:t>)</a:t>
+              <a:t>If Read R follows Write W in a session and R is performed at server S at time t, then W is included in DB(S, t)</a:t>
             </a:r>
             <a:endParaRPr lang="en-US" dirty="0" smtClean="0"/>
           </a:p>
@@ -5315,7 +5310,6 @@
               <a:rPr lang="hu-HU" dirty="0"/>
               <a:t>2 – Monotonic Reads</a:t>
             </a:r>
-            <a:endParaRPr lang="hu-HU" dirty="0"/>
           </a:p>
         </p:txBody>
       </p:sp>
@@ -5830,7 +5824,15 @@
               <a:pPr algn="ctr"/>
               <a:r>
                 <a:rPr lang="en-US" sz="2800" dirty="0" smtClean="0"/>
-                <a:t>Write by C : W2</a:t>
+                <a:t>Write by C </a:t>
+              </a:r>
+              <a:r>
+                <a:rPr lang="en-US" sz="2800" smtClean="0"/>
+                <a:t>: </a:t>
+              </a:r>
+              <a:r>
+                <a:rPr lang="en-US" sz="2800" smtClean="0"/>
+                <a:t>W3</a:t>
               </a:r>
               <a:endParaRPr lang="en-US" sz="2800" dirty="0"/>
             </a:p>
@@ -6268,7 +6270,6 @@
               <a:rPr lang="hu-HU" dirty="0"/>
               <a:t>3 – Writes Follow Reads</a:t>
             </a:r>
-            <a:endParaRPr lang="hu-HU" dirty="0"/>
           </a:p>
         </p:txBody>
       </p:sp>
@@ -7105,11 +7106,7 @@
             </a:r>
             <a:r>
               <a:rPr lang="hu-HU" dirty="0" smtClean="0"/>
-              <a:t> </a:t>
-            </a:r>
-            <a:r>
-              <a:rPr lang="hu-HU" dirty="0" smtClean="0"/>
-              <a:t>user creates a place in Foursquare, then checks in. If a server sees the check-in, they also saw the place creation event before.</a:t>
+              <a:t> user creates a place in Foursquare, then checks in. If a server sees the check-in, they also saw the place creation event before.</a:t>
             </a:r>
             <a:endParaRPr lang="hu-HU" dirty="0">
               <a:solidFill>
@@ -7180,7 +7177,6 @@
               <a:rPr lang="hu-HU" dirty="0"/>
               <a:t>4 – Monotonic Writes</a:t>
             </a:r>
-            <a:endParaRPr lang="hu-HU" dirty="0"/>
           </a:p>
         </p:txBody>
       </p:sp>
@@ -7872,11 +7868,7 @@
             </a:r>
             <a:r>
               <a:rPr lang="hu-HU" dirty="0" smtClean="0"/>
-              <a:t>utomatic </a:t>
-            </a:r>
-            <a:r>
-              <a:rPr lang="hu-HU" dirty="0" smtClean="0"/>
-              <a:t>address book backup service – shouldn’t overwrite/remove previous addresses</a:t>
+              <a:t>utomatic address book backup service – shouldn’t overwrite/remove previous addresses</a:t>
             </a:r>
           </a:p>
           <a:p>

--- a/presentation/slides_daniel.pptx
+++ b/presentation/slides_daniel.pptx
@@ -5321,10 +5321,10 @@
         </p:nvGrpSpPr>
         <p:grpSpPr>
           <a:xfrm>
-            <a:off x="251520" y="922015"/>
-            <a:ext cx="8640960" cy="5819353"/>
+            <a:off x="251520" y="908720"/>
+            <a:ext cx="7576899" cy="5819353"/>
             <a:chOff x="251520" y="922015"/>
-            <a:chExt cx="8640960" cy="5819353"/>
+            <a:chExt cx="7576899" cy="5819353"/>
           </a:xfrm>
         </p:grpSpPr>
         <p:sp>
@@ -5364,7 +5364,7 @@
             <p:nvPr/>
           </p:nvSpPr>
           <p:spPr>
-            <a:xfrm rot="16200000">
+            <a:xfrm rot="5400000">
               <a:off x="-1613030" y="3940714"/>
               <a:ext cx="5266928" cy="334380"/>
             </a:xfrm>
@@ -5421,7 +5421,7 @@
             <a:p>
               <a:r>
                 <a:rPr lang="en-US" sz="2800" dirty="0" smtClean="0"/>
-                <a:t>t1</a:t>
+                <a:t>t5</a:t>
               </a:r>
               <a:endParaRPr lang="en-US" sz="2800" dirty="0"/>
             </a:p>
@@ -5435,10 +5435,10 @@
           </p:nvGrpSpPr>
           <p:grpSpPr>
             <a:xfrm>
-              <a:off x="1187624" y="6021288"/>
-              <a:ext cx="3544814" cy="443191"/>
-              <a:chOff x="1187624" y="6021288"/>
-              <a:chExt cx="3544814" cy="443191"/>
+              <a:off x="1187624" y="2114440"/>
+              <a:ext cx="6640795" cy="4113704"/>
+              <a:chOff x="1187624" y="2114440"/>
+              <a:chExt cx="6640795" cy="4113704"/>
             </a:xfrm>
           </p:grpSpPr>
           <p:cxnSp>
@@ -5482,8 +5482,8 @@
             </p:nvSpPr>
             <p:spPr>
               <a:xfrm>
-                <a:off x="2049363" y="6021288"/>
-                <a:ext cx="2683075" cy="443191"/>
+                <a:off x="4101227" y="2114440"/>
+                <a:ext cx="3727192" cy="443191"/>
               </a:xfrm>
               <a:prstGeom prst="roundRect">
                 <a:avLst/>
@@ -5565,8 +5565,8 @@
           </p:nvSpPr>
           <p:spPr>
             <a:xfrm>
-              <a:off x="2743663" y="5085184"/>
-              <a:ext cx="2683075" cy="443191"/>
+              <a:off x="4101227" y="3093284"/>
+              <a:ext cx="3727192" cy="443191"/>
             </a:xfrm>
             <a:prstGeom prst="roundRect">
               <a:avLst/>
@@ -5630,7 +5630,7 @@
             <a:p>
               <a:r>
                 <a:rPr lang="en-US" sz="2800" dirty="0" smtClean="0"/>
-                <a:t>t2</a:t>
+                <a:t>t4</a:t>
               </a:r>
               <a:endParaRPr lang="en-US" sz="2800" dirty="0"/>
             </a:p>
@@ -5644,8 +5644,8 @@
           </p:nvCxnSpPr>
           <p:spPr>
             <a:xfrm flipH="1">
-              <a:off x="1229707" y="4398001"/>
-              <a:ext cx="2185258" cy="35788"/>
+              <a:off x="1229707" y="4429312"/>
+              <a:ext cx="2406189" cy="4477"/>
             </a:xfrm>
             <a:prstGeom prst="straightConnector1">
               <a:avLst/>
@@ -5677,8 +5677,8 @@
           </p:nvSpPr>
           <p:spPr>
             <a:xfrm>
-              <a:off x="3617117" y="4149080"/>
-              <a:ext cx="3331147" cy="443191"/>
+              <a:off x="4101227" y="4209945"/>
+              <a:ext cx="3727192" cy="443191"/>
             </a:xfrm>
             <a:prstGeom prst="roundRect">
               <a:avLst/>
@@ -5789,8 +5789,8 @@
           </p:nvSpPr>
           <p:spPr>
             <a:xfrm>
-              <a:off x="4121173" y="3068960"/>
-              <a:ext cx="2683075" cy="443191"/>
+              <a:off x="3059832" y="5148296"/>
+              <a:ext cx="4768587" cy="443191"/>
             </a:xfrm>
             <a:prstGeom prst="roundRect">
               <a:avLst/>
@@ -5824,15 +5824,7 @@
               <a:pPr algn="ctr"/>
               <a:r>
                 <a:rPr lang="en-US" sz="2800" dirty="0" smtClean="0"/>
-                <a:t>Write by C </a:t>
-              </a:r>
-              <a:r>
-                <a:rPr lang="en-US" sz="2800" smtClean="0"/>
-                <a:t>: </a:t>
-              </a:r>
-              <a:r>
-                <a:rPr lang="en-US" sz="2800" smtClean="0"/>
-                <a:t>W3</a:t>
+                <a:t>Write by C : W3</a:t>
               </a:r>
               <a:endParaRPr lang="en-US" sz="2800" dirty="0"/>
             </a:p>
@@ -5846,8 +5838,8 @@
           </p:nvCxnSpPr>
           <p:spPr>
             <a:xfrm flipH="1">
-              <a:off x="1234615" y="2290863"/>
-              <a:ext cx="3497823" cy="21797"/>
+              <a:off x="1276710" y="2303486"/>
+              <a:ext cx="2545676" cy="0"/>
             </a:xfrm>
             <a:prstGeom prst="straightConnector1">
               <a:avLst/>
@@ -5879,8 +5871,8 @@
           </p:nvSpPr>
           <p:spPr>
             <a:xfrm>
-              <a:off x="4985269" y="1988840"/>
-              <a:ext cx="3907211" cy="443191"/>
+              <a:off x="3057112" y="5832099"/>
+              <a:ext cx="4771307" cy="792088"/>
             </a:xfrm>
             <a:prstGeom prst="roundRect">
               <a:avLst/>
@@ -5914,7 +5906,26 @@
               <a:pPr algn="ctr"/>
               <a:r>
                 <a:rPr lang="en-US" sz="2400" dirty="0" smtClean="0"/>
-                <a:t>Read by A : R2 ={W1,W2,W3}</a:t>
+                <a:t>Read by </a:t>
+              </a:r>
+              <a:r>
+                <a:rPr lang="en-US" sz="2400" dirty="0" smtClean="0"/>
+                <a:t>A  must be :</a:t>
+              </a:r>
+            </a:p>
+            <a:p>
+              <a:pPr algn="ctr"/>
+              <a:r>
+                <a:rPr lang="en-US" sz="2400" dirty="0" smtClean="0"/>
+                <a:t> </a:t>
+              </a:r>
+              <a:r>
+                <a:rPr lang="en-US" sz="2400" dirty="0" smtClean="0"/>
+                <a:t>R2 ={W1,W2</a:t>
+              </a:r>
+              <a:r>
+                <a:rPr lang="en-US" sz="2400" dirty="0" smtClean="0"/>
+                <a:t>,[W3]}</a:t>
               </a:r>
               <a:endParaRPr lang="en-US" sz="2400" dirty="0"/>
             </a:p>
@@ -5944,7 +5955,7 @@
             <a:p>
               <a:r>
                 <a:rPr lang="en-US" sz="2800" dirty="0" smtClean="0"/>
-                <a:t>t4</a:t>
+                <a:t>t2</a:t>
               </a:r>
               <a:endParaRPr lang="en-US" sz="2800" dirty="0"/>
             </a:p>
@@ -5974,7 +5985,7 @@
             <a:p>
               <a:r>
                 <a:rPr lang="en-US" sz="2800" dirty="0" smtClean="0"/>
-                <a:t>t5</a:t>
+                <a:t>t1</a:t>
               </a:r>
               <a:endParaRPr lang="en-US" sz="2800" dirty="0"/>
             </a:p>
@@ -6281,7 +6292,7 @@
         </p:nvGrpSpPr>
         <p:grpSpPr>
           <a:xfrm>
-            <a:off x="5419674" y="1412776"/>
+            <a:off x="5436096" y="4725915"/>
             <a:ext cx="3544814" cy="1779888"/>
             <a:chOff x="1187624" y="6021288"/>
             <a:chExt cx="3544814" cy="443191"/>
@@ -6442,7 +6453,7 @@
               <p:nvPr/>
             </p:nvSpPr>
             <p:spPr>
-              <a:xfrm rot="16200000">
+              <a:xfrm rot="5400000">
                 <a:off x="-1613030" y="3940714"/>
                 <a:ext cx="5266928" cy="334380"/>
               </a:xfrm>
@@ -6527,7 +6538,7 @@
               <p:nvPr/>
             </p:nvSpPr>
             <p:spPr>
-              <a:xfrm rot="16200000">
+              <a:xfrm rot="5400000">
                 <a:off x="-1613030" y="3940714"/>
                 <a:ext cx="5266928" cy="334380"/>
               </a:xfrm>
@@ -6570,9 +6581,9 @@
         </p:nvGrpSpPr>
         <p:grpSpPr>
           <a:xfrm flipH="1">
-            <a:off x="107504" y="5794121"/>
+            <a:off x="114689" y="1502671"/>
             <a:ext cx="3525036" cy="443191"/>
-            <a:chOff x="1187624" y="6021288"/>
+            <a:chOff x="1137425" y="4101752"/>
             <a:chExt cx="3544814" cy="443191"/>
           </a:xfrm>
         </p:grpSpPr>
@@ -6584,7 +6595,7 @@
           </p:nvCxnSpPr>
           <p:spPr>
             <a:xfrm flipH="1">
-              <a:off x="1187624" y="6228143"/>
+              <a:off x="1137425" y="4308607"/>
               <a:ext cx="751793" cy="1"/>
             </a:xfrm>
             <a:prstGeom prst="straightConnector1">
@@ -6617,7 +6628,7 @@
           </p:nvSpPr>
           <p:spPr>
             <a:xfrm>
-              <a:off x="2049363" y="6021288"/>
+              <a:off x="1999164" y="4101752"/>
               <a:ext cx="2683075" cy="443191"/>
             </a:xfrm>
             <a:prstGeom prst="roundRect">
@@ -6667,10 +6678,10 @@
         </p:nvGrpSpPr>
         <p:grpSpPr>
           <a:xfrm flipH="1">
-            <a:off x="107504" y="4714001"/>
-            <a:ext cx="3525036" cy="443191"/>
-            <a:chOff x="1187624" y="6021288"/>
-            <a:chExt cx="3544814" cy="443191"/>
+            <a:off x="114686" y="2342087"/>
+            <a:ext cx="3454083" cy="443191"/>
+            <a:chOff x="1208779" y="6021288"/>
+            <a:chExt cx="3473463" cy="443191"/>
           </a:xfrm>
         </p:grpSpPr>
         <p:cxnSp>
@@ -6680,9 +6691,9 @@
             <p:nvPr/>
           </p:nvCxnSpPr>
           <p:spPr>
-            <a:xfrm flipH="1">
-              <a:off x="1187624" y="6228143"/>
-              <a:ext cx="751793" cy="1"/>
+            <a:xfrm flipH="1" flipV="1">
+              <a:off x="1208779" y="6240941"/>
+              <a:ext cx="668245" cy="3165"/>
             </a:xfrm>
             <a:prstGeom prst="straightConnector1">
               <a:avLst/>
@@ -6714,8 +6725,8 @@
           </p:nvSpPr>
           <p:spPr>
             <a:xfrm>
-              <a:off x="2049363" y="6021288"/>
-              <a:ext cx="2683075" cy="443191"/>
+              <a:off x="1987588" y="6021288"/>
+              <a:ext cx="2694654" cy="443191"/>
             </a:xfrm>
             <a:prstGeom prst="roundRect">
               <a:avLst/>
@@ -6764,10 +6775,10 @@
         </p:nvGrpSpPr>
         <p:grpSpPr>
           <a:xfrm flipH="1">
-            <a:off x="107504" y="3633881"/>
-            <a:ext cx="3525036" cy="443191"/>
-            <a:chOff x="1187624" y="6021288"/>
-            <a:chExt cx="3544814" cy="443191"/>
+            <a:off x="114687" y="3181503"/>
+            <a:ext cx="3492523" cy="443191"/>
+            <a:chOff x="1170122" y="7940824"/>
+            <a:chExt cx="3512118" cy="443191"/>
           </a:xfrm>
         </p:grpSpPr>
         <p:cxnSp>
@@ -6778,7 +6789,7 @@
           </p:nvCxnSpPr>
           <p:spPr>
             <a:xfrm flipH="1">
-              <a:off x="1187624" y="6228143"/>
+              <a:off x="1170122" y="8130996"/>
               <a:ext cx="751793" cy="1"/>
             </a:xfrm>
             <a:prstGeom prst="straightConnector1">
@@ -6811,8 +6822,8 @@
           </p:nvSpPr>
           <p:spPr>
             <a:xfrm>
-              <a:off x="2049363" y="6021288"/>
-              <a:ext cx="2683075" cy="443191"/>
+              <a:off x="1999164" y="7940824"/>
+              <a:ext cx="2683076" cy="443191"/>
             </a:xfrm>
             <a:prstGeom prst="roundRect">
               <a:avLst/>
@@ -7188,9 +7199,9 @@
         </p:nvGrpSpPr>
         <p:grpSpPr>
           <a:xfrm>
-            <a:off x="5419674" y="1412776"/>
+            <a:off x="5443341" y="4693471"/>
             <a:ext cx="3544814" cy="1779888"/>
-            <a:chOff x="1187624" y="6021288"/>
+            <a:chOff x="1211291" y="6838179"/>
             <a:chExt cx="3544814" cy="443191"/>
           </a:xfrm>
         </p:grpSpPr>
@@ -7202,7 +7213,7 @@
           </p:nvCxnSpPr>
           <p:spPr>
             <a:xfrm flipH="1">
-              <a:off x="1187624" y="6228143"/>
+              <a:off x="1211291" y="7045034"/>
               <a:ext cx="751793" cy="1"/>
             </a:xfrm>
             <a:prstGeom prst="straightConnector1">
@@ -7235,7 +7246,7 @@
           </p:nvSpPr>
           <p:spPr>
             <a:xfrm>
-              <a:off x="2049363" y="6021288"/>
+              <a:off x="2073030" y="6838179"/>
               <a:ext cx="2683075" cy="443191"/>
             </a:xfrm>
             <a:prstGeom prst="roundRect">
@@ -7349,7 +7360,7 @@
               <p:nvPr/>
             </p:nvSpPr>
             <p:spPr>
-              <a:xfrm rot="16200000">
+              <a:xfrm rot="5400000">
                 <a:off x="-1613030" y="3940714"/>
                 <a:ext cx="5266928" cy="334380"/>
               </a:xfrm>
@@ -7434,7 +7445,7 @@
               <p:nvPr/>
             </p:nvSpPr>
             <p:spPr>
-              <a:xfrm rot="16200000">
+              <a:xfrm rot="5400000">
                 <a:off x="-1613030" y="3940714"/>
                 <a:ext cx="5266928" cy="334380"/>
               </a:xfrm>
@@ -7477,7 +7488,7 @@
         </p:nvGrpSpPr>
         <p:grpSpPr>
           <a:xfrm flipH="1">
-            <a:off x="107504" y="5517232"/>
+            <a:off x="18656" y="1859529"/>
             <a:ext cx="3525036" cy="443191"/>
             <a:chOff x="1187624" y="6021288"/>
             <a:chExt cx="3544814" cy="443191"/>
@@ -10432,13 +10443,38 @@
           <a:lstStyle/>
           <a:p>
             <a:r>
-              <a:rPr lang="hu-HU" b="1" dirty="0" smtClean="0"/>
+              <a:rPr lang="en-US" dirty="0" smtClean="0"/>
+              <a:t>Trivial for any system that has version vectors (</a:t>
+            </a:r>
+            <a:r>
+              <a:rPr lang="hu-HU" dirty="0" smtClean="0"/>
               <a:t>Coda</a:t>
             </a:r>
             <a:r>
               <a:rPr lang="hu-HU" dirty="0" smtClean="0"/>
-              <a:t>, Ficus, refdbms</a:t>
-            </a:r>
+              <a:t>, Ficus, </a:t>
+            </a:r>
+            <a:r>
+              <a:rPr lang="hu-HU" dirty="0" smtClean="0"/>
+              <a:t>refdbms</a:t>
+            </a:r>
+            <a:r>
+              <a:rPr lang="en-US" dirty="0" smtClean="0"/>
+              <a:t>)</a:t>
+            </a:r>
+          </a:p>
+          <a:p>
+            <a:r>
+              <a:rPr lang="en-US" dirty="0" smtClean="0"/>
+              <a:t>Incremental and/or Selective Deployment</a:t>
+            </a:r>
+          </a:p>
+          <a:p>
+            <a:r>
+              <a:rPr lang="en-US" dirty="0" smtClean="0"/>
+              <a:t>Sorry!: The article doesn’t mention about evaluation any more</a:t>
+            </a:r>
+            <a:endParaRPr lang="hu-HU" dirty="0" smtClean="0"/>
           </a:p>
           <a:p>
             <a:endParaRPr lang="hu-HU" dirty="0"/>
@@ -10897,29 +10933,53 @@
           <a:p>
             <a:pPr lvl="1"/>
             <a:r>
-              <a:rPr lang="hu-HU" dirty="0" smtClean="0"/>
-              <a:t>TODO</a:t>
-            </a:r>
-          </a:p>
-          <a:p>
-            <a:r>
-              <a:rPr lang="hu-HU" dirty="0" smtClean="0"/>
-              <a:t>Disconnected operations</a:t>
-            </a:r>
+              <a:rPr lang="en-US" dirty="0" smtClean="0"/>
+              <a:t>Why separating server duties is no good?</a:t>
+            </a:r>
+            <a:endParaRPr lang="hu-HU" dirty="0" smtClean="0"/>
+          </a:p>
+          <a:p>
+            <a:r>
+              <a:rPr lang="en-US" dirty="0" smtClean="0"/>
+              <a:t>How can we handle </a:t>
+            </a:r>
+            <a:r>
+              <a:rPr lang="en-US" dirty="0"/>
+              <a:t>d</a:t>
+            </a:r>
+            <a:r>
+              <a:rPr lang="hu-HU" dirty="0" smtClean="0"/>
+              <a:t>isconnected operations</a:t>
+            </a:r>
+            <a:r>
+              <a:rPr lang="en-US" dirty="0" smtClean="0"/>
+              <a:t>?</a:t>
+            </a:r>
+            <a:endParaRPr lang="hu-HU" dirty="0" smtClean="0"/>
           </a:p>
           <a:p>
             <a:pPr lvl="1"/>
             <a:r>
               <a:rPr lang="hu-HU" dirty="0" smtClean="0"/>
-              <a:t>Closed, synchronized copies are unavailable</a:t>
-            </a:r>
+              <a:t>Closed, synchronized copies are </a:t>
+            </a:r>
+            <a:r>
+              <a:rPr lang="hu-HU" dirty="0" smtClean="0"/>
+              <a:t>unavailable</a:t>
+            </a:r>
+            <a:endParaRPr lang="en-US" dirty="0" smtClean="0"/>
           </a:p>
           <a:p>
             <a:pPr lvl="1"/>
             <a:r>
-              <a:rPr lang="hu-HU" dirty="0" smtClean="0"/>
-              <a:t>TODO</a:t>
-            </a:r>
+              <a:rPr lang="en-US" dirty="0" smtClean="0"/>
+              <a:t>Can I disconnect in time?</a:t>
+            </a:r>
+            <a:endParaRPr lang="hu-HU" dirty="0" smtClean="0"/>
+          </a:p>
+          <a:p>
+            <a:pPr lvl="1"/>
+            <a:endParaRPr lang="hu-HU" dirty="0" smtClean="0"/>
           </a:p>
           <a:p>
             <a:endParaRPr lang="hu-HU" dirty="0"/>
@@ -11002,22 +11062,37 @@
           <a:lstStyle/>
           <a:p>
             <a:r>
-              <a:rPr lang="hu-HU" dirty="0" smtClean="0"/>
-              <a:t>TODO: example</a:t>
+              <a:rPr lang="en-US" dirty="0" smtClean="0"/>
+              <a:t>Imagine your daily mobile device usage</a:t>
+            </a:r>
+          </a:p>
+          <a:p>
+            <a:pPr lvl="1"/>
+            <a:r>
+              <a:rPr lang="en-US" dirty="0" smtClean="0"/>
+              <a:t>You don’t live in an eventually consistent world</a:t>
             </a:r>
           </a:p>
           <a:p>
             <a:r>
               <a:rPr lang="hu-HU" b="1" dirty="0" smtClean="0"/>
-              <a:t>Eventual consistency is not always enough for the user</a:t>
-            </a:r>
-          </a:p>
-          <a:p>
-            <a:r>
-              <a:rPr lang="hu-HU" dirty="0" smtClean="0"/>
-              <a:t>A solution can be added as a layer to existing systems</a:t>
-            </a:r>
-            <a:endParaRPr lang="hu-HU" dirty="0"/>
+              <a:t>Eventual </a:t>
+            </a:r>
+            <a:r>
+              <a:rPr lang="hu-HU" b="1" dirty="0" smtClean="0"/>
+              <a:t>consistency is not always enough for the user</a:t>
+            </a:r>
+          </a:p>
+          <a:p>
+            <a:r>
+              <a:rPr lang="en-US" dirty="0" smtClean="0"/>
+              <a:t>So now, will we present a solution which requires to redevelop everything?</a:t>
+            </a:r>
+            <a:endParaRPr lang="en-US" dirty="0"/>
+          </a:p>
+          <a:p>
+            <a:pPr lvl="1"/>
+            <a:endParaRPr lang="en-US" dirty="0" smtClean="0"/>
           </a:p>
         </p:txBody>
       </p:sp>
@@ -11075,7 +11150,15 @@
           <a:p>
             <a:r>
               <a:rPr lang="hu-HU" dirty="0" smtClean="0"/>
-              <a:t>Solution: Guarantees</a:t>
+              <a:t>Solution: </a:t>
+            </a:r>
+            <a:r>
+              <a:rPr lang="en-US" dirty="0" smtClean="0"/>
+              <a:t>Session </a:t>
+            </a:r>
+            <a:r>
+              <a:rPr lang="hu-HU" dirty="0" smtClean="0"/>
+              <a:t>Guarantees</a:t>
             </a:r>
             <a:endParaRPr lang="hu-HU" dirty="0"/>
           </a:p>

--- a/presentation/slides_daniel.pptx
+++ b/presentation/slides_daniel.pptx
@@ -5,7 +5,7 @@
     <p:sldMasterId id="2147483648" r:id="rId1"/>
   </p:sldMasterIdLst>
   <p:notesMasterIdLst>
-    <p:notesMasterId r:id="rId31"/>
+    <p:notesMasterId r:id="rId33"/>
   </p:notesMasterIdLst>
   <p:sldIdLst>
     <p:sldId id="256" r:id="rId2"/>
@@ -37,6 +37,8 @@
     <p:sldId id="281" r:id="rId28"/>
     <p:sldId id="282" r:id="rId29"/>
     <p:sldId id="286" r:id="rId30"/>
+    <p:sldId id="287" r:id="rId31"/>
+    <p:sldId id="288" r:id="rId32"/>
   </p:sldIdLst>
   <p:sldSz cx="9144000" cy="6858000" type="screen4x3"/>
   <p:notesSz cx="6858000" cy="9144000"/>
@@ -137,7 +139,7 @@
   </p:defaultTextStyle>
   <p:extLst>
     <p:ext uri="{EFAFB233-063F-42B5-8137-9DF3F51BA10A}">
-      <p15:sldGuideLst xmlns:p15="http://schemas.microsoft.com/office/powerpoint/2012/main">
+      <p15:sldGuideLst xmlns="" xmlns:p15="http://schemas.microsoft.com/office/powerpoint/2012/main">
         <p15:guide id="1" orient="horz" pos="2160">
           <p15:clr>
             <a:srgbClr val="A4A3A4"/>
@@ -1274,15 +1276,19 @@
           <a:p>
             <a:r>
               <a:rPr lang="en-US" dirty="0" smtClean="0"/>
-              <a:t>Strict=that the </a:t>
-            </a:r>
-            <a:r>
-              <a:rPr lang="en-US" dirty="0" err="1" smtClean="0"/>
-              <a:t>mostrecent</a:t>
+              <a:t>Strict=that the most</a:t>
+            </a:r>
+            <a:r>
+              <a:rPr lang="hu-HU" smtClean="0"/>
+              <a:t> </a:t>
+            </a:r>
+            <a:r>
+              <a:rPr lang="en-US" smtClean="0"/>
+              <a:t>recent </a:t>
             </a:r>
             <a:r>
               <a:rPr lang="en-US" dirty="0" smtClean="0"/>
-              <a:t> version of a file existing in the system is returned.</a:t>
+              <a:t>version of a file existing in the system is returned.</a:t>
             </a:r>
           </a:p>
           <a:p>
@@ -5906,26 +5912,14 @@
               <a:pPr algn="ctr"/>
               <a:r>
                 <a:rPr lang="en-US" sz="2400" dirty="0" smtClean="0"/>
-                <a:t>Read by </a:t>
-              </a:r>
-              <a:r>
-                <a:rPr lang="en-US" sz="2400" dirty="0" smtClean="0"/>
-                <a:t>A  must be :</a:t>
+                <a:t>Read by A  must be :</a:t>
               </a:r>
             </a:p>
             <a:p>
               <a:pPr algn="ctr"/>
               <a:r>
                 <a:rPr lang="en-US" sz="2400" dirty="0" smtClean="0"/>
-                <a:t> </a:t>
-              </a:r>
-              <a:r>
-                <a:rPr lang="en-US" sz="2400" dirty="0" smtClean="0"/>
-                <a:t>R2 ={W1,W2</a:t>
-              </a:r>
-              <a:r>
-                <a:rPr lang="en-US" sz="2400" dirty="0" smtClean="0"/>
-                <a:t>,[W3]}</a:t>
+                <a:t> R2 ={W1,W2,[W3]}</a:t>
               </a:r>
               <a:endParaRPr lang="en-US" sz="2400" dirty="0"/>
             </a:p>
@@ -8134,7 +8128,7 @@
                       <m:sSubPr>
                         <m:ctrlPr>
                           <a:rPr lang="hu-HU" b="0" i="1" smtClean="0">
-                            <a:latin typeface="Cambria Math" panose="02040503050406030204" pitchFamily="18" charset="0"/>
+                            <a:latin typeface="Cambria Math"/>
                             <a:ea typeface="Cambria Math"/>
                           </a:rPr>
                         </m:ctrlPr>
@@ -8203,7 +8197,7 @@
                       <m:dPr>
                         <m:ctrlPr>
                           <a:rPr lang="hu-HU" b="0" i="1" smtClean="0">
-                            <a:latin typeface="Cambria Math" panose="02040503050406030204" pitchFamily="18" charset="0"/>
+                            <a:latin typeface="Cambria Math"/>
                             <a:ea typeface="Cambria Math"/>
                           </a:rPr>
                         </m:ctrlPr>
@@ -8531,7 +8525,7 @@
                       <m:dPr>
                         <m:ctrlPr>
                           <a:rPr lang="hu-HU" b="0" i="1" smtClean="0">
-                            <a:latin typeface="Cambria Math" panose="02040503050406030204" pitchFamily="18" charset="0"/>
+                            <a:latin typeface="Cambria Math"/>
                           </a:rPr>
                         </m:ctrlPr>
                       </m:dPr>
@@ -8815,7 +8809,7 @@
                       <m:dPr>
                         <m:ctrlPr>
                           <a:rPr lang="hu-HU" b="0" i="1" smtClean="0">
-                            <a:latin typeface="Cambria Math" panose="02040503050406030204" pitchFamily="18" charset="0"/>
+                            <a:latin typeface="Cambria Math"/>
                           </a:rPr>
                         </m:ctrlPr>
                       </m:dPr>
@@ -8824,7 +8818,7 @@
                           <m:sSubPr>
                             <m:ctrlPr>
                               <a:rPr lang="hu-HU" b="0" i="1" smtClean="0">
-                                <a:latin typeface="Cambria Math" panose="02040503050406030204" pitchFamily="18" charset="0"/>
+                                <a:latin typeface="Cambria Math"/>
                               </a:rPr>
                             </m:ctrlPr>
                           </m:sSubPr>
@@ -8855,7 +8849,7 @@
                           <m:sSubPr>
                             <m:ctrlPr>
                               <a:rPr lang="hu-HU" b="0" i="1" smtClean="0">
-                                <a:latin typeface="Cambria Math" panose="02040503050406030204" pitchFamily="18" charset="0"/>
+                                <a:latin typeface="Cambria Math"/>
                               </a:rPr>
                             </m:ctrlPr>
                           </m:sSubPr>
@@ -8912,7 +8906,7 @@
                       <m:sSubPr>
                         <m:ctrlPr>
                           <a:rPr lang="hu-HU" b="0" i="1" smtClean="0">
-                            <a:latin typeface="Cambria Math" panose="02040503050406030204" pitchFamily="18" charset="0"/>
+                            <a:latin typeface="Cambria Math"/>
                           </a:rPr>
                         </m:ctrlPr>
                       </m:sSubPr>
@@ -9038,7 +9032,7 @@
                       <m:sSubPr>
                         <m:ctrlPr>
                           <a:rPr lang="hu-HU" i="1" smtClean="0">
-                            <a:latin typeface="Cambria Math" panose="02040503050406030204" pitchFamily="18" charset="0"/>
+                            <a:latin typeface="Cambria Math"/>
                             <a:ea typeface="Cambria Math"/>
                           </a:rPr>
                         </m:ctrlPr>
@@ -9080,7 +9074,7 @@
                       <m:dPr>
                         <m:ctrlPr>
                           <a:rPr lang="hu-HU" b="0" i="1" smtClean="0">
-                            <a:latin typeface="Cambria Math" panose="02040503050406030204" pitchFamily="18" charset="0"/>
+                            <a:latin typeface="Cambria Math"/>
                             <a:ea typeface="Cambria Math"/>
                           </a:rPr>
                         </m:ctrlPr>
@@ -9155,7 +9149,7 @@
                       <m:dPr>
                         <m:ctrlPr>
                           <a:rPr lang="hu-HU" b="0" i="1" smtClean="0">
-                            <a:latin typeface="Cambria Math" panose="02040503050406030204" pitchFamily="18" charset="0"/>
+                            <a:latin typeface="Cambria Math"/>
                             <a:ea typeface="Cambria Math"/>
                           </a:rPr>
                         </m:ctrlPr>
@@ -9165,7 +9159,7 @@
                           <m:sSubPr>
                             <m:ctrlPr>
                               <a:rPr lang="hu-HU" b="0" i="1" smtClean="0">
-                                <a:latin typeface="Cambria Math" panose="02040503050406030204" pitchFamily="18" charset="0"/>
+                                <a:latin typeface="Cambria Math"/>
                                 <a:ea typeface="Cambria Math"/>
                               </a:rPr>
                             </m:ctrlPr>
@@ -9200,7 +9194,7 @@
                           <m:sSubPr>
                             <m:ctrlPr>
                               <a:rPr lang="hu-HU" b="0" i="1" smtClean="0">
-                                <a:latin typeface="Cambria Math" panose="02040503050406030204" pitchFamily="18" charset="0"/>
+                                <a:latin typeface="Cambria Math"/>
                                 <a:ea typeface="Cambria Math"/>
                               </a:rPr>
                             </m:ctrlPr>
@@ -9237,7 +9231,7 @@
                       <m:sSubPr>
                         <m:ctrlPr>
                           <a:rPr lang="hu-HU" b="0" i="1" smtClean="0">
-                            <a:latin typeface="Cambria Math" panose="02040503050406030204" pitchFamily="18" charset="0"/>
+                            <a:latin typeface="Cambria Math"/>
                             <a:ea typeface="Cambria Math"/>
                           </a:rPr>
                         </m:ctrlPr>
@@ -9725,7 +9719,7 @@
                       <m:dPr>
                         <m:ctrlPr>
                           <a:rPr lang="hu-HU" b="0" i="1" smtClean="0">
-                            <a:latin typeface="Cambria Math" panose="02040503050406030204" pitchFamily="18" charset="0"/>
+                            <a:latin typeface="Cambria Math"/>
                           </a:rPr>
                         </m:ctrlPr>
                       </m:dPr>
@@ -9795,7 +9789,7 @@
                         <m:endChr m:val="}"/>
                         <m:ctrlPr>
                           <a:rPr lang="hu-HU" b="0" i="1" smtClean="0">
-                            <a:latin typeface="Cambria Math" panose="02040503050406030204" pitchFamily="18" charset="0"/>
+                            <a:latin typeface="Cambria Math"/>
                             <a:ea typeface="Cambria Math"/>
                           </a:rPr>
                         </m:ctrlPr>
@@ -9805,7 +9799,7 @@
                           <m:sSubPr>
                             <m:ctrlPr>
                               <a:rPr lang="hu-HU" b="0" i="1" smtClean="0">
-                                <a:latin typeface="Cambria Math" panose="02040503050406030204" pitchFamily="18" charset="0"/>
+                                <a:latin typeface="Cambria Math"/>
                                 <a:ea typeface="Cambria Math"/>
                               </a:rPr>
                             </m:ctrlPr>
@@ -10218,20 +10212,57 @@
             </a:r>
             <a:r>
               <a:rPr lang="hu-HU" dirty="0" smtClean="0"/>
-              <a:t> of WID sets Ws1 and Ws2</a:t>
-            </a:r>
+              <a:t> of WID sets Ws</a:t>
+            </a:r>
+            <a:r>
+              <a:rPr lang="hu-HU" sz="2000" dirty="0" smtClean="0"/>
+              <a:t>1</a:t>
+            </a:r>
+            <a:r>
+              <a:rPr lang="hu-HU" dirty="0" smtClean="0"/>
+              <a:t> and Ws</a:t>
+            </a:r>
+            <a:r>
+              <a:rPr lang="hu-HU" sz="2000" dirty="0" smtClean="0"/>
+              <a:t>2</a:t>
+            </a:r>
+            <a:endParaRPr lang="hu-HU" dirty="0" smtClean="0"/>
           </a:p>
           <a:p>
             <a:pPr lvl="1"/>
             <a:r>
               <a:rPr lang="hu-HU" dirty="0" smtClean="0"/>
-              <a:t>V[S] = MAX(V1[S], V2[S]) for all S</a:t>
-            </a:r>
-          </a:p>
-          <a:p>
-            <a:r>
-              <a:rPr lang="hu-HU" dirty="0" smtClean="0"/>
-              <a:t>Check if Ws1 is a </a:t>
+              <a:t>V[S] = MAX(V</a:t>
+            </a:r>
+            <a:r>
+              <a:rPr lang="hu-HU" sz="1800" dirty="0" smtClean="0"/>
+              <a:t>1</a:t>
+            </a:r>
+            <a:r>
+              <a:rPr lang="hu-HU" dirty="0" smtClean="0"/>
+              <a:t>[S], V</a:t>
+            </a:r>
+            <a:r>
+              <a:rPr lang="hu-HU" sz="1800" dirty="0" smtClean="0"/>
+              <a:t>2</a:t>
+            </a:r>
+            <a:r>
+              <a:rPr lang="hu-HU" dirty="0" smtClean="0"/>
+              <a:t>[S]) for all S</a:t>
+            </a:r>
+          </a:p>
+          <a:p>
+            <a:r>
+              <a:rPr lang="hu-HU" dirty="0" smtClean="0"/>
+              <a:t>Check if Ws</a:t>
+            </a:r>
+            <a:r>
+              <a:rPr lang="hu-HU" sz="2000" dirty="0" smtClean="0"/>
+              <a:t>1</a:t>
+            </a:r>
+            <a:r>
+              <a:rPr lang="hu-HU" dirty="0" smtClean="0"/>
+              <a:t> is a </a:t>
             </a:r>
             <a:r>
               <a:rPr lang="hu-HU" b="1" dirty="0" smtClean="0"/>
@@ -10239,14 +10270,35 @@
             </a:r>
             <a:r>
               <a:rPr lang="hu-HU" dirty="0" smtClean="0"/>
-              <a:t> of Ws2</a:t>
-            </a:r>
+              <a:t> of Ws</a:t>
+            </a:r>
+            <a:r>
+              <a:rPr lang="hu-HU" sz="2000" dirty="0" smtClean="0"/>
+              <a:t>2</a:t>
+            </a:r>
+            <a:endParaRPr lang="hu-HU" dirty="0" smtClean="0"/>
           </a:p>
           <a:p>
             <a:pPr lvl="1"/>
             <a:r>
               <a:rPr lang="hu-HU" dirty="0" smtClean="0"/>
-              <a:t>V2[S] &gt; V1[S] for all S</a:t>
+              <a:t>V</a:t>
+            </a:r>
+            <a:r>
+              <a:rPr lang="hu-HU" sz="1800" dirty="0" smtClean="0"/>
+              <a:t>2</a:t>
+            </a:r>
+            <a:r>
+              <a:rPr lang="hu-HU" dirty="0" smtClean="0"/>
+              <a:t>[S] &gt; V</a:t>
+            </a:r>
+            <a:r>
+              <a:rPr lang="hu-HU" sz="1800" dirty="0" smtClean="0"/>
+              <a:t>1</a:t>
+            </a:r>
+            <a:r>
+              <a:rPr lang="hu-HU" dirty="0" smtClean="0"/>
+              <a:t>[S] for all S</a:t>
             </a:r>
           </a:p>
           <a:p>
@@ -10353,7 +10405,7 @@
           <a:p>
             <a:r>
               <a:rPr lang="hu-HU" dirty="0" smtClean="0"/>
-              <a:t>Session Manager can cache Version Vectors of verious servers</a:t>
+              <a:t>Session Manager can cache Version Vectors of various servers</a:t>
             </a:r>
           </a:p>
           <a:p>
@@ -10448,15 +10500,7 @@
             </a:r>
             <a:r>
               <a:rPr lang="hu-HU" dirty="0" smtClean="0"/>
-              <a:t>Coda</a:t>
-            </a:r>
-            <a:r>
-              <a:rPr lang="hu-HU" dirty="0" smtClean="0"/>
-              <a:t>, Ficus, </a:t>
-            </a:r>
-            <a:r>
-              <a:rPr lang="hu-HU" dirty="0" smtClean="0"/>
-              <a:t>refdbms</a:t>
+              <a:t>Coda, Ficus, refdbms</a:t>
             </a:r>
             <a:r>
               <a:rPr lang="en-US" dirty="0" smtClean="0"/>
@@ -10659,12 +10703,16 @@
               <a:t>- Clients desiring consistency among multiple read and/or write operations must, in general, use the </a:t>
             </a:r>
             <a:r>
-              <a:rPr lang="en-US" sz="2400" dirty="0" err="1" smtClean="0"/>
-              <a:t>sameserver</a:t>
-            </a:r>
-            <a:r>
               <a:rPr lang="en-US" sz="2400" dirty="0" smtClean="0"/>
+              <a:t>same</a:t>
+            </a:r>
+            <a:r>
+              <a:rPr lang="hu-HU" sz="2400" dirty="0" smtClean="0"/>
               <a:t> </a:t>
+            </a:r>
+            <a:r>
+              <a:rPr lang="en-US" sz="2400" dirty="0" smtClean="0"/>
+              <a:t>server </a:t>
             </a:r>
             <a:r>
               <a:rPr lang="en-US" sz="2400" dirty="0"/>
@@ -10865,6 +10913,172 @@
 </p:sld>
 </file>
 
+<file path=ppt/slides/slide30.xml><?xml version="1.0" encoding="utf-8"?>
+<p:sld xmlns:a="http://schemas.openxmlformats.org/drawingml/2006/main" xmlns:r="http://schemas.openxmlformats.org/officeDocument/2006/relationships" xmlns:p="http://schemas.openxmlformats.org/presentationml/2006/main">
+  <p:cSld>
+    <p:spTree>
+      <p:nvGrpSpPr>
+        <p:cNvPr id="1" name=""/>
+        <p:cNvGrpSpPr/>
+        <p:nvPr/>
+      </p:nvGrpSpPr>
+      <p:grpSpPr>
+        <a:xfrm>
+          <a:off x="0" y="0"/>
+          <a:ext cx="0" cy="0"/>
+          <a:chOff x="0" y="0"/>
+          <a:chExt cx="0" cy="0"/>
+        </a:xfrm>
+      </p:grpSpPr>
+      <p:sp>
+        <p:nvSpPr>
+          <p:cNvPr id="2" name="Title 1"/>
+          <p:cNvSpPr>
+            <a:spLocks noGrp="1"/>
+          </p:cNvSpPr>
+          <p:nvPr>
+            <p:ph type="title"/>
+          </p:nvPr>
+        </p:nvSpPr>
+        <p:spPr/>
+        <p:txBody>
+          <a:bodyPr/>
+          <a:lstStyle/>
+          <a:p>
+            <a:r>
+              <a:rPr lang="hu-HU" dirty="0" smtClean="0"/>
+              <a:t>Conclusion</a:t>
+            </a:r>
+            <a:endParaRPr lang="hu-HU" dirty="0"/>
+          </a:p>
+        </p:txBody>
+      </p:sp>
+      <p:sp>
+        <p:nvSpPr>
+          <p:cNvPr id="3" name="Content Placeholder 2"/>
+          <p:cNvSpPr>
+            <a:spLocks noGrp="1"/>
+          </p:cNvSpPr>
+          <p:nvPr>
+            <p:ph idx="1"/>
+          </p:nvPr>
+        </p:nvSpPr>
+        <p:spPr/>
+        <p:txBody>
+          <a:bodyPr/>
+          <a:lstStyle/>
+          <a:p>
+            <a:r>
+              <a:rPr lang="hu-HU" dirty="0" smtClean="0"/>
+              <a:t>The paper does not present any evaluation</a:t>
+            </a:r>
+          </a:p>
+          <a:p>
+            <a:r>
+              <a:rPr lang="hu-HU" dirty="0" smtClean="0"/>
+              <a:t>Supposedly, it is straightforward to add guarantees to existing systems</a:t>
+            </a:r>
+          </a:p>
+          <a:p>
+            <a:r>
+              <a:rPr lang="hu-HU" dirty="0" smtClean="0"/>
+              <a:t>„Modular” in a sense, guarantees are independently grantable</a:t>
+            </a:r>
+          </a:p>
+          <a:p>
+            <a:r>
+              <a:rPr lang="hu-HU" dirty="0" smtClean="0"/>
+              <a:t>We can get the benefits of weakly consistent systems, with added guarantees, at a reasonable cost</a:t>
+            </a:r>
+            <a:endParaRPr lang="hu-HU" dirty="0"/>
+          </a:p>
+        </p:txBody>
+      </p:sp>
+    </p:spTree>
+    <p:extLst>
+      <p:ext uri="{BB962C8B-B14F-4D97-AF65-F5344CB8AC3E}">
+        <p14:creationId xmlns:p14="http://schemas.microsoft.com/office/powerpoint/2010/main" val="2742551865"/>
+      </p:ext>
+    </p:extLst>
+  </p:cSld>
+  <p:clrMapOvr>
+    <a:masterClrMapping/>
+  </p:clrMapOvr>
+</p:sld>
+</file>
+
+<file path=ppt/slides/slide31.xml><?xml version="1.0" encoding="utf-8"?>
+<p:sld xmlns:a="http://schemas.openxmlformats.org/drawingml/2006/main" xmlns:r="http://schemas.openxmlformats.org/officeDocument/2006/relationships" xmlns:p="http://schemas.openxmlformats.org/presentationml/2006/main">
+  <p:cSld>
+    <p:spTree>
+      <p:nvGrpSpPr>
+        <p:cNvPr id="1" name=""/>
+        <p:cNvGrpSpPr/>
+        <p:nvPr/>
+      </p:nvGrpSpPr>
+      <p:grpSpPr>
+        <a:xfrm>
+          <a:off x="0" y="0"/>
+          <a:ext cx="0" cy="0"/>
+          <a:chOff x="0" y="0"/>
+          <a:chExt cx="0" cy="0"/>
+        </a:xfrm>
+      </p:grpSpPr>
+      <p:sp>
+        <p:nvSpPr>
+          <p:cNvPr id="2" name="Title 1"/>
+          <p:cNvSpPr>
+            <a:spLocks noGrp="1"/>
+          </p:cNvSpPr>
+          <p:nvPr>
+            <p:ph type="title"/>
+          </p:nvPr>
+        </p:nvSpPr>
+        <p:spPr/>
+        <p:txBody>
+          <a:bodyPr/>
+          <a:lstStyle/>
+          <a:p>
+            <a:r>
+              <a:rPr lang="hu-HU" dirty="0" smtClean="0"/>
+              <a:t>Questions?</a:t>
+            </a:r>
+            <a:endParaRPr lang="hu-HU" dirty="0"/>
+          </a:p>
+        </p:txBody>
+      </p:sp>
+      <p:sp>
+        <p:nvSpPr>
+          <p:cNvPr id="4" name="Content Placeholder 3"/>
+          <p:cNvSpPr>
+            <a:spLocks noGrp="1"/>
+          </p:cNvSpPr>
+          <p:nvPr>
+            <p:ph idx="1"/>
+          </p:nvPr>
+        </p:nvSpPr>
+        <p:spPr/>
+        <p:txBody>
+          <a:bodyPr/>
+          <a:lstStyle/>
+          <a:p>
+            <a:endParaRPr lang="hu-HU" dirty="0"/>
+          </a:p>
+        </p:txBody>
+      </p:sp>
+    </p:spTree>
+    <p:extLst>
+      <p:ext uri="{BB962C8B-B14F-4D97-AF65-F5344CB8AC3E}">
+        <p14:creationId xmlns:p14="http://schemas.microsoft.com/office/powerpoint/2010/main" val="4208130215"/>
+      </p:ext>
+    </p:extLst>
+  </p:cSld>
+  <p:clrMapOvr>
+    <a:masterClrMapping/>
+  </p:clrMapOvr>
+</p:sld>
+</file>
+
 <file path=ppt/slides/slide4.xml><?xml version="1.0" encoding="utf-8"?>
 <p:sld xmlns:a="http://schemas.openxmlformats.org/drawingml/2006/main" xmlns:r="http://schemas.openxmlformats.org/officeDocument/2006/relationships" xmlns:p="http://schemas.openxmlformats.org/presentationml/2006/main">
   <p:cSld>
@@ -10961,11 +11175,7 @@
             <a:pPr lvl="1"/>
             <a:r>
               <a:rPr lang="hu-HU" dirty="0" smtClean="0"/>
-              <a:t>Closed, synchronized copies are </a:t>
-            </a:r>
-            <a:r>
-              <a:rPr lang="hu-HU" dirty="0" smtClean="0"/>
-              <a:t>unavailable</a:t>
+              <a:t>Closed, synchronized copies are unavailable</a:t>
             </a:r>
             <a:endParaRPr lang="en-US" dirty="0" smtClean="0"/>
           </a:p>
@@ -11076,11 +11286,7 @@
           <a:p>
             <a:r>
               <a:rPr lang="hu-HU" b="1" dirty="0" smtClean="0"/>
-              <a:t>Eventual </a:t>
-            </a:r>
-            <a:r>
-              <a:rPr lang="hu-HU" b="1" dirty="0" smtClean="0"/>
-              <a:t>consistency is not always enough for the user</a:t>
+              <a:t>Eventual consistency is not always enough for the user</a:t>
             </a:r>
           </a:p>
           <a:p>

--- a/presentation/slides_daniel.pptx
+++ b/presentation/slides_daniel.pptx
@@ -139,7 +139,7 @@
   </p:defaultTextStyle>
   <p:extLst>
     <p:ext uri="{EFAFB233-063F-42B5-8137-9DF3F51BA10A}">
-      <p15:sldGuideLst xmlns="" xmlns:p15="http://schemas.microsoft.com/office/powerpoint/2012/main">
+      <p15:sldGuideLst xmlns:p15="http://schemas.microsoft.com/office/powerpoint/2012/main">
         <p15:guide id="1" orient="horz" pos="2160">
           <p15:clr>
             <a:srgbClr val="A4A3A4"/>
@@ -238,7 +238,7 @@
           <a:p>
             <a:fld id="{7DE1F189-47AF-4643-B438-A16D154135D4}" type="datetimeFigureOut">
               <a:rPr lang="hu-HU" smtClean="0"/>
-              <a:t>2014.03.27.</a:t>
+              <a:t>2014.03.28.</a:t>
             </a:fld>
             <a:endParaRPr lang="hu-HU"/>
           </a:p>
@@ -556,10 +556,32 @@
             </a:r>
           </a:p>
           <a:p>
-            <a:r>
-              <a:rPr lang="hu-HU" dirty="0" smtClean="0"/>
-              <a:t>1. Authors, Xerox, Bayou project</a:t>
-            </a:r>
+            <a:pPr marL="228600" indent="-228600">
+              <a:buAutoNum type="arabicPeriod"/>
+            </a:pPr>
+            <a:r>
+              <a:rPr lang="hu-HU" dirty="0" smtClean="0"/>
+              <a:t>Authors</a:t>
+            </a:r>
+            <a:r>
+              <a:rPr lang="hu-HU" dirty="0" smtClean="0"/>
+              <a:t>, Xerox, Bayou </a:t>
+            </a:r>
+            <a:r>
+              <a:rPr lang="hu-HU" dirty="0" smtClean="0"/>
+              <a:t>project</a:t>
+            </a:r>
+            <a:endParaRPr lang="en-US" dirty="0" smtClean="0"/>
+          </a:p>
+          <a:p>
+            <a:pPr marL="228600" indent="-228600">
+              <a:buAutoNum type="arabicPeriod"/>
+            </a:pPr>
+            <a:r>
+              <a:rPr lang="en-US" dirty="0" smtClean="0"/>
+              <a:t>“Replicated data consistency explained through baseball”</a:t>
+            </a:r>
+            <a:endParaRPr lang="hu-HU" dirty="0" smtClean="0"/>
           </a:p>
           <a:p>
             <a:r>
@@ -684,12 +706,40 @@
           <a:lstStyle/>
           <a:p>
             <a:r>
+              <a:rPr lang="en-US" dirty="0" smtClean="0"/>
+              <a:t>Logic: theory is one that does not contain a contradiction</a:t>
+            </a:r>
+          </a:p>
+          <a:p>
+            <a:r>
+              <a:rPr lang="en-US" dirty="0" smtClean="0"/>
+              <a:t>DB Systems :  consistent transaction is one that starts with a database in a consistent state and ends with the database in a consistent state.</a:t>
+            </a:r>
+          </a:p>
+          <a:p>
+            <a:endParaRPr lang="en-US" dirty="0" smtClean="0"/>
+          </a:p>
+          <a:p>
+            <a:r>
+              <a:rPr lang="en-US" dirty="0" smtClean="0"/>
+              <a:t>In the second, more general, sense weak consistency may be applied to any consistency model weaker than sequential consistency.</a:t>
+            </a:r>
+          </a:p>
+          <a:p>
+            <a:endParaRPr lang="en-US" dirty="0" smtClean="0"/>
+          </a:p>
+          <a:p>
+            <a:r>
               <a:rPr lang="hu-HU" dirty="0" smtClean="0"/>
               <a:t>Why</a:t>
             </a:r>
             <a:r>
               <a:rPr lang="hu-HU" baseline="0" dirty="0" smtClean="0"/>
-              <a:t> don’t we just use transactions? They could solve all of our problems.</a:t>
+              <a:t> </a:t>
+            </a:r>
+            <a:r>
+              <a:rPr lang="hu-HU" baseline="0" dirty="0" smtClean="0"/>
+              <a:t>don’t we just use transactions? They could solve all of our problems.</a:t>
             </a:r>
           </a:p>
           <a:p>
@@ -1517,7 +1567,7 @@
           <a:p>
             <a:fld id="{78F7501C-0FBA-4912-B930-6291D1759BC9}" type="datetimeFigureOut">
               <a:rPr lang="hu-HU" smtClean="0"/>
-              <a:t>2014.03.27.</a:t>
+              <a:t>2014.03.28.</a:t>
             </a:fld>
             <a:endParaRPr lang="hu-HU"/>
           </a:p>
@@ -1687,7 +1737,7 @@
           <a:p>
             <a:fld id="{78F7501C-0FBA-4912-B930-6291D1759BC9}" type="datetimeFigureOut">
               <a:rPr lang="hu-HU" smtClean="0"/>
-              <a:t>2014.03.27.</a:t>
+              <a:t>2014.03.28.</a:t>
             </a:fld>
             <a:endParaRPr lang="hu-HU"/>
           </a:p>
@@ -1867,7 +1917,7 @@
           <a:p>
             <a:fld id="{78F7501C-0FBA-4912-B930-6291D1759BC9}" type="datetimeFigureOut">
               <a:rPr lang="hu-HU" smtClean="0"/>
-              <a:t>2014.03.27.</a:t>
+              <a:t>2014.03.28.</a:t>
             </a:fld>
             <a:endParaRPr lang="hu-HU"/>
           </a:p>
@@ -2037,7 +2087,7 @@
           <a:p>
             <a:fld id="{78F7501C-0FBA-4912-B930-6291D1759BC9}" type="datetimeFigureOut">
               <a:rPr lang="hu-HU" smtClean="0"/>
-              <a:t>2014.03.27.</a:t>
+              <a:t>2014.03.28.</a:t>
             </a:fld>
             <a:endParaRPr lang="hu-HU"/>
           </a:p>
@@ -2283,7 +2333,7 @@
           <a:p>
             <a:fld id="{78F7501C-0FBA-4912-B930-6291D1759BC9}" type="datetimeFigureOut">
               <a:rPr lang="hu-HU" smtClean="0"/>
-              <a:t>2014.03.27.</a:t>
+              <a:t>2014.03.28.</a:t>
             </a:fld>
             <a:endParaRPr lang="hu-HU"/>
           </a:p>
@@ -2571,7 +2621,7 @@
           <a:p>
             <a:fld id="{78F7501C-0FBA-4912-B930-6291D1759BC9}" type="datetimeFigureOut">
               <a:rPr lang="hu-HU" smtClean="0"/>
-              <a:t>2014.03.27.</a:t>
+              <a:t>2014.03.28.</a:t>
             </a:fld>
             <a:endParaRPr lang="hu-HU"/>
           </a:p>
@@ -2993,7 +3043,7 @@
           <a:p>
             <a:fld id="{78F7501C-0FBA-4912-B930-6291D1759BC9}" type="datetimeFigureOut">
               <a:rPr lang="hu-HU" smtClean="0"/>
-              <a:t>2014.03.27.</a:t>
+              <a:t>2014.03.28.</a:t>
             </a:fld>
             <a:endParaRPr lang="hu-HU"/>
           </a:p>
@@ -3111,7 +3161,7 @@
           <a:p>
             <a:fld id="{78F7501C-0FBA-4912-B930-6291D1759BC9}" type="datetimeFigureOut">
               <a:rPr lang="hu-HU" smtClean="0"/>
-              <a:t>2014.03.27.</a:t>
+              <a:t>2014.03.28.</a:t>
             </a:fld>
             <a:endParaRPr lang="hu-HU"/>
           </a:p>
@@ -3206,7 +3256,7 @@
           <a:p>
             <a:fld id="{78F7501C-0FBA-4912-B930-6291D1759BC9}" type="datetimeFigureOut">
               <a:rPr lang="hu-HU" smtClean="0"/>
-              <a:t>2014.03.27.</a:t>
+              <a:t>2014.03.28.</a:t>
             </a:fld>
             <a:endParaRPr lang="hu-HU"/>
           </a:p>
@@ -3483,7 +3533,7 @@
           <a:p>
             <a:fld id="{78F7501C-0FBA-4912-B930-6291D1759BC9}" type="datetimeFigureOut">
               <a:rPr lang="hu-HU" smtClean="0"/>
-              <a:t>2014.03.27.</a:t>
+              <a:t>2014.03.28.</a:t>
             </a:fld>
             <a:endParaRPr lang="hu-HU"/>
           </a:p>
@@ -3736,7 +3786,7 @@
           <a:p>
             <a:fld id="{78F7501C-0FBA-4912-B930-6291D1759BC9}" type="datetimeFigureOut">
               <a:rPr lang="hu-HU" smtClean="0"/>
-              <a:t>2014.03.27.</a:t>
+              <a:t>2014.03.28.</a:t>
             </a:fld>
             <a:endParaRPr lang="hu-HU"/>
           </a:p>
@@ -3949,7 +3999,7 @@
           <a:p>
             <a:fld id="{78F7501C-0FBA-4912-B930-6291D1759BC9}" type="datetimeFigureOut">
               <a:rPr lang="hu-HU" smtClean="0"/>
-              <a:t>2014.03.27.</a:t>
+              <a:t>2014.03.28.</a:t>
             </a:fld>
             <a:endParaRPr lang="hu-HU"/>
           </a:p>
@@ -8128,7 +8178,7 @@
                       <m:sSubPr>
                         <m:ctrlPr>
                           <a:rPr lang="hu-HU" b="0" i="1" smtClean="0">
-                            <a:latin typeface="Cambria Math"/>
+                            <a:latin typeface="Cambria Math" panose="02040503050406030204" pitchFamily="18" charset="0"/>
                             <a:ea typeface="Cambria Math"/>
                           </a:rPr>
                         </m:ctrlPr>
@@ -8197,7 +8247,7 @@
                       <m:dPr>
                         <m:ctrlPr>
                           <a:rPr lang="hu-HU" b="0" i="1" smtClean="0">
-                            <a:latin typeface="Cambria Math"/>
+                            <a:latin typeface="Cambria Math" panose="02040503050406030204" pitchFamily="18" charset="0"/>
                             <a:ea typeface="Cambria Math"/>
                           </a:rPr>
                         </m:ctrlPr>
@@ -8381,8 +8431,32 @@
           <a:p>
             <a:pPr lvl="1"/>
             <a:r>
-              <a:rPr lang="hu-HU" dirty="0"/>
-              <a:t>CAP </a:t>
+              <a:rPr lang="hu-HU" dirty="0" smtClean="0"/>
+              <a:t>C</a:t>
+            </a:r>
+            <a:r>
+              <a:rPr lang="en-US" dirty="0" err="1" smtClean="0"/>
+              <a:t>onsistency</a:t>
+            </a:r>
+            <a:r>
+              <a:rPr lang="en-US" dirty="0" smtClean="0"/>
+              <a:t>- Availability-</a:t>
+            </a:r>
+            <a:r>
+              <a:rPr lang="hu-HU" dirty="0" smtClean="0"/>
+              <a:t>P</a:t>
+            </a:r>
+            <a:r>
+              <a:rPr lang="en-US" dirty="0" err="1" smtClean="0"/>
+              <a:t>artition</a:t>
+            </a:r>
+            <a:r>
+              <a:rPr lang="en-US" dirty="0" smtClean="0"/>
+              <a:t> Tolerance</a:t>
+            </a:r>
+            <a:r>
+              <a:rPr lang="hu-HU" dirty="0" smtClean="0"/>
+              <a:t> </a:t>
             </a:r>
             <a:endParaRPr lang="hu-HU" dirty="0" smtClean="0"/>
           </a:p>
@@ -8525,7 +8599,7 @@
                       <m:dPr>
                         <m:ctrlPr>
                           <a:rPr lang="hu-HU" b="0" i="1" smtClean="0">
-                            <a:latin typeface="Cambria Math"/>
+                            <a:latin typeface="Cambria Math" panose="02040503050406030204" pitchFamily="18" charset="0"/>
                           </a:rPr>
                         </m:ctrlPr>
                       </m:dPr>
@@ -8809,7 +8883,7 @@
                       <m:dPr>
                         <m:ctrlPr>
                           <a:rPr lang="hu-HU" b="0" i="1" smtClean="0">
-                            <a:latin typeface="Cambria Math"/>
+                            <a:latin typeface="Cambria Math" panose="02040503050406030204" pitchFamily="18" charset="0"/>
                           </a:rPr>
                         </m:ctrlPr>
                       </m:dPr>
@@ -8818,7 +8892,7 @@
                           <m:sSubPr>
                             <m:ctrlPr>
                               <a:rPr lang="hu-HU" b="0" i="1" smtClean="0">
-                                <a:latin typeface="Cambria Math"/>
+                                <a:latin typeface="Cambria Math" panose="02040503050406030204" pitchFamily="18" charset="0"/>
                               </a:rPr>
                             </m:ctrlPr>
                           </m:sSubPr>
@@ -8849,7 +8923,7 @@
                           <m:sSubPr>
                             <m:ctrlPr>
                               <a:rPr lang="hu-HU" b="0" i="1" smtClean="0">
-                                <a:latin typeface="Cambria Math"/>
+                                <a:latin typeface="Cambria Math" panose="02040503050406030204" pitchFamily="18" charset="0"/>
                               </a:rPr>
                             </m:ctrlPr>
                           </m:sSubPr>
@@ -8906,7 +8980,7 @@
                       <m:sSubPr>
                         <m:ctrlPr>
                           <a:rPr lang="hu-HU" b="0" i="1" smtClean="0">
-                            <a:latin typeface="Cambria Math"/>
+                            <a:latin typeface="Cambria Math" panose="02040503050406030204" pitchFamily="18" charset="0"/>
                           </a:rPr>
                         </m:ctrlPr>
                       </m:sSubPr>
@@ -9032,7 +9106,7 @@
                       <m:sSubPr>
                         <m:ctrlPr>
                           <a:rPr lang="hu-HU" i="1" smtClean="0">
-                            <a:latin typeface="Cambria Math"/>
+                            <a:latin typeface="Cambria Math" panose="02040503050406030204" pitchFamily="18" charset="0"/>
                             <a:ea typeface="Cambria Math"/>
                           </a:rPr>
                         </m:ctrlPr>
@@ -9074,7 +9148,7 @@
                       <m:dPr>
                         <m:ctrlPr>
                           <a:rPr lang="hu-HU" b="0" i="1" smtClean="0">
-                            <a:latin typeface="Cambria Math"/>
+                            <a:latin typeface="Cambria Math" panose="02040503050406030204" pitchFamily="18" charset="0"/>
                             <a:ea typeface="Cambria Math"/>
                           </a:rPr>
                         </m:ctrlPr>
@@ -9149,7 +9223,7 @@
                       <m:dPr>
                         <m:ctrlPr>
                           <a:rPr lang="hu-HU" b="0" i="1" smtClean="0">
-                            <a:latin typeface="Cambria Math"/>
+                            <a:latin typeface="Cambria Math" panose="02040503050406030204" pitchFamily="18" charset="0"/>
                             <a:ea typeface="Cambria Math"/>
                           </a:rPr>
                         </m:ctrlPr>
@@ -9159,7 +9233,7 @@
                           <m:sSubPr>
                             <m:ctrlPr>
                               <a:rPr lang="hu-HU" b="0" i="1" smtClean="0">
-                                <a:latin typeface="Cambria Math"/>
+                                <a:latin typeface="Cambria Math" panose="02040503050406030204" pitchFamily="18" charset="0"/>
                                 <a:ea typeface="Cambria Math"/>
                               </a:rPr>
                             </m:ctrlPr>
@@ -9194,7 +9268,7 @@
                           <m:sSubPr>
                             <m:ctrlPr>
                               <a:rPr lang="hu-HU" b="0" i="1" smtClean="0">
-                                <a:latin typeface="Cambria Math"/>
+                                <a:latin typeface="Cambria Math" panose="02040503050406030204" pitchFamily="18" charset="0"/>
                                 <a:ea typeface="Cambria Math"/>
                               </a:rPr>
                             </m:ctrlPr>
@@ -9231,7 +9305,7 @@
                       <m:sSubPr>
                         <m:ctrlPr>
                           <a:rPr lang="hu-HU" b="0" i="1" smtClean="0">
-                            <a:latin typeface="Cambria Math"/>
+                            <a:latin typeface="Cambria Math" panose="02040503050406030204" pitchFamily="18" charset="0"/>
                             <a:ea typeface="Cambria Math"/>
                           </a:rPr>
                         </m:ctrlPr>
@@ -9719,7 +9793,7 @@
                       <m:dPr>
                         <m:ctrlPr>
                           <a:rPr lang="hu-HU" b="0" i="1" smtClean="0">
-                            <a:latin typeface="Cambria Math"/>
+                            <a:latin typeface="Cambria Math" panose="02040503050406030204" pitchFamily="18" charset="0"/>
                           </a:rPr>
                         </m:ctrlPr>
                       </m:dPr>
@@ -9789,7 +9863,7 @@
                         <m:endChr m:val="}"/>
                         <m:ctrlPr>
                           <a:rPr lang="hu-HU" b="0" i="1" smtClean="0">
-                            <a:latin typeface="Cambria Math"/>
+                            <a:latin typeface="Cambria Math" panose="02040503050406030204" pitchFamily="18" charset="0"/>
                             <a:ea typeface="Cambria Math"/>
                           </a:rPr>
                         </m:ctrlPr>
@@ -9799,7 +9873,7 @@
                           <m:sSubPr>
                             <m:ctrlPr>
                               <a:rPr lang="hu-HU" b="0" i="1" smtClean="0">
-                                <a:latin typeface="Cambria Math"/>
+                                <a:latin typeface="Cambria Math" panose="02040503050406030204" pitchFamily="18" charset="0"/>
                                 <a:ea typeface="Cambria Math"/>
                               </a:rPr>
                             </m:ctrlPr>
@@ -10871,8 +10945,20 @@
           </a:p>
           <a:p>
             <a:r>
+              <a:rPr lang="en-US" b="1" dirty="0" smtClean="0"/>
+              <a:t>BUT</a:t>
+            </a:r>
+            <a:r>
+              <a:rPr lang="en-US" dirty="0" smtClean="0"/>
+              <a:t> </a:t>
+            </a:r>
+            <a:r>
+              <a:rPr lang="hu-HU" dirty="0" smtClean="0"/>
+              <a:t>Lack </a:t>
+            </a:r>
+            <a:r>
               <a:rPr lang="hu-HU" dirty="0"/>
-              <a:t>Lack of guarantees are confusing to users</a:t>
+              <a:t>of guarantees are confusing to users</a:t>
             </a:r>
           </a:p>
           <a:p>
@@ -11034,35 +11120,23 @@
             <p:ph type="title"/>
           </p:nvPr>
         </p:nvSpPr>
-        <p:spPr/>
-        <p:txBody>
-          <a:bodyPr/>
+        <p:spPr>
+          <a:xfrm>
+            <a:off x="457200" y="2996952"/>
+            <a:ext cx="8229600" cy="1143000"/>
+          </a:xfrm>
+        </p:spPr>
+        <p:txBody>
+          <a:bodyPr>
+            <a:normAutofit/>
+          </a:bodyPr>
           <a:lstStyle/>
           <a:p>
             <a:r>
-              <a:rPr lang="hu-HU" dirty="0" smtClean="0"/>
+              <a:rPr lang="hu-HU" sz="6000" dirty="0" smtClean="0"/>
               <a:t>Questions?</a:t>
             </a:r>
-            <a:endParaRPr lang="hu-HU" dirty="0"/>
-          </a:p>
-        </p:txBody>
-      </p:sp>
-      <p:sp>
-        <p:nvSpPr>
-          <p:cNvPr id="4" name="Content Placeholder 3"/>
-          <p:cNvSpPr>
-            <a:spLocks noGrp="1"/>
-          </p:cNvSpPr>
-          <p:nvPr>
-            <p:ph idx="1"/>
-          </p:nvPr>
-        </p:nvSpPr>
-        <p:spPr/>
-        <p:txBody>
-          <a:bodyPr/>
-          <a:lstStyle/>
-          <a:p>
-            <a:endParaRPr lang="hu-HU" dirty="0"/>
+            <a:endParaRPr lang="hu-HU" sz="6000" dirty="0"/>
           </a:p>
         </p:txBody>
       </p:sp>
@@ -11108,12 +11182,22 @@
         </p:nvSpPr>
         <p:spPr/>
         <p:txBody>
-          <a:bodyPr/>
+          <a:bodyPr>
+            <a:normAutofit fontScale="90000"/>
+          </a:bodyPr>
           <a:lstStyle/>
           <a:p>
             <a:r>
-              <a:rPr lang="hu-HU" dirty="0" smtClean="0"/>
-              <a:t>Mobile Computing Aspects</a:t>
+              <a:rPr lang="en-US" dirty="0" smtClean="0"/>
+              <a:t>Problem: </a:t>
+            </a:r>
+            <a:r>
+              <a:rPr lang="hu-HU" dirty="0" smtClean="0"/>
+              <a:t>Mobile </a:t>
+            </a:r>
+            <a:r>
+              <a:rPr lang="hu-HU" dirty="0" smtClean="0"/>
+              <a:t>Computing Aspects</a:t>
             </a:r>
             <a:endParaRPr lang="hu-HU" dirty="0"/>
           </a:p>
@@ -11280,8 +11364,20 @@
             <a:pPr lvl="1"/>
             <a:r>
               <a:rPr lang="en-US" dirty="0" smtClean="0"/>
-              <a:t>You don’t live in an eventually consistent world</a:t>
-            </a:r>
+              <a:t>You don’t live in an eventually consistent </a:t>
+            </a:r>
+            <a:r>
+              <a:rPr lang="en-US" dirty="0" smtClean="0"/>
+              <a:t>world</a:t>
+            </a:r>
+          </a:p>
+          <a:p>
+            <a:pPr lvl="1"/>
+            <a:r>
+              <a:rPr lang="en-US" dirty="0" smtClean="0"/>
+              <a:t>You don’t want to live in it either.</a:t>
+            </a:r>
+            <a:endParaRPr lang="en-US" dirty="0" smtClean="0"/>
           </a:p>
           <a:p>
             <a:r>

--- a/presentation/slides_daniel.pptx
+++ b/presentation/slides_daniel.pptx
@@ -570,6 +570,22 @@
             <a:r>
               <a:rPr lang="hu-HU" dirty="0" smtClean="0"/>
               <a:t>project</a:t>
+            </a:r>
+            <a:r>
+              <a:rPr lang="en-US" dirty="0" smtClean="0"/>
+              <a:t> “Democratic weak consistent</a:t>
+            </a:r>
+            <a:r>
+              <a:rPr lang="en-US" baseline="0" dirty="0" smtClean="0"/>
+              <a:t> distributed systems with requires </a:t>
+            </a:r>
+            <a:r>
+              <a:rPr lang="en-US" baseline="0" smtClean="0"/>
+              <a:t>user interaction”</a:t>
+            </a:r>
+            <a:r>
+              <a:rPr lang="en-US" smtClean="0"/>
+              <a:t> </a:t>
             </a:r>
             <a:endParaRPr lang="en-US" dirty="0" smtClean="0"/>
           </a:p>
@@ -4685,6 +4701,14 @@
   <p:clrMapOvr>
     <a:masterClrMapping/>
   </p:clrMapOvr>
+  <mc:AlternateContent xmlns:mc="http://schemas.openxmlformats.org/markup-compatibility/2006">
+    <mc:Choice xmlns:p14="http://schemas.microsoft.com/office/powerpoint/2010/main" Requires="p14">
+      <p:transition spd="slow" p14:dur="2000"/>
+    </mc:Choice>
+    <mc:Fallback>
+      <p:transition spd="slow"/>
+    </mc:Fallback>
+  </mc:AlternateContent>
   <p:timing>
     <p:tnLst>
       <p:par>
@@ -7923,8 +7947,13 @@
             </a:r>
             <a:r>
               <a:rPr lang="hu-HU" dirty="0" smtClean="0"/>
-              <a:t>utomatic address book backup service – shouldn’t overwrite/remove previous addresses</a:t>
-            </a:r>
+              <a:t>utomatic address book backup service – shouldn’t overwrite/remove previous </a:t>
+            </a:r>
+            <a:r>
+              <a:rPr lang="en-US" dirty="0" smtClean="0"/>
+              <a:t>versions</a:t>
+            </a:r>
+            <a:endParaRPr lang="hu-HU" dirty="0" smtClean="0"/>
           </a:p>
           <a:p>
             <a:endParaRPr lang="hu-HU" dirty="0"/>
@@ -8440,7 +8469,7 @@
             </a:r>
             <a:r>
               <a:rPr lang="en-US" dirty="0" smtClean="0"/>
-              <a:t>- Availability-</a:t>
+              <a:t>-Availability-</a:t>
             </a:r>
             <a:r>
               <a:rPr lang="hu-HU" dirty="0" smtClean="0"/>
